--- a/c云服务架构/Saas&Paas架构设计.pptx
+++ b/c云服务架构/Saas&Paas架构设计.pptx
@@ -2,7 +2,7 @@
 <file path=ppt/presentation.xml><?xml version="1.0" encoding="utf-8"?>
 <p:presentation xmlns:a="http://schemas.openxmlformats.org/drawingml/2006/main" xmlns:r="http://schemas.openxmlformats.org/officeDocument/2006/relationships" xmlns:p="http://schemas.openxmlformats.org/presentationml/2006/main">
   <p:sldMasterIdLst>
-    <p:sldMasterId id="2147483648" r:id="rId1"/>
+    <p:sldMasterId id="2147483684" r:id="rId1"/>
   </p:sldMasterIdLst>
   <p:notesMasterIdLst>
     <p:notesMasterId r:id="rId15"/>
@@ -10,7 +10,7 @@
   <p:sldIdLst>
     <p:sldId id="256" r:id="rId2"/>
     <p:sldId id="266" r:id="rId3"/>
-    <p:sldId id="267" r:id="rId4"/>
+    <p:sldId id="280" r:id="rId4"/>
     <p:sldId id="268" r:id="rId5"/>
     <p:sldId id="269" r:id="rId6"/>
     <p:sldId id="271" r:id="rId7"/>
@@ -204,7 +204,7 @@
           <a:p>
             <a:fld id="{FCF34936-9BE8-4133-A782-55B70958D9F1}" type="datetimeFigureOut">
               <a:rPr lang="zh-CN" altLang="en-US" smtClean="0"/>
-              <a:t>2017/3/29</a:t>
+              <a:t>2017/3/30</a:t>
             </a:fld>
             <a:endParaRPr lang="zh-CN" altLang="en-US"/>
           </a:p>
@@ -925,7 +925,7 @@
 </file>
 
 <file path=ppt/slideLayouts/slideLayout1.xml><?xml version="1.0" encoding="utf-8"?>
-<p:sldLayout xmlns:a="http://schemas.openxmlformats.org/drawingml/2006/main" xmlns:r="http://schemas.openxmlformats.org/officeDocument/2006/relationships" xmlns:p="http://schemas.openxmlformats.org/presentationml/2006/main" type="title" preserve="1">
+<p:sldLayout xmlns:a="http://schemas.openxmlformats.org/drawingml/2006/main" xmlns:r="http://schemas.openxmlformats.org/officeDocument/2006/relationships" xmlns:p="http://schemas.openxmlformats.org/presentationml/2006/main" showMasterSp="0" type="title" preserve="1">
   <p:cSld name="标题幻灯片">
     <p:spTree>
       <p:nvGrpSpPr>
@@ -943,35 +943,276 @@
       </p:grpSpPr>
       <p:sp>
         <p:nvSpPr>
-          <p:cNvPr id="2" name="标题 1"/>
-          <p:cNvSpPr>
-            <a:spLocks noGrp="1"/>
-          </p:cNvSpPr>
-          <p:nvPr>
-            <p:ph type="ctrTitle"/>
-          </p:nvPr>
+          <p:cNvPr id="11" name="Rectangle 10"/>
+          <p:cNvSpPr/>
+          <p:nvPr/>
         </p:nvSpPr>
         <p:spPr>
           <a:xfrm>
-            <a:off x="975360" y="2678813"/>
-            <a:ext cx="11054080" cy="1848420"/>
-          </a:xfrm>
-        </p:spPr>
-        <p:txBody>
-          <a:bodyPr/>
+            <a:off x="0" y="4862294"/>
+            <a:ext cx="13004800" cy="3761006"/>
+          </a:xfrm>
+          <a:prstGeom prst="rect">
+            <a:avLst/>
+          </a:prstGeom>
+          <a:gradFill>
+            <a:gsLst>
+              <a:gs pos="0">
+                <a:schemeClr val="bg1">
+                  <a:alpha val="91000"/>
+                </a:schemeClr>
+              </a:gs>
+              <a:gs pos="37000">
+                <a:schemeClr val="bg1">
+                  <a:alpha val="76000"/>
+                </a:schemeClr>
+              </a:gs>
+              <a:gs pos="100000">
+                <a:schemeClr val="bg2">
+                  <a:alpha val="79000"/>
+                </a:schemeClr>
+              </a:gs>
+            </a:gsLst>
+            <a:path path="circle">
+              <a:fillToRect l="50000" t="50000" r="50000" b="50000"/>
+            </a:path>
+          </a:gradFill>
+          <a:ln>
+            <a:noFill/>
+          </a:ln>
+        </p:spPr>
+        <p:style>
+          <a:lnRef idx="2">
+            <a:schemeClr val="accent1">
+              <a:shade val="50000"/>
+            </a:schemeClr>
+          </a:lnRef>
+          <a:fillRef idx="1">
+            <a:schemeClr val="accent1"/>
+          </a:fillRef>
+          <a:effectRef idx="0">
+            <a:schemeClr val="accent1"/>
+          </a:effectRef>
+          <a:fontRef idx="minor">
+            <a:schemeClr val="lt1"/>
+          </a:fontRef>
+        </p:style>
+        <p:txBody>
+          <a:bodyPr lIns="123581" tIns="61791" rIns="123581" bIns="61791" rtlCol="0" anchor="ctr"/>
           <a:lstStyle/>
           <a:p>
-            <a:r>
-              <a:rPr lang="zh-CN" altLang="en-US" smtClean="0"/>
-              <a:t>单击此处编辑母版标题样式</a:t>
-            </a:r>
-            <a:endParaRPr lang="zh-CN" altLang="en-US"/>
-          </a:p>
-        </p:txBody>
-      </p:sp>
-      <p:sp>
-        <p:nvSpPr>
-          <p:cNvPr id="3" name="副标题 2"/>
+            <a:pPr algn="ctr"/>
+            <a:endParaRPr lang="en-US"/>
+          </a:p>
+        </p:txBody>
+      </p:sp>
+      <p:sp>
+        <p:nvSpPr>
+          <p:cNvPr id="12" name="Rectangle 11"/>
+          <p:cNvSpPr/>
+          <p:nvPr/>
+        </p:nvSpPr>
+        <p:spPr>
+          <a:xfrm>
+            <a:off x="0" y="0"/>
+            <a:ext cx="13004800" cy="4862294"/>
+          </a:xfrm>
+          <a:prstGeom prst="rect">
+            <a:avLst/>
+          </a:prstGeom>
+          <a:gradFill flip="none" rotWithShape="1">
+            <a:gsLst>
+              <a:gs pos="0">
+                <a:schemeClr val="bg1">
+                  <a:alpha val="89000"/>
+                </a:schemeClr>
+              </a:gs>
+              <a:gs pos="48000">
+                <a:schemeClr val="bg1">
+                  <a:alpha val="62000"/>
+                </a:schemeClr>
+              </a:gs>
+              <a:gs pos="100000">
+                <a:schemeClr val="bg2">
+                  <a:alpha val="79000"/>
+                </a:schemeClr>
+              </a:gs>
+            </a:gsLst>
+            <a:path path="circle">
+              <a:fillToRect l="50000" t="50000" r="50000" b="50000"/>
+            </a:path>
+            <a:tileRect/>
+          </a:gradFill>
+          <a:ln>
+            <a:noFill/>
+          </a:ln>
+        </p:spPr>
+        <p:style>
+          <a:lnRef idx="2">
+            <a:schemeClr val="accent1">
+              <a:shade val="50000"/>
+            </a:schemeClr>
+          </a:lnRef>
+          <a:fillRef idx="1">
+            <a:schemeClr val="accent1"/>
+          </a:fillRef>
+          <a:effectRef idx="0">
+            <a:schemeClr val="accent1"/>
+          </a:effectRef>
+          <a:fontRef idx="minor">
+            <a:schemeClr val="lt1"/>
+          </a:fontRef>
+        </p:style>
+        <p:txBody>
+          <a:bodyPr lIns="123581" tIns="61791" rIns="123581" bIns="61791" rtlCol="0" anchor="ctr"/>
+          <a:lstStyle/>
+          <a:p>
+            <a:pPr algn="ctr"/>
+            <a:endParaRPr lang="en-US" dirty="0"/>
+          </a:p>
+        </p:txBody>
+      </p:sp>
+      <p:sp>
+        <p:nvSpPr>
+          <p:cNvPr id="13" name="Rectangle 12"/>
+          <p:cNvSpPr/>
+          <p:nvPr/>
+        </p:nvSpPr>
+        <p:spPr>
+          <a:xfrm>
+            <a:off x="0" y="3335036"/>
+            <a:ext cx="13004800" cy="2874433"/>
+          </a:xfrm>
+          <a:prstGeom prst="rect">
+            <a:avLst/>
+          </a:prstGeom>
+          <a:gradFill flip="none" rotWithShape="1">
+            <a:gsLst>
+              <a:gs pos="0">
+                <a:schemeClr val="bg1">
+                  <a:alpha val="0"/>
+                </a:schemeClr>
+              </a:gs>
+              <a:gs pos="29000">
+                <a:schemeClr val="bg1">
+                  <a:alpha val="30000"/>
+                </a:schemeClr>
+              </a:gs>
+              <a:gs pos="45000">
+                <a:schemeClr val="bg2">
+                  <a:alpha val="40000"/>
+                </a:schemeClr>
+              </a:gs>
+              <a:gs pos="55000">
+                <a:schemeClr val="bg1">
+                  <a:alpha val="26000"/>
+                </a:schemeClr>
+              </a:gs>
+              <a:gs pos="65000">
+                <a:schemeClr val="bg2">
+                  <a:alpha val="60000"/>
+                </a:schemeClr>
+              </a:gs>
+              <a:gs pos="100000">
+                <a:schemeClr val="bg1">
+                  <a:alpha val="0"/>
+                </a:schemeClr>
+              </a:gs>
+            </a:gsLst>
+            <a:lin ang="5400000" scaled="0"/>
+            <a:tileRect/>
+          </a:gradFill>
+          <a:ln>
+            <a:noFill/>
+          </a:ln>
+        </p:spPr>
+        <p:style>
+          <a:lnRef idx="2">
+            <a:schemeClr val="accent1">
+              <a:shade val="50000"/>
+            </a:schemeClr>
+          </a:lnRef>
+          <a:fillRef idx="1">
+            <a:schemeClr val="accent1"/>
+          </a:fillRef>
+          <a:effectRef idx="0">
+            <a:schemeClr val="accent1"/>
+          </a:effectRef>
+          <a:fontRef idx="minor">
+            <a:schemeClr val="lt1"/>
+          </a:fontRef>
+        </p:style>
+        <p:txBody>
+          <a:bodyPr lIns="123581" tIns="61791" rIns="123581" bIns="61791" rtlCol="0" anchor="ctr"/>
+          <a:lstStyle/>
+          <a:p>
+            <a:pPr algn="ctr"/>
+            <a:endParaRPr lang="en-US"/>
+          </a:p>
+        </p:txBody>
+      </p:sp>
+      <p:sp>
+        <p:nvSpPr>
+          <p:cNvPr id="14" name="Oval 13"/>
+          <p:cNvSpPr/>
+          <p:nvPr/>
+        </p:nvSpPr>
+        <p:spPr>
+          <a:xfrm>
+            <a:off x="0" y="2012103"/>
+            <a:ext cx="13004800" cy="6419568"/>
+          </a:xfrm>
+          <a:prstGeom prst="ellipse">
+            <a:avLst/>
+          </a:prstGeom>
+          <a:gradFill flip="none" rotWithShape="1">
+            <a:gsLst>
+              <a:gs pos="0">
+                <a:schemeClr val="bg1"/>
+              </a:gs>
+              <a:gs pos="54000">
+                <a:schemeClr val="bg1">
+                  <a:alpha val="0"/>
+                </a:schemeClr>
+              </a:gs>
+            </a:gsLst>
+            <a:path path="circle">
+              <a:fillToRect l="50000" t="50000" r="50000" b="50000"/>
+            </a:path>
+            <a:tileRect/>
+          </a:gradFill>
+          <a:ln>
+            <a:noFill/>
+          </a:ln>
+        </p:spPr>
+        <p:style>
+          <a:lnRef idx="2">
+            <a:schemeClr val="accent1">
+              <a:shade val="50000"/>
+            </a:schemeClr>
+          </a:lnRef>
+          <a:fillRef idx="1">
+            <a:schemeClr val="accent1"/>
+          </a:fillRef>
+          <a:effectRef idx="0">
+            <a:schemeClr val="accent1"/>
+          </a:effectRef>
+          <a:fontRef idx="minor">
+            <a:schemeClr val="lt1"/>
+          </a:fontRef>
+        </p:style>
+        <p:txBody>
+          <a:bodyPr lIns="123581" tIns="61791" rIns="123581" bIns="61791" rtlCol="0" anchor="ctr"/>
+          <a:lstStyle/>
+          <a:p>
+            <a:pPr algn="ctr"/>
+            <a:endParaRPr lang="en-US"/>
+          </a:p>
+        </p:txBody>
+      </p:sp>
+      <p:sp>
+        <p:nvSpPr>
+          <p:cNvPr id="3" name="Subtitle 2"/>
           <p:cNvSpPr>
             <a:spLocks noGrp="1"/>
           </p:cNvSpPr>
@@ -981,24 +1222,24 @@
         </p:nvSpPr>
         <p:spPr>
           <a:xfrm>
-            <a:off x="1950720" y="4886537"/>
-            <a:ext cx="9103360" cy="2203732"/>
-          </a:xfrm>
-        </p:spPr>
-        <p:txBody>
-          <a:bodyPr/>
+            <a:off x="2096064" y="6353108"/>
+            <a:ext cx="8017081" cy="1109183"/>
+          </a:xfrm>
+        </p:spPr>
+        <p:txBody>
+          <a:bodyPr>
+            <a:normAutofit/>
+          </a:bodyPr>
           <a:lstStyle>
-            <a:lvl1pPr marL="0" indent="0" algn="ctr">
+            <a:lvl1pPr marL="0" indent="0" algn="l">
               <a:buNone/>
-              <a:defRPr>
+              <a:defRPr sz="3000">
                 <a:solidFill>
-                  <a:schemeClr val="tx1">
-                    <a:tint val="75000"/>
-                  </a:schemeClr>
+                  <a:schemeClr val="tx2"/>
                 </a:solidFill>
               </a:defRPr>
             </a:lvl1pPr>
-            <a:lvl2pPr marL="617855" indent="0" algn="ctr">
+            <a:lvl2pPr marL="617906" indent="0" algn="ctr">
               <a:buNone/>
               <a:defRPr>
                 <a:solidFill>
@@ -1008,7 +1249,7 @@
                 </a:solidFill>
               </a:defRPr>
             </a:lvl2pPr>
-            <a:lvl3pPr marL="1235710" indent="0" algn="ctr">
+            <a:lvl3pPr marL="1235812" indent="0" algn="ctr">
               <a:buNone/>
               <a:defRPr>
                 <a:solidFill>
@@ -1018,7 +1259,7 @@
                 </a:solidFill>
               </a:defRPr>
             </a:lvl3pPr>
-            <a:lvl4pPr marL="1853565" indent="0" algn="ctr">
+            <a:lvl4pPr marL="1853717" indent="0" algn="ctr">
               <a:buNone/>
               <a:defRPr>
                 <a:solidFill>
@@ -1028,7 +1269,7 @@
                 </a:solidFill>
               </a:defRPr>
             </a:lvl4pPr>
-            <a:lvl5pPr marL="2471420" indent="0" algn="ctr">
+            <a:lvl5pPr marL="2471623" indent="0" algn="ctr">
               <a:buNone/>
               <a:defRPr>
                 <a:solidFill>
@@ -1038,7 +1279,7 @@
                 </a:solidFill>
               </a:defRPr>
             </a:lvl5pPr>
-            <a:lvl6pPr marL="3089275" indent="0" algn="ctr">
+            <a:lvl6pPr marL="3089529" indent="0" algn="ctr">
               <a:buNone/>
               <a:defRPr>
                 <a:solidFill>
@@ -1048,7 +1289,7 @@
                 </a:solidFill>
               </a:defRPr>
             </a:lvl6pPr>
-            <a:lvl7pPr marL="3707130" indent="0" algn="ctr">
+            <a:lvl7pPr marL="3707435" indent="0" algn="ctr">
               <a:buNone/>
               <a:defRPr>
                 <a:solidFill>
@@ -1058,7 +1299,7 @@
                 </a:solidFill>
               </a:defRPr>
             </a:lvl7pPr>
-            <a:lvl8pPr marL="4325620" indent="0" algn="ctr">
+            <a:lvl8pPr marL="4325341" indent="0" algn="ctr">
               <a:buNone/>
               <a:defRPr>
                 <a:solidFill>
@@ -1068,7 +1309,7 @@
                 </a:solidFill>
               </a:defRPr>
             </a:lvl8pPr>
-            <a:lvl9pPr marL="4943475" indent="0" algn="ctr">
+            <a:lvl9pPr marL="4943246" indent="0" algn="ctr">
               <a:buNone/>
               <a:defRPr>
                 <a:solidFill>
@@ -1084,13 +1325,13 @@
               <a:rPr lang="zh-CN" altLang="en-US" smtClean="0"/>
               <a:t>单击此处编辑母版副标题样式</a:t>
             </a:r>
-            <a:endParaRPr lang="zh-CN" altLang="en-US"/>
-          </a:p>
-        </p:txBody>
-      </p:sp>
-      <p:sp>
-        <p:nvSpPr>
-          <p:cNvPr id="4" name="日期占位符 3"/>
+            <a:endParaRPr lang="en-US" dirty="0"/>
+          </a:p>
+        </p:txBody>
+      </p:sp>
+      <p:sp>
+        <p:nvSpPr>
+          <p:cNvPr id="4" name="Date Placeholder 3"/>
           <p:cNvSpPr>
             <a:spLocks noGrp="1"/>
           </p:cNvSpPr>
@@ -1105,7 +1346,7 @@
           <a:p>
             <a:fld id="{A9A3A160-64B0-433E-876E-E206ABB7688A}" type="datetimeFigureOut">
               <a:rPr lang="zh-CN" altLang="en-US" smtClean="0"/>
-              <a:t>2017/3/29</a:t>
+              <a:t>2017/3/30</a:t>
             </a:fld>
             <a:endParaRPr lang="zh-CN" altLang="en-US"/>
           </a:p>
@@ -1113,7 +1354,7 @@
       </p:sp>
       <p:sp>
         <p:nvSpPr>
-          <p:cNvPr id="5" name="页脚占位符 4"/>
+          <p:cNvPr id="5" name="Footer Placeholder 4"/>
           <p:cNvSpPr>
             <a:spLocks noGrp="1"/>
           </p:cNvSpPr>
@@ -1132,7 +1373,7 @@
       </p:sp>
       <p:sp>
         <p:nvSpPr>
-          <p:cNvPr id="6" name="灯片编号占位符 5"/>
+          <p:cNvPr id="6" name="Slide Number Placeholder 5"/>
           <p:cNvSpPr>
             <a:spLocks noGrp="1"/>
           </p:cNvSpPr>
@@ -1153,11 +1394,53 @@
           </a:p>
         </p:txBody>
       </p:sp>
+      <p:sp>
+        <p:nvSpPr>
+          <p:cNvPr id="2" name="Title 1"/>
+          <p:cNvSpPr>
+            <a:spLocks noGrp="1"/>
+          </p:cNvSpPr>
+          <p:nvPr>
+            <p:ph type="ctrTitle"/>
+          </p:nvPr>
+        </p:nvSpPr>
+        <p:spPr>
+          <a:xfrm>
+            <a:off x="1162782" y="3938566"/>
+            <a:ext cx="10204944" cy="2254741"/>
+          </a:xfrm>
+          <a:effectLst/>
+        </p:spPr>
+        <p:txBody>
+          <a:bodyPr>
+            <a:noAutofit/>
+          </a:bodyPr>
+          <a:lstStyle>
+            <a:lvl1pPr marL="865068" indent="-617906" algn="l">
+              <a:defRPr sz="7300"/>
+            </a:lvl1pPr>
+          </a:lstStyle>
+          <a:p>
+            <a:r>
+              <a:rPr lang="zh-CN" altLang="en-US" smtClean="0"/>
+              <a:t>单击此处编辑母版标题样式</a:t>
+            </a:r>
+            <a:endParaRPr lang="en-US" dirty="0"/>
+          </a:p>
+        </p:txBody>
+      </p:sp>
     </p:spTree>
   </p:cSld>
   <p:clrMapOvr>
     <a:masterClrMapping/>
   </p:clrMapOvr>
+  <p:timing>
+    <p:tnLst>
+      <p:par>
+        <p:cTn id="1" dur="indefinite" restart="never" nodeType="tmRoot"/>
+      </p:par>
+    </p:tnLst>
+  </p:timing>
 </p:sldLayout>
 </file>
 
@@ -1180,7 +1463,7 @@
       </p:grpSpPr>
       <p:sp>
         <p:nvSpPr>
-          <p:cNvPr id="2" name="标题 1"/>
+          <p:cNvPr id="2" name="Title 1"/>
           <p:cNvSpPr>
             <a:spLocks noGrp="1"/>
           </p:cNvSpPr>
@@ -1197,13 +1480,13 @@
               <a:rPr lang="zh-CN" altLang="en-US" smtClean="0"/>
               <a:t>单击此处编辑母版标题样式</a:t>
             </a:r>
-            <a:endParaRPr lang="zh-CN" altLang="en-US"/>
-          </a:p>
-        </p:txBody>
-      </p:sp>
-      <p:sp>
-        <p:nvSpPr>
-          <p:cNvPr id="3" name="竖排文字占位符 2"/>
+            <a:endParaRPr lang="en-US"/>
+          </a:p>
+        </p:txBody>
+      </p:sp>
+      <p:sp>
+        <p:nvSpPr>
+          <p:cNvPr id="3" name="Vertical Text Placeholder 2"/>
           <p:cNvSpPr>
             <a:spLocks noGrp="1"/>
           </p:cNvSpPr>
@@ -1211,7 +1494,12 @@
             <p:ph type="body" orient="vert" idx="1"/>
           </p:nvPr>
         </p:nvSpPr>
-        <p:spPr/>
+        <p:spPr>
+          <a:xfrm>
+            <a:off x="2709333" y="919817"/>
+            <a:ext cx="9103360" cy="4369139"/>
+          </a:xfrm>
+        </p:spPr>
         <p:txBody>
           <a:bodyPr vert="eaVert"/>
           <a:lstStyle/>
@@ -1249,13 +1537,13 @@
               <a:rPr lang="zh-CN" altLang="en-US" smtClean="0"/>
               <a:t>第五级</a:t>
             </a:r>
-            <a:endParaRPr lang="zh-CN" altLang="en-US"/>
-          </a:p>
-        </p:txBody>
-      </p:sp>
-      <p:sp>
-        <p:nvSpPr>
-          <p:cNvPr id="4" name="日期占位符 3"/>
+            <a:endParaRPr lang="en-US"/>
+          </a:p>
+        </p:txBody>
+      </p:sp>
+      <p:sp>
+        <p:nvSpPr>
+          <p:cNvPr id="4" name="Date Placeholder 3"/>
           <p:cNvSpPr>
             <a:spLocks noGrp="1"/>
           </p:cNvSpPr>
@@ -1270,7 +1558,7 @@
           <a:p>
             <a:fld id="{A9A3A160-64B0-433E-876E-E206ABB7688A}" type="datetimeFigureOut">
               <a:rPr lang="zh-CN" altLang="en-US" smtClean="0"/>
-              <a:t>2017/3/29</a:t>
+              <a:t>2017/3/30</a:t>
             </a:fld>
             <a:endParaRPr lang="zh-CN" altLang="en-US"/>
           </a:p>
@@ -1278,7 +1566,7 @@
       </p:sp>
       <p:sp>
         <p:nvSpPr>
-          <p:cNvPr id="5" name="页脚占位符 4"/>
+          <p:cNvPr id="5" name="Footer Placeholder 4"/>
           <p:cNvSpPr>
             <a:spLocks noGrp="1"/>
           </p:cNvSpPr>
@@ -1297,7 +1585,7 @@
       </p:sp>
       <p:sp>
         <p:nvSpPr>
-          <p:cNvPr id="6" name="灯片编号占位符 5"/>
+          <p:cNvPr id="6" name="Slide Number Placeholder 5"/>
           <p:cNvSpPr>
             <a:spLocks noGrp="1"/>
           </p:cNvSpPr>
@@ -1323,6 +1611,13 @@
   <p:clrMapOvr>
     <a:masterClrMapping/>
   </p:clrMapOvr>
+  <p:timing>
+    <p:tnLst>
+      <p:par>
+        <p:cTn id="1" dur="indefinite" restart="never" nodeType="tmRoot"/>
+      </p:par>
+    </p:tnLst>
+  </p:timing>
 </p:sldLayout>
 </file>
 
@@ -1345,7 +1640,7 @@
       </p:grpSpPr>
       <p:sp>
         <p:nvSpPr>
-          <p:cNvPr id="2" name="竖排标题 1"/>
+          <p:cNvPr id="2" name="Vertical Title 1"/>
           <p:cNvSpPr>
             <a:spLocks noGrp="1"/>
           </p:cNvSpPr>
@@ -1355,25 +1650,30 @@
         </p:nvSpPr>
         <p:spPr>
           <a:xfrm>
-            <a:off x="9428480" y="345332"/>
-            <a:ext cx="2926080" cy="7357751"/>
-          </a:xfrm>
+            <a:off x="1640900" y="473436"/>
+            <a:ext cx="2926080" cy="6586726"/>
+          </a:xfrm>
+          <a:effectLst/>
         </p:spPr>
         <p:txBody>
           <a:bodyPr vert="eaVert"/>
-          <a:lstStyle/>
+          <a:lstStyle>
+            <a:lvl1pPr algn="l">
+              <a:defRPr/>
+            </a:lvl1pPr>
+          </a:lstStyle>
           <a:p>
             <a:r>
               <a:rPr lang="zh-CN" altLang="en-US" smtClean="0"/>
               <a:t>单击此处编辑母版标题样式</a:t>
             </a:r>
-            <a:endParaRPr lang="zh-CN" altLang="en-US"/>
-          </a:p>
-        </p:txBody>
-      </p:sp>
-      <p:sp>
-        <p:nvSpPr>
-          <p:cNvPr id="3" name="竖排文字占位符 2"/>
+            <a:endParaRPr lang="en-US"/>
+          </a:p>
+        </p:txBody>
+      </p:sp>
+      <p:sp>
+        <p:nvSpPr>
+          <p:cNvPr id="3" name="Vertical Text Placeholder 2"/>
           <p:cNvSpPr>
             <a:spLocks noGrp="1"/>
           </p:cNvSpPr>
@@ -1383,8 +1683,8 @@
         </p:nvSpPr>
         <p:spPr>
           <a:xfrm>
-            <a:off x="650240" y="345332"/>
-            <a:ext cx="8561493" cy="7357751"/>
+            <a:off x="4727628" y="919818"/>
+            <a:ext cx="6868319" cy="6154669"/>
           </a:xfrm>
         </p:spPr>
         <p:txBody>
@@ -1424,13 +1724,13 @@
               <a:rPr lang="zh-CN" altLang="en-US" smtClean="0"/>
               <a:t>第五级</a:t>
             </a:r>
-            <a:endParaRPr lang="zh-CN" altLang="en-US"/>
-          </a:p>
-        </p:txBody>
-      </p:sp>
-      <p:sp>
-        <p:nvSpPr>
-          <p:cNvPr id="4" name="日期占位符 3"/>
+            <a:endParaRPr lang="en-US" dirty="0"/>
+          </a:p>
+        </p:txBody>
+      </p:sp>
+      <p:sp>
+        <p:nvSpPr>
+          <p:cNvPr id="4" name="Date Placeholder 3"/>
           <p:cNvSpPr>
             <a:spLocks noGrp="1"/>
           </p:cNvSpPr>
@@ -1445,7 +1745,7 @@
           <a:p>
             <a:fld id="{A9A3A160-64B0-433E-876E-E206ABB7688A}" type="datetimeFigureOut">
               <a:rPr lang="zh-CN" altLang="en-US" smtClean="0"/>
-              <a:t>2017/3/29</a:t>
+              <a:t>2017/3/30</a:t>
             </a:fld>
             <a:endParaRPr lang="zh-CN" altLang="en-US"/>
           </a:p>
@@ -1453,7 +1753,7 @@
       </p:sp>
       <p:sp>
         <p:nvSpPr>
-          <p:cNvPr id="5" name="页脚占位符 4"/>
+          <p:cNvPr id="5" name="Footer Placeholder 4"/>
           <p:cNvSpPr>
             <a:spLocks noGrp="1"/>
           </p:cNvSpPr>
@@ -1472,7 +1772,7 @@
       </p:sp>
       <p:sp>
         <p:nvSpPr>
-          <p:cNvPr id="6" name="灯片编号占位符 5"/>
+          <p:cNvPr id="6" name="Slide Number Placeholder 5"/>
           <p:cNvSpPr>
             <a:spLocks noGrp="1"/>
           </p:cNvSpPr>
@@ -1498,6 +1798,13 @@
   <p:clrMapOvr>
     <a:masterClrMapping/>
   </p:clrMapOvr>
+  <p:timing>
+    <p:tnLst>
+      <p:par>
+        <p:cTn id="1" dur="indefinite" restart="never" nodeType="tmRoot"/>
+      </p:par>
+    </p:tnLst>
+  </p:timing>
 </p:sldLayout>
 </file>
 
@@ -1520,7 +1827,72 @@
       </p:grpSpPr>
       <p:sp>
         <p:nvSpPr>
-          <p:cNvPr id="2" name="标题 1"/>
+          <p:cNvPr id="4" name="Date Placeholder 3"/>
+          <p:cNvSpPr>
+            <a:spLocks noGrp="1"/>
+          </p:cNvSpPr>
+          <p:nvPr>
+            <p:ph type="dt" sz="half" idx="10"/>
+          </p:nvPr>
+        </p:nvSpPr>
+        <p:spPr/>
+        <p:txBody>
+          <a:bodyPr/>
+          <a:lstStyle/>
+          <a:p>
+            <a:fld id="{A9A3A160-64B0-433E-876E-E206ABB7688A}" type="datetimeFigureOut">
+              <a:rPr lang="zh-CN" altLang="en-US" smtClean="0"/>
+              <a:t>2017/3/30</a:t>
+            </a:fld>
+            <a:endParaRPr lang="zh-CN" altLang="en-US"/>
+          </a:p>
+        </p:txBody>
+      </p:sp>
+      <p:sp>
+        <p:nvSpPr>
+          <p:cNvPr id="5" name="Footer Placeholder 4"/>
+          <p:cNvSpPr>
+            <a:spLocks noGrp="1"/>
+          </p:cNvSpPr>
+          <p:nvPr>
+            <p:ph type="ftr" sz="quarter" idx="11"/>
+          </p:nvPr>
+        </p:nvSpPr>
+        <p:spPr/>
+        <p:txBody>
+          <a:bodyPr/>
+          <a:lstStyle/>
+          <a:p>
+            <a:endParaRPr lang="zh-CN" altLang="en-US"/>
+          </a:p>
+        </p:txBody>
+      </p:sp>
+      <p:sp>
+        <p:nvSpPr>
+          <p:cNvPr id="6" name="Slide Number Placeholder 5"/>
+          <p:cNvSpPr>
+            <a:spLocks noGrp="1"/>
+          </p:cNvSpPr>
+          <p:nvPr>
+            <p:ph type="sldNum" sz="quarter" idx="12"/>
+          </p:nvPr>
+        </p:nvSpPr>
+        <p:spPr/>
+        <p:txBody>
+          <a:bodyPr/>
+          <a:lstStyle/>
+          <a:p>
+            <a:fld id="{8E7E355E-4409-4378-9288-8E64B801C0E9}" type="slidenum">
+              <a:rPr lang="zh-CN" altLang="en-US" smtClean="0"/>
+              <a:t>‹#›</a:t>
+            </a:fld>
+            <a:endParaRPr lang="zh-CN" altLang="en-US"/>
+          </a:p>
+        </p:txBody>
+      </p:sp>
+      <p:sp>
+        <p:nvSpPr>
+          <p:cNvPr id="8" name="Title 7"/>
           <p:cNvSpPr>
             <a:spLocks noGrp="1"/>
           </p:cNvSpPr>
@@ -1537,21 +1909,26 @@
               <a:rPr lang="zh-CN" altLang="en-US" smtClean="0"/>
               <a:t>单击此处编辑母版标题样式</a:t>
             </a:r>
-            <a:endParaRPr lang="zh-CN" altLang="en-US"/>
-          </a:p>
-        </p:txBody>
-      </p:sp>
-      <p:sp>
-        <p:nvSpPr>
-          <p:cNvPr id="3" name="内容占位符 2"/>
+            <a:endParaRPr lang="en-US"/>
+          </a:p>
+        </p:txBody>
+      </p:sp>
+      <p:sp>
+        <p:nvSpPr>
+          <p:cNvPr id="10" name="Content Placeholder 9"/>
           <p:cNvSpPr>
             <a:spLocks noGrp="1"/>
           </p:cNvSpPr>
           <p:nvPr>
-            <p:ph idx="1"/>
+            <p:ph sz="quarter" idx="13"/>
           </p:nvPr>
         </p:nvSpPr>
-        <p:spPr/>
+        <p:spPr>
+          <a:xfrm>
+            <a:off x="1625600" y="919819"/>
+            <a:ext cx="9103360" cy="4369139"/>
+          </a:xfrm>
+        </p:spPr>
         <p:txBody>
           <a:bodyPr/>
           <a:lstStyle/>
@@ -1589,72 +1966,7 @@
               <a:rPr lang="zh-CN" altLang="en-US" smtClean="0"/>
               <a:t>第五级</a:t>
             </a:r>
-            <a:endParaRPr lang="zh-CN" altLang="en-US"/>
-          </a:p>
-        </p:txBody>
-      </p:sp>
-      <p:sp>
-        <p:nvSpPr>
-          <p:cNvPr id="4" name="日期占位符 3"/>
-          <p:cNvSpPr>
-            <a:spLocks noGrp="1"/>
-          </p:cNvSpPr>
-          <p:nvPr>
-            <p:ph type="dt" sz="half" idx="10"/>
-          </p:nvPr>
-        </p:nvSpPr>
-        <p:spPr/>
-        <p:txBody>
-          <a:bodyPr/>
-          <a:lstStyle/>
-          <a:p>
-            <a:fld id="{A9A3A160-64B0-433E-876E-E206ABB7688A}" type="datetimeFigureOut">
-              <a:rPr lang="zh-CN" altLang="en-US" smtClean="0"/>
-              <a:t>2017/3/29</a:t>
-            </a:fld>
-            <a:endParaRPr lang="zh-CN" altLang="en-US"/>
-          </a:p>
-        </p:txBody>
-      </p:sp>
-      <p:sp>
-        <p:nvSpPr>
-          <p:cNvPr id="5" name="页脚占位符 4"/>
-          <p:cNvSpPr>
-            <a:spLocks noGrp="1"/>
-          </p:cNvSpPr>
-          <p:nvPr>
-            <p:ph type="ftr" sz="quarter" idx="11"/>
-          </p:nvPr>
-        </p:nvSpPr>
-        <p:spPr/>
-        <p:txBody>
-          <a:bodyPr/>
-          <a:lstStyle/>
-          <a:p>
-            <a:endParaRPr lang="zh-CN" altLang="en-US"/>
-          </a:p>
-        </p:txBody>
-      </p:sp>
-      <p:sp>
-        <p:nvSpPr>
-          <p:cNvPr id="6" name="灯片编号占位符 5"/>
-          <p:cNvSpPr>
-            <a:spLocks noGrp="1"/>
-          </p:cNvSpPr>
-          <p:nvPr>
-            <p:ph type="sldNum" sz="quarter" idx="12"/>
-          </p:nvPr>
-        </p:nvSpPr>
-        <p:spPr/>
-        <p:txBody>
-          <a:bodyPr/>
-          <a:lstStyle/>
-          <a:p>
-            <a:fld id="{8E7E355E-4409-4378-9288-8E64B801C0E9}" type="slidenum">
-              <a:rPr lang="zh-CN" altLang="en-US" smtClean="0"/>
-              <a:t>‹#›</a:t>
-            </a:fld>
-            <a:endParaRPr lang="zh-CN" altLang="en-US"/>
+            <a:endParaRPr lang="en-US" dirty="0"/>
           </a:p>
         </p:txBody>
       </p:sp>
@@ -1663,6 +1975,13 @@
   <p:clrMapOvr>
     <a:masterClrMapping/>
   </p:clrMapOvr>
+  <p:timing>
+    <p:tnLst>
+      <p:par>
+        <p:cTn id="1" dur="indefinite" restart="never" nodeType="tmRoot"/>
+      </p:par>
+    </p:tnLst>
+  </p:timing>
 </p:sldLayout>
 </file>
 
@@ -1685,7 +2004,276 @@
       </p:grpSpPr>
       <p:sp>
         <p:nvSpPr>
-          <p:cNvPr id="2" name="标题 1"/>
+          <p:cNvPr id="7" name="Rectangle 6"/>
+          <p:cNvSpPr/>
+          <p:nvPr/>
+        </p:nvSpPr>
+        <p:spPr>
+          <a:xfrm>
+            <a:off x="0" y="4862294"/>
+            <a:ext cx="13004800" cy="3761006"/>
+          </a:xfrm>
+          <a:prstGeom prst="rect">
+            <a:avLst/>
+          </a:prstGeom>
+          <a:gradFill>
+            <a:gsLst>
+              <a:gs pos="0">
+                <a:schemeClr val="bg1">
+                  <a:alpha val="92000"/>
+                </a:schemeClr>
+              </a:gs>
+              <a:gs pos="37000">
+                <a:schemeClr val="bg1">
+                  <a:alpha val="77000"/>
+                </a:schemeClr>
+              </a:gs>
+              <a:gs pos="100000">
+                <a:schemeClr val="bg2">
+                  <a:alpha val="80000"/>
+                </a:schemeClr>
+              </a:gs>
+            </a:gsLst>
+            <a:path path="circle">
+              <a:fillToRect l="50000" t="50000" r="50000" b="50000"/>
+            </a:path>
+          </a:gradFill>
+          <a:ln>
+            <a:noFill/>
+          </a:ln>
+        </p:spPr>
+        <p:style>
+          <a:lnRef idx="2">
+            <a:schemeClr val="accent1">
+              <a:shade val="50000"/>
+            </a:schemeClr>
+          </a:lnRef>
+          <a:fillRef idx="1">
+            <a:schemeClr val="accent1"/>
+          </a:fillRef>
+          <a:effectRef idx="0">
+            <a:schemeClr val="accent1"/>
+          </a:effectRef>
+          <a:fontRef idx="minor">
+            <a:schemeClr val="lt1"/>
+          </a:fontRef>
+        </p:style>
+        <p:txBody>
+          <a:bodyPr lIns="123581" tIns="61791" rIns="123581" bIns="61791" rtlCol="0" anchor="ctr"/>
+          <a:lstStyle/>
+          <a:p>
+            <a:pPr algn="ctr"/>
+            <a:endParaRPr lang="en-US"/>
+          </a:p>
+        </p:txBody>
+      </p:sp>
+      <p:sp>
+        <p:nvSpPr>
+          <p:cNvPr id="8" name="Rectangle 7"/>
+          <p:cNvSpPr/>
+          <p:nvPr/>
+        </p:nvSpPr>
+        <p:spPr>
+          <a:xfrm>
+            <a:off x="0" y="0"/>
+            <a:ext cx="13004800" cy="4862294"/>
+          </a:xfrm>
+          <a:prstGeom prst="rect">
+            <a:avLst/>
+          </a:prstGeom>
+          <a:gradFill flip="none" rotWithShape="1">
+            <a:gsLst>
+              <a:gs pos="0">
+                <a:schemeClr val="bg1">
+                  <a:alpha val="90000"/>
+                </a:schemeClr>
+              </a:gs>
+              <a:gs pos="48000">
+                <a:schemeClr val="bg1">
+                  <a:alpha val="63000"/>
+                </a:schemeClr>
+              </a:gs>
+              <a:gs pos="100000">
+                <a:schemeClr val="bg2">
+                  <a:alpha val="80000"/>
+                </a:schemeClr>
+              </a:gs>
+            </a:gsLst>
+            <a:path path="circle">
+              <a:fillToRect l="50000" t="50000" r="50000" b="50000"/>
+            </a:path>
+            <a:tileRect/>
+          </a:gradFill>
+          <a:ln>
+            <a:noFill/>
+          </a:ln>
+        </p:spPr>
+        <p:style>
+          <a:lnRef idx="2">
+            <a:schemeClr val="accent1">
+              <a:shade val="50000"/>
+            </a:schemeClr>
+          </a:lnRef>
+          <a:fillRef idx="1">
+            <a:schemeClr val="accent1"/>
+          </a:fillRef>
+          <a:effectRef idx="0">
+            <a:schemeClr val="accent1"/>
+          </a:effectRef>
+          <a:fontRef idx="minor">
+            <a:schemeClr val="lt1"/>
+          </a:fontRef>
+        </p:style>
+        <p:txBody>
+          <a:bodyPr lIns="123581" tIns="61791" rIns="123581" bIns="61791" rtlCol="0" anchor="ctr"/>
+          <a:lstStyle/>
+          <a:p>
+            <a:pPr algn="ctr"/>
+            <a:endParaRPr lang="en-US" dirty="0"/>
+          </a:p>
+        </p:txBody>
+      </p:sp>
+      <p:sp>
+        <p:nvSpPr>
+          <p:cNvPr id="9" name="Rectangle 8"/>
+          <p:cNvSpPr/>
+          <p:nvPr/>
+        </p:nvSpPr>
+        <p:spPr>
+          <a:xfrm>
+            <a:off x="0" y="3335036"/>
+            <a:ext cx="13004800" cy="2874433"/>
+          </a:xfrm>
+          <a:prstGeom prst="rect">
+            <a:avLst/>
+          </a:prstGeom>
+          <a:gradFill flip="none" rotWithShape="1">
+            <a:gsLst>
+              <a:gs pos="0">
+                <a:schemeClr val="bg1">
+                  <a:alpha val="0"/>
+                </a:schemeClr>
+              </a:gs>
+              <a:gs pos="29000">
+                <a:schemeClr val="bg1">
+                  <a:alpha val="30000"/>
+                </a:schemeClr>
+              </a:gs>
+              <a:gs pos="45000">
+                <a:schemeClr val="bg2">
+                  <a:alpha val="40000"/>
+                </a:schemeClr>
+              </a:gs>
+              <a:gs pos="55000">
+                <a:schemeClr val="bg1">
+                  <a:alpha val="26000"/>
+                </a:schemeClr>
+              </a:gs>
+              <a:gs pos="65000">
+                <a:schemeClr val="bg2">
+                  <a:alpha val="60000"/>
+                </a:schemeClr>
+              </a:gs>
+              <a:gs pos="100000">
+                <a:schemeClr val="bg1">
+                  <a:alpha val="0"/>
+                </a:schemeClr>
+              </a:gs>
+            </a:gsLst>
+            <a:lin ang="5400000" scaled="0"/>
+            <a:tileRect/>
+          </a:gradFill>
+          <a:ln>
+            <a:noFill/>
+          </a:ln>
+        </p:spPr>
+        <p:style>
+          <a:lnRef idx="2">
+            <a:schemeClr val="accent1">
+              <a:shade val="50000"/>
+            </a:schemeClr>
+          </a:lnRef>
+          <a:fillRef idx="1">
+            <a:schemeClr val="accent1"/>
+          </a:fillRef>
+          <a:effectRef idx="0">
+            <a:schemeClr val="accent1"/>
+          </a:effectRef>
+          <a:fontRef idx="minor">
+            <a:schemeClr val="lt1"/>
+          </a:fontRef>
+        </p:style>
+        <p:txBody>
+          <a:bodyPr lIns="123581" tIns="61791" rIns="123581" bIns="61791" rtlCol="0" anchor="ctr"/>
+          <a:lstStyle/>
+          <a:p>
+            <a:pPr algn="ctr"/>
+            <a:endParaRPr lang="en-US"/>
+          </a:p>
+        </p:txBody>
+      </p:sp>
+      <p:sp>
+        <p:nvSpPr>
+          <p:cNvPr id="10" name="Oval 9"/>
+          <p:cNvSpPr/>
+          <p:nvPr/>
+        </p:nvSpPr>
+        <p:spPr>
+          <a:xfrm>
+            <a:off x="0" y="2012103"/>
+            <a:ext cx="13004800" cy="6419568"/>
+          </a:xfrm>
+          <a:prstGeom prst="ellipse">
+            <a:avLst/>
+          </a:prstGeom>
+          <a:gradFill flip="none" rotWithShape="1">
+            <a:gsLst>
+              <a:gs pos="0">
+                <a:schemeClr val="bg1"/>
+              </a:gs>
+              <a:gs pos="54000">
+                <a:schemeClr val="bg1">
+                  <a:alpha val="0"/>
+                </a:schemeClr>
+              </a:gs>
+            </a:gsLst>
+            <a:path path="circle">
+              <a:fillToRect l="50000" t="50000" r="50000" b="50000"/>
+            </a:path>
+            <a:tileRect/>
+          </a:gradFill>
+          <a:ln>
+            <a:noFill/>
+          </a:ln>
+        </p:spPr>
+        <p:style>
+          <a:lnRef idx="2">
+            <a:schemeClr val="accent1">
+              <a:shade val="50000"/>
+            </a:schemeClr>
+          </a:lnRef>
+          <a:fillRef idx="1">
+            <a:schemeClr val="accent1"/>
+          </a:fillRef>
+          <a:effectRef idx="0">
+            <a:schemeClr val="accent1"/>
+          </a:effectRef>
+          <a:fontRef idx="minor">
+            <a:schemeClr val="lt1"/>
+          </a:fontRef>
+        </p:style>
+        <p:txBody>
+          <a:bodyPr lIns="123581" tIns="61791" rIns="123581" bIns="61791" rtlCol="0" anchor="ctr"/>
+          <a:lstStyle/>
+          <a:p>
+            <a:pPr algn="ctr"/>
+            <a:endParaRPr lang="en-US"/>
+          </a:p>
+        </p:txBody>
+      </p:sp>
+      <p:sp>
+        <p:nvSpPr>
+          <p:cNvPr id="2" name="Title 1"/>
           <p:cNvSpPr>
             <a:spLocks noGrp="1"/>
           </p:cNvSpPr>
@@ -1695,15 +2283,16 @@
         </p:nvSpPr>
         <p:spPr>
           <a:xfrm>
-            <a:off x="1027290" y="5541269"/>
-            <a:ext cx="11054080" cy="1712683"/>
-          </a:xfrm>
-        </p:spPr>
-        <p:txBody>
-          <a:bodyPr anchor="t"/>
+            <a:off x="2891655" y="2731904"/>
+            <a:ext cx="8485925" cy="3047133"/>
+          </a:xfrm>
+          <a:effectLst/>
+        </p:spPr>
+        <p:txBody>
+          <a:bodyPr anchor="b"/>
           <a:lstStyle>
-            <a:lvl1pPr algn="l">
-              <a:defRPr sz="5400" b="1" cap="all"/>
+            <a:lvl1pPr algn="r">
+              <a:defRPr sz="6200" b="1" cap="none" baseline="0"/>
             </a:lvl1pPr>
           </a:lstStyle>
           <a:p>
@@ -1711,13 +2300,13 @@
               <a:rPr lang="zh-CN" altLang="en-US" smtClean="0"/>
               <a:t>单击此处编辑母版标题样式</a:t>
             </a:r>
-            <a:endParaRPr lang="zh-CN" altLang="en-US"/>
-          </a:p>
-        </p:txBody>
-      </p:sp>
-      <p:sp>
-        <p:nvSpPr>
-          <p:cNvPr id="3" name="文本占位符 2"/>
+            <a:endParaRPr lang="en-US" dirty="0"/>
+          </a:p>
+        </p:txBody>
+      </p:sp>
+      <p:sp>
+        <p:nvSpPr>
+          <p:cNvPr id="3" name="Text Placeholder 2"/>
           <p:cNvSpPr>
             <a:spLocks noGrp="1"/>
           </p:cNvSpPr>
@@ -1727,24 +2316,22 @@
         </p:nvSpPr>
         <p:spPr>
           <a:xfrm>
-            <a:off x="1027290" y="3654923"/>
-            <a:ext cx="11054080" cy="1886346"/>
-          </a:xfrm>
-        </p:spPr>
-        <p:txBody>
-          <a:bodyPr anchor="b"/>
+            <a:off x="2876356" y="5793518"/>
+            <a:ext cx="8491369" cy="1050514"/>
+          </a:xfrm>
+        </p:spPr>
+        <p:txBody>
+          <a:bodyPr anchor="t"/>
           <a:lstStyle>
-            <a:lvl1pPr marL="0" indent="0">
+            <a:lvl1pPr marL="0" indent="0" algn="r">
               <a:buNone/>
               <a:defRPr sz="2700">
                 <a:solidFill>
-                  <a:schemeClr val="tx1">
-                    <a:tint val="75000"/>
-                  </a:schemeClr>
+                  <a:schemeClr val="tx2"/>
                 </a:solidFill>
               </a:defRPr>
             </a:lvl1pPr>
-            <a:lvl2pPr marL="617855" indent="0">
+            <a:lvl2pPr marL="617906" indent="0">
               <a:buNone/>
               <a:defRPr sz="2400">
                 <a:solidFill>
@@ -1754,7 +2341,7 @@
                 </a:solidFill>
               </a:defRPr>
             </a:lvl2pPr>
-            <a:lvl3pPr marL="1235710" indent="0">
+            <a:lvl3pPr marL="1235812" indent="0">
               <a:buNone/>
               <a:defRPr sz="2200">
                 <a:solidFill>
@@ -1764,7 +2351,7 @@
                 </a:solidFill>
               </a:defRPr>
             </a:lvl3pPr>
-            <a:lvl4pPr marL="1853565" indent="0">
+            <a:lvl4pPr marL="1853717" indent="0">
               <a:buNone/>
               <a:defRPr sz="1900">
                 <a:solidFill>
@@ -1774,7 +2361,7 @@
                 </a:solidFill>
               </a:defRPr>
             </a:lvl4pPr>
-            <a:lvl5pPr marL="2471420" indent="0">
+            <a:lvl5pPr marL="2471623" indent="0">
               <a:buNone/>
               <a:defRPr sz="1900">
                 <a:solidFill>
@@ -1784,7 +2371,7 @@
                 </a:solidFill>
               </a:defRPr>
             </a:lvl5pPr>
-            <a:lvl6pPr marL="3089275" indent="0">
+            <a:lvl6pPr marL="3089529" indent="0">
               <a:buNone/>
               <a:defRPr sz="1900">
                 <a:solidFill>
@@ -1794,7 +2381,7 @@
                 </a:solidFill>
               </a:defRPr>
             </a:lvl6pPr>
-            <a:lvl7pPr marL="3707130" indent="0">
+            <a:lvl7pPr marL="3707435" indent="0">
               <a:buNone/>
               <a:defRPr sz="1900">
                 <a:solidFill>
@@ -1804,7 +2391,7 @@
                 </a:solidFill>
               </a:defRPr>
             </a:lvl7pPr>
-            <a:lvl8pPr marL="4325620" indent="0">
+            <a:lvl8pPr marL="4325341" indent="0">
               <a:buNone/>
               <a:defRPr sz="1900">
                 <a:solidFill>
@@ -1814,7 +2401,7 @@
                 </a:solidFill>
               </a:defRPr>
             </a:lvl8pPr>
-            <a:lvl9pPr marL="4943475" indent="0">
+            <a:lvl9pPr marL="4943246" indent="0">
               <a:buNone/>
               <a:defRPr sz="1900">
                 <a:solidFill>
@@ -1836,7 +2423,7 @@
       </p:sp>
       <p:sp>
         <p:nvSpPr>
-          <p:cNvPr id="4" name="日期占位符 3"/>
+          <p:cNvPr id="4" name="Date Placeholder 3"/>
           <p:cNvSpPr>
             <a:spLocks noGrp="1"/>
           </p:cNvSpPr>
@@ -1851,7 +2438,7 @@
           <a:p>
             <a:fld id="{A9A3A160-64B0-433E-876E-E206ABB7688A}" type="datetimeFigureOut">
               <a:rPr lang="zh-CN" altLang="en-US" smtClean="0"/>
-              <a:t>2017/3/29</a:t>
+              <a:t>2017/3/30</a:t>
             </a:fld>
             <a:endParaRPr lang="zh-CN" altLang="en-US"/>
           </a:p>
@@ -1859,7 +2446,7 @@
       </p:sp>
       <p:sp>
         <p:nvSpPr>
-          <p:cNvPr id="5" name="页脚占位符 4"/>
+          <p:cNvPr id="5" name="Footer Placeholder 4"/>
           <p:cNvSpPr>
             <a:spLocks noGrp="1"/>
           </p:cNvSpPr>
@@ -1878,7 +2465,7 @@
       </p:sp>
       <p:sp>
         <p:nvSpPr>
-          <p:cNvPr id="6" name="灯片编号占位符 5"/>
+          <p:cNvPr id="6" name="Slide Number Placeholder 5"/>
           <p:cNvSpPr>
             <a:spLocks noGrp="1"/>
           </p:cNvSpPr>
@@ -1904,6 +2491,13 @@
   <p:clrMapOvr>
     <a:masterClrMapping/>
   </p:clrMapOvr>
+  <p:timing>
+    <p:tnLst>
+      <p:par>
+        <p:cTn id="1" dur="indefinite" restart="never" nodeType="tmRoot"/>
+      </p:par>
+    </p:tnLst>
+  </p:timing>
 </p:sldLayout>
 </file>
 
@@ -1926,7 +2520,72 @@
       </p:grpSpPr>
       <p:sp>
         <p:nvSpPr>
-          <p:cNvPr id="2" name="标题 1"/>
+          <p:cNvPr id="5" name="Date Placeholder 4"/>
+          <p:cNvSpPr>
+            <a:spLocks noGrp="1"/>
+          </p:cNvSpPr>
+          <p:nvPr>
+            <p:ph type="dt" sz="half" idx="10"/>
+          </p:nvPr>
+        </p:nvSpPr>
+        <p:spPr/>
+        <p:txBody>
+          <a:bodyPr/>
+          <a:lstStyle/>
+          <a:p>
+            <a:fld id="{A9A3A160-64B0-433E-876E-E206ABB7688A}" type="datetimeFigureOut">
+              <a:rPr lang="zh-CN" altLang="en-US" smtClean="0"/>
+              <a:t>2017/3/30</a:t>
+            </a:fld>
+            <a:endParaRPr lang="zh-CN" altLang="en-US"/>
+          </a:p>
+        </p:txBody>
+      </p:sp>
+      <p:sp>
+        <p:nvSpPr>
+          <p:cNvPr id="6" name="Footer Placeholder 5"/>
+          <p:cNvSpPr>
+            <a:spLocks noGrp="1"/>
+          </p:cNvSpPr>
+          <p:nvPr>
+            <p:ph type="ftr" sz="quarter" idx="11"/>
+          </p:nvPr>
+        </p:nvSpPr>
+        <p:spPr/>
+        <p:txBody>
+          <a:bodyPr/>
+          <a:lstStyle/>
+          <a:p>
+            <a:endParaRPr lang="zh-CN" altLang="en-US"/>
+          </a:p>
+        </p:txBody>
+      </p:sp>
+      <p:sp>
+        <p:nvSpPr>
+          <p:cNvPr id="7" name="Slide Number Placeholder 6"/>
+          <p:cNvSpPr>
+            <a:spLocks noGrp="1"/>
+          </p:cNvSpPr>
+          <p:nvPr>
+            <p:ph type="sldNum" sz="quarter" idx="12"/>
+          </p:nvPr>
+        </p:nvSpPr>
+        <p:spPr/>
+        <p:txBody>
+          <a:bodyPr/>
+          <a:lstStyle/>
+          <a:p>
+            <a:fld id="{8E7E355E-4409-4378-9288-8E64B801C0E9}" type="slidenum">
+              <a:rPr lang="zh-CN" altLang="en-US" smtClean="0"/>
+              <a:t>‹#›</a:t>
+            </a:fld>
+            <a:endParaRPr lang="zh-CN" altLang="en-US"/>
+          </a:p>
+        </p:txBody>
+      </p:sp>
+      <p:sp>
+        <p:nvSpPr>
+          <p:cNvPr id="8" name="Title 7"/>
           <p:cNvSpPr>
             <a:spLocks noGrp="1"/>
           </p:cNvSpPr>
@@ -1943,57 +2602,29 @@
               <a:rPr lang="zh-CN" altLang="en-US" smtClean="0"/>
               <a:t>单击此处编辑母版标题样式</a:t>
             </a:r>
-            <a:endParaRPr lang="zh-CN" altLang="en-US"/>
-          </a:p>
-        </p:txBody>
-      </p:sp>
-      <p:sp>
-        <p:nvSpPr>
-          <p:cNvPr id="3" name="内容占位符 2"/>
+            <a:endParaRPr lang="en-US"/>
+          </a:p>
+        </p:txBody>
+      </p:sp>
+      <p:sp>
+        <p:nvSpPr>
+          <p:cNvPr id="9" name="Content Placeholder 8"/>
           <p:cNvSpPr>
             <a:spLocks noGrp="1"/>
           </p:cNvSpPr>
           <p:nvPr>
-            <p:ph sz="half" idx="1"/>
+            <p:ph sz="quarter" idx="13"/>
           </p:nvPr>
         </p:nvSpPr>
         <p:spPr>
           <a:xfrm>
-            <a:off x="650240" y="2012104"/>
-            <a:ext cx="5743787" cy="5690979"/>
+            <a:off x="1625598" y="919817"/>
+            <a:ext cx="4759757" cy="4369139"/>
           </a:xfrm>
         </p:spPr>
         <p:txBody>
           <a:bodyPr/>
-          <a:lstStyle>
-            <a:lvl1pPr>
-              <a:defRPr sz="3800"/>
-            </a:lvl1pPr>
-            <a:lvl2pPr>
-              <a:defRPr sz="3200"/>
-            </a:lvl2pPr>
-            <a:lvl3pPr>
-              <a:defRPr sz="2700"/>
-            </a:lvl3pPr>
-            <a:lvl4pPr>
-              <a:defRPr sz="2400"/>
-            </a:lvl4pPr>
-            <a:lvl5pPr>
-              <a:defRPr sz="2400"/>
-            </a:lvl5pPr>
-            <a:lvl6pPr>
-              <a:defRPr sz="2400"/>
-            </a:lvl6pPr>
-            <a:lvl7pPr>
-              <a:defRPr sz="2400"/>
-            </a:lvl7pPr>
-            <a:lvl8pPr>
-              <a:defRPr sz="2400"/>
-            </a:lvl8pPr>
-            <a:lvl9pPr>
-              <a:defRPr sz="2400"/>
-            </a:lvl9pPr>
-          </a:lstStyle>
+          <a:lstStyle/>
           <a:p>
             <a:pPr lvl="0"/>
             <a:r>
@@ -2028,57 +2659,29 @@
               <a:rPr lang="zh-CN" altLang="en-US" smtClean="0"/>
               <a:t>第五级</a:t>
             </a:r>
-            <a:endParaRPr lang="zh-CN" altLang="en-US"/>
-          </a:p>
-        </p:txBody>
-      </p:sp>
-      <p:sp>
-        <p:nvSpPr>
-          <p:cNvPr id="4" name="内容占位符 3"/>
+            <a:endParaRPr lang="en-US"/>
+          </a:p>
+        </p:txBody>
+      </p:sp>
+      <p:sp>
+        <p:nvSpPr>
+          <p:cNvPr id="11" name="Content Placeholder 10"/>
           <p:cNvSpPr>
             <a:spLocks noGrp="1"/>
           </p:cNvSpPr>
           <p:nvPr>
-            <p:ph sz="half" idx="2"/>
+            <p:ph sz="quarter" idx="14"/>
           </p:nvPr>
         </p:nvSpPr>
         <p:spPr>
           <a:xfrm>
-            <a:off x="6610773" y="2012104"/>
-            <a:ext cx="5743787" cy="5690979"/>
+            <a:off x="6606438" y="919819"/>
+            <a:ext cx="4759757" cy="4369139"/>
           </a:xfrm>
         </p:spPr>
         <p:txBody>
           <a:bodyPr/>
-          <a:lstStyle>
-            <a:lvl1pPr>
-              <a:defRPr sz="3800"/>
-            </a:lvl1pPr>
-            <a:lvl2pPr>
-              <a:defRPr sz="3200"/>
-            </a:lvl2pPr>
-            <a:lvl3pPr>
-              <a:defRPr sz="2700"/>
-            </a:lvl3pPr>
-            <a:lvl4pPr>
-              <a:defRPr sz="2400"/>
-            </a:lvl4pPr>
-            <a:lvl5pPr>
-              <a:defRPr sz="2400"/>
-            </a:lvl5pPr>
-            <a:lvl6pPr>
-              <a:defRPr sz="2400"/>
-            </a:lvl6pPr>
-            <a:lvl7pPr>
-              <a:defRPr sz="2400"/>
-            </a:lvl7pPr>
-            <a:lvl8pPr>
-              <a:defRPr sz="2400"/>
-            </a:lvl8pPr>
-            <a:lvl9pPr>
-              <a:defRPr sz="2400"/>
-            </a:lvl9pPr>
-          </a:lstStyle>
+          <a:lstStyle/>
           <a:p>
             <a:pPr lvl="0"/>
             <a:r>
@@ -2113,72 +2716,7 @@
               <a:rPr lang="zh-CN" altLang="en-US" smtClean="0"/>
               <a:t>第五级</a:t>
             </a:r>
-            <a:endParaRPr lang="zh-CN" altLang="en-US"/>
-          </a:p>
-        </p:txBody>
-      </p:sp>
-      <p:sp>
-        <p:nvSpPr>
-          <p:cNvPr id="5" name="日期占位符 4"/>
-          <p:cNvSpPr>
-            <a:spLocks noGrp="1"/>
-          </p:cNvSpPr>
-          <p:nvPr>
-            <p:ph type="dt" sz="half" idx="10"/>
-          </p:nvPr>
-        </p:nvSpPr>
-        <p:spPr/>
-        <p:txBody>
-          <a:bodyPr/>
-          <a:lstStyle/>
-          <a:p>
-            <a:fld id="{A9A3A160-64B0-433E-876E-E206ABB7688A}" type="datetimeFigureOut">
-              <a:rPr lang="zh-CN" altLang="en-US" smtClean="0"/>
-              <a:t>2017/3/29</a:t>
-            </a:fld>
-            <a:endParaRPr lang="zh-CN" altLang="en-US"/>
-          </a:p>
-        </p:txBody>
-      </p:sp>
-      <p:sp>
-        <p:nvSpPr>
-          <p:cNvPr id="6" name="页脚占位符 5"/>
-          <p:cNvSpPr>
-            <a:spLocks noGrp="1"/>
-          </p:cNvSpPr>
-          <p:nvPr>
-            <p:ph type="ftr" sz="quarter" idx="11"/>
-          </p:nvPr>
-        </p:nvSpPr>
-        <p:spPr/>
-        <p:txBody>
-          <a:bodyPr/>
-          <a:lstStyle/>
-          <a:p>
-            <a:endParaRPr lang="zh-CN" altLang="en-US"/>
-          </a:p>
-        </p:txBody>
-      </p:sp>
-      <p:sp>
-        <p:nvSpPr>
-          <p:cNvPr id="7" name="灯片编号占位符 6"/>
-          <p:cNvSpPr>
-            <a:spLocks noGrp="1"/>
-          </p:cNvSpPr>
-          <p:nvPr>
-            <p:ph type="sldNum" sz="quarter" idx="12"/>
-          </p:nvPr>
-        </p:nvSpPr>
-        <p:spPr/>
-        <p:txBody>
-          <a:bodyPr/>
-          <a:lstStyle/>
-          <a:p>
-            <a:fld id="{8E7E355E-4409-4378-9288-8E64B801C0E9}" type="slidenum">
-              <a:rPr lang="zh-CN" altLang="en-US" smtClean="0"/>
-              <a:t>‹#›</a:t>
-            </a:fld>
-            <a:endParaRPr lang="zh-CN" altLang="en-US"/>
+            <a:endParaRPr lang="en-US"/>
           </a:p>
         </p:txBody>
       </p:sp>
@@ -2187,6 +2725,13 @@
   <p:clrMapOvr>
     <a:masterClrMapping/>
   </p:clrMapOvr>
+  <p:timing>
+    <p:tnLst>
+      <p:par>
+        <p:cTn id="1" dur="indefinite" restart="never" nodeType="tmRoot"/>
+      </p:par>
+    </p:tnLst>
+  </p:timing>
 </p:sldLayout>
 </file>
 
@@ -2209,34 +2754,7 @@
       </p:grpSpPr>
       <p:sp>
         <p:nvSpPr>
-          <p:cNvPr id="2" name="标题 1"/>
-          <p:cNvSpPr>
-            <a:spLocks noGrp="1"/>
-          </p:cNvSpPr>
-          <p:nvPr>
-            <p:ph type="title"/>
-          </p:nvPr>
-        </p:nvSpPr>
-        <p:spPr/>
-        <p:txBody>
-          <a:bodyPr/>
-          <a:lstStyle>
-            <a:lvl1pPr>
-              <a:defRPr/>
-            </a:lvl1pPr>
-          </a:lstStyle>
-          <a:p>
-            <a:r>
-              <a:rPr lang="zh-CN" altLang="en-US" smtClean="0"/>
-              <a:t>单击此处编辑母版标题样式</a:t>
-            </a:r>
-            <a:endParaRPr lang="zh-CN" altLang="en-US"/>
-          </a:p>
-        </p:txBody>
-      </p:sp>
-      <p:sp>
-        <p:nvSpPr>
-          <p:cNvPr id="3" name="文本占位符 2"/>
+          <p:cNvPr id="3" name="Text Placeholder 2"/>
           <p:cNvSpPr>
             <a:spLocks noGrp="1"/>
           </p:cNvSpPr>
@@ -2246,46 +2764,72 @@
         </p:nvSpPr>
         <p:spPr>
           <a:xfrm>
-            <a:off x="650240" y="1930263"/>
-            <a:ext cx="5746045" cy="804441"/>
-          </a:xfrm>
-        </p:spPr>
-        <p:txBody>
-          <a:bodyPr anchor="b"/>
+            <a:off x="1625600" y="919819"/>
+            <a:ext cx="4759757" cy="804441"/>
+          </a:xfrm>
+        </p:spPr>
+        <p:txBody>
+          <a:bodyPr anchor="b">
+            <a:noAutofit/>
+          </a:bodyPr>
           <a:lstStyle>
-            <a:lvl1pPr marL="0" indent="0">
+            <a:lvl1pPr marL="0" indent="0" algn="ctr">
               <a:buNone/>
-              <a:defRPr sz="3200" b="1"/>
+              <a:defRPr lang="en-US" sz="3200" b="1" i="0" kern="1200" dirty="0" smtClean="0">
+                <a:gradFill>
+                  <a:gsLst>
+                    <a:gs pos="0">
+                      <a:schemeClr val="tx1"/>
+                    </a:gs>
+                    <a:gs pos="40000">
+                      <a:schemeClr val="tx1">
+                        <a:lumMod val="75000"/>
+                        <a:lumOff val="25000"/>
+                      </a:schemeClr>
+                    </a:gs>
+                    <a:gs pos="100000">
+                      <a:schemeClr val="tx2">
+                        <a:alpha val="65000"/>
+                      </a:schemeClr>
+                    </a:gs>
+                  </a:gsLst>
+                  <a:lin ang="5400000" scaled="0"/>
+                </a:gradFill>
+                <a:effectLst/>
+                <a:latin typeface="+mj-lt"/>
+                <a:ea typeface="+mj-ea"/>
+                <a:cs typeface="+mj-cs"/>
+              </a:defRPr>
             </a:lvl1pPr>
-            <a:lvl2pPr marL="617855" indent="0">
+            <a:lvl2pPr marL="617906" indent="0">
               <a:buNone/>
               <a:defRPr sz="2700" b="1"/>
             </a:lvl2pPr>
-            <a:lvl3pPr marL="1235710" indent="0">
+            <a:lvl3pPr marL="1235812" indent="0">
               <a:buNone/>
               <a:defRPr sz="2400" b="1"/>
             </a:lvl3pPr>
-            <a:lvl4pPr marL="1853565" indent="0">
+            <a:lvl4pPr marL="1853717" indent="0">
               <a:buNone/>
               <a:defRPr sz="2200" b="1"/>
             </a:lvl4pPr>
-            <a:lvl5pPr marL="2471420" indent="0">
+            <a:lvl5pPr marL="2471623" indent="0">
               <a:buNone/>
               <a:defRPr sz="2200" b="1"/>
             </a:lvl5pPr>
-            <a:lvl6pPr marL="3089275" indent="0">
+            <a:lvl6pPr marL="3089529" indent="0">
               <a:buNone/>
               <a:defRPr sz="2200" b="1"/>
             </a:lvl6pPr>
-            <a:lvl7pPr marL="3707130" indent="0">
+            <a:lvl7pPr marL="3707435" indent="0">
               <a:buNone/>
               <a:defRPr sz="2200" b="1"/>
             </a:lvl7pPr>
-            <a:lvl8pPr marL="4325620" indent="0">
+            <a:lvl8pPr marL="4325341" indent="0">
               <a:buNone/>
               <a:defRPr sz="2200" b="1"/>
             </a:lvl8pPr>
-            <a:lvl9pPr marL="4943475" indent="0">
+            <a:lvl9pPr marL="4943246" indent="0">
               <a:buNone/>
               <a:defRPr sz="2200" b="1"/>
             </a:lvl9pPr>
@@ -2301,7 +2845,7 @@
       </p:sp>
       <p:sp>
         <p:nvSpPr>
-          <p:cNvPr id="4" name="内容占位符 3"/>
+          <p:cNvPr id="4" name="Content Placeholder 3"/>
           <p:cNvSpPr>
             <a:spLocks noGrp="1"/>
           </p:cNvSpPr>
@@ -2311,21 +2855,23 @@
         </p:nvSpPr>
         <p:spPr>
           <a:xfrm>
-            <a:off x="650240" y="2734704"/>
-            <a:ext cx="5746045" cy="4968379"/>
-          </a:xfrm>
-        </p:spPr>
-        <p:txBody>
-          <a:bodyPr/>
+            <a:off x="1644725" y="1760782"/>
+            <a:ext cx="4759757" cy="3449320"/>
+          </a:xfrm>
+        </p:spPr>
+        <p:txBody>
+          <a:bodyPr>
+            <a:normAutofit/>
+          </a:bodyPr>
           <a:lstStyle>
             <a:lvl1pPr>
-              <a:defRPr sz="3200"/>
+              <a:defRPr sz="2400"/>
             </a:lvl1pPr>
             <a:lvl2pPr>
-              <a:defRPr sz="2700"/>
+              <a:defRPr sz="2400"/>
             </a:lvl2pPr>
             <a:lvl3pPr>
-              <a:defRPr sz="2400"/>
+              <a:defRPr sz="2200"/>
             </a:lvl3pPr>
             <a:lvl4pPr>
               <a:defRPr sz="2200"/>
@@ -2380,13 +2926,13 @@
               <a:rPr lang="zh-CN" altLang="en-US" smtClean="0"/>
               <a:t>第五级</a:t>
             </a:r>
-            <a:endParaRPr lang="zh-CN" altLang="en-US"/>
-          </a:p>
-        </p:txBody>
-      </p:sp>
-      <p:sp>
-        <p:nvSpPr>
-          <p:cNvPr id="5" name="文本占位符 4"/>
+            <a:endParaRPr lang="en-US" dirty="0"/>
+          </a:p>
+        </p:txBody>
+      </p:sp>
+      <p:sp>
+        <p:nvSpPr>
+          <p:cNvPr id="5" name="Text Placeholder 4"/>
           <p:cNvSpPr>
             <a:spLocks noGrp="1"/>
           </p:cNvSpPr>
@@ -2396,52 +2942,93 @@
         </p:nvSpPr>
         <p:spPr>
           <a:xfrm>
-            <a:off x="6606259" y="1930263"/>
-            <a:ext cx="5748302" cy="804441"/>
-          </a:xfrm>
-        </p:spPr>
-        <p:txBody>
-          <a:bodyPr anchor="b"/>
+            <a:off x="6609496" y="919819"/>
+            <a:ext cx="4759757" cy="804441"/>
+          </a:xfrm>
+        </p:spPr>
+        <p:txBody>
+          <a:bodyPr anchor="b">
+            <a:noAutofit/>
+          </a:bodyPr>
           <a:lstStyle>
-            <a:lvl1pPr marL="0" indent="0">
+            <a:lvl1pPr marL="0" indent="0" algn="ctr">
               <a:buNone/>
-              <a:defRPr sz="3200" b="1"/>
+              <a:defRPr lang="en-US" sz="3200" b="1" i="0" kern="1200" dirty="0" smtClean="0">
+                <a:gradFill>
+                  <a:gsLst>
+                    <a:gs pos="0">
+                      <a:schemeClr val="tx1"/>
+                    </a:gs>
+                    <a:gs pos="40000">
+                      <a:schemeClr val="tx1">
+                        <a:lumMod val="75000"/>
+                        <a:lumOff val="25000"/>
+                      </a:schemeClr>
+                    </a:gs>
+                    <a:gs pos="100000">
+                      <a:schemeClr val="tx2">
+                        <a:alpha val="65000"/>
+                      </a:schemeClr>
+                    </a:gs>
+                  </a:gsLst>
+                  <a:lin ang="5400000" scaled="0"/>
+                </a:gradFill>
+                <a:effectLst/>
+                <a:latin typeface="+mj-lt"/>
+                <a:ea typeface="+mj-ea"/>
+                <a:cs typeface="+mj-cs"/>
+              </a:defRPr>
             </a:lvl1pPr>
-            <a:lvl2pPr marL="617855" indent="0">
+            <a:lvl2pPr marL="617906" indent="0">
               <a:buNone/>
               <a:defRPr sz="2700" b="1"/>
             </a:lvl2pPr>
-            <a:lvl3pPr marL="1235710" indent="0">
+            <a:lvl3pPr marL="1235812" indent="0">
               <a:buNone/>
               <a:defRPr sz="2400" b="1"/>
             </a:lvl3pPr>
-            <a:lvl4pPr marL="1853565" indent="0">
+            <a:lvl4pPr marL="1853717" indent="0">
               <a:buNone/>
               <a:defRPr sz="2200" b="1"/>
             </a:lvl4pPr>
-            <a:lvl5pPr marL="2471420" indent="0">
+            <a:lvl5pPr marL="2471623" indent="0">
               <a:buNone/>
               <a:defRPr sz="2200" b="1"/>
             </a:lvl5pPr>
-            <a:lvl6pPr marL="3089275" indent="0">
+            <a:lvl6pPr marL="3089529" indent="0">
               <a:buNone/>
               <a:defRPr sz="2200" b="1"/>
             </a:lvl6pPr>
-            <a:lvl7pPr marL="3707130" indent="0">
+            <a:lvl7pPr marL="3707435" indent="0">
               <a:buNone/>
               <a:defRPr sz="2200" b="1"/>
             </a:lvl7pPr>
-            <a:lvl8pPr marL="4325620" indent="0">
+            <a:lvl8pPr marL="4325341" indent="0">
               <a:buNone/>
               <a:defRPr sz="2200" b="1"/>
             </a:lvl8pPr>
-            <a:lvl9pPr marL="4943475" indent="0">
+            <a:lvl9pPr marL="4943246" indent="0">
               <a:buNone/>
               <a:defRPr sz="2200" b="1"/>
             </a:lvl9pPr>
           </a:lstStyle>
           <a:p>
-            <a:pPr lvl="0"/>
+            <a:pPr marL="0" lvl="0" indent="0" algn="ctr" defTabSz="1235812" rtl="0" eaLnBrk="1" latinLnBrk="0" hangingPunct="1">
+              <a:spcBef>
+                <a:spcPct val="20000"/>
+              </a:spcBef>
+              <a:spcAft>
+                <a:spcPts val="405"/>
+              </a:spcAft>
+              <a:buClr>
+                <a:schemeClr val="accent6">
+                  <a:lumMod val="75000"/>
+                </a:schemeClr>
+              </a:buClr>
+              <a:buSzPct val="130000"/>
+              <a:buFont typeface="Georgia" pitchFamily="18" charset="0"/>
+              <a:buNone/>
+            </a:pPr>
             <a:r>
               <a:rPr lang="zh-CN" altLang="en-US" smtClean="0"/>
               <a:t>单击此处编辑母版文本样式</a:t>
@@ -2451,7 +3038,7 @@
       </p:sp>
       <p:sp>
         <p:nvSpPr>
-          <p:cNvPr id="6" name="内容占位符 5"/>
+          <p:cNvPr id="6" name="Content Placeholder 5"/>
           <p:cNvSpPr>
             <a:spLocks noGrp="1"/>
           </p:cNvSpPr>
@@ -2461,21 +3048,23 @@
         </p:nvSpPr>
         <p:spPr>
           <a:xfrm>
-            <a:off x="6606259" y="2734704"/>
-            <a:ext cx="5748302" cy="4968379"/>
-          </a:xfrm>
-        </p:spPr>
-        <p:txBody>
-          <a:bodyPr/>
+            <a:off x="6606258" y="1759153"/>
+            <a:ext cx="4759757" cy="3449320"/>
+          </a:xfrm>
+        </p:spPr>
+        <p:txBody>
+          <a:bodyPr>
+            <a:normAutofit/>
+          </a:bodyPr>
           <a:lstStyle>
             <a:lvl1pPr>
-              <a:defRPr sz="3200"/>
+              <a:defRPr sz="2400"/>
             </a:lvl1pPr>
             <a:lvl2pPr>
-              <a:defRPr sz="2700"/>
+              <a:defRPr sz="2400"/>
             </a:lvl2pPr>
             <a:lvl3pPr>
-              <a:defRPr sz="2400"/>
+              <a:defRPr sz="2200"/>
             </a:lvl3pPr>
             <a:lvl4pPr>
               <a:defRPr sz="2200"/>
@@ -2530,13 +3119,13 @@
               <a:rPr lang="zh-CN" altLang="en-US" smtClean="0"/>
               <a:t>第五级</a:t>
             </a:r>
-            <a:endParaRPr lang="zh-CN" altLang="en-US"/>
-          </a:p>
-        </p:txBody>
-      </p:sp>
-      <p:sp>
-        <p:nvSpPr>
-          <p:cNvPr id="7" name="日期占位符 6"/>
+            <a:endParaRPr lang="en-US" dirty="0"/>
+          </a:p>
+        </p:txBody>
+      </p:sp>
+      <p:sp>
+        <p:nvSpPr>
+          <p:cNvPr id="7" name="Date Placeholder 6"/>
           <p:cNvSpPr>
             <a:spLocks noGrp="1"/>
           </p:cNvSpPr>
@@ -2551,7 +3140,7 @@
           <a:p>
             <a:fld id="{A9A3A160-64B0-433E-876E-E206ABB7688A}" type="datetimeFigureOut">
               <a:rPr lang="zh-CN" altLang="en-US" smtClean="0"/>
-              <a:t>2017/3/29</a:t>
+              <a:t>2017/3/30</a:t>
             </a:fld>
             <a:endParaRPr lang="zh-CN" altLang="en-US"/>
           </a:p>
@@ -2559,7 +3148,7 @@
       </p:sp>
       <p:sp>
         <p:nvSpPr>
-          <p:cNvPr id="8" name="页脚占位符 7"/>
+          <p:cNvPr id="8" name="Footer Placeholder 7"/>
           <p:cNvSpPr>
             <a:spLocks noGrp="1"/>
           </p:cNvSpPr>
@@ -2578,7 +3167,7 @@
       </p:sp>
       <p:sp>
         <p:nvSpPr>
-          <p:cNvPr id="9" name="灯片编号占位符 8"/>
+          <p:cNvPr id="9" name="Slide Number Placeholder 8"/>
           <p:cNvSpPr>
             <a:spLocks noGrp="1"/>
           </p:cNvSpPr>
@@ -2599,11 +3188,41 @@
           </a:p>
         </p:txBody>
       </p:sp>
+      <p:sp>
+        <p:nvSpPr>
+          <p:cNvPr id="10" name="Title 9"/>
+          <p:cNvSpPr>
+            <a:spLocks noGrp="1"/>
+          </p:cNvSpPr>
+          <p:nvPr>
+            <p:ph type="title"/>
+          </p:nvPr>
+        </p:nvSpPr>
+        <p:spPr/>
+        <p:txBody>
+          <a:bodyPr/>
+          <a:lstStyle/>
+          <a:p>
+            <a:r>
+              <a:rPr lang="zh-CN" altLang="en-US" smtClean="0"/>
+              <a:t>单击此处编辑母版标题样式</a:t>
+            </a:r>
+            <a:endParaRPr lang="en-US" dirty="0"/>
+          </a:p>
+        </p:txBody>
+      </p:sp>
     </p:spTree>
   </p:cSld>
   <p:clrMapOvr>
     <a:masterClrMapping/>
   </p:clrMapOvr>
+  <p:timing>
+    <p:tnLst>
+      <p:par>
+        <p:cTn id="1" dur="indefinite" restart="never" nodeType="tmRoot"/>
+      </p:par>
+    </p:tnLst>
+  </p:timing>
 </p:sldLayout>
 </file>
 
@@ -2626,7 +3245,7 @@
       </p:grpSpPr>
       <p:sp>
         <p:nvSpPr>
-          <p:cNvPr id="2" name="标题 1"/>
+          <p:cNvPr id="2" name="Title 1"/>
           <p:cNvSpPr>
             <a:spLocks noGrp="1"/>
           </p:cNvSpPr>
@@ -2643,13 +3262,13 @@
               <a:rPr lang="zh-CN" altLang="en-US" smtClean="0"/>
               <a:t>单击此处编辑母版标题样式</a:t>
             </a:r>
-            <a:endParaRPr lang="zh-CN" altLang="en-US"/>
-          </a:p>
-        </p:txBody>
-      </p:sp>
-      <p:sp>
-        <p:nvSpPr>
-          <p:cNvPr id="3" name="日期占位符 2"/>
+            <a:endParaRPr lang="en-US" dirty="0"/>
+          </a:p>
+        </p:txBody>
+      </p:sp>
+      <p:sp>
+        <p:nvSpPr>
+          <p:cNvPr id="3" name="Date Placeholder 2"/>
           <p:cNvSpPr>
             <a:spLocks noGrp="1"/>
           </p:cNvSpPr>
@@ -2664,7 +3283,7 @@
           <a:p>
             <a:fld id="{A9A3A160-64B0-433E-876E-E206ABB7688A}" type="datetimeFigureOut">
               <a:rPr lang="zh-CN" altLang="en-US" smtClean="0"/>
-              <a:t>2017/3/29</a:t>
+              <a:t>2017/3/30</a:t>
             </a:fld>
             <a:endParaRPr lang="zh-CN" altLang="en-US"/>
           </a:p>
@@ -2672,7 +3291,7 @@
       </p:sp>
       <p:sp>
         <p:nvSpPr>
-          <p:cNvPr id="4" name="页脚占位符 3"/>
+          <p:cNvPr id="4" name="Footer Placeholder 3"/>
           <p:cNvSpPr>
             <a:spLocks noGrp="1"/>
           </p:cNvSpPr>
@@ -2691,7 +3310,7 @@
       </p:sp>
       <p:sp>
         <p:nvSpPr>
-          <p:cNvPr id="5" name="灯片编号占位符 4"/>
+          <p:cNvPr id="5" name="Slide Number Placeholder 4"/>
           <p:cNvSpPr>
             <a:spLocks noGrp="1"/>
           </p:cNvSpPr>
@@ -2717,6 +3336,13 @@
   <p:clrMapOvr>
     <a:masterClrMapping/>
   </p:clrMapOvr>
+  <p:timing>
+    <p:tnLst>
+      <p:par>
+        <p:cTn id="1" dur="indefinite" restart="never" nodeType="tmRoot"/>
+      </p:par>
+    </p:tnLst>
+  </p:timing>
 </p:sldLayout>
 </file>
 
@@ -2739,7 +3365,7 @@
       </p:grpSpPr>
       <p:sp>
         <p:nvSpPr>
-          <p:cNvPr id="2" name="日期占位符 1"/>
+          <p:cNvPr id="2" name="Date Placeholder 1"/>
           <p:cNvSpPr>
             <a:spLocks noGrp="1"/>
           </p:cNvSpPr>
@@ -2754,7 +3380,7 @@
           <a:p>
             <a:fld id="{A9A3A160-64B0-433E-876E-E206ABB7688A}" type="datetimeFigureOut">
               <a:rPr lang="zh-CN" altLang="en-US" smtClean="0"/>
-              <a:t>2017/3/29</a:t>
+              <a:t>2017/3/30</a:t>
             </a:fld>
             <a:endParaRPr lang="zh-CN" altLang="en-US"/>
           </a:p>
@@ -2762,7 +3388,7 @@
       </p:sp>
       <p:sp>
         <p:nvSpPr>
-          <p:cNvPr id="3" name="页脚占位符 2"/>
+          <p:cNvPr id="3" name="Footer Placeholder 2"/>
           <p:cNvSpPr>
             <a:spLocks noGrp="1"/>
           </p:cNvSpPr>
@@ -2781,7 +3407,7 @@
       </p:sp>
       <p:sp>
         <p:nvSpPr>
-          <p:cNvPr id="4" name="灯片编号占位符 3"/>
+          <p:cNvPr id="4" name="Slide Number Placeholder 3"/>
           <p:cNvSpPr>
             <a:spLocks noGrp="1"/>
           </p:cNvSpPr>
@@ -2807,6 +3433,13 @@
   <p:clrMapOvr>
     <a:masterClrMapping/>
   </p:clrMapOvr>
+  <p:timing>
+    <p:tnLst>
+      <p:par>
+        <p:cTn id="1" dur="indefinite" restart="never" nodeType="tmRoot"/>
+      </p:par>
+    </p:tnLst>
+  </p:timing>
 </p:sldLayout>
 </file>
 
@@ -2829,7 +3462,7 @@
       </p:grpSpPr>
       <p:sp>
         <p:nvSpPr>
-          <p:cNvPr id="2" name="标题 1"/>
+          <p:cNvPr id="2" name="Title 1"/>
           <p:cNvSpPr>
             <a:spLocks noGrp="1"/>
           </p:cNvSpPr>
@@ -2839,15 +3472,20 @@
         </p:nvSpPr>
         <p:spPr>
           <a:xfrm>
-            <a:off x="650241" y="343335"/>
-            <a:ext cx="4278490" cy="1461170"/>
-          </a:xfrm>
-        </p:spPr>
-        <p:txBody>
-          <a:bodyPr anchor="b"/>
+            <a:off x="1193380" y="2778620"/>
+            <a:ext cx="5171321" cy="1582438"/>
+          </a:xfrm>
+          <a:effectLst/>
+        </p:spPr>
+        <p:txBody>
+          <a:bodyPr anchor="b">
+            <a:noAutofit/>
+          </a:bodyPr>
           <a:lstStyle>
-            <a:lvl1pPr algn="l">
-              <a:defRPr sz="2700" b="1"/>
+            <a:lvl1pPr marL="308953" indent="-308953" algn="l">
+              <a:defRPr sz="3800" b="1">
+                <a:effectLst/>
+              </a:defRPr>
             </a:lvl1pPr>
           </a:lstStyle>
           <a:p>
@@ -2855,13 +3493,13 @@
               <a:rPr lang="zh-CN" altLang="en-US" smtClean="0"/>
               <a:t>单击此处编辑母版标题样式</a:t>
             </a:r>
-            <a:endParaRPr lang="zh-CN" altLang="en-US"/>
-          </a:p>
-        </p:txBody>
-      </p:sp>
-      <p:sp>
-        <p:nvSpPr>
-          <p:cNvPr id="3" name="内容占位符 2"/>
+            <a:endParaRPr lang="en-US" dirty="0"/>
+          </a:p>
+        </p:txBody>
+      </p:sp>
+      <p:sp>
+        <p:nvSpPr>
+          <p:cNvPr id="3" name="Content Placeholder 2"/>
           <p:cNvSpPr>
             <a:spLocks noGrp="1"/>
           </p:cNvSpPr>
@@ -2871,27 +3509,27 @@
         </p:nvSpPr>
         <p:spPr>
           <a:xfrm>
-            <a:off x="5084516" y="343336"/>
-            <a:ext cx="7270044" cy="7359748"/>
-          </a:xfrm>
-        </p:spPr>
-        <p:txBody>
-          <a:bodyPr/>
+            <a:off x="6533000" y="919819"/>
+            <a:ext cx="5713188" cy="6154670"/>
+          </a:xfrm>
+        </p:spPr>
+        <p:txBody>
+          <a:bodyPr anchor="ctr"/>
           <a:lstStyle>
             <a:lvl1pPr>
-              <a:defRPr sz="4300"/>
+              <a:defRPr sz="3000"/>
             </a:lvl1pPr>
             <a:lvl2pPr>
-              <a:defRPr sz="3800"/>
+              <a:defRPr sz="2700"/>
             </a:lvl2pPr>
             <a:lvl3pPr>
-              <a:defRPr sz="3200"/>
+              <a:defRPr sz="2400"/>
             </a:lvl3pPr>
             <a:lvl4pPr>
-              <a:defRPr sz="2700"/>
+              <a:defRPr sz="2200"/>
             </a:lvl4pPr>
             <a:lvl5pPr>
-              <a:defRPr sz="2700"/>
+              <a:defRPr sz="1900"/>
             </a:lvl5pPr>
             <a:lvl6pPr>
               <a:defRPr sz="2700"/>
@@ -2940,13 +3578,13 @@
               <a:rPr lang="zh-CN" altLang="en-US" smtClean="0"/>
               <a:t>第五级</a:t>
             </a:r>
-            <a:endParaRPr lang="zh-CN" altLang="en-US"/>
-          </a:p>
-        </p:txBody>
-      </p:sp>
-      <p:sp>
-        <p:nvSpPr>
-          <p:cNvPr id="4" name="文本占位符 3"/>
+            <a:endParaRPr lang="en-US" dirty="0"/>
+          </a:p>
+        </p:txBody>
+      </p:sp>
+      <p:sp>
+        <p:nvSpPr>
+          <p:cNvPr id="4" name="Text Placeholder 3"/>
           <p:cNvSpPr>
             <a:spLocks noGrp="1"/>
           </p:cNvSpPr>
@@ -2956,8 +3594,8 @@
         </p:nvSpPr>
         <p:spPr>
           <a:xfrm>
-            <a:off x="650241" y="1804506"/>
-            <a:ext cx="4278490" cy="5898577"/>
+            <a:off x="1529977" y="4398162"/>
+            <a:ext cx="4819428" cy="2690246"/>
           </a:xfrm>
         </p:spPr>
         <p:txBody>
@@ -2967,35 +3605,35 @@
               <a:buNone/>
               <a:defRPr sz="1900"/>
             </a:lvl1pPr>
-            <a:lvl2pPr marL="617855" indent="0">
+            <a:lvl2pPr marL="617906" indent="0">
               <a:buNone/>
               <a:defRPr sz="1600"/>
             </a:lvl2pPr>
-            <a:lvl3pPr marL="1235710" indent="0">
+            <a:lvl3pPr marL="1235812" indent="0">
               <a:buNone/>
               <a:defRPr sz="1400"/>
             </a:lvl3pPr>
-            <a:lvl4pPr marL="1853565" indent="0">
+            <a:lvl4pPr marL="1853717" indent="0">
               <a:buNone/>
               <a:defRPr sz="1200"/>
             </a:lvl4pPr>
-            <a:lvl5pPr marL="2471420" indent="0">
+            <a:lvl5pPr marL="2471623" indent="0">
               <a:buNone/>
               <a:defRPr sz="1200"/>
             </a:lvl5pPr>
-            <a:lvl6pPr marL="3089275" indent="0">
+            <a:lvl6pPr marL="3089529" indent="0">
               <a:buNone/>
               <a:defRPr sz="1200"/>
             </a:lvl6pPr>
-            <a:lvl7pPr marL="3707130" indent="0">
+            <a:lvl7pPr marL="3707435" indent="0">
               <a:buNone/>
               <a:defRPr sz="1200"/>
             </a:lvl7pPr>
-            <a:lvl8pPr marL="4325620" indent="0">
+            <a:lvl8pPr marL="4325341" indent="0">
               <a:buNone/>
               <a:defRPr sz="1200"/>
             </a:lvl8pPr>
-            <a:lvl9pPr marL="4943475" indent="0">
+            <a:lvl9pPr marL="4943246" indent="0">
               <a:buNone/>
               <a:defRPr sz="1200"/>
             </a:lvl9pPr>
@@ -3011,7 +3649,7 @@
       </p:sp>
       <p:sp>
         <p:nvSpPr>
-          <p:cNvPr id="5" name="日期占位符 4"/>
+          <p:cNvPr id="5" name="Date Placeholder 4"/>
           <p:cNvSpPr>
             <a:spLocks noGrp="1"/>
           </p:cNvSpPr>
@@ -3026,7 +3664,7 @@
           <a:p>
             <a:fld id="{A9A3A160-64B0-433E-876E-E206ABB7688A}" type="datetimeFigureOut">
               <a:rPr lang="zh-CN" altLang="en-US" smtClean="0"/>
-              <a:t>2017/3/29</a:t>
+              <a:t>2017/3/30</a:t>
             </a:fld>
             <a:endParaRPr lang="zh-CN" altLang="en-US"/>
           </a:p>
@@ -3034,7 +3672,7 @@
       </p:sp>
       <p:sp>
         <p:nvSpPr>
-          <p:cNvPr id="6" name="页脚占位符 5"/>
+          <p:cNvPr id="6" name="Footer Placeholder 5"/>
           <p:cNvSpPr>
             <a:spLocks noGrp="1"/>
           </p:cNvSpPr>
@@ -3053,7 +3691,7 @@
       </p:sp>
       <p:sp>
         <p:nvSpPr>
-          <p:cNvPr id="7" name="灯片编号占位符 6"/>
+          <p:cNvPr id="7" name="Slide Number Placeholder 6"/>
           <p:cNvSpPr>
             <a:spLocks noGrp="1"/>
           </p:cNvSpPr>
@@ -3079,11 +3717,18 @@
   <p:clrMapOvr>
     <a:masterClrMapping/>
   </p:clrMapOvr>
+  <p:timing>
+    <p:tnLst>
+      <p:par>
+        <p:cTn id="1" dur="indefinite" restart="never" nodeType="tmRoot"/>
+      </p:par>
+    </p:tnLst>
+  </p:timing>
 </p:sldLayout>
 </file>
 
 <file path=ppt/slideLayouts/slideLayout9.xml><?xml version="1.0" encoding="utf-8"?>
-<p:sldLayout xmlns:a="http://schemas.openxmlformats.org/drawingml/2006/main" xmlns:r="http://schemas.openxmlformats.org/officeDocument/2006/relationships" xmlns:p="http://schemas.openxmlformats.org/presentationml/2006/main" type="picTx" preserve="1">
+<p:sldLayout xmlns:a="http://schemas.openxmlformats.org/drawingml/2006/main" xmlns:r="http://schemas.openxmlformats.org/officeDocument/2006/relationships" xmlns:p="http://schemas.openxmlformats.org/presentationml/2006/main" showMasterSp="0" type="picTx" preserve="1">
   <p:cSld name="图片与标题">
     <p:spTree>
       <p:nvGrpSpPr>
@@ -3101,7 +3746,497 @@
       </p:grpSpPr>
       <p:sp>
         <p:nvSpPr>
-          <p:cNvPr id="2" name="标题 1"/>
+          <p:cNvPr id="8" name="Rectangle 7"/>
+          <p:cNvSpPr/>
+          <p:nvPr/>
+        </p:nvSpPr>
+        <p:spPr>
+          <a:xfrm>
+            <a:off x="0" y="4862294"/>
+            <a:ext cx="13004800" cy="3761006"/>
+          </a:xfrm>
+          <a:prstGeom prst="rect">
+            <a:avLst/>
+          </a:prstGeom>
+          <a:gradFill>
+            <a:gsLst>
+              <a:gs pos="0">
+                <a:schemeClr val="bg1">
+                  <a:alpha val="92000"/>
+                </a:schemeClr>
+              </a:gs>
+              <a:gs pos="37000">
+                <a:schemeClr val="bg1">
+                  <a:alpha val="77000"/>
+                </a:schemeClr>
+              </a:gs>
+              <a:gs pos="100000">
+                <a:schemeClr val="bg2">
+                  <a:alpha val="80000"/>
+                </a:schemeClr>
+              </a:gs>
+            </a:gsLst>
+            <a:path path="circle">
+              <a:fillToRect l="50000" t="50000" r="50000" b="50000"/>
+            </a:path>
+          </a:gradFill>
+          <a:ln>
+            <a:noFill/>
+          </a:ln>
+        </p:spPr>
+        <p:style>
+          <a:lnRef idx="2">
+            <a:schemeClr val="accent1">
+              <a:shade val="50000"/>
+            </a:schemeClr>
+          </a:lnRef>
+          <a:fillRef idx="1">
+            <a:schemeClr val="accent1"/>
+          </a:fillRef>
+          <a:effectRef idx="0">
+            <a:schemeClr val="accent1"/>
+          </a:effectRef>
+          <a:fontRef idx="minor">
+            <a:schemeClr val="lt1"/>
+          </a:fontRef>
+        </p:style>
+        <p:txBody>
+          <a:bodyPr lIns="123581" tIns="61791" rIns="123581" bIns="61791" rtlCol="0" anchor="ctr"/>
+          <a:lstStyle/>
+          <a:p>
+            <a:pPr algn="ctr"/>
+            <a:endParaRPr lang="en-US"/>
+          </a:p>
+        </p:txBody>
+      </p:sp>
+      <p:sp>
+        <p:nvSpPr>
+          <p:cNvPr id="9" name="Rectangle 8"/>
+          <p:cNvSpPr/>
+          <p:nvPr/>
+        </p:nvSpPr>
+        <p:spPr>
+          <a:xfrm>
+            <a:off x="0" y="0"/>
+            <a:ext cx="13004800" cy="4862294"/>
+          </a:xfrm>
+          <a:prstGeom prst="rect">
+            <a:avLst/>
+          </a:prstGeom>
+          <a:gradFill flip="none" rotWithShape="1">
+            <a:gsLst>
+              <a:gs pos="0">
+                <a:schemeClr val="bg1">
+                  <a:alpha val="90000"/>
+                </a:schemeClr>
+              </a:gs>
+              <a:gs pos="48000">
+                <a:schemeClr val="bg1">
+                  <a:alpha val="63000"/>
+                </a:schemeClr>
+              </a:gs>
+              <a:gs pos="100000">
+                <a:schemeClr val="bg2">
+                  <a:alpha val="80000"/>
+                </a:schemeClr>
+              </a:gs>
+            </a:gsLst>
+            <a:path path="circle">
+              <a:fillToRect l="50000" t="50000" r="50000" b="50000"/>
+            </a:path>
+            <a:tileRect/>
+          </a:gradFill>
+          <a:ln>
+            <a:noFill/>
+          </a:ln>
+        </p:spPr>
+        <p:style>
+          <a:lnRef idx="2">
+            <a:schemeClr val="accent1">
+              <a:shade val="50000"/>
+            </a:schemeClr>
+          </a:lnRef>
+          <a:fillRef idx="1">
+            <a:schemeClr val="accent1"/>
+          </a:fillRef>
+          <a:effectRef idx="0">
+            <a:schemeClr val="accent1"/>
+          </a:effectRef>
+          <a:fontRef idx="minor">
+            <a:schemeClr val="lt1"/>
+          </a:fontRef>
+        </p:style>
+        <p:txBody>
+          <a:bodyPr lIns="123581" tIns="61791" rIns="123581" bIns="61791" rtlCol="0" anchor="ctr"/>
+          <a:lstStyle/>
+          <a:p>
+            <a:pPr algn="ctr"/>
+            <a:endParaRPr lang="en-US" dirty="0"/>
+          </a:p>
+        </p:txBody>
+      </p:sp>
+      <p:sp>
+        <p:nvSpPr>
+          <p:cNvPr id="10" name="Rectangle 9"/>
+          <p:cNvSpPr/>
+          <p:nvPr/>
+        </p:nvSpPr>
+        <p:spPr>
+          <a:xfrm>
+            <a:off x="0" y="3335036"/>
+            <a:ext cx="13004800" cy="2874433"/>
+          </a:xfrm>
+          <a:prstGeom prst="rect">
+            <a:avLst/>
+          </a:prstGeom>
+          <a:gradFill flip="none" rotWithShape="1">
+            <a:gsLst>
+              <a:gs pos="0">
+                <a:schemeClr val="bg1">
+                  <a:alpha val="0"/>
+                </a:schemeClr>
+              </a:gs>
+              <a:gs pos="29000">
+                <a:schemeClr val="bg1">
+                  <a:alpha val="30000"/>
+                </a:schemeClr>
+              </a:gs>
+              <a:gs pos="45000">
+                <a:schemeClr val="bg2">
+                  <a:alpha val="40000"/>
+                </a:schemeClr>
+              </a:gs>
+              <a:gs pos="55000">
+                <a:schemeClr val="bg1">
+                  <a:alpha val="26000"/>
+                </a:schemeClr>
+              </a:gs>
+              <a:gs pos="65000">
+                <a:schemeClr val="bg2">
+                  <a:alpha val="60000"/>
+                </a:schemeClr>
+              </a:gs>
+              <a:gs pos="100000">
+                <a:schemeClr val="bg1">
+                  <a:alpha val="0"/>
+                </a:schemeClr>
+              </a:gs>
+            </a:gsLst>
+            <a:lin ang="5400000" scaled="0"/>
+            <a:tileRect/>
+          </a:gradFill>
+          <a:ln>
+            <a:noFill/>
+          </a:ln>
+        </p:spPr>
+        <p:style>
+          <a:lnRef idx="2">
+            <a:schemeClr val="accent1">
+              <a:shade val="50000"/>
+            </a:schemeClr>
+          </a:lnRef>
+          <a:fillRef idx="1">
+            <a:schemeClr val="accent1"/>
+          </a:fillRef>
+          <a:effectRef idx="0">
+            <a:schemeClr val="accent1"/>
+          </a:effectRef>
+          <a:fontRef idx="minor">
+            <a:schemeClr val="lt1"/>
+          </a:fontRef>
+        </p:style>
+        <p:txBody>
+          <a:bodyPr lIns="123581" tIns="61791" rIns="123581" bIns="61791" rtlCol="0" anchor="ctr"/>
+          <a:lstStyle/>
+          <a:p>
+            <a:pPr algn="ctr"/>
+            <a:endParaRPr lang="en-US"/>
+          </a:p>
+        </p:txBody>
+      </p:sp>
+      <p:sp>
+        <p:nvSpPr>
+          <p:cNvPr id="11" name="Oval 10"/>
+          <p:cNvSpPr/>
+          <p:nvPr/>
+        </p:nvSpPr>
+        <p:spPr>
+          <a:xfrm>
+            <a:off x="0" y="2012103"/>
+            <a:ext cx="13004800" cy="6419568"/>
+          </a:xfrm>
+          <a:prstGeom prst="ellipse">
+            <a:avLst/>
+          </a:prstGeom>
+          <a:gradFill flip="none" rotWithShape="1">
+            <a:gsLst>
+              <a:gs pos="0">
+                <a:schemeClr val="bg1"/>
+              </a:gs>
+              <a:gs pos="54000">
+                <a:schemeClr val="bg1">
+                  <a:alpha val="0"/>
+                </a:schemeClr>
+              </a:gs>
+            </a:gsLst>
+            <a:path path="circle">
+              <a:fillToRect l="50000" t="50000" r="50000" b="50000"/>
+            </a:path>
+            <a:tileRect/>
+          </a:gradFill>
+          <a:ln>
+            <a:noFill/>
+          </a:ln>
+        </p:spPr>
+        <p:style>
+          <a:lnRef idx="2">
+            <a:schemeClr val="accent1">
+              <a:shade val="50000"/>
+            </a:schemeClr>
+          </a:lnRef>
+          <a:fillRef idx="1">
+            <a:schemeClr val="accent1"/>
+          </a:fillRef>
+          <a:effectRef idx="0">
+            <a:schemeClr val="accent1"/>
+          </a:effectRef>
+          <a:fontRef idx="minor">
+            <a:schemeClr val="lt1"/>
+          </a:fontRef>
+        </p:style>
+        <p:txBody>
+          <a:bodyPr lIns="123581" tIns="61791" rIns="123581" bIns="61791" rtlCol="0" anchor="ctr"/>
+          <a:lstStyle/>
+          <a:p>
+            <a:pPr algn="ctr"/>
+            <a:endParaRPr lang="en-US"/>
+          </a:p>
+        </p:txBody>
+      </p:sp>
+      <p:sp>
+        <p:nvSpPr>
+          <p:cNvPr id="3" name="Picture Placeholder 2"/>
+          <p:cNvSpPr>
+            <a:spLocks noGrp="1"/>
+          </p:cNvSpPr>
+          <p:nvPr>
+            <p:ph type="pic" idx="1"/>
+          </p:nvPr>
+        </p:nvSpPr>
+        <p:spPr>
+          <a:xfrm>
+            <a:off x="6364693" y="1437217"/>
+            <a:ext cx="5852160" cy="3932926"/>
+          </a:xfrm>
+          <a:prstGeom prst="roundRect">
+            <a:avLst>
+              <a:gd name="adj" fmla="val 4230"/>
+            </a:avLst>
+          </a:prstGeom>
+          <a:solidFill>
+            <a:schemeClr val="bg2">
+              <a:lumMod val="90000"/>
+            </a:schemeClr>
+          </a:solidFill>
+          <a:effectLst>
+            <a:reflection blurRad="4350" stA="23000" endA="300" endPos="28000" dir="5400000" sy="-100000" algn="bl" rotWithShape="0"/>
+          </a:effectLst>
+          <a:scene3d>
+            <a:camera prst="perspectiveContrastingLeftFacing" fov="1800000">
+              <a:rot lat="300000" lon="2100000" rev="0"/>
+            </a:camera>
+            <a:lightRig rig="balanced" dir="t"/>
+          </a:scene3d>
+          <a:sp3d>
+            <a:bevelT w="50800" h="50800"/>
+          </a:sp3d>
+        </p:spPr>
+        <p:txBody>
+          <a:bodyPr>
+            <a:normAutofit/>
+            <a:flatTx/>
+          </a:bodyPr>
+          <a:lstStyle>
+            <a:lvl1pPr marL="0" indent="0" algn="ctr">
+              <a:buNone/>
+              <a:defRPr sz="2700"/>
+            </a:lvl1pPr>
+            <a:lvl2pPr marL="617906" indent="0">
+              <a:buNone/>
+              <a:defRPr sz="3800"/>
+            </a:lvl2pPr>
+            <a:lvl3pPr marL="1235812" indent="0">
+              <a:buNone/>
+              <a:defRPr sz="3200"/>
+            </a:lvl3pPr>
+            <a:lvl4pPr marL="1853717" indent="0">
+              <a:buNone/>
+              <a:defRPr sz="2700"/>
+            </a:lvl4pPr>
+            <a:lvl5pPr marL="2471623" indent="0">
+              <a:buNone/>
+              <a:defRPr sz="2700"/>
+            </a:lvl5pPr>
+            <a:lvl6pPr marL="3089529" indent="0">
+              <a:buNone/>
+              <a:defRPr sz="2700"/>
+            </a:lvl6pPr>
+            <a:lvl7pPr marL="3707435" indent="0">
+              <a:buNone/>
+              <a:defRPr sz="2700"/>
+            </a:lvl7pPr>
+            <a:lvl8pPr marL="4325341" indent="0">
+              <a:buNone/>
+              <a:defRPr sz="2700"/>
+            </a:lvl8pPr>
+            <a:lvl9pPr marL="4943246" indent="0">
+              <a:buNone/>
+              <a:defRPr sz="2700"/>
+            </a:lvl9pPr>
+          </a:lstStyle>
+          <a:p>
+            <a:r>
+              <a:rPr lang="zh-CN" altLang="en-US" smtClean="0"/>
+              <a:t>单击图标添加图片</a:t>
+            </a:r>
+            <a:endParaRPr lang="en-US" dirty="0"/>
+          </a:p>
+        </p:txBody>
+      </p:sp>
+      <p:sp>
+        <p:nvSpPr>
+          <p:cNvPr id="4" name="Text Placeholder 3"/>
+          <p:cNvSpPr>
+            <a:spLocks noGrp="1"/>
+          </p:cNvSpPr>
+          <p:nvPr>
+            <p:ph type="body" sz="half" idx="2"/>
+          </p:nvPr>
+        </p:nvSpPr>
+        <p:spPr>
+          <a:xfrm>
+            <a:off x="1248550" y="1270593"/>
+            <a:ext cx="5253851" cy="2719797"/>
+          </a:xfrm>
+        </p:spPr>
+        <p:txBody>
+          <a:bodyPr anchor="b"/>
+          <a:lstStyle>
+            <a:lvl1pPr marL="247162" indent="-247162">
+              <a:buFont typeface="Georgia" pitchFamily="18" charset="0"/>
+              <a:buChar char="*"/>
+              <a:defRPr sz="2200"/>
+            </a:lvl1pPr>
+            <a:lvl2pPr marL="617906" indent="0">
+              <a:buNone/>
+              <a:defRPr sz="1600"/>
+            </a:lvl2pPr>
+            <a:lvl3pPr marL="1235812" indent="0">
+              <a:buNone/>
+              <a:defRPr sz="1400"/>
+            </a:lvl3pPr>
+            <a:lvl4pPr marL="1853717" indent="0">
+              <a:buNone/>
+              <a:defRPr sz="1200"/>
+            </a:lvl4pPr>
+            <a:lvl5pPr marL="2471623" indent="0">
+              <a:buNone/>
+              <a:defRPr sz="1200"/>
+            </a:lvl5pPr>
+            <a:lvl6pPr marL="3089529" indent="0">
+              <a:buNone/>
+              <a:defRPr sz="1200"/>
+            </a:lvl6pPr>
+            <a:lvl7pPr marL="3707435" indent="0">
+              <a:buNone/>
+              <a:defRPr sz="1200"/>
+            </a:lvl7pPr>
+            <a:lvl8pPr marL="4325341" indent="0">
+              <a:buNone/>
+              <a:defRPr sz="1200"/>
+            </a:lvl8pPr>
+            <a:lvl9pPr marL="4943246" indent="0">
+              <a:buNone/>
+              <a:defRPr sz="1200"/>
+            </a:lvl9pPr>
+          </a:lstStyle>
+          <a:p>
+            <a:pPr lvl="0"/>
+            <a:r>
+              <a:rPr lang="zh-CN" altLang="en-US" smtClean="0"/>
+              <a:t>单击此处编辑母版文本样式</a:t>
+            </a:r>
+          </a:p>
+        </p:txBody>
+      </p:sp>
+      <p:sp>
+        <p:nvSpPr>
+          <p:cNvPr id="5" name="Date Placeholder 4"/>
+          <p:cNvSpPr>
+            <a:spLocks noGrp="1"/>
+          </p:cNvSpPr>
+          <p:nvPr>
+            <p:ph type="dt" sz="half" idx="10"/>
+          </p:nvPr>
+        </p:nvSpPr>
+        <p:spPr/>
+        <p:txBody>
+          <a:bodyPr/>
+          <a:lstStyle/>
+          <a:p>
+            <a:fld id="{A9A3A160-64B0-433E-876E-E206ABB7688A}" type="datetimeFigureOut">
+              <a:rPr lang="zh-CN" altLang="en-US" smtClean="0"/>
+              <a:t>2017/3/30</a:t>
+            </a:fld>
+            <a:endParaRPr lang="zh-CN" altLang="en-US"/>
+          </a:p>
+        </p:txBody>
+      </p:sp>
+      <p:sp>
+        <p:nvSpPr>
+          <p:cNvPr id="6" name="Footer Placeholder 5"/>
+          <p:cNvSpPr>
+            <a:spLocks noGrp="1"/>
+          </p:cNvSpPr>
+          <p:nvPr>
+            <p:ph type="ftr" sz="quarter" idx="11"/>
+          </p:nvPr>
+        </p:nvSpPr>
+        <p:spPr/>
+        <p:txBody>
+          <a:bodyPr/>
+          <a:lstStyle/>
+          <a:p>
+            <a:endParaRPr lang="zh-CN" altLang="en-US"/>
+          </a:p>
+        </p:txBody>
+      </p:sp>
+      <p:sp>
+        <p:nvSpPr>
+          <p:cNvPr id="7" name="Slide Number Placeholder 6"/>
+          <p:cNvSpPr>
+            <a:spLocks noGrp="1"/>
+          </p:cNvSpPr>
+          <p:nvPr>
+            <p:ph type="sldNum" sz="quarter" idx="12"/>
+          </p:nvPr>
+        </p:nvSpPr>
+        <p:spPr/>
+        <p:txBody>
+          <a:bodyPr/>
+          <a:lstStyle/>
+          <a:p>
+            <a:fld id="{8E7E355E-4409-4378-9288-8E64B801C0E9}" type="slidenum">
+              <a:rPr lang="zh-CN" altLang="en-US" smtClean="0"/>
+              <a:t>‹#›</a:t>
+            </a:fld>
+            <a:endParaRPr lang="zh-CN" altLang="en-US"/>
+          </a:p>
+        </p:txBody>
+      </p:sp>
+      <p:sp>
+        <p:nvSpPr>
+          <p:cNvPr id="2" name="Title 1"/>
           <p:cNvSpPr>
             <a:spLocks noGrp="1"/>
           </p:cNvSpPr>
@@ -3111,15 +4246,17 @@
         </p:nvSpPr>
         <p:spPr>
           <a:xfrm>
-            <a:off x="2549032" y="6036310"/>
-            <a:ext cx="7802880" cy="712621"/>
-          </a:xfrm>
-        </p:spPr>
-        <p:txBody>
-          <a:bodyPr anchor="b"/>
+            <a:off x="1034337" y="5613596"/>
+            <a:ext cx="9078810" cy="1437217"/>
+          </a:xfrm>
+        </p:spPr>
+        <p:txBody>
+          <a:bodyPr anchor="b">
+            <a:noAutofit/>
+          </a:bodyPr>
           <a:lstStyle>
             <a:lvl1pPr algn="l">
-              <a:defRPr sz="2700" b="1"/>
+              <a:defRPr sz="6200" b="1"/>
             </a:lvl1pPr>
           </a:lstStyle>
           <a:p>
@@ -3127,198 +4264,7 @@
               <a:rPr lang="zh-CN" altLang="en-US" smtClean="0"/>
               <a:t>单击此处编辑母版标题样式</a:t>
             </a:r>
-            <a:endParaRPr lang="zh-CN" altLang="en-US"/>
-          </a:p>
-        </p:txBody>
-      </p:sp>
-      <p:sp>
-        <p:nvSpPr>
-          <p:cNvPr id="3" name="图片占位符 2"/>
-          <p:cNvSpPr>
-            <a:spLocks noGrp="1"/>
-          </p:cNvSpPr>
-          <p:nvPr>
-            <p:ph type="pic" idx="1"/>
-          </p:nvPr>
-        </p:nvSpPr>
-        <p:spPr>
-          <a:xfrm>
-            <a:off x="2549032" y="770508"/>
-            <a:ext cx="7802880" cy="5173980"/>
-          </a:xfrm>
-        </p:spPr>
-        <p:txBody>
-          <a:bodyPr/>
-          <a:lstStyle>
-            <a:lvl1pPr marL="0" indent="0">
-              <a:buNone/>
-              <a:defRPr sz="4300"/>
-            </a:lvl1pPr>
-            <a:lvl2pPr marL="617855" indent="0">
-              <a:buNone/>
-              <a:defRPr sz="3800"/>
-            </a:lvl2pPr>
-            <a:lvl3pPr marL="1235710" indent="0">
-              <a:buNone/>
-              <a:defRPr sz="3200"/>
-            </a:lvl3pPr>
-            <a:lvl4pPr marL="1853565" indent="0">
-              <a:buNone/>
-              <a:defRPr sz="2700"/>
-            </a:lvl4pPr>
-            <a:lvl5pPr marL="2471420" indent="0">
-              <a:buNone/>
-              <a:defRPr sz="2700"/>
-            </a:lvl5pPr>
-            <a:lvl6pPr marL="3089275" indent="0">
-              <a:buNone/>
-              <a:defRPr sz="2700"/>
-            </a:lvl6pPr>
-            <a:lvl7pPr marL="3707130" indent="0">
-              <a:buNone/>
-              <a:defRPr sz="2700"/>
-            </a:lvl7pPr>
-            <a:lvl8pPr marL="4325620" indent="0">
-              <a:buNone/>
-              <a:defRPr sz="2700"/>
-            </a:lvl8pPr>
-            <a:lvl9pPr marL="4943475" indent="0">
-              <a:buNone/>
-              <a:defRPr sz="2700"/>
-            </a:lvl9pPr>
-          </a:lstStyle>
-          <a:p>
-            <a:endParaRPr lang="zh-CN" altLang="en-US"/>
-          </a:p>
-        </p:txBody>
-      </p:sp>
-      <p:sp>
-        <p:nvSpPr>
-          <p:cNvPr id="4" name="文本占位符 3"/>
-          <p:cNvSpPr>
-            <a:spLocks noGrp="1"/>
-          </p:cNvSpPr>
-          <p:nvPr>
-            <p:ph type="body" sz="half" idx="2"/>
-          </p:nvPr>
-        </p:nvSpPr>
-        <p:spPr>
-          <a:xfrm>
-            <a:off x="2549032" y="6748931"/>
-            <a:ext cx="7802880" cy="1012039"/>
-          </a:xfrm>
-        </p:spPr>
-        <p:txBody>
-          <a:bodyPr/>
-          <a:lstStyle>
-            <a:lvl1pPr marL="0" indent="0">
-              <a:buNone/>
-              <a:defRPr sz="1900"/>
-            </a:lvl1pPr>
-            <a:lvl2pPr marL="617855" indent="0">
-              <a:buNone/>
-              <a:defRPr sz="1600"/>
-            </a:lvl2pPr>
-            <a:lvl3pPr marL="1235710" indent="0">
-              <a:buNone/>
-              <a:defRPr sz="1400"/>
-            </a:lvl3pPr>
-            <a:lvl4pPr marL="1853565" indent="0">
-              <a:buNone/>
-              <a:defRPr sz="1200"/>
-            </a:lvl4pPr>
-            <a:lvl5pPr marL="2471420" indent="0">
-              <a:buNone/>
-              <a:defRPr sz="1200"/>
-            </a:lvl5pPr>
-            <a:lvl6pPr marL="3089275" indent="0">
-              <a:buNone/>
-              <a:defRPr sz="1200"/>
-            </a:lvl6pPr>
-            <a:lvl7pPr marL="3707130" indent="0">
-              <a:buNone/>
-              <a:defRPr sz="1200"/>
-            </a:lvl7pPr>
-            <a:lvl8pPr marL="4325620" indent="0">
-              <a:buNone/>
-              <a:defRPr sz="1200"/>
-            </a:lvl8pPr>
-            <a:lvl9pPr marL="4943475" indent="0">
-              <a:buNone/>
-              <a:defRPr sz="1200"/>
-            </a:lvl9pPr>
-          </a:lstStyle>
-          <a:p>
-            <a:pPr lvl="0"/>
-            <a:r>
-              <a:rPr lang="zh-CN" altLang="en-US" smtClean="0"/>
-              <a:t>单击此处编辑母版文本样式</a:t>
-            </a:r>
-          </a:p>
-        </p:txBody>
-      </p:sp>
-      <p:sp>
-        <p:nvSpPr>
-          <p:cNvPr id="5" name="日期占位符 4"/>
-          <p:cNvSpPr>
-            <a:spLocks noGrp="1"/>
-          </p:cNvSpPr>
-          <p:nvPr>
-            <p:ph type="dt" sz="half" idx="10"/>
-          </p:nvPr>
-        </p:nvSpPr>
-        <p:spPr/>
-        <p:txBody>
-          <a:bodyPr/>
-          <a:lstStyle/>
-          <a:p>
-            <a:fld id="{A9A3A160-64B0-433E-876E-E206ABB7688A}" type="datetimeFigureOut">
-              <a:rPr lang="zh-CN" altLang="en-US" smtClean="0"/>
-              <a:t>2017/3/29</a:t>
-            </a:fld>
-            <a:endParaRPr lang="zh-CN" altLang="en-US"/>
-          </a:p>
-        </p:txBody>
-      </p:sp>
-      <p:sp>
-        <p:nvSpPr>
-          <p:cNvPr id="6" name="页脚占位符 5"/>
-          <p:cNvSpPr>
-            <a:spLocks noGrp="1"/>
-          </p:cNvSpPr>
-          <p:nvPr>
-            <p:ph type="ftr" sz="quarter" idx="11"/>
-          </p:nvPr>
-        </p:nvSpPr>
-        <p:spPr/>
-        <p:txBody>
-          <a:bodyPr/>
-          <a:lstStyle/>
-          <a:p>
-            <a:endParaRPr lang="zh-CN" altLang="en-US"/>
-          </a:p>
-        </p:txBody>
-      </p:sp>
-      <p:sp>
-        <p:nvSpPr>
-          <p:cNvPr id="7" name="灯片编号占位符 6"/>
-          <p:cNvSpPr>
-            <a:spLocks noGrp="1"/>
-          </p:cNvSpPr>
-          <p:nvPr>
-            <p:ph type="sldNum" sz="quarter" idx="12"/>
-          </p:nvPr>
-        </p:nvSpPr>
-        <p:spPr/>
-        <p:txBody>
-          <a:bodyPr/>
-          <a:lstStyle/>
-          <a:p>
-            <a:fld id="{8E7E355E-4409-4378-9288-8E64B801C0E9}" type="slidenum">
-              <a:rPr lang="zh-CN" altLang="en-US" smtClean="0"/>
-              <a:t>‹#›</a:t>
-            </a:fld>
-            <a:endParaRPr lang="zh-CN" altLang="en-US"/>
+            <a:endParaRPr lang="en-US" dirty="0"/>
           </a:p>
         </p:txBody>
       </p:sp>
@@ -3327,6 +4273,13 @@
   <p:clrMapOvr>
     <a:masterClrMapping/>
   </p:clrMapOvr>
+  <p:timing>
+    <p:tnLst>
+      <p:par>
+        <p:cTn id="1" dur="indefinite" restart="never" nodeType="tmRoot"/>
+      </p:par>
+    </p:tnLst>
+  </p:timing>
 </p:sldLayout>
 </file>
 
@@ -3334,8 +4287,8 @@
 <p:sldMaster xmlns:a="http://schemas.openxmlformats.org/drawingml/2006/main" xmlns:r="http://schemas.openxmlformats.org/officeDocument/2006/relationships" xmlns:p="http://schemas.openxmlformats.org/presentationml/2006/main">
   <p:cSld>
     <p:bg>
-      <p:bgRef idx="1001">
-        <a:schemeClr val="bg1"/>
+      <p:bgRef idx="1002">
+        <a:schemeClr val="bg2"/>
       </p:bgRef>
     </p:bg>
     <p:spTree>
@@ -3354,7 +4307,276 @@
       </p:grpSpPr>
       <p:sp>
         <p:nvSpPr>
-          <p:cNvPr id="2" name="标题占位符 1"/>
+          <p:cNvPr id="7" name="Rectangle 6"/>
+          <p:cNvSpPr/>
+          <p:nvPr/>
+        </p:nvSpPr>
+        <p:spPr>
+          <a:xfrm>
+            <a:off x="0" y="6419568"/>
+            <a:ext cx="13004800" cy="2203732"/>
+          </a:xfrm>
+          <a:prstGeom prst="rect">
+            <a:avLst/>
+          </a:prstGeom>
+          <a:gradFill>
+            <a:gsLst>
+              <a:gs pos="0">
+                <a:schemeClr val="bg1">
+                  <a:alpha val="91000"/>
+                </a:schemeClr>
+              </a:gs>
+              <a:gs pos="37000">
+                <a:schemeClr val="bg1">
+                  <a:alpha val="76000"/>
+                </a:schemeClr>
+              </a:gs>
+              <a:gs pos="100000">
+                <a:schemeClr val="bg2">
+                  <a:alpha val="79000"/>
+                </a:schemeClr>
+              </a:gs>
+            </a:gsLst>
+            <a:path path="circle">
+              <a:fillToRect l="50000" t="50000" r="50000" b="50000"/>
+            </a:path>
+          </a:gradFill>
+          <a:ln>
+            <a:noFill/>
+          </a:ln>
+        </p:spPr>
+        <p:style>
+          <a:lnRef idx="2">
+            <a:schemeClr val="accent1">
+              <a:shade val="50000"/>
+            </a:schemeClr>
+          </a:lnRef>
+          <a:fillRef idx="1">
+            <a:schemeClr val="accent1"/>
+          </a:fillRef>
+          <a:effectRef idx="0">
+            <a:schemeClr val="accent1"/>
+          </a:effectRef>
+          <a:fontRef idx="minor">
+            <a:schemeClr val="lt1"/>
+          </a:fontRef>
+        </p:style>
+        <p:txBody>
+          <a:bodyPr lIns="123581" tIns="61791" rIns="123581" bIns="61791" rtlCol="0" anchor="ctr"/>
+          <a:lstStyle/>
+          <a:p>
+            <a:pPr algn="ctr"/>
+            <a:endParaRPr lang="en-US"/>
+          </a:p>
+        </p:txBody>
+      </p:sp>
+      <p:sp>
+        <p:nvSpPr>
+          <p:cNvPr id="8" name="Rectangle 7"/>
+          <p:cNvSpPr/>
+          <p:nvPr/>
+        </p:nvSpPr>
+        <p:spPr>
+          <a:xfrm>
+            <a:off x="0" y="0"/>
+            <a:ext cx="13004800" cy="6419568"/>
+          </a:xfrm>
+          <a:prstGeom prst="rect">
+            <a:avLst/>
+          </a:prstGeom>
+          <a:gradFill flip="none" rotWithShape="1">
+            <a:gsLst>
+              <a:gs pos="0">
+                <a:schemeClr val="bg1">
+                  <a:alpha val="89000"/>
+                </a:schemeClr>
+              </a:gs>
+              <a:gs pos="48000">
+                <a:schemeClr val="bg1">
+                  <a:alpha val="62000"/>
+                </a:schemeClr>
+              </a:gs>
+              <a:gs pos="100000">
+                <a:schemeClr val="bg2">
+                  <a:alpha val="79000"/>
+                </a:schemeClr>
+              </a:gs>
+            </a:gsLst>
+            <a:path path="circle">
+              <a:fillToRect l="50000" t="50000" r="50000" b="50000"/>
+            </a:path>
+            <a:tileRect/>
+          </a:gradFill>
+          <a:ln>
+            <a:noFill/>
+          </a:ln>
+        </p:spPr>
+        <p:style>
+          <a:lnRef idx="2">
+            <a:schemeClr val="accent1">
+              <a:shade val="50000"/>
+            </a:schemeClr>
+          </a:lnRef>
+          <a:fillRef idx="1">
+            <a:schemeClr val="accent1"/>
+          </a:fillRef>
+          <a:effectRef idx="0">
+            <a:schemeClr val="accent1"/>
+          </a:effectRef>
+          <a:fontRef idx="minor">
+            <a:schemeClr val="lt1"/>
+          </a:fontRef>
+        </p:style>
+        <p:txBody>
+          <a:bodyPr lIns="123581" tIns="61791" rIns="123581" bIns="61791" rtlCol="0" anchor="ctr"/>
+          <a:lstStyle/>
+          <a:p>
+            <a:pPr algn="ctr"/>
+            <a:endParaRPr lang="en-US" dirty="0"/>
+          </a:p>
+        </p:txBody>
+      </p:sp>
+      <p:sp>
+        <p:nvSpPr>
+          <p:cNvPr id="9" name="Rectangle 8"/>
+          <p:cNvSpPr/>
+          <p:nvPr/>
+        </p:nvSpPr>
+        <p:spPr>
+          <a:xfrm>
+            <a:off x="0" y="4738294"/>
+            <a:ext cx="13004800" cy="2874433"/>
+          </a:xfrm>
+          <a:prstGeom prst="rect">
+            <a:avLst/>
+          </a:prstGeom>
+          <a:gradFill flip="none" rotWithShape="1">
+            <a:gsLst>
+              <a:gs pos="0">
+                <a:schemeClr val="bg1">
+                  <a:alpha val="0"/>
+                </a:schemeClr>
+              </a:gs>
+              <a:gs pos="29000">
+                <a:schemeClr val="bg1">
+                  <a:alpha val="30000"/>
+                </a:schemeClr>
+              </a:gs>
+              <a:gs pos="45000">
+                <a:schemeClr val="bg2">
+                  <a:alpha val="40000"/>
+                </a:schemeClr>
+              </a:gs>
+              <a:gs pos="55000">
+                <a:schemeClr val="bg1">
+                  <a:alpha val="26000"/>
+                </a:schemeClr>
+              </a:gs>
+              <a:gs pos="65000">
+                <a:schemeClr val="bg2">
+                  <a:alpha val="60000"/>
+                </a:schemeClr>
+              </a:gs>
+              <a:gs pos="100000">
+                <a:schemeClr val="bg1">
+                  <a:alpha val="0"/>
+                </a:schemeClr>
+              </a:gs>
+            </a:gsLst>
+            <a:lin ang="5400000" scaled="0"/>
+            <a:tileRect/>
+          </a:gradFill>
+          <a:ln>
+            <a:noFill/>
+          </a:ln>
+        </p:spPr>
+        <p:style>
+          <a:lnRef idx="2">
+            <a:schemeClr val="accent1">
+              <a:shade val="50000"/>
+            </a:schemeClr>
+          </a:lnRef>
+          <a:fillRef idx="1">
+            <a:schemeClr val="accent1"/>
+          </a:fillRef>
+          <a:effectRef idx="0">
+            <a:schemeClr val="accent1"/>
+          </a:effectRef>
+          <a:fontRef idx="minor">
+            <a:schemeClr val="lt1"/>
+          </a:fontRef>
+        </p:style>
+        <p:txBody>
+          <a:bodyPr lIns="123581" tIns="61791" rIns="123581" bIns="61791" rtlCol="0" anchor="ctr"/>
+          <a:lstStyle/>
+          <a:p>
+            <a:pPr algn="ctr"/>
+            <a:endParaRPr lang="en-US"/>
+          </a:p>
+        </p:txBody>
+      </p:sp>
+      <p:sp>
+        <p:nvSpPr>
+          <p:cNvPr id="10" name="Oval 9"/>
+          <p:cNvSpPr/>
+          <p:nvPr/>
+        </p:nvSpPr>
+        <p:spPr>
+          <a:xfrm>
+            <a:off x="0" y="2012103"/>
+            <a:ext cx="13004800" cy="6419568"/>
+          </a:xfrm>
+          <a:prstGeom prst="ellipse">
+            <a:avLst/>
+          </a:prstGeom>
+          <a:gradFill flip="none" rotWithShape="1">
+            <a:gsLst>
+              <a:gs pos="0">
+                <a:schemeClr val="bg1"/>
+              </a:gs>
+              <a:gs pos="56000">
+                <a:schemeClr val="bg1">
+                  <a:alpha val="0"/>
+                </a:schemeClr>
+              </a:gs>
+            </a:gsLst>
+            <a:path path="circle">
+              <a:fillToRect l="50000" t="50000" r="50000" b="50000"/>
+            </a:path>
+            <a:tileRect/>
+          </a:gradFill>
+          <a:ln>
+            <a:noFill/>
+          </a:ln>
+        </p:spPr>
+        <p:style>
+          <a:lnRef idx="2">
+            <a:schemeClr val="accent1">
+              <a:shade val="50000"/>
+            </a:schemeClr>
+          </a:lnRef>
+          <a:fillRef idx="1">
+            <a:schemeClr val="accent1"/>
+          </a:fillRef>
+          <a:effectRef idx="0">
+            <a:schemeClr val="accent1"/>
+          </a:effectRef>
+          <a:fontRef idx="minor">
+            <a:schemeClr val="lt1"/>
+          </a:fontRef>
+        </p:style>
+        <p:txBody>
+          <a:bodyPr lIns="123581" tIns="61791" rIns="123581" bIns="61791" rtlCol="0" anchor="ctr"/>
+          <a:lstStyle/>
+          <a:p>
+            <a:pPr algn="ctr"/>
+            <a:endParaRPr lang="en-US"/>
+          </a:p>
+        </p:txBody>
+      </p:sp>
+      <p:sp>
+        <p:nvSpPr>
+          <p:cNvPr id="2" name="Title Placeholder 1"/>
           <p:cNvSpPr>
             <a:spLocks noGrp="1"/>
           </p:cNvSpPr>
@@ -3364,16 +4586,17 @@
         </p:nvSpPr>
         <p:spPr>
           <a:xfrm>
-            <a:off x="650240" y="345332"/>
-            <a:ext cx="11704320" cy="1437217"/>
+            <a:off x="2550456" y="5497596"/>
+            <a:ext cx="9262238" cy="1437217"/>
           </a:xfrm>
           <a:prstGeom prst="rect">
             <a:avLst/>
           </a:prstGeom>
-        </p:spPr>
-        <p:txBody>
-          <a:bodyPr vert="horz" lIns="123581" tIns="61791" rIns="123581" bIns="61791" rtlCol="0" anchor="ctr">
-            <a:normAutofit/>
+          <a:effectLst/>
+        </p:spPr>
+        <p:txBody>
+          <a:bodyPr vert="horz" lIns="123581" tIns="61791" rIns="123581" bIns="61791" rtlCol="0" anchor="t" anchorCtr="0">
+            <a:noAutofit/>
           </a:bodyPr>
           <a:lstStyle/>
           <a:p>
@@ -3381,13 +4604,13 @@
               <a:rPr lang="zh-CN" altLang="en-US" smtClean="0"/>
               <a:t>单击此处编辑母版标题样式</a:t>
             </a:r>
-            <a:endParaRPr lang="zh-CN" altLang="en-US"/>
-          </a:p>
-        </p:txBody>
-      </p:sp>
-      <p:sp>
-        <p:nvSpPr>
-          <p:cNvPr id="3" name="文本占位符 2"/>
+            <a:endParaRPr lang="en-US" dirty="0"/>
+          </a:p>
+        </p:txBody>
+      </p:sp>
+      <p:sp>
+        <p:nvSpPr>
+          <p:cNvPr id="3" name="Text Placeholder 2"/>
           <p:cNvSpPr>
             <a:spLocks noGrp="1"/>
           </p:cNvSpPr>
@@ -3397,8 +4620,8 @@
         </p:nvSpPr>
         <p:spPr>
           <a:xfrm>
-            <a:off x="650240" y="2012104"/>
-            <a:ext cx="11704320" cy="5690979"/>
+            <a:off x="1625600" y="920749"/>
+            <a:ext cx="9103360" cy="4369139"/>
           </a:xfrm>
           <a:prstGeom prst="rect">
             <a:avLst/>
@@ -3443,13 +4666,13 @@
               <a:rPr lang="zh-CN" altLang="en-US" smtClean="0"/>
               <a:t>第五级</a:t>
             </a:r>
-            <a:endParaRPr lang="zh-CN" altLang="en-US"/>
-          </a:p>
-        </p:txBody>
-      </p:sp>
-      <p:sp>
-        <p:nvSpPr>
-          <p:cNvPr id="4" name="日期占位符 3"/>
+            <a:endParaRPr lang="en-US" dirty="0"/>
+          </a:p>
+        </p:txBody>
+      </p:sp>
+      <p:sp>
+        <p:nvSpPr>
+          <p:cNvPr id="4" name="Date Placeholder 3"/>
           <p:cNvSpPr>
             <a:spLocks noGrp="1"/>
           </p:cNvSpPr>
@@ -3459,8 +4682,8 @@
         </p:nvSpPr>
         <p:spPr>
           <a:xfrm>
-            <a:off x="650240" y="7992522"/>
-            <a:ext cx="3034453" cy="459111"/>
+            <a:off x="8778240" y="7760971"/>
+            <a:ext cx="3576320" cy="459111"/>
           </a:xfrm>
           <a:prstGeom prst="rect">
             <a:avLst/>
@@ -3469,11 +4692,12 @@
         <p:txBody>
           <a:bodyPr vert="horz" lIns="123581" tIns="61791" rIns="123581" bIns="61791" rtlCol="0" anchor="ctr"/>
           <a:lstStyle>
-            <a:lvl1pPr algn="l">
-              <a:defRPr sz="1600">
+            <a:lvl1pPr algn="r">
+              <a:defRPr sz="1500" b="1">
                 <a:solidFill>
                   <a:schemeClr val="tx1">
-                    <a:tint val="75000"/>
+                    <a:lumMod val="50000"/>
+                    <a:lumOff val="50000"/>
                   </a:schemeClr>
                 </a:solidFill>
               </a:defRPr>
@@ -3482,7 +4706,7 @@
           <a:p>
             <a:fld id="{A9A3A160-64B0-433E-876E-E206ABB7688A}" type="datetimeFigureOut">
               <a:rPr lang="zh-CN" altLang="en-US" smtClean="0"/>
-              <a:t>2017/3/29</a:t>
+              <a:t>2017/3/30</a:t>
             </a:fld>
             <a:endParaRPr lang="zh-CN" altLang="en-US"/>
           </a:p>
@@ -3490,7 +4714,7 @@
       </p:sp>
       <p:sp>
         <p:nvSpPr>
-          <p:cNvPr id="5" name="页脚占位符 4"/>
+          <p:cNvPr id="5" name="Footer Placeholder 4"/>
           <p:cNvSpPr>
             <a:spLocks noGrp="1"/>
           </p:cNvSpPr>
@@ -3500,8 +4724,8 @@
         </p:nvSpPr>
         <p:spPr>
           <a:xfrm>
-            <a:off x="4443307" y="7992522"/>
-            <a:ext cx="4118187" cy="459111"/>
+            <a:off x="650239" y="7760971"/>
+            <a:ext cx="4768428" cy="459111"/>
           </a:xfrm>
           <a:prstGeom prst="rect">
             <a:avLst/>
@@ -3510,11 +4734,12 @@
         <p:txBody>
           <a:bodyPr vert="horz" lIns="123581" tIns="61791" rIns="123581" bIns="61791" rtlCol="0" anchor="ctr"/>
           <a:lstStyle>
-            <a:lvl1pPr algn="ctr">
-              <a:defRPr sz="1600">
+            <a:lvl1pPr algn="l">
+              <a:defRPr sz="1500" b="1">
                 <a:solidFill>
                   <a:schemeClr val="tx1">
-                    <a:tint val="75000"/>
+                    <a:lumMod val="50000"/>
+                    <a:lumOff val="50000"/>
                   </a:schemeClr>
                 </a:solidFill>
               </a:defRPr>
@@ -3527,7 +4752,7 @@
       </p:sp>
       <p:sp>
         <p:nvSpPr>
-          <p:cNvPr id="6" name="灯片编号占位符 5"/>
+          <p:cNvPr id="6" name="Slide Number Placeholder 5"/>
           <p:cNvSpPr>
             <a:spLocks noGrp="1"/>
           </p:cNvSpPr>
@@ -3537,8 +4762,8 @@
         </p:nvSpPr>
         <p:spPr>
           <a:xfrm>
-            <a:off x="9320107" y="7992522"/>
-            <a:ext cx="3034453" cy="459111"/>
+            <a:off x="5418667" y="7760971"/>
+            <a:ext cx="2600960" cy="459111"/>
           </a:xfrm>
           <a:prstGeom prst="rect">
             <a:avLst/>
@@ -3547,11 +4772,12 @@
         <p:txBody>
           <a:bodyPr vert="horz" lIns="123581" tIns="61791" rIns="123581" bIns="61791" rtlCol="0" anchor="ctr"/>
           <a:lstStyle>
-            <a:lvl1pPr algn="r">
-              <a:defRPr sz="1600">
+            <a:lvl1pPr algn="ctr">
+              <a:defRPr sz="1600" b="1">
                 <a:solidFill>
                   <a:schemeClr val="tx1">
-                    <a:tint val="75000"/>
+                    <a:lumMod val="50000"/>
+                    <a:lumOff val="50000"/>
                   </a:schemeClr>
                 </a:solidFill>
               </a:defRPr>
@@ -3570,165 +4796,362 @@
   </p:cSld>
   <p:clrMap bg1="lt1" tx1="dk1" bg2="lt2" tx2="dk2" accent1="accent1" accent2="accent2" accent3="accent3" accent4="accent4" accent5="accent5" accent6="accent6" hlink="hlink" folHlink="folHlink"/>
   <p:sldLayoutIdLst>
-    <p:sldLayoutId id="2147483649" r:id="rId1"/>
-    <p:sldLayoutId id="2147483650" r:id="rId2"/>
-    <p:sldLayoutId id="2147483651" r:id="rId3"/>
-    <p:sldLayoutId id="2147483652" r:id="rId4"/>
-    <p:sldLayoutId id="2147483653" r:id="rId5"/>
-    <p:sldLayoutId id="2147483654" r:id="rId6"/>
-    <p:sldLayoutId id="2147483655" r:id="rId7"/>
-    <p:sldLayoutId id="2147483656" r:id="rId8"/>
-    <p:sldLayoutId id="2147483657" r:id="rId9"/>
-    <p:sldLayoutId id="2147483658" r:id="rId10"/>
-    <p:sldLayoutId id="2147483659" r:id="rId11"/>
+    <p:sldLayoutId id="2147483685" r:id="rId1"/>
+    <p:sldLayoutId id="2147483686" r:id="rId2"/>
+    <p:sldLayoutId id="2147483687" r:id="rId3"/>
+    <p:sldLayoutId id="2147483688" r:id="rId4"/>
+    <p:sldLayoutId id="2147483689" r:id="rId5"/>
+    <p:sldLayoutId id="2147483690" r:id="rId6"/>
+    <p:sldLayoutId id="2147483691" r:id="rId7"/>
+    <p:sldLayoutId id="2147483692" r:id="rId8"/>
+    <p:sldLayoutId id="2147483693" r:id="rId9"/>
+    <p:sldLayoutId id="2147483694" r:id="rId10"/>
+    <p:sldLayoutId id="2147483695" r:id="rId11"/>
   </p:sldLayoutIdLst>
+  <p:timing>
+    <p:tnLst>
+      <p:par>
+        <p:cTn id="1" dur="indefinite" restart="never" nodeType="tmRoot"/>
+      </p:par>
+    </p:tnLst>
+  </p:timing>
   <p:txStyles>
     <p:titleStyle>
-      <a:lvl1pPr algn="ctr" defTabSz="1235710" rtl="0" eaLnBrk="1" latinLnBrk="0" hangingPunct="1">
+      <a:lvl1pPr marL="432534" indent="-432534" algn="r" defTabSz="1235812" rtl="0" eaLnBrk="1" latinLnBrk="0" hangingPunct="1">
         <a:spcBef>
           <a:spcPct val="0"/>
         </a:spcBef>
-        <a:buNone/>
-        <a:defRPr sz="5900" kern="1200">
-          <a:solidFill>
-            <a:schemeClr val="tx1"/>
-          </a:solidFill>
+        <a:buClr>
+          <a:schemeClr val="accent6">
+            <a:lumMod val="75000"/>
+          </a:schemeClr>
+        </a:buClr>
+        <a:buSzPct val="128000"/>
+        <a:buFont typeface="Georgia" pitchFamily="18" charset="0"/>
+        <a:buChar char="*"/>
+        <a:defRPr sz="6200" b="1" i="0" kern="1200">
+          <a:gradFill>
+            <a:gsLst>
+              <a:gs pos="0">
+                <a:schemeClr val="tx1"/>
+              </a:gs>
+              <a:gs pos="40000">
+                <a:schemeClr val="tx1">
+                  <a:lumMod val="75000"/>
+                  <a:lumOff val="25000"/>
+                </a:schemeClr>
+              </a:gs>
+              <a:gs pos="100000">
+                <a:schemeClr val="tx2">
+                  <a:alpha val="65000"/>
+                </a:schemeClr>
+              </a:gs>
+            </a:gsLst>
+            <a:lin ang="5400000" scaled="0"/>
+          </a:gradFill>
+          <a:effectLst>
+            <a:reflection blurRad="6350" stA="55000" endA="300" endPos="45500" dir="5400000" sy="-100000" algn="bl" rotWithShape="0"/>
+          </a:effectLst>
           <a:latin typeface="+mj-lt"/>
           <a:ea typeface="+mj-ea"/>
           <a:cs typeface="+mj-cs"/>
         </a:defRPr>
       </a:lvl1pPr>
+      <a:lvl2pPr eaLnBrk="1" hangingPunct="1">
+        <a:defRPr>
+          <a:solidFill>
+            <a:schemeClr val="tx2"/>
+          </a:solidFill>
+        </a:defRPr>
+      </a:lvl2pPr>
+      <a:lvl3pPr eaLnBrk="1" hangingPunct="1">
+        <a:defRPr>
+          <a:solidFill>
+            <a:schemeClr val="tx2"/>
+          </a:solidFill>
+        </a:defRPr>
+      </a:lvl3pPr>
+      <a:lvl4pPr eaLnBrk="1" hangingPunct="1">
+        <a:defRPr>
+          <a:solidFill>
+            <a:schemeClr val="tx2"/>
+          </a:solidFill>
+        </a:defRPr>
+      </a:lvl4pPr>
+      <a:lvl5pPr eaLnBrk="1" hangingPunct="1">
+        <a:defRPr>
+          <a:solidFill>
+            <a:schemeClr val="tx2"/>
+          </a:solidFill>
+        </a:defRPr>
+      </a:lvl5pPr>
+      <a:lvl6pPr eaLnBrk="1" hangingPunct="1">
+        <a:defRPr>
+          <a:solidFill>
+            <a:schemeClr val="tx2"/>
+          </a:solidFill>
+        </a:defRPr>
+      </a:lvl6pPr>
+      <a:lvl7pPr eaLnBrk="1" hangingPunct="1">
+        <a:defRPr>
+          <a:solidFill>
+            <a:schemeClr val="tx2"/>
+          </a:solidFill>
+        </a:defRPr>
+      </a:lvl7pPr>
+      <a:lvl8pPr eaLnBrk="1" hangingPunct="1">
+        <a:defRPr>
+          <a:solidFill>
+            <a:schemeClr val="tx2"/>
+          </a:solidFill>
+        </a:defRPr>
+      </a:lvl8pPr>
+      <a:lvl9pPr eaLnBrk="1" hangingPunct="1">
+        <a:defRPr>
+          <a:solidFill>
+            <a:schemeClr val="tx2"/>
+          </a:solidFill>
+        </a:defRPr>
+      </a:lvl9pPr>
     </p:titleStyle>
     <p:bodyStyle>
-      <a:lvl1pPr marL="463550" indent="-463550" algn="l" defTabSz="1235710" rtl="0" eaLnBrk="1" latinLnBrk="0" hangingPunct="1">
+      <a:lvl1pPr marL="308953" indent="-247162" algn="l" defTabSz="1235812" rtl="0" eaLnBrk="1" latinLnBrk="0" hangingPunct="1">
         <a:spcBef>
           <a:spcPct val="20000"/>
         </a:spcBef>
-        <a:buFont typeface="Arial" panose="020B0604020202020204" pitchFamily="34" charset="0"/>
-        <a:buChar char="•"/>
-        <a:defRPr sz="4300" kern="1200">
+        <a:spcAft>
+          <a:spcPts val="405"/>
+        </a:spcAft>
+        <a:buClr>
+          <a:schemeClr val="accent6">
+            <a:lumMod val="75000"/>
+          </a:schemeClr>
+        </a:buClr>
+        <a:buSzPct val="130000"/>
+        <a:buFont typeface="Georgia" pitchFamily="18" charset="0"/>
+        <a:buChar char="*"/>
+        <a:defRPr sz="3000" kern="1200">
           <a:solidFill>
-            <a:schemeClr val="tx1"/>
+            <a:schemeClr val="tx1">
+              <a:lumMod val="75000"/>
+              <a:lumOff val="25000"/>
+            </a:schemeClr>
           </a:solidFill>
           <a:latin typeface="+mn-lt"/>
           <a:ea typeface="+mn-ea"/>
           <a:cs typeface="+mn-cs"/>
         </a:defRPr>
       </a:lvl1pPr>
-      <a:lvl2pPr marL="1003935" indent="-386080" algn="l" defTabSz="1235710" rtl="0" eaLnBrk="1" latinLnBrk="0" hangingPunct="1">
+      <a:lvl2pPr marL="741487" indent="-247162" algn="l" defTabSz="1235812" rtl="0" eaLnBrk="1" latinLnBrk="0" hangingPunct="1">
         <a:spcBef>
           <a:spcPct val="20000"/>
         </a:spcBef>
-        <a:buFont typeface="Arial" panose="020B0604020202020204" pitchFamily="34" charset="0"/>
-        <a:buChar char="–"/>
-        <a:defRPr sz="3800" kern="1200">
+        <a:spcAft>
+          <a:spcPts val="405"/>
+        </a:spcAft>
+        <a:buClr>
+          <a:schemeClr val="accent6">
+            <a:lumMod val="75000"/>
+          </a:schemeClr>
+        </a:buClr>
+        <a:buSzPct val="130000"/>
+        <a:buFont typeface="Georgia" pitchFamily="18" charset="0"/>
+        <a:buChar char="*"/>
+        <a:defRPr sz="2700" kern="1200">
           <a:solidFill>
-            <a:schemeClr val="tx1"/>
+            <a:schemeClr val="tx1">
+              <a:lumMod val="75000"/>
+              <a:lumOff val="25000"/>
+            </a:schemeClr>
           </a:solidFill>
           <a:latin typeface="+mn-lt"/>
           <a:ea typeface="+mn-ea"/>
           <a:cs typeface="+mn-cs"/>
         </a:defRPr>
       </a:lvl2pPr>
-      <a:lvl3pPr marL="1544955" indent="-309245" algn="l" defTabSz="1235710" rtl="0" eaLnBrk="1" latinLnBrk="0" hangingPunct="1">
+      <a:lvl3pPr marL="1112230" indent="-247162" algn="l" defTabSz="1235812" rtl="0" eaLnBrk="1" latinLnBrk="0" hangingPunct="1">
         <a:spcBef>
           <a:spcPct val="20000"/>
         </a:spcBef>
-        <a:buFont typeface="Arial" panose="020B0604020202020204" pitchFamily="34" charset="0"/>
-        <a:buChar char="•"/>
-        <a:defRPr sz="3200" kern="1200">
+        <a:spcAft>
+          <a:spcPts val="405"/>
+        </a:spcAft>
+        <a:buClr>
+          <a:schemeClr val="accent6">
+            <a:lumMod val="75000"/>
+          </a:schemeClr>
+        </a:buClr>
+        <a:buSzPct val="130000"/>
+        <a:buFont typeface="Georgia" pitchFamily="18" charset="0"/>
+        <a:buChar char="*"/>
+        <a:defRPr sz="2400" kern="1200">
           <a:solidFill>
-            <a:schemeClr val="tx1"/>
+            <a:schemeClr val="tx1">
+              <a:lumMod val="75000"/>
+              <a:lumOff val="25000"/>
+            </a:schemeClr>
           </a:solidFill>
           <a:latin typeface="+mn-lt"/>
           <a:ea typeface="+mn-ea"/>
           <a:cs typeface="+mn-cs"/>
         </a:defRPr>
       </a:lvl3pPr>
-      <a:lvl4pPr marL="2162810" indent="-309245" algn="l" defTabSz="1235710" rtl="0" eaLnBrk="1" latinLnBrk="0" hangingPunct="1">
+      <a:lvl4pPr marL="1482974" indent="-247162" algn="l" defTabSz="1235812" rtl="0" eaLnBrk="1" latinLnBrk="0" hangingPunct="1">
         <a:spcBef>
           <a:spcPct val="20000"/>
         </a:spcBef>
-        <a:buFont typeface="Arial" panose="020B0604020202020204" pitchFamily="34" charset="0"/>
-        <a:buChar char="–"/>
-        <a:defRPr sz="2700" kern="1200">
+        <a:spcAft>
+          <a:spcPts val="405"/>
+        </a:spcAft>
+        <a:buClr>
+          <a:schemeClr val="accent6">
+            <a:lumMod val="75000"/>
+          </a:schemeClr>
+        </a:buClr>
+        <a:buSzPct val="130000"/>
+        <a:buFont typeface="Georgia" pitchFamily="18" charset="0"/>
+        <a:buChar char="*"/>
+        <a:defRPr sz="2200" kern="1200">
           <a:solidFill>
-            <a:schemeClr val="tx1"/>
+            <a:schemeClr val="tx1">
+              <a:lumMod val="75000"/>
+              <a:lumOff val="25000"/>
+            </a:schemeClr>
           </a:solidFill>
           <a:latin typeface="+mn-lt"/>
           <a:ea typeface="+mn-ea"/>
           <a:cs typeface="+mn-cs"/>
         </a:defRPr>
       </a:lvl4pPr>
-      <a:lvl5pPr marL="2780665" indent="-309245" algn="l" defTabSz="1235710" rtl="0" eaLnBrk="1" latinLnBrk="0" hangingPunct="1">
+      <a:lvl5pPr marL="1878434" indent="-247162" algn="l" defTabSz="1235812" rtl="0" eaLnBrk="1" latinLnBrk="0" hangingPunct="1">
         <a:spcBef>
           <a:spcPct val="20000"/>
         </a:spcBef>
-        <a:buFont typeface="Arial" panose="020B0604020202020204" pitchFamily="34" charset="0"/>
-        <a:buChar char="»"/>
-        <a:defRPr sz="2700" kern="1200">
+        <a:spcAft>
+          <a:spcPts val="405"/>
+        </a:spcAft>
+        <a:buClr>
+          <a:schemeClr val="accent6">
+            <a:lumMod val="75000"/>
+          </a:schemeClr>
+        </a:buClr>
+        <a:buSzPct val="130000"/>
+        <a:buFont typeface="Georgia" pitchFamily="18" charset="0"/>
+        <a:buChar char="*"/>
+        <a:defRPr sz="1900" kern="1200">
           <a:solidFill>
-            <a:schemeClr val="tx1"/>
+            <a:schemeClr val="tx1">
+              <a:lumMod val="75000"/>
+              <a:lumOff val="25000"/>
+            </a:schemeClr>
           </a:solidFill>
           <a:latin typeface="+mn-lt"/>
           <a:ea typeface="+mn-ea"/>
           <a:cs typeface="+mn-cs"/>
         </a:defRPr>
       </a:lvl5pPr>
-      <a:lvl6pPr marL="3398520" indent="-309245" algn="l" defTabSz="1235710" rtl="0" eaLnBrk="1" latinLnBrk="0" hangingPunct="1">
+      <a:lvl6pPr marL="2249177" indent="-247162" algn="l" defTabSz="1235812" rtl="0" eaLnBrk="1" latinLnBrk="0" hangingPunct="1">
         <a:spcBef>
           <a:spcPct val="20000"/>
         </a:spcBef>
-        <a:buFont typeface="Arial" panose="020B0604020202020204" pitchFamily="34" charset="0"/>
-        <a:buChar char="•"/>
-        <a:defRPr sz="2700" kern="1200">
+        <a:spcAft>
+          <a:spcPts val="405"/>
+        </a:spcAft>
+        <a:buClr>
+          <a:schemeClr val="accent6">
+            <a:lumMod val="75000"/>
+          </a:schemeClr>
+        </a:buClr>
+        <a:buSzPct val="130000"/>
+        <a:buFont typeface="Georgia" pitchFamily="18" charset="0"/>
+        <a:buChar char="*"/>
+        <a:defRPr sz="1900" kern="1200">
           <a:solidFill>
-            <a:schemeClr val="tx1"/>
+            <a:schemeClr val="tx1">
+              <a:lumMod val="75000"/>
+              <a:lumOff val="25000"/>
+            </a:schemeClr>
           </a:solidFill>
           <a:latin typeface="+mn-lt"/>
           <a:ea typeface="+mn-ea"/>
           <a:cs typeface="+mn-cs"/>
         </a:defRPr>
       </a:lvl6pPr>
-      <a:lvl7pPr marL="4016375" indent="-309245" algn="l" defTabSz="1235710" rtl="0" eaLnBrk="1" latinLnBrk="0" hangingPunct="1">
+      <a:lvl7pPr marL="2656995" indent="-247162" algn="l" defTabSz="1235812" rtl="0" eaLnBrk="1" latinLnBrk="0" hangingPunct="1">
         <a:spcBef>
           <a:spcPct val="20000"/>
         </a:spcBef>
-        <a:buFont typeface="Arial" panose="020B0604020202020204" pitchFamily="34" charset="0"/>
-        <a:buChar char="•"/>
-        <a:defRPr sz="2700" kern="1200">
+        <a:spcAft>
+          <a:spcPts val="405"/>
+        </a:spcAft>
+        <a:buClr>
+          <a:schemeClr val="accent6">
+            <a:lumMod val="75000"/>
+          </a:schemeClr>
+        </a:buClr>
+        <a:buSzPct val="130000"/>
+        <a:buFont typeface="Georgia" pitchFamily="18" charset="0"/>
+        <a:buChar char="*"/>
+        <a:defRPr sz="1900" kern="1200">
           <a:solidFill>
-            <a:schemeClr val="tx1"/>
+            <a:schemeClr val="tx1">
+              <a:lumMod val="75000"/>
+              <a:lumOff val="25000"/>
+            </a:schemeClr>
           </a:solidFill>
           <a:latin typeface="+mn-lt"/>
           <a:ea typeface="+mn-ea"/>
           <a:cs typeface="+mn-cs"/>
         </a:defRPr>
       </a:lvl7pPr>
-      <a:lvl8pPr marL="4634230" indent="-309245" algn="l" defTabSz="1235710" rtl="0" eaLnBrk="1" latinLnBrk="0" hangingPunct="1">
+      <a:lvl8pPr marL="3089529" indent="-247162" algn="l" defTabSz="1235812" rtl="0" eaLnBrk="1" latinLnBrk="0" hangingPunct="1">
         <a:spcBef>
           <a:spcPct val="20000"/>
         </a:spcBef>
-        <a:buFont typeface="Arial" panose="020B0604020202020204" pitchFamily="34" charset="0"/>
-        <a:buChar char="•"/>
-        <a:defRPr sz="2700" kern="1200">
+        <a:spcAft>
+          <a:spcPts val="405"/>
+        </a:spcAft>
+        <a:buClr>
+          <a:schemeClr val="accent6">
+            <a:lumMod val="75000"/>
+          </a:schemeClr>
+        </a:buClr>
+        <a:buSzPct val="130000"/>
+        <a:buFont typeface="Georgia" pitchFamily="18" charset="0"/>
+        <a:buChar char="*"/>
+        <a:defRPr sz="1900" kern="1200">
           <a:solidFill>
-            <a:schemeClr val="tx1"/>
+            <a:schemeClr val="tx1">
+              <a:lumMod val="75000"/>
+              <a:lumOff val="25000"/>
+            </a:schemeClr>
           </a:solidFill>
           <a:latin typeface="+mn-lt"/>
           <a:ea typeface="+mn-ea"/>
           <a:cs typeface="+mn-cs"/>
         </a:defRPr>
       </a:lvl8pPr>
-      <a:lvl9pPr marL="5252085" indent="-309245" algn="l" defTabSz="1235710" rtl="0" eaLnBrk="1" latinLnBrk="0" hangingPunct="1">
+      <a:lvl9pPr marL="3497347" indent="-247162" algn="l" defTabSz="1235812" rtl="0" eaLnBrk="1" latinLnBrk="0" hangingPunct="1">
         <a:spcBef>
           <a:spcPct val="20000"/>
         </a:spcBef>
-        <a:buFont typeface="Arial" panose="020B0604020202020204" pitchFamily="34" charset="0"/>
-        <a:buChar char="•"/>
-        <a:defRPr sz="2700" kern="1200">
+        <a:spcAft>
+          <a:spcPts val="405"/>
+        </a:spcAft>
+        <a:buClr>
+          <a:schemeClr val="accent6">
+            <a:lumMod val="75000"/>
+          </a:schemeClr>
+        </a:buClr>
+        <a:buSzPct val="130000"/>
+        <a:buFont typeface="Georgia" pitchFamily="18" charset="0"/>
+        <a:buChar char="*"/>
+        <a:defRPr sz="1900" kern="1200">
           <a:solidFill>
-            <a:schemeClr val="tx1"/>
+            <a:schemeClr val="tx1">
+              <a:lumMod val="75000"/>
+              <a:lumOff val="25000"/>
+            </a:schemeClr>
           </a:solidFill>
           <a:latin typeface="+mn-lt"/>
           <a:ea typeface="+mn-ea"/>
@@ -3738,9 +5161,9 @@
     </p:bodyStyle>
     <p:otherStyle>
       <a:defPPr>
-        <a:defRPr lang="zh-CN"/>
+        <a:defRPr lang="en-US"/>
       </a:defPPr>
-      <a:lvl1pPr marL="0" algn="l" defTabSz="1235710" rtl="0" eaLnBrk="1" latinLnBrk="0" hangingPunct="1">
+      <a:lvl1pPr marL="0" algn="l" defTabSz="1235812" rtl="0" eaLnBrk="1" latinLnBrk="0" hangingPunct="1">
         <a:defRPr sz="2400" kern="1200">
           <a:solidFill>
             <a:schemeClr val="tx1"/>
@@ -3750,7 +5173,7 @@
           <a:cs typeface="+mn-cs"/>
         </a:defRPr>
       </a:lvl1pPr>
-      <a:lvl2pPr marL="617855" algn="l" defTabSz="1235710" rtl="0" eaLnBrk="1" latinLnBrk="0" hangingPunct="1">
+      <a:lvl2pPr marL="617906" algn="l" defTabSz="1235812" rtl="0" eaLnBrk="1" latinLnBrk="0" hangingPunct="1">
         <a:defRPr sz="2400" kern="1200">
           <a:solidFill>
             <a:schemeClr val="tx1"/>
@@ -3760,7 +5183,7 @@
           <a:cs typeface="+mn-cs"/>
         </a:defRPr>
       </a:lvl2pPr>
-      <a:lvl3pPr marL="1235710" algn="l" defTabSz="1235710" rtl="0" eaLnBrk="1" latinLnBrk="0" hangingPunct="1">
+      <a:lvl3pPr marL="1235812" algn="l" defTabSz="1235812" rtl="0" eaLnBrk="1" latinLnBrk="0" hangingPunct="1">
         <a:defRPr sz="2400" kern="1200">
           <a:solidFill>
             <a:schemeClr val="tx1"/>
@@ -3770,7 +5193,7 @@
           <a:cs typeface="+mn-cs"/>
         </a:defRPr>
       </a:lvl3pPr>
-      <a:lvl4pPr marL="1853565" algn="l" defTabSz="1235710" rtl="0" eaLnBrk="1" latinLnBrk="0" hangingPunct="1">
+      <a:lvl4pPr marL="1853717" algn="l" defTabSz="1235812" rtl="0" eaLnBrk="1" latinLnBrk="0" hangingPunct="1">
         <a:defRPr sz="2400" kern="1200">
           <a:solidFill>
             <a:schemeClr val="tx1"/>
@@ -3780,7 +5203,7 @@
           <a:cs typeface="+mn-cs"/>
         </a:defRPr>
       </a:lvl4pPr>
-      <a:lvl5pPr marL="2471420" algn="l" defTabSz="1235710" rtl="0" eaLnBrk="1" latinLnBrk="0" hangingPunct="1">
+      <a:lvl5pPr marL="2471623" algn="l" defTabSz="1235812" rtl="0" eaLnBrk="1" latinLnBrk="0" hangingPunct="1">
         <a:defRPr sz="2400" kern="1200">
           <a:solidFill>
             <a:schemeClr val="tx1"/>
@@ -3790,7 +5213,7 @@
           <a:cs typeface="+mn-cs"/>
         </a:defRPr>
       </a:lvl5pPr>
-      <a:lvl6pPr marL="3089275" algn="l" defTabSz="1235710" rtl="0" eaLnBrk="1" latinLnBrk="0" hangingPunct="1">
+      <a:lvl6pPr marL="3089529" algn="l" defTabSz="1235812" rtl="0" eaLnBrk="1" latinLnBrk="0" hangingPunct="1">
         <a:defRPr sz="2400" kern="1200">
           <a:solidFill>
             <a:schemeClr val="tx1"/>
@@ -3800,7 +5223,7 @@
           <a:cs typeface="+mn-cs"/>
         </a:defRPr>
       </a:lvl6pPr>
-      <a:lvl7pPr marL="3707130" algn="l" defTabSz="1235710" rtl="0" eaLnBrk="1" latinLnBrk="0" hangingPunct="1">
+      <a:lvl7pPr marL="3707435" algn="l" defTabSz="1235812" rtl="0" eaLnBrk="1" latinLnBrk="0" hangingPunct="1">
         <a:defRPr sz="2400" kern="1200">
           <a:solidFill>
             <a:schemeClr val="tx1"/>
@@ -3810,7 +5233,7 @@
           <a:cs typeface="+mn-cs"/>
         </a:defRPr>
       </a:lvl7pPr>
-      <a:lvl8pPr marL="4325620" algn="l" defTabSz="1235710" rtl="0" eaLnBrk="1" latinLnBrk="0" hangingPunct="1">
+      <a:lvl8pPr marL="4325341" algn="l" defTabSz="1235812" rtl="0" eaLnBrk="1" latinLnBrk="0" hangingPunct="1">
         <a:defRPr sz="2400" kern="1200">
           <a:solidFill>
             <a:schemeClr val="tx1"/>
@@ -3820,7 +5243,7 @@
           <a:cs typeface="+mn-cs"/>
         </a:defRPr>
       </a:lvl8pPr>
-      <a:lvl9pPr marL="4943475" algn="l" defTabSz="1235710" rtl="0" eaLnBrk="1" latinLnBrk="0" hangingPunct="1">
+      <a:lvl9pPr marL="4943246" algn="l" defTabSz="1235812" rtl="0" eaLnBrk="1" latinLnBrk="0" hangingPunct="1">
         <a:defRPr sz="2400" kern="1200">
           <a:solidFill>
             <a:schemeClr val="tx1"/>
@@ -3895,6 +5318,30 @@
       </p:pic>
       <p:sp>
         <p:nvSpPr>
+          <p:cNvPr id="3" name="副标题 2"/>
+          <p:cNvSpPr>
+            <a:spLocks noGrp="1"/>
+          </p:cNvSpPr>
+          <p:nvPr>
+            <p:ph type="subTitle" idx="1"/>
+          </p:nvPr>
+        </p:nvSpPr>
+        <p:spPr>
+          <a:xfrm>
+            <a:off x="1950720" y="4167634"/>
+            <a:ext cx="9103360" cy="2203732"/>
+          </a:xfrm>
+        </p:spPr>
+        <p:txBody>
+          <a:bodyPr/>
+          <a:lstStyle/>
+          <a:p>
+            <a:endParaRPr lang="zh-CN" altLang="en-US" dirty="0"/>
+          </a:p>
+        </p:txBody>
+      </p:sp>
+      <p:sp>
+        <p:nvSpPr>
           <p:cNvPr id="2" name="标题 1"/>
           <p:cNvSpPr>
             <a:spLocks noGrp="1"/>
@@ -3946,30 +5393,6 @@
               <a:latin typeface="方正正粗黑简体" pitchFamily="2" charset="-122"/>
               <a:ea typeface="方正正粗黑简体" pitchFamily="2" charset="-122"/>
             </a:endParaRPr>
-          </a:p>
-        </p:txBody>
-      </p:sp>
-      <p:sp>
-        <p:nvSpPr>
-          <p:cNvPr id="3" name="副标题 2"/>
-          <p:cNvSpPr>
-            <a:spLocks noGrp="1"/>
-          </p:cNvSpPr>
-          <p:nvPr>
-            <p:ph type="subTitle" idx="1"/>
-          </p:nvPr>
-        </p:nvSpPr>
-        <p:spPr>
-          <a:xfrm>
-            <a:off x="1950720" y="4167634"/>
-            <a:ext cx="9103360" cy="2203732"/>
-          </a:xfrm>
-        </p:spPr>
-        <p:txBody>
-          <a:bodyPr/>
-          <a:lstStyle/>
-          <a:p>
-            <a:endParaRPr lang="zh-CN" altLang="en-US" dirty="0"/>
           </a:p>
         </p:txBody>
       </p:sp>
@@ -5974,7 +7397,7 @@
             <a:spLocks noGrp="1"/>
           </p:cNvSpPr>
           <p:nvPr>
-            <p:ph idx="1"/>
+            <p:ph sz="quarter" idx="13"/>
           </p:nvPr>
         </p:nvSpPr>
         <p:spPr/>
@@ -6059,62 +7482,21 @@
           <a:chExt cx="0" cy="0"/>
         </a:xfrm>
       </p:grpSpPr>
-      <p:pic>
-        <p:nvPicPr>
-          <p:cNvPr id="1027" name="Picture 3" descr="E:\工作\0530\银色系列\1.jpg"/>
-          <p:cNvPicPr>
-            <a:picLocks noChangeAspect="1" noChangeArrowheads="1"/>
-          </p:cNvPicPr>
+      <p:sp>
+        <p:nvSpPr>
+          <p:cNvPr id="6" name="文本框 13"/>
+          <p:cNvSpPr txBox="1"/>
           <p:nvPr/>
-        </p:nvPicPr>
-        <p:blipFill>
-          <a:blip r:embed="rId2">
-            <a:extLst>
-              <a:ext uri="{28A0092B-C50C-407E-A947-70E740481C1C}">
-                <a14:useLocalDpi xmlns:a14="http://schemas.microsoft.com/office/drawing/2010/main" val="0"/>
-              </a:ext>
-            </a:extLst>
-          </a:blip>
-          <a:srcRect/>
-          <a:stretch>
-            <a:fillRect/>
-          </a:stretch>
-        </p:blipFill>
-        <p:spPr bwMode="auto">
-          <a:xfrm>
-            <a:off x="-26170" y="0"/>
-            <a:ext cx="13030969" cy="8640652"/>
+        </p:nvSpPr>
+        <p:spPr>
+          <a:xfrm>
+            <a:off x="885776" y="279202"/>
+            <a:ext cx="15989242" cy="801897"/>
           </a:xfrm>
           <a:prstGeom prst="rect">
             <a:avLst/>
           </a:prstGeom>
           <a:noFill/>
-          <a:extLst>
-            <a:ext uri="{909E8E84-426E-40DD-AFC4-6F175D3DCCD1}">
-              <a14:hiddenFill xmlns:a14="http://schemas.microsoft.com/office/drawing/2010/main">
-                <a:solidFill>
-                  <a:srgbClr val="FFFFFF"/>
-                </a:solidFill>
-              </a14:hiddenFill>
-            </a:ext>
-          </a:extLst>
-        </p:spPr>
-      </p:pic>
-      <p:sp>
-        <p:nvSpPr>
-          <p:cNvPr id="6" name="文本框 13"/>
-          <p:cNvSpPr txBox="1"/>
-          <p:nvPr/>
-        </p:nvSpPr>
-        <p:spPr>
-          <a:xfrm>
-            <a:off x="1061214" y="855266"/>
-            <a:ext cx="15989242" cy="801897"/>
-          </a:xfrm>
-          <a:prstGeom prst="rect">
-            <a:avLst/>
-          </a:prstGeom>
-          <a:noFill/>
         </p:spPr>
         <p:txBody>
           <a:bodyPr wrap="square" lIns="123581" tIns="61791" rIns="123581" bIns="61791" rtlCol="0">
@@ -6123,14 +7505,14 @@
           <a:lstStyle/>
           <a:p>
             <a:r>
-              <a:rPr lang="en-US" altLang="zh-CN" sz="4400" dirty="0" err="1" smtClean="0">
+              <a:rPr lang="zh-CN" altLang="en-US" sz="4400" dirty="0" smtClean="0">
                 <a:solidFill>
                   <a:srgbClr val="0070C0"/>
                 </a:solidFill>
                 <a:latin typeface="黑体" panose="02010609060101010101" pitchFamily="49" charset="-122"/>
                 <a:ea typeface="黑体" panose="02010609060101010101" pitchFamily="49" charset="-122"/>
               </a:rPr>
-              <a:t>Dubbo</a:t>
+              <a:t>应用架构</a:t>
             </a:r>
             <a:endParaRPr lang="zh-CN" altLang="en-US" sz="4400" dirty="0">
               <a:solidFill>
@@ -6150,7 +7532,7 @@
         </p:nvCxnSpPr>
         <p:spPr>
           <a:xfrm>
-            <a:off x="584734" y="2048065"/>
+            <a:off x="584734" y="1164177"/>
             <a:ext cx="11367663" cy="0"/>
           </a:xfrm>
           <a:prstGeom prst="line">
@@ -6182,14 +7564,69 @@
       </p:cxnSp>
       <p:sp>
         <p:nvSpPr>
-          <p:cNvPr id="12" name="文本框 7"/>
+          <p:cNvPr id="4" name="矩形 3"/>
+          <p:cNvSpPr/>
+          <p:nvPr/>
+        </p:nvSpPr>
+        <p:spPr>
+          <a:xfrm>
+            <a:off x="2325936" y="2511450"/>
+            <a:ext cx="9626461" cy="3744416"/>
+          </a:xfrm>
+          <a:prstGeom prst="rect">
+            <a:avLst/>
+          </a:prstGeom>
+          <a:solidFill>
+            <a:schemeClr val="accent2">
+              <a:lumMod val="20000"/>
+              <a:lumOff val="80000"/>
+              <a:alpha val="78000"/>
+            </a:schemeClr>
+          </a:solidFill>
+          <a:ln w="41275">
+            <a:solidFill>
+              <a:schemeClr val="bg2">
+                <a:lumMod val="50000"/>
+              </a:schemeClr>
+            </a:solidFill>
+            <a:prstDash val="dash"/>
+          </a:ln>
+        </p:spPr>
+        <p:style>
+          <a:lnRef idx="2">
+            <a:schemeClr val="accent1">
+              <a:shade val="50000"/>
+            </a:schemeClr>
+          </a:lnRef>
+          <a:fillRef idx="1">
+            <a:schemeClr val="accent1"/>
+          </a:fillRef>
+          <a:effectRef idx="0">
+            <a:schemeClr val="accent1"/>
+          </a:effectRef>
+          <a:fontRef idx="minor">
+            <a:schemeClr val="lt1"/>
+          </a:fontRef>
+        </p:style>
+        <p:txBody>
+          <a:bodyPr rtlCol="0" anchor="ctr"/>
+          <a:lstStyle/>
+          <a:p>
+            <a:pPr algn="ctr"/>
+            <a:endParaRPr lang="zh-CN" altLang="en-US" dirty="0"/>
+          </a:p>
+        </p:txBody>
+      </p:sp>
+      <p:sp>
+        <p:nvSpPr>
+          <p:cNvPr id="5" name="TextBox 4"/>
           <p:cNvSpPr txBox="1"/>
           <p:nvPr/>
         </p:nvSpPr>
         <p:spPr>
           <a:xfrm>
-            <a:off x="4413" y="2393202"/>
-            <a:ext cx="2465493" cy="886284"/>
+            <a:off x="10844400" y="2511450"/>
+            <a:ext cx="1107996" cy="461665"/>
           </a:xfrm>
           <a:prstGeom prst="rect">
             <a:avLst/>
@@ -6197,192 +7634,1120 @@
           <a:noFill/>
         </p:spPr>
         <p:txBody>
-          <a:bodyPr wrap="none" lIns="123581" tIns="61791" rIns="123581" bIns="61791" rtlCol="0">
-            <a:noAutofit/>
+          <a:bodyPr wrap="none" rtlCol="0">
+            <a:spAutoFit/>
           </a:bodyPr>
           <a:lstStyle/>
           <a:p>
-            <a:endParaRPr lang="zh-CN" altLang="en-US" sz="10800" dirty="0">
-              <a:solidFill>
-                <a:schemeClr val="accent1"/>
-              </a:solidFill>
-              <a:latin typeface="微软雅黑" panose="020B0503020204020204" pitchFamily="34" charset="-122"/>
-              <a:ea typeface="微软雅黑" panose="020B0503020204020204" pitchFamily="34" charset="-122"/>
-            </a:endParaRPr>
-          </a:p>
-        </p:txBody>
-      </p:sp>
-      <p:sp>
-        <p:nvSpPr>
-          <p:cNvPr id="2" name="内容占位符 1"/>
-          <p:cNvSpPr>
-            <a:spLocks noGrp="1"/>
-          </p:cNvSpPr>
-          <p:nvPr>
-            <p:ph idx="1"/>
-          </p:nvPr>
-        </p:nvSpPr>
-        <p:spPr>
-          <a:xfrm>
-            <a:off x="650240" y="2012104"/>
-            <a:ext cx="11756816" cy="5395889"/>
-          </a:xfrm>
-        </p:spPr>
-        <p:txBody>
-          <a:bodyPr>
-            <a:normAutofit/>
-          </a:bodyPr>
-          <a:lstStyle/>
-          <a:p>
-            <a:r>
-              <a:rPr lang="en-US" altLang="zh-CN" sz="4000" dirty="0" err="1" smtClean="0">
+            <a:r>
+              <a:rPr lang="zh-CN" altLang="en-US" dirty="0">
                 <a:solidFill>
-                  <a:srgbClr val="0070C0"/>
+                  <a:schemeClr val="accent1">
+                    <a:lumMod val="75000"/>
+                  </a:schemeClr>
                 </a:solidFill>
                 <a:latin typeface="黑体" panose="02010609060101010101" pitchFamily="49" charset="-122"/>
                 <a:ea typeface="黑体" panose="02010609060101010101" pitchFamily="49" charset="-122"/>
               </a:rPr>
-              <a:t>Dubbo</a:t>
-            </a:r>
-            <a:r>
-              <a:rPr lang="zh-CN" altLang="en-US" sz="4000" dirty="0" smtClean="0">
+              <a:t>公</a:t>
+            </a:r>
+            <a:r>
+              <a:rPr lang="zh-CN" altLang="en-US" dirty="0" smtClean="0">
                 <a:solidFill>
-                  <a:srgbClr val="0070C0"/>
+                  <a:schemeClr val="accent1">
+                    <a:lumMod val="75000"/>
+                  </a:schemeClr>
                 </a:solidFill>
                 <a:latin typeface="黑体" panose="02010609060101010101" pitchFamily="49" charset="-122"/>
                 <a:ea typeface="黑体" panose="02010609060101010101" pitchFamily="49" charset="-122"/>
               </a:rPr>
-              <a:t>是什么？</a:t>
-            </a:r>
-            <a:endParaRPr lang="en-US" altLang="zh-CN" sz="4000" dirty="0" smtClean="0">
+              <a:t>有云</a:t>
+            </a:r>
+            <a:endParaRPr lang="zh-CN" altLang="en-US" dirty="0">
               <a:solidFill>
-                <a:srgbClr val="0070C0"/>
+                <a:schemeClr val="accent1">
+                  <a:lumMod val="75000"/>
+                </a:schemeClr>
               </a:solidFill>
               <a:latin typeface="黑体" panose="02010609060101010101" pitchFamily="49" charset="-122"/>
               <a:ea typeface="黑体" panose="02010609060101010101" pitchFamily="49" charset="-122"/>
             </a:endParaRPr>
           </a:p>
-          <a:p>
-            <a:r>
-              <a:rPr lang="en-US" altLang="zh-CN" sz="4000" dirty="0" err="1" smtClean="0">
+        </p:txBody>
+      </p:sp>
+      <p:sp>
+        <p:nvSpPr>
+          <p:cNvPr id="8" name="矩形 7"/>
+          <p:cNvSpPr/>
+          <p:nvPr/>
+        </p:nvSpPr>
+        <p:spPr>
+          <a:xfrm>
+            <a:off x="2760066" y="2943498"/>
+            <a:ext cx="8640415" cy="3096344"/>
+          </a:xfrm>
+          <a:prstGeom prst="rect">
+            <a:avLst/>
+          </a:prstGeom>
+          <a:noFill/>
+          <a:ln>
+            <a:solidFill>
+              <a:schemeClr val="accent4"/>
+            </a:solidFill>
+            <a:prstDash val="sysDash"/>
+          </a:ln>
+        </p:spPr>
+        <p:style>
+          <a:lnRef idx="2">
+            <a:schemeClr val="accent1">
+              <a:shade val="50000"/>
+            </a:schemeClr>
+          </a:lnRef>
+          <a:fillRef idx="1">
+            <a:schemeClr val="accent1"/>
+          </a:fillRef>
+          <a:effectRef idx="0">
+            <a:schemeClr val="accent1"/>
+          </a:effectRef>
+          <a:fontRef idx="minor">
+            <a:schemeClr val="lt1"/>
+          </a:fontRef>
+        </p:style>
+        <p:txBody>
+          <a:bodyPr rtlCol="0" anchor="t"/>
+          <a:lstStyle/>
+          <a:p>
+            <a:r>
+              <a:rPr lang="en-US" altLang="zh-CN" dirty="0" err="1" smtClean="0">
                 <a:solidFill>
-                  <a:srgbClr val="0070C0"/>
+                  <a:schemeClr val="accent1">
+                    <a:lumMod val="75000"/>
+                  </a:schemeClr>
                 </a:solidFill>
-                <a:latin typeface="黑体" panose="02010609060101010101" pitchFamily="49" charset="-122"/>
-                <a:ea typeface="黑体" panose="02010609060101010101" pitchFamily="49" charset="-122"/>
               </a:rPr>
-              <a:t>Dubbo</a:t>
-            </a:r>
-            <a:r>
-              <a:rPr lang="zh-CN" altLang="en-US" sz="4000" dirty="0" smtClean="0">
+              <a:t>Paas</a:t>
+            </a:r>
+            <a:r>
+              <a:rPr lang="zh-CN" altLang="en-US" dirty="0" smtClean="0">
                 <a:solidFill>
-                  <a:srgbClr val="0070C0"/>
+                  <a:schemeClr val="accent1">
+                    <a:lumMod val="75000"/>
+                  </a:schemeClr>
                 </a:solidFill>
-                <a:latin typeface="黑体" panose="02010609060101010101" pitchFamily="49" charset="-122"/>
-                <a:ea typeface="黑体" panose="02010609060101010101" pitchFamily="49" charset="-122"/>
               </a:rPr>
-              <a:t>能做什么？</a:t>
-            </a:r>
-            <a:endParaRPr lang="en-US" altLang="zh-CN" sz="4000" dirty="0" smtClean="0">
+              <a:t>平台</a:t>
+            </a:r>
+            <a:endParaRPr lang="en-US" altLang="zh-CN" dirty="0" smtClean="0">
               <a:solidFill>
-                <a:srgbClr val="0070C0"/>
+                <a:schemeClr val="accent1">
+                  <a:lumMod val="75000"/>
+                </a:schemeClr>
               </a:solidFill>
-              <a:latin typeface="黑体" panose="02010609060101010101" pitchFamily="49" charset="-122"/>
-              <a:ea typeface="黑体" panose="02010609060101010101" pitchFamily="49" charset="-122"/>
             </a:endParaRPr>
           </a:p>
-          <a:p>
-            <a:r>
-              <a:rPr lang="en-US" altLang="zh-CN" sz="4000" dirty="0" err="1">
+        </p:txBody>
+      </p:sp>
+      <p:sp>
+        <p:nvSpPr>
+          <p:cNvPr id="9" name="矩形 8"/>
+          <p:cNvSpPr/>
+          <p:nvPr/>
+        </p:nvSpPr>
+        <p:spPr>
+          <a:xfrm>
+            <a:off x="3120105" y="3417938"/>
+            <a:ext cx="5256585" cy="1728192"/>
+          </a:xfrm>
+          <a:prstGeom prst="rect">
+            <a:avLst/>
+          </a:prstGeom>
+          <a:solidFill>
+            <a:schemeClr val="bg2"/>
+          </a:solidFill>
+          <a:ln>
+            <a:solidFill>
+              <a:schemeClr val="accent1">
+                <a:lumMod val="50000"/>
+              </a:schemeClr>
+            </a:solidFill>
+            <a:prstDash val="dash"/>
+          </a:ln>
+        </p:spPr>
+        <p:style>
+          <a:lnRef idx="2">
+            <a:schemeClr val="accent1">
+              <a:shade val="50000"/>
+            </a:schemeClr>
+          </a:lnRef>
+          <a:fillRef idx="1">
+            <a:schemeClr val="accent1"/>
+          </a:fillRef>
+          <a:effectRef idx="0">
+            <a:schemeClr val="accent1"/>
+          </a:effectRef>
+          <a:fontRef idx="minor">
+            <a:schemeClr val="lt1"/>
+          </a:fontRef>
+        </p:style>
+        <p:txBody>
+          <a:bodyPr rtlCol="0" anchor="t"/>
+          <a:lstStyle/>
+          <a:p>
+            <a:pPr algn="ctr"/>
+            <a:r>
+              <a:rPr lang="zh-CN" altLang="en-US" dirty="0" smtClean="0">
                 <a:solidFill>
-                  <a:srgbClr val="0070C0"/>
+                  <a:schemeClr val="accent1">
+                    <a:lumMod val="75000"/>
+                  </a:schemeClr>
                 </a:solidFill>
-                <a:latin typeface="黑体" panose="02010609060101010101" pitchFamily="49" charset="-122"/>
-                <a:ea typeface="黑体" panose="02010609060101010101" pitchFamily="49" charset="-122"/>
               </a:rPr>
-              <a:t>Dubbo</a:t>
-            </a:r>
-            <a:r>
-              <a:rPr lang="zh-CN" altLang="en-US" sz="4000" dirty="0">
+              <a:t>服务</a:t>
+            </a:r>
+            <a:endParaRPr lang="zh-CN" altLang="en-US" dirty="0">
+              <a:solidFill>
+                <a:schemeClr val="accent1">
+                  <a:lumMod val="75000"/>
+                </a:schemeClr>
+              </a:solidFill>
+            </a:endParaRPr>
+          </a:p>
+        </p:txBody>
+      </p:sp>
+      <p:sp>
+        <p:nvSpPr>
+          <p:cNvPr id="10" name="矩形 9"/>
+          <p:cNvSpPr/>
+          <p:nvPr/>
+        </p:nvSpPr>
+        <p:spPr>
+          <a:xfrm>
+            <a:off x="3336131" y="4022808"/>
+            <a:ext cx="288032" cy="864096"/>
+          </a:xfrm>
+          <a:prstGeom prst="rect">
+            <a:avLst/>
+          </a:prstGeom>
+          <a:solidFill>
+            <a:schemeClr val="accent3">
+              <a:lumMod val="40000"/>
+              <a:lumOff val="60000"/>
+            </a:schemeClr>
+          </a:solidFill>
+          <a:ln>
+            <a:noFill/>
+          </a:ln>
+        </p:spPr>
+        <p:style>
+          <a:lnRef idx="2">
+            <a:schemeClr val="accent1">
+              <a:shade val="50000"/>
+            </a:schemeClr>
+          </a:lnRef>
+          <a:fillRef idx="1">
+            <a:schemeClr val="accent1"/>
+          </a:fillRef>
+          <a:effectRef idx="0">
+            <a:schemeClr val="accent1"/>
+          </a:effectRef>
+          <a:fontRef idx="minor">
+            <a:schemeClr val="lt1"/>
+          </a:fontRef>
+        </p:style>
+        <p:txBody>
+          <a:bodyPr rtlCol="0" anchor="ctr"/>
+          <a:lstStyle/>
+          <a:p>
+            <a:pPr algn="ctr"/>
+            <a:endParaRPr lang="zh-CN" altLang="en-US"/>
+          </a:p>
+        </p:txBody>
+      </p:sp>
+      <p:sp>
+        <p:nvSpPr>
+          <p:cNvPr id="18" name="矩形 17"/>
+          <p:cNvSpPr/>
+          <p:nvPr/>
+        </p:nvSpPr>
+        <p:spPr>
+          <a:xfrm>
+            <a:off x="4488259" y="4022808"/>
+            <a:ext cx="1512167" cy="864096"/>
+          </a:xfrm>
+          <a:prstGeom prst="rect">
+            <a:avLst/>
+          </a:prstGeom>
+          <a:solidFill>
+            <a:schemeClr val="accent6">
+              <a:lumMod val="40000"/>
+              <a:lumOff val="60000"/>
+            </a:schemeClr>
+          </a:solidFill>
+          <a:ln>
+            <a:noFill/>
+          </a:ln>
+        </p:spPr>
+        <p:style>
+          <a:lnRef idx="2">
+            <a:schemeClr val="accent1">
+              <a:shade val="50000"/>
+            </a:schemeClr>
+          </a:lnRef>
+          <a:fillRef idx="1">
+            <a:schemeClr val="accent1"/>
+          </a:fillRef>
+          <a:effectRef idx="0">
+            <a:schemeClr val="accent1"/>
+          </a:effectRef>
+          <a:fontRef idx="minor">
+            <a:schemeClr val="lt1"/>
+          </a:fontRef>
+        </p:style>
+        <p:txBody>
+          <a:bodyPr rtlCol="0" anchor="ctr"/>
+          <a:lstStyle/>
+          <a:p>
+            <a:pPr algn="ctr"/>
+            <a:r>
+              <a:rPr lang="en-US" altLang="zh-CN" dirty="0" smtClean="0">
                 <a:solidFill>
-                  <a:srgbClr val="0070C0"/>
+                  <a:schemeClr val="accent1">
+                    <a:lumMod val="75000"/>
+                  </a:schemeClr>
                 </a:solidFill>
-                <a:latin typeface="黑体" panose="02010609060101010101" pitchFamily="49" charset="-122"/>
-                <a:ea typeface="黑体" panose="02010609060101010101" pitchFamily="49" charset="-122"/>
               </a:rPr>
-              <a:t>简单</a:t>
-            </a:r>
-            <a:r>
-              <a:rPr lang="en-US" altLang="zh-CN" sz="4000" dirty="0" smtClean="0">
+              <a:t>SAAS</a:t>
+            </a:r>
+            <a:endParaRPr lang="zh-CN" altLang="en-US" dirty="0">
+              <a:solidFill>
+                <a:schemeClr val="accent1">
+                  <a:lumMod val="75000"/>
+                </a:schemeClr>
+              </a:solidFill>
+            </a:endParaRPr>
+          </a:p>
+        </p:txBody>
+      </p:sp>
+      <p:sp>
+        <p:nvSpPr>
+          <p:cNvPr id="19" name="矩形 18"/>
+          <p:cNvSpPr/>
+          <p:nvPr/>
+        </p:nvSpPr>
+        <p:spPr>
+          <a:xfrm>
+            <a:off x="4056211" y="4022808"/>
+            <a:ext cx="288032" cy="864096"/>
+          </a:xfrm>
+          <a:prstGeom prst="rect">
+            <a:avLst/>
+          </a:prstGeom>
+          <a:solidFill>
+            <a:schemeClr val="accent3">
+              <a:lumMod val="40000"/>
+              <a:lumOff val="60000"/>
+            </a:schemeClr>
+          </a:solidFill>
+          <a:ln>
+            <a:noFill/>
+          </a:ln>
+        </p:spPr>
+        <p:style>
+          <a:lnRef idx="2">
+            <a:schemeClr val="accent1">
+              <a:shade val="50000"/>
+            </a:schemeClr>
+          </a:lnRef>
+          <a:fillRef idx="1">
+            <a:schemeClr val="accent1"/>
+          </a:fillRef>
+          <a:effectRef idx="0">
+            <a:schemeClr val="accent1"/>
+          </a:effectRef>
+          <a:fontRef idx="minor">
+            <a:schemeClr val="lt1"/>
+          </a:fontRef>
+        </p:style>
+        <p:txBody>
+          <a:bodyPr rtlCol="0" anchor="ctr"/>
+          <a:lstStyle/>
+          <a:p>
+            <a:pPr algn="ctr"/>
+            <a:endParaRPr lang="zh-CN" altLang="en-US"/>
+          </a:p>
+        </p:txBody>
+      </p:sp>
+      <p:sp>
+        <p:nvSpPr>
+          <p:cNvPr id="20" name="矩形 19"/>
+          <p:cNvSpPr/>
+          <p:nvPr/>
+        </p:nvSpPr>
+        <p:spPr>
+          <a:xfrm>
+            <a:off x="3696171" y="4022808"/>
+            <a:ext cx="288032" cy="864096"/>
+          </a:xfrm>
+          <a:prstGeom prst="rect">
+            <a:avLst/>
+          </a:prstGeom>
+          <a:solidFill>
+            <a:schemeClr val="accent3">
+              <a:lumMod val="40000"/>
+              <a:lumOff val="60000"/>
+            </a:schemeClr>
+          </a:solidFill>
+          <a:ln>
+            <a:noFill/>
+          </a:ln>
+        </p:spPr>
+        <p:style>
+          <a:lnRef idx="2">
+            <a:schemeClr val="accent1">
+              <a:shade val="50000"/>
+            </a:schemeClr>
+          </a:lnRef>
+          <a:fillRef idx="1">
+            <a:schemeClr val="accent1"/>
+          </a:fillRef>
+          <a:effectRef idx="0">
+            <a:schemeClr val="accent1"/>
+          </a:effectRef>
+          <a:fontRef idx="minor">
+            <a:schemeClr val="lt1"/>
+          </a:fontRef>
+        </p:style>
+        <p:txBody>
+          <a:bodyPr rtlCol="0" anchor="ctr"/>
+          <a:lstStyle/>
+          <a:p>
+            <a:pPr algn="ctr"/>
+            <a:endParaRPr lang="zh-CN" altLang="en-US"/>
+          </a:p>
+        </p:txBody>
+      </p:sp>
+      <p:sp>
+        <p:nvSpPr>
+          <p:cNvPr id="16" name="矩形 15"/>
+          <p:cNvSpPr/>
+          <p:nvPr/>
+        </p:nvSpPr>
+        <p:spPr>
+          <a:xfrm>
+            <a:off x="6311074" y="4024718"/>
+            <a:ext cx="1847510" cy="935294"/>
+          </a:xfrm>
+          <a:prstGeom prst="rect">
+            <a:avLst/>
+          </a:prstGeom>
+          <a:solidFill>
+            <a:srgbClr val="92D050"/>
+          </a:solidFill>
+          <a:ln>
+            <a:noFill/>
+          </a:ln>
+        </p:spPr>
+        <p:style>
+          <a:lnRef idx="2">
+            <a:schemeClr val="accent1">
+              <a:shade val="50000"/>
+            </a:schemeClr>
+          </a:lnRef>
+          <a:fillRef idx="1">
+            <a:schemeClr val="accent1"/>
+          </a:fillRef>
+          <a:effectRef idx="0">
+            <a:schemeClr val="accent1"/>
+          </a:effectRef>
+          <a:fontRef idx="minor">
+            <a:schemeClr val="lt1"/>
+          </a:fontRef>
+        </p:style>
+        <p:txBody>
+          <a:bodyPr rtlCol="0" anchor="ctr"/>
+          <a:lstStyle/>
+          <a:p>
+            <a:pPr algn="ctr"/>
+            <a:r>
+              <a:rPr lang="en-US" altLang="zh-CN" dirty="0" err="1" smtClean="0"/>
+              <a:t>Dcjet</a:t>
+            </a:r>
+            <a:r>
+              <a:rPr lang="en-US" altLang="zh-CN" dirty="0" smtClean="0"/>
+              <a:t> APIs</a:t>
+            </a:r>
+            <a:endParaRPr lang="zh-CN" altLang="en-US" dirty="0"/>
+          </a:p>
+        </p:txBody>
+      </p:sp>
+      <p:sp>
+        <p:nvSpPr>
+          <p:cNvPr id="21" name="矩形 20"/>
+          <p:cNvSpPr/>
+          <p:nvPr/>
+        </p:nvSpPr>
+        <p:spPr>
+          <a:xfrm>
+            <a:off x="3118024" y="5391770"/>
+            <a:ext cx="5258667" cy="504056"/>
+          </a:xfrm>
+          <a:prstGeom prst="rect">
+            <a:avLst/>
+          </a:prstGeom>
+          <a:solidFill>
+            <a:schemeClr val="accent5">
+              <a:lumMod val="40000"/>
+              <a:lumOff val="60000"/>
+            </a:schemeClr>
+          </a:solidFill>
+          <a:ln>
+            <a:noFill/>
+          </a:ln>
+        </p:spPr>
+        <p:style>
+          <a:lnRef idx="2">
+            <a:schemeClr val="accent1">
+              <a:shade val="50000"/>
+            </a:schemeClr>
+          </a:lnRef>
+          <a:fillRef idx="1">
+            <a:schemeClr val="accent1"/>
+          </a:fillRef>
+          <a:effectRef idx="0">
+            <a:schemeClr val="accent1"/>
+          </a:effectRef>
+          <a:fontRef idx="minor">
+            <a:schemeClr val="lt1"/>
+          </a:fontRef>
+        </p:style>
+        <p:txBody>
+          <a:bodyPr rtlCol="0" anchor="ctr"/>
+          <a:lstStyle/>
+          <a:p>
+            <a:pPr algn="ctr"/>
+            <a:r>
+              <a:rPr lang="zh-CN" altLang="en-US" dirty="0" smtClean="0">
                 <a:solidFill>
-                  <a:srgbClr val="0070C0"/>
+                  <a:schemeClr val="accent1">
+                    <a:lumMod val="75000"/>
+                  </a:schemeClr>
                 </a:solidFill>
-                <a:latin typeface="黑体" panose="02010609060101010101" pitchFamily="49" charset="-122"/>
-                <a:ea typeface="黑体" panose="02010609060101010101" pitchFamily="49" charset="-122"/>
               </a:rPr>
-              <a:t>Demo</a:t>
-            </a:r>
-          </a:p>
-          <a:p>
-            <a:r>
-              <a:rPr lang="en-US" altLang="zh-CN" sz="4000" dirty="0" err="1" smtClean="0">
+              <a:t>管控中心</a:t>
+            </a:r>
+            <a:endParaRPr lang="zh-CN" altLang="en-US" dirty="0">
+              <a:solidFill>
+                <a:schemeClr val="accent1">
+                  <a:lumMod val="75000"/>
+                </a:schemeClr>
+              </a:solidFill>
+            </a:endParaRPr>
+          </a:p>
+        </p:txBody>
+      </p:sp>
+      <p:sp>
+        <p:nvSpPr>
+          <p:cNvPr id="22" name="矩形 21"/>
+          <p:cNvSpPr/>
+          <p:nvPr/>
+        </p:nvSpPr>
+        <p:spPr>
+          <a:xfrm>
+            <a:off x="8822961" y="3406876"/>
+            <a:ext cx="2232248" cy="2477888"/>
+          </a:xfrm>
+          <a:prstGeom prst="rect">
+            <a:avLst/>
+          </a:prstGeom>
+          <a:solidFill>
+            <a:schemeClr val="bg1">
+              <a:lumMod val="85000"/>
+            </a:schemeClr>
+          </a:solidFill>
+          <a:ln>
+            <a:noFill/>
+          </a:ln>
+        </p:spPr>
+        <p:style>
+          <a:lnRef idx="2">
+            <a:schemeClr val="accent1">
+              <a:shade val="50000"/>
+            </a:schemeClr>
+          </a:lnRef>
+          <a:fillRef idx="1">
+            <a:schemeClr val="accent1"/>
+          </a:fillRef>
+          <a:effectRef idx="0">
+            <a:schemeClr val="accent1"/>
+          </a:effectRef>
+          <a:fontRef idx="minor">
+            <a:schemeClr val="lt1"/>
+          </a:fontRef>
+        </p:style>
+        <p:txBody>
+          <a:bodyPr rtlCol="0" anchor="ctr"/>
+          <a:lstStyle/>
+          <a:p>
+            <a:pPr algn="ctr"/>
+            <a:r>
+              <a:rPr lang="zh-CN" altLang="en-US" dirty="0" smtClean="0">
                 <a:solidFill>
-                  <a:srgbClr val="0070C0"/>
+                  <a:schemeClr val="accent1">
+                    <a:lumMod val="75000"/>
+                  </a:schemeClr>
                 </a:solidFill>
-                <a:latin typeface="黑体" panose="02010609060101010101" pitchFamily="49" charset="-122"/>
-                <a:ea typeface="黑体" panose="02010609060101010101" pitchFamily="49" charset="-122"/>
               </a:rPr>
-              <a:t>Dubbo</a:t>
-            </a:r>
-            <a:r>
-              <a:rPr lang="zh-CN" altLang="en-US" sz="4000" dirty="0" smtClean="0">
+              <a:t>数据中心</a:t>
+            </a:r>
+            <a:endParaRPr lang="en-US" altLang="zh-CN" dirty="0" smtClean="0">
+              <a:solidFill>
+                <a:schemeClr val="accent1">
+                  <a:lumMod val="75000"/>
+                </a:schemeClr>
+              </a:solidFill>
+            </a:endParaRPr>
+          </a:p>
+          <a:p>
+            <a:pPr algn="ctr"/>
+            <a:r>
+              <a:rPr lang="zh-CN" altLang="en-US" dirty="0" smtClean="0">
                 <a:solidFill>
-                  <a:srgbClr val="0070C0"/>
+                  <a:schemeClr val="accent1">
+                    <a:lumMod val="75000"/>
+                  </a:schemeClr>
                 </a:solidFill>
-                <a:latin typeface="黑体" panose="02010609060101010101" pitchFamily="49" charset="-122"/>
-                <a:ea typeface="黑体" panose="02010609060101010101" pitchFamily="49" charset="-122"/>
               </a:rPr>
-              <a:t>主要功能</a:t>
-            </a:r>
-            <a:endParaRPr lang="en-US" altLang="zh-CN" sz="4000" dirty="0" smtClean="0">
+              <a:t>数据仓库</a:t>
+            </a:r>
+            <a:endParaRPr lang="zh-CN" altLang="en-US" dirty="0">
               <a:solidFill>
-                <a:srgbClr val="0070C0"/>
+                <a:schemeClr val="accent1">
+                  <a:lumMod val="75000"/>
+                </a:schemeClr>
               </a:solidFill>
-              <a:latin typeface="黑体" panose="02010609060101010101" pitchFamily="49" charset="-122"/>
-              <a:ea typeface="黑体" panose="02010609060101010101" pitchFamily="49" charset="-122"/>
             </a:endParaRPr>
           </a:p>
-          <a:p>
-            <a:r>
-              <a:rPr lang="en-US" altLang="zh-CN" sz="4000" smtClean="0">
-                <a:solidFill>
-                  <a:srgbClr val="0070C0"/>
-                </a:solidFill>
-                <a:latin typeface="黑体" panose="02010609060101010101" pitchFamily="49" charset="-122"/>
-                <a:ea typeface="黑体" panose="02010609060101010101" pitchFamily="49" charset="-122"/>
-              </a:rPr>
-              <a:t>Dubbo</a:t>
-            </a:r>
-            <a:r>
-              <a:rPr lang="zh-CN" altLang="en-US" sz="4000" smtClean="0">
-                <a:solidFill>
-                  <a:srgbClr val="0070C0"/>
-                </a:solidFill>
-                <a:latin typeface="黑体" panose="02010609060101010101" pitchFamily="49" charset="-122"/>
-                <a:ea typeface="黑体" panose="02010609060101010101" pitchFamily="49" charset="-122"/>
-              </a:rPr>
-              <a:t>策略</a:t>
-            </a:r>
-            <a:endParaRPr lang="en-US" altLang="zh-CN" sz="4000" dirty="0">
-              <a:solidFill>
-                <a:srgbClr val="0070C0"/>
-              </a:solidFill>
-              <a:latin typeface="黑体" panose="02010609060101010101" pitchFamily="49" charset="-122"/>
-              <a:ea typeface="黑体" panose="02010609060101010101" pitchFamily="49" charset="-122"/>
-            </a:endParaRPr>
-          </a:p>
-        </p:txBody>
-      </p:sp>
+        </p:txBody>
+      </p:sp>
+      <p:sp>
+        <p:nvSpPr>
+          <p:cNvPr id="23" name="矩形 22"/>
+          <p:cNvSpPr/>
+          <p:nvPr/>
+        </p:nvSpPr>
+        <p:spPr>
+          <a:xfrm>
+            <a:off x="8732440" y="1359322"/>
+            <a:ext cx="2665958" cy="792088"/>
+          </a:xfrm>
+          <a:prstGeom prst="rect">
+            <a:avLst/>
+          </a:prstGeom>
+        </p:spPr>
+        <p:style>
+          <a:lnRef idx="2">
+            <a:schemeClr val="accent1">
+              <a:shade val="50000"/>
+            </a:schemeClr>
+          </a:lnRef>
+          <a:fillRef idx="1">
+            <a:schemeClr val="accent1"/>
+          </a:fillRef>
+          <a:effectRef idx="0">
+            <a:schemeClr val="accent1"/>
+          </a:effectRef>
+          <a:fontRef idx="minor">
+            <a:schemeClr val="lt1"/>
+          </a:fontRef>
+        </p:style>
+        <p:txBody>
+          <a:bodyPr rtlCol="0" anchor="ctr"/>
+          <a:lstStyle/>
+          <a:p>
+            <a:pPr algn="ctr"/>
+            <a:r>
+              <a:rPr lang="zh-CN" altLang="en-US" dirty="0" smtClean="0"/>
+              <a:t>海关、</a:t>
+            </a:r>
+            <a:r>
+              <a:rPr lang="en-US" altLang="zh-CN" dirty="0" smtClean="0"/>
+              <a:t>H2k</a:t>
+            </a:r>
+            <a:r>
+              <a:rPr lang="zh-CN" altLang="en-US" dirty="0" smtClean="0"/>
+              <a:t>数据</a:t>
+            </a:r>
+            <a:endParaRPr lang="zh-CN" altLang="en-US" dirty="0"/>
+          </a:p>
+        </p:txBody>
+      </p:sp>
+      <p:cxnSp>
+        <p:nvCxnSpPr>
+          <p:cNvPr id="25" name="直接箭头连接符 24"/>
+          <p:cNvCxnSpPr>
+            <a:stCxn id="23" idx="2"/>
+          </p:cNvCxnSpPr>
+          <p:nvPr/>
+        </p:nvCxnSpPr>
+        <p:spPr>
+          <a:xfrm>
+            <a:off x="10065419" y="2151410"/>
+            <a:ext cx="0" cy="1260000"/>
+          </a:xfrm>
+          <a:prstGeom prst="straightConnector1">
+            <a:avLst/>
+          </a:prstGeom>
+          <a:ln w="38100">
+            <a:prstDash val="dash"/>
+            <a:headEnd type="none"/>
+            <a:tailEnd type="triangle"/>
+          </a:ln>
+        </p:spPr>
+        <p:style>
+          <a:lnRef idx="1">
+            <a:schemeClr val="accent1"/>
+          </a:lnRef>
+          <a:fillRef idx="0">
+            <a:schemeClr val="accent1"/>
+          </a:fillRef>
+          <a:effectRef idx="0">
+            <a:schemeClr val="accent1"/>
+          </a:effectRef>
+          <a:fontRef idx="minor">
+            <a:schemeClr val="tx1"/>
+          </a:fontRef>
+        </p:style>
+      </p:cxnSp>
+      <p:cxnSp>
+        <p:nvCxnSpPr>
+          <p:cNvPr id="28" name="直接箭头连接符 27"/>
+          <p:cNvCxnSpPr/>
+          <p:nvPr/>
+        </p:nvCxnSpPr>
+        <p:spPr>
+          <a:xfrm>
+            <a:off x="8376690" y="4024718"/>
+            <a:ext cx="446271" cy="0"/>
+          </a:xfrm>
+          <a:prstGeom prst="straightConnector1">
+            <a:avLst/>
+          </a:prstGeom>
+          <a:ln>
+            <a:tailEnd type="arrow"/>
+          </a:ln>
+        </p:spPr>
+        <p:style>
+          <a:lnRef idx="1">
+            <a:schemeClr val="accent1"/>
+          </a:lnRef>
+          <a:fillRef idx="0">
+            <a:schemeClr val="accent1"/>
+          </a:fillRef>
+          <a:effectRef idx="0">
+            <a:schemeClr val="accent1"/>
+          </a:effectRef>
+          <a:fontRef idx="minor">
+            <a:schemeClr val="tx1"/>
+          </a:fontRef>
+        </p:style>
+      </p:cxnSp>
+      <p:cxnSp>
+        <p:nvCxnSpPr>
+          <p:cNvPr id="31" name="直接箭头连接符 30"/>
+          <p:cNvCxnSpPr>
+            <a:stCxn id="22" idx="1"/>
+          </p:cNvCxnSpPr>
+          <p:nvPr/>
+        </p:nvCxnSpPr>
+        <p:spPr>
+          <a:xfrm flipH="1">
+            <a:off x="8376691" y="4645820"/>
+            <a:ext cx="446270" cy="0"/>
+          </a:xfrm>
+          <a:prstGeom prst="straightConnector1">
+            <a:avLst/>
+          </a:prstGeom>
+          <a:ln>
+            <a:tailEnd type="arrow"/>
+          </a:ln>
+        </p:spPr>
+        <p:style>
+          <a:lnRef idx="1">
+            <a:schemeClr val="accent1"/>
+          </a:lnRef>
+          <a:fillRef idx="0">
+            <a:schemeClr val="accent1"/>
+          </a:fillRef>
+          <a:effectRef idx="0">
+            <a:schemeClr val="accent1"/>
+          </a:effectRef>
+          <a:fontRef idx="minor">
+            <a:schemeClr val="tx1"/>
+          </a:fontRef>
+        </p:style>
+      </p:cxnSp>
+      <p:cxnSp>
+        <p:nvCxnSpPr>
+          <p:cNvPr id="34" name="直接箭头连接符 33"/>
+          <p:cNvCxnSpPr>
+            <a:stCxn id="18" idx="0"/>
+          </p:cNvCxnSpPr>
+          <p:nvPr/>
+        </p:nvCxnSpPr>
+        <p:spPr>
+          <a:xfrm flipV="1">
+            <a:off x="5244343" y="1837708"/>
+            <a:ext cx="0" cy="2185100"/>
+          </a:xfrm>
+          <a:prstGeom prst="straightConnector1">
+            <a:avLst/>
+          </a:prstGeom>
+          <a:ln>
+            <a:tailEnd type="arrow"/>
+          </a:ln>
+        </p:spPr>
+        <p:style>
+          <a:lnRef idx="1">
+            <a:schemeClr val="accent1"/>
+          </a:lnRef>
+          <a:fillRef idx="0">
+            <a:schemeClr val="accent1"/>
+          </a:fillRef>
+          <a:effectRef idx="0">
+            <a:schemeClr val="accent1"/>
+          </a:effectRef>
+          <a:fontRef idx="minor">
+            <a:schemeClr val="tx1"/>
+          </a:fontRef>
+        </p:style>
+      </p:cxnSp>
+      <p:sp>
+        <p:nvSpPr>
+          <p:cNvPr id="36" name="TextBox 35"/>
+          <p:cNvSpPr txBox="1"/>
+          <p:nvPr/>
+        </p:nvSpPr>
+        <p:spPr>
+          <a:xfrm>
+            <a:off x="4056211" y="1325267"/>
+            <a:ext cx="2031325" cy="461665"/>
+          </a:xfrm>
+          <a:prstGeom prst="rect">
+            <a:avLst/>
+          </a:prstGeom>
+          <a:noFill/>
+        </p:spPr>
+        <p:txBody>
+          <a:bodyPr wrap="none" rtlCol="0">
+            <a:spAutoFit/>
+          </a:bodyPr>
+          <a:lstStyle/>
+          <a:p>
+            <a:r>
+              <a:rPr lang="zh-CN" altLang="en-US" dirty="0" smtClean="0"/>
+              <a:t>外部用户使用</a:t>
+            </a:r>
+            <a:endParaRPr lang="zh-CN" altLang="en-US" dirty="0"/>
+          </a:p>
+        </p:txBody>
+      </p:sp>
+      <p:sp>
+        <p:nvSpPr>
+          <p:cNvPr id="37" name="矩形 36"/>
+          <p:cNvSpPr/>
+          <p:nvPr/>
+        </p:nvSpPr>
+        <p:spPr>
+          <a:xfrm>
+            <a:off x="8822961" y="6687914"/>
+            <a:ext cx="2577520" cy="1440160"/>
+          </a:xfrm>
+          <a:prstGeom prst="rect">
+            <a:avLst/>
+          </a:prstGeom>
+        </p:spPr>
+        <p:style>
+          <a:lnRef idx="2">
+            <a:schemeClr val="accent1">
+              <a:shade val="50000"/>
+            </a:schemeClr>
+          </a:lnRef>
+          <a:fillRef idx="1">
+            <a:schemeClr val="accent1"/>
+          </a:fillRef>
+          <a:effectRef idx="0">
+            <a:schemeClr val="accent1"/>
+          </a:effectRef>
+          <a:fontRef idx="minor">
+            <a:schemeClr val="lt1"/>
+          </a:fontRef>
+        </p:style>
+        <p:txBody>
+          <a:bodyPr rtlCol="0" anchor="ctr"/>
+          <a:lstStyle/>
+          <a:p>
+            <a:pPr algn="ctr"/>
+            <a:r>
+              <a:rPr lang="zh-CN" altLang="en-US" dirty="0" smtClean="0"/>
+              <a:t>海关内部系统</a:t>
+            </a:r>
+            <a:endParaRPr lang="zh-CN" altLang="en-US" dirty="0"/>
+          </a:p>
+        </p:txBody>
+      </p:sp>
+      <p:cxnSp>
+        <p:nvCxnSpPr>
+          <p:cNvPr id="39" name="直接箭头连接符 38"/>
+          <p:cNvCxnSpPr>
+            <a:stCxn id="22" idx="2"/>
+          </p:cNvCxnSpPr>
+          <p:nvPr/>
+        </p:nvCxnSpPr>
+        <p:spPr>
+          <a:xfrm>
+            <a:off x="9939085" y="5884764"/>
+            <a:ext cx="0" cy="803150"/>
+          </a:xfrm>
+          <a:prstGeom prst="straightConnector1">
+            <a:avLst/>
+          </a:prstGeom>
+          <a:ln>
+            <a:headEnd type="arrow"/>
+            <a:tailEnd type="arrow"/>
+          </a:ln>
+        </p:spPr>
+        <p:style>
+          <a:lnRef idx="1">
+            <a:schemeClr val="accent1"/>
+          </a:lnRef>
+          <a:fillRef idx="0">
+            <a:schemeClr val="accent1"/>
+          </a:fillRef>
+          <a:effectRef idx="0">
+            <a:schemeClr val="accent1"/>
+          </a:effectRef>
+          <a:fontRef idx="minor">
+            <a:schemeClr val="tx1"/>
+          </a:fontRef>
+        </p:style>
+      </p:cxnSp>
+      <p:sp>
+        <p:nvSpPr>
+          <p:cNvPr id="41" name="矩形 40"/>
+          <p:cNvSpPr/>
+          <p:nvPr/>
+        </p:nvSpPr>
+        <p:spPr>
+          <a:xfrm>
+            <a:off x="3971853" y="6687915"/>
+            <a:ext cx="3551008" cy="1455900"/>
+          </a:xfrm>
+          <a:prstGeom prst="rect">
+            <a:avLst/>
+          </a:prstGeom>
+        </p:spPr>
+        <p:style>
+          <a:lnRef idx="2">
+            <a:schemeClr val="accent1">
+              <a:shade val="50000"/>
+            </a:schemeClr>
+          </a:lnRef>
+          <a:fillRef idx="1">
+            <a:schemeClr val="accent1"/>
+          </a:fillRef>
+          <a:effectRef idx="0">
+            <a:schemeClr val="accent1"/>
+          </a:effectRef>
+          <a:fontRef idx="minor">
+            <a:schemeClr val="lt1"/>
+          </a:fontRef>
+        </p:style>
+        <p:txBody>
+          <a:bodyPr rtlCol="0" anchor="ctr"/>
+          <a:lstStyle/>
+          <a:p>
+            <a:pPr algn="ctr"/>
+            <a:r>
+              <a:rPr lang="zh-CN" altLang="en-US" dirty="0" smtClean="0"/>
+              <a:t>运维及内部管理</a:t>
+            </a:r>
+            <a:endParaRPr lang="zh-CN" altLang="en-US" dirty="0"/>
+          </a:p>
+        </p:txBody>
+      </p:sp>
+      <p:cxnSp>
+        <p:nvCxnSpPr>
+          <p:cNvPr id="43" name="直接箭头连接符 42"/>
+          <p:cNvCxnSpPr>
+            <a:stCxn id="41" idx="0"/>
+          </p:cNvCxnSpPr>
+          <p:nvPr/>
+        </p:nvCxnSpPr>
+        <p:spPr>
+          <a:xfrm flipV="1">
+            <a:off x="5747357" y="6039843"/>
+            <a:ext cx="0" cy="648072"/>
+          </a:xfrm>
+          <a:prstGeom prst="straightConnector1">
+            <a:avLst/>
+          </a:prstGeom>
+          <a:ln>
+            <a:headEnd type="arrow"/>
+            <a:tailEnd type="arrow"/>
+          </a:ln>
+        </p:spPr>
+        <p:style>
+          <a:lnRef idx="1">
+            <a:schemeClr val="accent1"/>
+          </a:lnRef>
+          <a:fillRef idx="0">
+            <a:schemeClr val="accent1"/>
+          </a:fillRef>
+          <a:effectRef idx="0">
+            <a:schemeClr val="accent1"/>
+          </a:effectRef>
+          <a:fontRef idx="minor">
+            <a:schemeClr val="tx1"/>
+          </a:fontRef>
+        </p:style>
+      </p:cxnSp>
+      <p:sp>
+        <p:nvSpPr>
+          <p:cNvPr id="49" name="TextBox 48"/>
+          <p:cNvSpPr txBox="1"/>
+          <p:nvPr/>
+        </p:nvSpPr>
+        <p:spPr>
+          <a:xfrm>
+            <a:off x="6574408" y="1556099"/>
+            <a:ext cx="2031325" cy="461665"/>
+          </a:xfrm>
+          <a:prstGeom prst="rect">
+            <a:avLst/>
+          </a:prstGeom>
+          <a:noFill/>
+        </p:spPr>
+        <p:txBody>
+          <a:bodyPr wrap="none" rtlCol="0">
+            <a:spAutoFit/>
+          </a:bodyPr>
+          <a:lstStyle/>
+          <a:p>
+            <a:r>
+              <a:rPr lang="zh-CN" altLang="en-US" dirty="0" smtClean="0"/>
+              <a:t>外部系统调用</a:t>
+            </a:r>
+            <a:endParaRPr lang="zh-CN" altLang="en-US" dirty="0"/>
+          </a:p>
+        </p:txBody>
+      </p:sp>
+      <p:cxnSp>
+        <p:nvCxnSpPr>
+          <p:cNvPr id="51" name="直接箭头连接符 50"/>
+          <p:cNvCxnSpPr>
+            <a:stCxn id="16" idx="0"/>
+          </p:cNvCxnSpPr>
+          <p:nvPr/>
+        </p:nvCxnSpPr>
+        <p:spPr>
+          <a:xfrm flipV="1">
+            <a:off x="7234829" y="2017764"/>
+            <a:ext cx="0" cy="2006954"/>
+          </a:xfrm>
+          <a:prstGeom prst="straightConnector1">
+            <a:avLst/>
+          </a:prstGeom>
+          <a:ln>
+            <a:tailEnd type="arrow"/>
+          </a:ln>
+        </p:spPr>
+        <p:style>
+          <a:lnRef idx="1">
+            <a:schemeClr val="accent1"/>
+          </a:lnRef>
+          <a:fillRef idx="0">
+            <a:schemeClr val="accent1"/>
+          </a:fillRef>
+          <a:effectRef idx="0">
+            <a:schemeClr val="accent1"/>
+          </a:effectRef>
+          <a:fontRef idx="minor">
+            <a:schemeClr val="tx1"/>
+          </a:fontRef>
+        </p:style>
+      </p:cxnSp>
+      <p:sp>
+        <p:nvSpPr>
+          <p:cNvPr id="53" name="TextBox 52"/>
+          <p:cNvSpPr txBox="1"/>
+          <p:nvPr/>
+        </p:nvSpPr>
+        <p:spPr>
+          <a:xfrm>
+            <a:off x="584734" y="4167634"/>
+            <a:ext cx="1107996" cy="830997"/>
+          </a:xfrm>
+          <a:prstGeom prst="rect">
+            <a:avLst/>
+          </a:prstGeom>
+          <a:noFill/>
+        </p:spPr>
+        <p:txBody>
+          <a:bodyPr wrap="none" rtlCol="0">
+            <a:spAutoFit/>
+          </a:bodyPr>
+          <a:lstStyle/>
+          <a:p>
+            <a:r>
+              <a:rPr lang="zh-CN" altLang="en-US" dirty="0" smtClean="0"/>
+              <a:t>企业租</a:t>
+            </a:r>
+            <a:endParaRPr lang="en-US" altLang="zh-CN" dirty="0" smtClean="0"/>
+          </a:p>
+          <a:p>
+            <a:r>
+              <a:rPr lang="zh-CN" altLang="en-US" dirty="0" smtClean="0"/>
+              <a:t>户使用</a:t>
+            </a:r>
+            <a:endParaRPr lang="zh-CN" altLang="en-US" dirty="0"/>
+          </a:p>
+        </p:txBody>
+      </p:sp>
+      <p:cxnSp>
+        <p:nvCxnSpPr>
+          <p:cNvPr id="55" name="直接箭头连接符 54"/>
+          <p:cNvCxnSpPr>
+            <a:stCxn id="10" idx="1"/>
+          </p:cNvCxnSpPr>
+          <p:nvPr/>
+        </p:nvCxnSpPr>
+        <p:spPr>
+          <a:xfrm flipH="1">
+            <a:off x="1692730" y="4454856"/>
+            <a:ext cx="1643401" cy="0"/>
+          </a:xfrm>
+          <a:prstGeom prst="straightConnector1">
+            <a:avLst/>
+          </a:prstGeom>
+          <a:ln>
+            <a:tailEnd type="arrow"/>
+          </a:ln>
+        </p:spPr>
+        <p:style>
+          <a:lnRef idx="1">
+            <a:schemeClr val="accent1"/>
+          </a:lnRef>
+          <a:fillRef idx="0">
+            <a:schemeClr val="accent1"/>
+          </a:fillRef>
+          <a:effectRef idx="0">
+            <a:schemeClr val="accent1"/>
+          </a:effectRef>
+          <a:fontRef idx="minor">
+            <a:schemeClr val="tx1"/>
+          </a:fontRef>
+        </p:style>
+      </p:cxnSp>
     </p:spTree>
     <p:extLst>
       <p:ext uri="{BB962C8B-B14F-4D97-AF65-F5344CB8AC3E}">
@@ -6460,7 +8825,7 @@
                         <p:par>
                           <p:cTn id="8" fill="hold">
                             <p:stCondLst>
-                              <p:cond delay="700"/>
+                              <p:cond delay="650"/>
                             </p:stCondLst>
                             <p:childTnLst>
                               <p:par>
@@ -6498,46 +8863,6 @@
                                   </p:childTnLst>
                                 </p:cTn>
                               </p:par>
-                              <p:par>
-                                <p:cTn id="12" presetID="10" presetClass="entr" presetSubtype="0" fill="hold" grpId="0" nodeType="withEffect" nodePh="1">
-                                  <p:stCondLst>
-                                    <p:cond delay="0"/>
-                                  </p:stCondLst>
-                                  <p:endCondLst>
-                                    <p:cond evt="begin" delay="0">
-                                      <p:tn val="12"/>
-                                    </p:cond>
-                                  </p:endCondLst>
-                                  <p:childTnLst>
-                                    <p:set>
-                                      <p:cBhvr>
-                                        <p:cTn id="13" dur="1" fill="hold">
-                                          <p:stCondLst>
-                                            <p:cond delay="0"/>
-                                          </p:stCondLst>
-                                        </p:cTn>
-                                        <p:tgtEl>
-                                          <p:spTgt spid="12"/>
-                                        </p:tgtEl>
-                                        <p:attrNameLst>
-                                          <p:attrName>style.visibility</p:attrName>
-                                        </p:attrNameLst>
-                                      </p:cBhvr>
-                                      <p:to>
-                                        <p:strVal val="visible"/>
-                                      </p:to>
-                                    </p:set>
-                                    <p:animEffect transition="in" filter="fade">
-                                      <p:cBhvr>
-                                        <p:cTn id="14" dur="750"/>
-                                        <p:tgtEl>
-                                          <p:spTgt spid="12"/>
-                                        </p:tgtEl>
-                                      </p:cBhvr>
-                                    </p:animEffect>
-                                  </p:childTnLst>
-                                </p:cTn>
-                              </p:par>
                             </p:childTnLst>
                           </p:cTn>
                         </p:par>
@@ -6567,7 +8892,6 @@
     </p:tnLst>
     <p:bldLst>
       <p:bldP spid="6" grpId="0"/>
-      <p:bldP spid="12" grpId="0"/>
     </p:bldLst>
   </p:timing>
 </p:sld>
@@ -6590,62 +8914,21 @@
           <a:chExt cx="0" cy="0"/>
         </a:xfrm>
       </p:grpSpPr>
-      <p:pic>
-        <p:nvPicPr>
-          <p:cNvPr id="1027" name="Picture 3" descr="E:\工作\0530\银色系列\1.jpg"/>
-          <p:cNvPicPr>
-            <a:picLocks noChangeAspect="1" noChangeArrowheads="1"/>
-          </p:cNvPicPr>
+      <p:sp>
+        <p:nvSpPr>
+          <p:cNvPr id="6" name="文本框 13"/>
+          <p:cNvSpPr txBox="1"/>
           <p:nvPr/>
-        </p:nvPicPr>
-        <p:blipFill>
-          <a:blip r:embed="rId2">
-            <a:extLst>
-              <a:ext uri="{28A0092B-C50C-407E-A947-70E740481C1C}">
-                <a14:useLocalDpi xmlns:a14="http://schemas.microsoft.com/office/drawing/2010/main" val="0"/>
-              </a:ext>
-            </a:extLst>
-          </a:blip>
-          <a:srcRect/>
-          <a:stretch>
-            <a:fillRect/>
-          </a:stretch>
-        </p:blipFill>
-        <p:spPr bwMode="auto">
-          <a:xfrm>
-            <a:off x="-26170" y="0"/>
-            <a:ext cx="13030969" cy="8640652"/>
+        </p:nvSpPr>
+        <p:spPr>
+          <a:xfrm>
+            <a:off x="885776" y="-13911"/>
+            <a:ext cx="15989242" cy="801897"/>
           </a:xfrm>
           <a:prstGeom prst="rect">
             <a:avLst/>
           </a:prstGeom>
           <a:noFill/>
-          <a:extLst>
-            <a:ext uri="{909E8E84-426E-40DD-AFC4-6F175D3DCCD1}">
-              <a14:hiddenFill xmlns:a14="http://schemas.microsoft.com/office/drawing/2010/main">
-                <a:solidFill>
-                  <a:srgbClr val="FFFFFF"/>
-                </a:solidFill>
-              </a14:hiddenFill>
-            </a:ext>
-          </a:extLst>
-        </p:spPr>
-      </p:pic>
-      <p:sp>
-        <p:nvSpPr>
-          <p:cNvPr id="6" name="文本框 13"/>
-          <p:cNvSpPr txBox="1"/>
-          <p:nvPr/>
-        </p:nvSpPr>
-        <p:spPr>
-          <a:xfrm>
-            <a:off x="1061214" y="855266"/>
-            <a:ext cx="15989242" cy="801897"/>
-          </a:xfrm>
-          <a:prstGeom prst="rect">
-            <a:avLst/>
-          </a:prstGeom>
-          <a:noFill/>
         </p:spPr>
         <p:txBody>
           <a:bodyPr wrap="square" lIns="123581" tIns="61791" rIns="123581" bIns="61791" rtlCol="0">
@@ -6653,16 +8936,6 @@
           </a:bodyPr>
           <a:lstStyle/>
           <a:p>
-            <a:r>
-              <a:rPr lang="en-US" altLang="zh-CN" sz="4400" dirty="0" err="1" smtClean="0">
-                <a:solidFill>
-                  <a:srgbClr val="0070C0"/>
-                </a:solidFill>
-                <a:latin typeface="黑体" panose="02010609060101010101" pitchFamily="49" charset="-122"/>
-                <a:ea typeface="黑体" panose="02010609060101010101" pitchFamily="49" charset="-122"/>
-              </a:rPr>
-              <a:t>Dubbo</a:t>
-            </a:r>
             <a:r>
               <a:rPr lang="zh-CN" altLang="en-US" sz="4400" dirty="0" smtClean="0">
                 <a:solidFill>
@@ -6671,7 +8944,7 @@
                 <a:latin typeface="黑体" panose="02010609060101010101" pitchFamily="49" charset="-122"/>
                 <a:ea typeface="黑体" panose="02010609060101010101" pitchFamily="49" charset="-122"/>
               </a:rPr>
-              <a:t>是什么？</a:t>
+              <a:t>解决方案架构</a:t>
             </a:r>
             <a:endParaRPr lang="zh-CN" altLang="en-US" sz="4400" dirty="0">
               <a:solidFill>
@@ -6691,7 +8964,7 @@
         </p:nvCxnSpPr>
         <p:spPr>
           <a:xfrm>
-            <a:off x="584734" y="2048065"/>
+            <a:off x="584734" y="787986"/>
             <a:ext cx="11367663" cy="0"/>
           </a:xfrm>
           <a:prstGeom prst="line">
@@ -6723,377 +8996,1234 @@
       </p:cxnSp>
       <p:sp>
         <p:nvSpPr>
-          <p:cNvPr id="12" name="文本框 7"/>
-          <p:cNvSpPr txBox="1"/>
+          <p:cNvPr id="2" name="矩形 1"/>
+          <p:cNvSpPr/>
           <p:nvPr/>
         </p:nvSpPr>
         <p:spPr>
           <a:xfrm>
-            <a:off x="4413" y="2393202"/>
-            <a:ext cx="2465493" cy="886284"/>
+            <a:off x="1461840" y="1719362"/>
+            <a:ext cx="8928992" cy="5544616"/>
           </a:xfrm>
           <a:prstGeom prst="rect">
             <a:avLst/>
           </a:prstGeom>
-          <a:noFill/>
-        </p:spPr>
-        <p:txBody>
-          <a:bodyPr wrap="none" lIns="123581" tIns="61791" rIns="123581" bIns="61791" rtlCol="0">
-            <a:noAutofit/>
-          </a:bodyPr>
+        </p:spPr>
+        <p:style>
+          <a:lnRef idx="2">
+            <a:schemeClr val="accent1">
+              <a:shade val="50000"/>
+            </a:schemeClr>
+          </a:lnRef>
+          <a:fillRef idx="1">
+            <a:schemeClr val="accent1"/>
+          </a:fillRef>
+          <a:effectRef idx="0">
+            <a:schemeClr val="accent1"/>
+          </a:effectRef>
+          <a:fontRef idx="minor">
+            <a:schemeClr val="lt1"/>
+          </a:fontRef>
+        </p:style>
+        <p:txBody>
+          <a:bodyPr rtlCol="0" anchor="ctr"/>
           <a:lstStyle/>
           <a:p>
-            <a:endParaRPr lang="zh-CN" altLang="en-US" sz="10800" dirty="0">
-              <a:solidFill>
-                <a:schemeClr val="accent1"/>
-              </a:solidFill>
-              <a:latin typeface="微软雅黑" panose="020B0503020204020204" pitchFamily="34" charset="-122"/>
-              <a:ea typeface="微软雅黑" panose="020B0503020204020204" pitchFamily="34" charset="-122"/>
-            </a:endParaRPr>
-          </a:p>
-        </p:txBody>
-      </p:sp>
-      <p:sp>
-        <p:nvSpPr>
-          <p:cNvPr id="8" name="矩形 7"/>
+            <a:pPr algn="ctr"/>
+            <a:endParaRPr lang="zh-CN" altLang="en-US"/>
+          </a:p>
+        </p:txBody>
+      </p:sp>
+      <p:sp>
+        <p:nvSpPr>
+          <p:cNvPr id="3" name="矩形 2"/>
           <p:cNvSpPr/>
           <p:nvPr/>
         </p:nvSpPr>
         <p:spPr>
           <a:xfrm>
-            <a:off x="1605856" y="4095625"/>
-            <a:ext cx="9865096" cy="3766812"/>
+            <a:off x="1461840" y="7552010"/>
+            <a:ext cx="10585176" cy="792088"/>
           </a:xfrm>
           <a:prstGeom prst="rect">
             <a:avLst/>
           </a:prstGeom>
         </p:spPr>
-        <p:txBody>
-          <a:bodyPr wrap="square" lIns="123581" tIns="61791" rIns="123581" bIns="61791">
-            <a:spAutoFit/>
-          </a:bodyPr>
+        <p:style>
+          <a:lnRef idx="2">
+            <a:schemeClr val="accent1">
+              <a:shade val="50000"/>
+            </a:schemeClr>
+          </a:lnRef>
+          <a:fillRef idx="1">
+            <a:schemeClr val="accent1"/>
+          </a:fillRef>
+          <a:effectRef idx="0">
+            <a:schemeClr val="accent1"/>
+          </a:effectRef>
+          <a:fontRef idx="minor">
+            <a:schemeClr val="lt1"/>
+          </a:fontRef>
+        </p:style>
+        <p:txBody>
+          <a:bodyPr rtlCol="0" anchor="ctr"/>
           <a:lstStyle/>
           <a:p>
-            <a:pPr marL="386080" indent="-386080">
-              <a:lnSpc>
-                <a:spcPct val="125000"/>
-              </a:lnSpc>
-              <a:buFont typeface="Wingdings" panose="05000000000000000000" pitchFamily="2" charset="2"/>
-              <a:buChar char="n"/>
-            </a:pPr>
-            <a:r>
-              <a:rPr lang="zh-CN" altLang="en-US" b="1" dirty="0" smtClean="0">
-                <a:solidFill>
-                  <a:schemeClr val="accent1"/>
-                </a:solidFill>
-                <a:latin typeface="微软雅黑" panose="020B0503020204020204" pitchFamily="34" charset="-122"/>
-                <a:ea typeface="微软雅黑" panose="020B0503020204020204" pitchFamily="34" charset="-122"/>
-              </a:rPr>
-              <a:t>远程通讯</a:t>
-            </a:r>
-            <a:endParaRPr lang="en-US" altLang="zh-CN" b="1" dirty="0" smtClean="0">
-              <a:solidFill>
-                <a:schemeClr val="accent1"/>
-              </a:solidFill>
-              <a:latin typeface="微软雅黑" panose="020B0503020204020204" pitchFamily="34" charset="-122"/>
-              <a:ea typeface="微软雅黑" panose="020B0503020204020204" pitchFamily="34" charset="-122"/>
-            </a:endParaRPr>
-          </a:p>
-          <a:p>
-            <a:pPr>
-              <a:lnSpc>
-                <a:spcPct val="125000"/>
-              </a:lnSpc>
-            </a:pPr>
-            <a:r>
-              <a:rPr lang="zh-CN" altLang="en-US" sz="1800" dirty="0">
-                <a:solidFill>
-                  <a:srgbClr val="0070C0"/>
-                </a:solidFill>
-                <a:latin typeface="黑体" panose="02010609060101010101" pitchFamily="49" charset="-122"/>
-                <a:ea typeface="黑体" panose="02010609060101010101" pitchFamily="49" charset="-122"/>
-              </a:rPr>
-              <a:t>提供对多种基于长连接的</a:t>
-            </a:r>
-            <a:r>
-              <a:rPr lang="en-US" altLang="zh-CN" sz="1800" dirty="0">
-                <a:solidFill>
-                  <a:srgbClr val="0070C0"/>
-                </a:solidFill>
-                <a:latin typeface="黑体" panose="02010609060101010101" pitchFamily="49" charset="-122"/>
-                <a:ea typeface="黑体" panose="02010609060101010101" pitchFamily="49" charset="-122"/>
-              </a:rPr>
-              <a:t>NIO</a:t>
-            </a:r>
-            <a:r>
-              <a:rPr lang="zh-CN" altLang="en-US" sz="1800" dirty="0">
-                <a:solidFill>
-                  <a:srgbClr val="0070C0"/>
-                </a:solidFill>
-                <a:latin typeface="黑体" panose="02010609060101010101" pitchFamily="49" charset="-122"/>
-                <a:ea typeface="黑体" panose="02010609060101010101" pitchFamily="49" charset="-122"/>
-              </a:rPr>
-              <a:t>框架抽象封装，包括多种线程模型，序列化，以及“请求</a:t>
-            </a:r>
-            <a:r>
-              <a:rPr lang="en-US" altLang="zh-CN" sz="1800" dirty="0">
-                <a:solidFill>
-                  <a:srgbClr val="0070C0"/>
-                </a:solidFill>
-                <a:latin typeface="黑体" panose="02010609060101010101" pitchFamily="49" charset="-122"/>
-                <a:ea typeface="黑体" panose="02010609060101010101" pitchFamily="49" charset="-122"/>
-              </a:rPr>
-              <a:t>-</a:t>
-            </a:r>
-            <a:r>
-              <a:rPr lang="zh-CN" altLang="en-US" sz="1800" dirty="0">
-                <a:solidFill>
-                  <a:srgbClr val="0070C0"/>
-                </a:solidFill>
-                <a:latin typeface="黑体" panose="02010609060101010101" pitchFamily="49" charset="-122"/>
-                <a:ea typeface="黑体" panose="02010609060101010101" pitchFamily="49" charset="-122"/>
-              </a:rPr>
-              <a:t>响应”模式的信息交换方式。</a:t>
-            </a:r>
-            <a:endParaRPr lang="en-US" altLang="zh-CN" sz="1800" b="1" dirty="0" smtClean="0">
-              <a:solidFill>
-                <a:srgbClr val="0070C0"/>
-              </a:solidFill>
-              <a:latin typeface="黑体" panose="02010609060101010101" pitchFamily="49" charset="-122"/>
-              <a:ea typeface="黑体" panose="02010609060101010101" pitchFamily="49" charset="-122"/>
-            </a:endParaRPr>
-          </a:p>
-          <a:p>
-            <a:pPr marL="386080" indent="-386080">
-              <a:lnSpc>
-                <a:spcPct val="125000"/>
-              </a:lnSpc>
-              <a:buFont typeface="Wingdings" panose="05000000000000000000" pitchFamily="2" charset="2"/>
-              <a:buChar char="n"/>
-            </a:pPr>
-            <a:r>
-              <a:rPr lang="zh-CN" altLang="en-US" b="1" dirty="0" smtClean="0">
-                <a:solidFill>
-                  <a:schemeClr val="accent1"/>
-                </a:solidFill>
-                <a:latin typeface="微软雅黑" panose="020B0503020204020204" pitchFamily="34" charset="-122"/>
-                <a:ea typeface="微软雅黑" panose="020B0503020204020204" pitchFamily="34" charset="-122"/>
-              </a:rPr>
-              <a:t>集群容错</a:t>
-            </a:r>
-            <a:endParaRPr lang="en-US" altLang="zh-CN" b="1" dirty="0" smtClean="0">
-              <a:solidFill>
-                <a:schemeClr val="accent1"/>
-              </a:solidFill>
-              <a:latin typeface="微软雅黑" panose="020B0503020204020204" pitchFamily="34" charset="-122"/>
-              <a:ea typeface="微软雅黑" panose="020B0503020204020204" pitchFamily="34" charset="-122"/>
-            </a:endParaRPr>
-          </a:p>
-          <a:p>
-            <a:pPr>
-              <a:lnSpc>
-                <a:spcPct val="125000"/>
-              </a:lnSpc>
-            </a:pPr>
-            <a:r>
-              <a:rPr lang="zh-CN" altLang="en-US" sz="1800" dirty="0">
-                <a:solidFill>
-                  <a:srgbClr val="0070C0"/>
-                </a:solidFill>
-                <a:latin typeface="黑体" panose="02010609060101010101" pitchFamily="49" charset="-122"/>
-                <a:ea typeface="黑体" panose="02010609060101010101" pitchFamily="49" charset="-122"/>
-              </a:rPr>
-              <a:t>提供基于接口方法的透明远程过程调用，包括多协议支持，以及软负载均衡，失败容错，地址路由，动态配置等集群支持。</a:t>
-            </a:r>
-            <a:endParaRPr lang="en-US" altLang="zh-CN" sz="1800" b="1" dirty="0" smtClean="0">
-              <a:solidFill>
-                <a:srgbClr val="0070C0"/>
-              </a:solidFill>
-              <a:latin typeface="黑体" panose="02010609060101010101" pitchFamily="49" charset="-122"/>
-              <a:ea typeface="黑体" panose="02010609060101010101" pitchFamily="49" charset="-122"/>
-            </a:endParaRPr>
-          </a:p>
-          <a:p>
-            <a:pPr marL="386080" indent="-386080">
-              <a:lnSpc>
-                <a:spcPct val="125000"/>
-              </a:lnSpc>
-              <a:buFont typeface="Wingdings" panose="05000000000000000000" pitchFamily="2" charset="2"/>
-              <a:buChar char="n"/>
-            </a:pPr>
-            <a:r>
-              <a:rPr lang="zh-CN" altLang="en-US" b="1" dirty="0">
-                <a:solidFill>
-                  <a:schemeClr val="accent1"/>
-                </a:solidFill>
-                <a:latin typeface="微软雅黑" panose="020B0503020204020204" pitchFamily="34" charset="-122"/>
-                <a:ea typeface="微软雅黑" panose="020B0503020204020204" pitchFamily="34" charset="-122"/>
-              </a:rPr>
-              <a:t>自动发现</a:t>
-            </a:r>
-            <a:endParaRPr lang="en-US" altLang="zh-CN" b="1" dirty="0" smtClean="0">
-              <a:solidFill>
-                <a:schemeClr val="accent1"/>
-              </a:solidFill>
-              <a:latin typeface="微软雅黑" panose="020B0503020204020204" pitchFamily="34" charset="-122"/>
-              <a:ea typeface="微软雅黑" panose="020B0503020204020204" pitchFamily="34" charset="-122"/>
-            </a:endParaRPr>
-          </a:p>
-          <a:p>
-            <a:pPr>
-              <a:lnSpc>
-                <a:spcPct val="125000"/>
-              </a:lnSpc>
-              <a:spcBef>
-                <a:spcPts val="810"/>
-              </a:spcBef>
-            </a:pPr>
-            <a:r>
-              <a:rPr lang="zh-CN" altLang="en-US" sz="1800" dirty="0">
-                <a:solidFill>
-                  <a:srgbClr val="0070C0"/>
-                </a:solidFill>
-                <a:latin typeface="黑体" panose="02010609060101010101" pitchFamily="49" charset="-122"/>
-                <a:ea typeface="黑体" panose="02010609060101010101" pitchFamily="49" charset="-122"/>
-              </a:rPr>
-              <a:t>基于注册中心目录服务，使服务消费方能动态的查找服务提供方，使地址透明，使服务提供方可以平滑增加或减少机器。</a:t>
-            </a:r>
-            <a:endParaRPr lang="en-US" altLang="zh-CN" sz="2000" dirty="0">
-              <a:solidFill>
-                <a:srgbClr val="0070C0"/>
-              </a:solidFill>
-              <a:latin typeface="黑体" panose="02010609060101010101" pitchFamily="49" charset="-122"/>
-              <a:ea typeface="黑体" panose="02010609060101010101" pitchFamily="49" charset="-122"/>
-            </a:endParaRPr>
-          </a:p>
-        </p:txBody>
-      </p:sp>
-      <p:sp>
-        <p:nvSpPr>
-          <p:cNvPr id="9" name="矩形 8"/>
+            <a:pPr algn="ctr"/>
+            <a:r>
+              <a:rPr lang="zh-CN" altLang="en-US" dirty="0" smtClean="0"/>
+              <a:t>基础设施层</a:t>
+            </a:r>
+            <a:endParaRPr lang="zh-CN" altLang="en-US" dirty="0"/>
+          </a:p>
+        </p:txBody>
+      </p:sp>
+      <p:sp>
+        <p:nvSpPr>
+          <p:cNvPr id="11" name="矩形 10"/>
           <p:cNvSpPr/>
           <p:nvPr/>
         </p:nvSpPr>
         <p:spPr>
           <a:xfrm>
-            <a:off x="1381578" y="2393202"/>
-            <a:ext cx="10305398" cy="1740616"/>
+            <a:off x="1965896" y="6039842"/>
+            <a:ext cx="3744416" cy="936104"/>
           </a:xfrm>
           <a:prstGeom prst="rect">
             <a:avLst/>
           </a:prstGeom>
         </p:spPr>
-        <p:txBody>
-          <a:bodyPr wrap="square" lIns="123581" tIns="61791" rIns="123581" bIns="61791">
-            <a:spAutoFit/>
-          </a:bodyPr>
+        <p:style>
+          <a:lnRef idx="2">
+            <a:schemeClr val="accent2">
+              <a:shade val="50000"/>
+            </a:schemeClr>
+          </a:lnRef>
+          <a:fillRef idx="1">
+            <a:schemeClr val="accent2"/>
+          </a:fillRef>
+          <a:effectRef idx="0">
+            <a:schemeClr val="accent2"/>
+          </a:effectRef>
+          <a:fontRef idx="minor">
+            <a:schemeClr val="lt1"/>
+          </a:fontRef>
+        </p:style>
+        <p:txBody>
+          <a:bodyPr rtlCol="0" anchor="ctr"/>
           <a:lstStyle/>
           <a:p>
-            <a:pPr>
-              <a:lnSpc>
-                <a:spcPct val="125000"/>
-              </a:lnSpc>
-            </a:pPr>
-            <a:r>
-              <a:rPr lang="en-US" altLang="zh-CN" sz="2800" dirty="0" err="1" smtClean="0">
-                <a:solidFill>
-                  <a:srgbClr val="0070C0"/>
-                </a:solidFill>
-              </a:rPr>
-              <a:t>Dubbo</a:t>
-            </a:r>
-            <a:r>
-              <a:rPr lang="zh-CN" altLang="en-US" sz="2800" dirty="0" smtClean="0">
-                <a:solidFill>
-                  <a:srgbClr val="0070C0"/>
-                </a:solidFill>
-              </a:rPr>
-              <a:t>是</a:t>
-            </a:r>
-            <a:r>
-              <a:rPr lang="zh-CN" altLang="en-US" sz="2800" dirty="0">
-                <a:solidFill>
-                  <a:srgbClr val="0070C0"/>
-                </a:solidFill>
-              </a:rPr>
-              <a:t>一个分布式服务框架，致力于提供高性能和透明化的</a:t>
-            </a:r>
-            <a:r>
-              <a:rPr lang="en-US" altLang="zh-CN" sz="2800" dirty="0">
-                <a:solidFill>
-                  <a:srgbClr val="0070C0"/>
-                </a:solidFill>
-              </a:rPr>
-              <a:t>RPC</a:t>
-            </a:r>
-            <a:r>
-              <a:rPr lang="zh-CN" altLang="en-US" sz="2800" dirty="0">
-                <a:solidFill>
-                  <a:srgbClr val="0070C0"/>
-                </a:solidFill>
-              </a:rPr>
-              <a:t>远程服务调用方案，以及</a:t>
-            </a:r>
-            <a:r>
-              <a:rPr lang="en-US" altLang="zh-CN" sz="2800" dirty="0">
-                <a:solidFill>
-                  <a:srgbClr val="0070C0"/>
-                </a:solidFill>
-              </a:rPr>
-              <a:t>SOA</a:t>
-            </a:r>
-            <a:r>
-              <a:rPr lang="zh-CN" altLang="en-US" sz="2800" dirty="0">
-                <a:solidFill>
-                  <a:srgbClr val="0070C0"/>
-                </a:solidFill>
-              </a:rPr>
-              <a:t>服务治理方案</a:t>
-            </a:r>
-            <a:r>
-              <a:rPr lang="zh-CN" altLang="en-US" sz="2800" dirty="0" smtClean="0">
-                <a:solidFill>
-                  <a:srgbClr val="0070C0"/>
-                </a:solidFill>
-              </a:rPr>
-              <a:t>。</a:t>
-            </a:r>
-            <a:endParaRPr lang="en-US" altLang="zh-CN" sz="2800" dirty="0" smtClean="0">
-              <a:solidFill>
-                <a:srgbClr val="0070C0"/>
-              </a:solidFill>
-            </a:endParaRPr>
-          </a:p>
-          <a:p>
-            <a:pPr>
-              <a:lnSpc>
-                <a:spcPct val="125000"/>
-              </a:lnSpc>
-            </a:pPr>
-            <a:r>
-              <a:rPr lang="zh-CN" altLang="en-US" sz="2800" dirty="0" smtClean="0">
-                <a:solidFill>
-                  <a:srgbClr val="0070C0"/>
-                </a:solidFill>
-                <a:latin typeface="微软雅黑" panose="020B0503020204020204" pitchFamily="34" charset="-122"/>
-                <a:ea typeface="微软雅黑" panose="020B0503020204020204" pitchFamily="34" charset="-122"/>
-              </a:rPr>
-              <a:t>核心包括：</a:t>
-            </a:r>
-            <a:endParaRPr lang="en-US" altLang="zh-CN" sz="2800" dirty="0">
-              <a:solidFill>
-                <a:srgbClr val="0070C0"/>
-              </a:solidFill>
-              <a:latin typeface="微软雅黑" panose="020B0503020204020204" pitchFamily="34" charset="-122"/>
-              <a:ea typeface="微软雅黑" panose="020B0503020204020204" pitchFamily="34" charset="-122"/>
-            </a:endParaRPr>
+            <a:pPr algn="ctr"/>
+            <a:r>
+              <a:rPr lang="zh-CN" altLang="en-US" dirty="0" smtClean="0"/>
+              <a:t>弹性层</a:t>
+            </a:r>
+            <a:r>
+              <a:rPr lang="en-US" altLang="zh-CN" dirty="0" smtClean="0"/>
+              <a:t/>
+            </a:r>
+            <a:br>
+              <a:rPr lang="en-US" altLang="zh-CN" dirty="0" smtClean="0"/>
+            </a:br>
+            <a:r>
+              <a:rPr lang="en-US" altLang="zh-CN" dirty="0" err="1" smtClean="0"/>
+              <a:t>linux+docker</a:t>
+            </a:r>
+            <a:endParaRPr lang="zh-CN" altLang="en-US" dirty="0"/>
+          </a:p>
+        </p:txBody>
+      </p:sp>
+      <p:sp>
+        <p:nvSpPr>
+          <p:cNvPr id="12" name="矩形 11"/>
+          <p:cNvSpPr/>
+          <p:nvPr/>
+        </p:nvSpPr>
+        <p:spPr>
+          <a:xfrm>
+            <a:off x="5926336" y="6039842"/>
+            <a:ext cx="3816424" cy="936104"/>
+          </a:xfrm>
+          <a:prstGeom prst="rect">
+            <a:avLst/>
+          </a:prstGeom>
+        </p:spPr>
+        <p:style>
+          <a:lnRef idx="2">
+            <a:schemeClr val="accent6">
+              <a:shade val="50000"/>
+            </a:schemeClr>
+          </a:lnRef>
+          <a:fillRef idx="1">
+            <a:schemeClr val="accent6"/>
+          </a:fillRef>
+          <a:effectRef idx="0">
+            <a:schemeClr val="accent6"/>
+          </a:effectRef>
+          <a:fontRef idx="minor">
+            <a:schemeClr val="lt1"/>
+          </a:fontRef>
+        </p:style>
+        <p:txBody>
+          <a:bodyPr rtlCol="0" anchor="ctr"/>
+          <a:lstStyle/>
+          <a:p>
+            <a:pPr algn="ctr"/>
+            <a:r>
+              <a:rPr lang="zh-CN" altLang="en-US" dirty="0" smtClean="0"/>
+              <a:t>非弹性层</a:t>
+            </a:r>
+            <a:endParaRPr lang="zh-CN" altLang="en-US" dirty="0"/>
+          </a:p>
+        </p:txBody>
+      </p:sp>
+      <p:sp>
+        <p:nvSpPr>
+          <p:cNvPr id="13" name="矩形 12"/>
+          <p:cNvSpPr/>
+          <p:nvPr/>
+        </p:nvSpPr>
+        <p:spPr>
+          <a:xfrm>
+            <a:off x="4270152" y="2655466"/>
+            <a:ext cx="3240360" cy="3312368"/>
+          </a:xfrm>
+          <a:prstGeom prst="rect">
+            <a:avLst/>
+          </a:prstGeom>
+        </p:spPr>
+        <p:style>
+          <a:lnRef idx="2">
+            <a:schemeClr val="accent5">
+              <a:shade val="50000"/>
+            </a:schemeClr>
+          </a:lnRef>
+          <a:fillRef idx="1">
+            <a:schemeClr val="accent5"/>
+          </a:fillRef>
+          <a:effectRef idx="0">
+            <a:schemeClr val="accent5"/>
+          </a:effectRef>
+          <a:fontRef idx="minor">
+            <a:schemeClr val="lt1"/>
+          </a:fontRef>
+        </p:style>
+        <p:txBody>
+          <a:bodyPr rtlCol="0" anchor="t"/>
+          <a:lstStyle/>
+          <a:p>
+            <a:pPr algn="ctr"/>
+            <a:r>
+              <a:rPr lang="zh-CN" altLang="en-US" dirty="0" smtClean="0"/>
+              <a:t>基础层</a:t>
+            </a:r>
+            <a:endParaRPr lang="zh-CN" altLang="en-US" dirty="0"/>
+          </a:p>
+        </p:txBody>
+      </p:sp>
+      <p:sp>
+        <p:nvSpPr>
+          <p:cNvPr id="14" name="矩形 13"/>
+          <p:cNvSpPr/>
+          <p:nvPr/>
+        </p:nvSpPr>
+        <p:spPr>
+          <a:xfrm>
+            <a:off x="1965896" y="2655466"/>
+            <a:ext cx="2088232" cy="3312368"/>
+          </a:xfrm>
+          <a:prstGeom prst="rect">
+            <a:avLst/>
+          </a:prstGeom>
+        </p:spPr>
+        <p:style>
+          <a:lnRef idx="2">
+            <a:schemeClr val="accent1">
+              <a:shade val="50000"/>
+            </a:schemeClr>
+          </a:lnRef>
+          <a:fillRef idx="1">
+            <a:schemeClr val="accent1"/>
+          </a:fillRef>
+          <a:effectRef idx="0">
+            <a:schemeClr val="accent1"/>
+          </a:effectRef>
+          <a:fontRef idx="minor">
+            <a:schemeClr val="lt1"/>
+          </a:fontRef>
+        </p:style>
+        <p:txBody>
+          <a:bodyPr rtlCol="0" anchor="ctr"/>
+          <a:lstStyle/>
+          <a:p>
+            <a:pPr algn="ctr"/>
+            <a:r>
+              <a:rPr lang="en-US" altLang="zh-CN" dirty="0" smtClean="0"/>
+              <a:t>CNAs</a:t>
+            </a:r>
+            <a:endParaRPr lang="zh-CN" altLang="en-US" dirty="0"/>
+          </a:p>
+        </p:txBody>
+      </p:sp>
+      <p:sp>
+        <p:nvSpPr>
+          <p:cNvPr id="15" name="矩形 14"/>
+          <p:cNvSpPr/>
+          <p:nvPr/>
+        </p:nvSpPr>
+        <p:spPr>
+          <a:xfrm>
+            <a:off x="7726536" y="2655466"/>
+            <a:ext cx="2016224" cy="3312368"/>
+          </a:xfrm>
+          <a:prstGeom prst="rect">
+            <a:avLst/>
+          </a:prstGeom>
+        </p:spPr>
+        <p:style>
+          <a:lnRef idx="2">
+            <a:schemeClr val="accent1">
+              <a:shade val="50000"/>
+            </a:schemeClr>
+          </a:lnRef>
+          <a:fillRef idx="1">
+            <a:schemeClr val="accent1"/>
+          </a:fillRef>
+          <a:effectRef idx="0">
+            <a:schemeClr val="accent1"/>
+          </a:effectRef>
+          <a:fontRef idx="minor">
+            <a:schemeClr val="lt1"/>
+          </a:fontRef>
+        </p:style>
+        <p:txBody>
+          <a:bodyPr rtlCol="0" anchor="ctr"/>
+          <a:lstStyle/>
+          <a:p>
+            <a:pPr algn="ctr"/>
+            <a:r>
+              <a:rPr lang="zh-CN" altLang="en-US" dirty="0" smtClean="0"/>
+              <a:t>单体应用</a:t>
+            </a:r>
+            <a:endParaRPr lang="zh-CN" altLang="en-US" dirty="0"/>
+          </a:p>
+        </p:txBody>
+      </p:sp>
+      <p:sp>
+        <p:nvSpPr>
+          <p:cNvPr id="17" name="矩形 16"/>
+          <p:cNvSpPr/>
+          <p:nvPr/>
+        </p:nvSpPr>
+        <p:spPr>
+          <a:xfrm>
+            <a:off x="1965896" y="1863378"/>
+            <a:ext cx="7776864" cy="648072"/>
+          </a:xfrm>
+          <a:prstGeom prst="rect">
+            <a:avLst/>
+          </a:prstGeom>
+        </p:spPr>
+        <p:style>
+          <a:lnRef idx="2">
+            <a:schemeClr val="accent1">
+              <a:shade val="50000"/>
+            </a:schemeClr>
+          </a:lnRef>
+          <a:fillRef idx="1">
+            <a:schemeClr val="accent1"/>
+          </a:fillRef>
+          <a:effectRef idx="0">
+            <a:schemeClr val="accent1"/>
+          </a:effectRef>
+          <a:fontRef idx="minor">
+            <a:schemeClr val="lt1"/>
+          </a:fontRef>
+        </p:style>
+        <p:txBody>
+          <a:bodyPr rtlCol="0" anchor="ctr"/>
+          <a:lstStyle/>
+          <a:p>
+            <a:pPr algn="ctr"/>
+            <a:r>
+              <a:rPr lang="zh-CN" altLang="en-US" dirty="0" smtClean="0"/>
+              <a:t>路由层（</a:t>
+            </a:r>
+            <a:r>
+              <a:rPr lang="en-US" altLang="zh-CN" dirty="0" smtClean="0"/>
+              <a:t>route &amp; LB</a:t>
+            </a:r>
+            <a:r>
+              <a:rPr lang="zh-CN" altLang="en-US" dirty="0" smtClean="0"/>
+              <a:t>）</a:t>
+            </a:r>
+            <a:endParaRPr lang="zh-CN" altLang="en-US" dirty="0"/>
+          </a:p>
+        </p:txBody>
+      </p:sp>
+      <p:sp>
+        <p:nvSpPr>
+          <p:cNvPr id="24" name="矩形 23"/>
+          <p:cNvSpPr/>
+          <p:nvPr/>
+        </p:nvSpPr>
+        <p:spPr>
+          <a:xfrm>
+            <a:off x="1461840" y="787986"/>
+            <a:ext cx="8928992" cy="787360"/>
+          </a:xfrm>
+          <a:prstGeom prst="rect">
+            <a:avLst/>
+          </a:prstGeom>
+        </p:spPr>
+        <p:style>
+          <a:lnRef idx="2">
+            <a:schemeClr val="accent1">
+              <a:shade val="50000"/>
+            </a:schemeClr>
+          </a:lnRef>
+          <a:fillRef idx="1">
+            <a:schemeClr val="accent1"/>
+          </a:fillRef>
+          <a:effectRef idx="0">
+            <a:schemeClr val="accent1"/>
+          </a:effectRef>
+          <a:fontRef idx="minor">
+            <a:schemeClr val="lt1"/>
+          </a:fontRef>
+        </p:style>
+        <p:txBody>
+          <a:bodyPr rtlCol="0" anchor="ctr"/>
+          <a:lstStyle/>
+          <a:p>
+            <a:pPr algn="ctr"/>
+            <a:r>
+              <a:rPr lang="zh-CN" altLang="en-US" dirty="0" smtClean="0"/>
+              <a:t>用户终端</a:t>
+            </a:r>
+            <a:endParaRPr lang="zh-CN" altLang="en-US" dirty="0"/>
+          </a:p>
+        </p:txBody>
+      </p:sp>
+      <p:sp>
+        <p:nvSpPr>
+          <p:cNvPr id="26" name="矩形 25"/>
+          <p:cNvSpPr/>
+          <p:nvPr/>
+        </p:nvSpPr>
+        <p:spPr>
+          <a:xfrm>
+            <a:off x="381720" y="1719362"/>
+            <a:ext cx="864096" cy="5544616"/>
+          </a:xfrm>
+          <a:prstGeom prst="rect">
+            <a:avLst/>
+          </a:prstGeom>
+        </p:spPr>
+        <p:style>
+          <a:lnRef idx="2">
+            <a:schemeClr val="accent1">
+              <a:shade val="50000"/>
+            </a:schemeClr>
+          </a:lnRef>
+          <a:fillRef idx="1">
+            <a:schemeClr val="accent1"/>
+          </a:fillRef>
+          <a:effectRef idx="0">
+            <a:schemeClr val="accent1"/>
+          </a:effectRef>
+          <a:fontRef idx="minor">
+            <a:schemeClr val="lt1"/>
+          </a:fontRef>
+        </p:style>
+        <p:txBody>
+          <a:bodyPr rtlCol="0" anchor="ctr"/>
+          <a:lstStyle/>
+          <a:p>
+            <a:pPr algn="ctr"/>
+            <a:r>
+              <a:rPr lang="zh-CN" altLang="en-US" dirty="0" smtClean="0"/>
+              <a:t>开发运维中心</a:t>
+            </a:r>
+            <a:endParaRPr lang="zh-CN" altLang="en-US" dirty="0"/>
+          </a:p>
+        </p:txBody>
+      </p:sp>
+      <p:sp>
+        <p:nvSpPr>
+          <p:cNvPr id="27" name="矩形 26"/>
+          <p:cNvSpPr/>
+          <p:nvPr/>
+        </p:nvSpPr>
+        <p:spPr>
+          <a:xfrm>
+            <a:off x="10606856" y="1719362"/>
+            <a:ext cx="864096" cy="5544616"/>
+          </a:xfrm>
+          <a:prstGeom prst="rect">
+            <a:avLst/>
+          </a:prstGeom>
+        </p:spPr>
+        <p:style>
+          <a:lnRef idx="2">
+            <a:schemeClr val="accent1">
+              <a:shade val="50000"/>
+            </a:schemeClr>
+          </a:lnRef>
+          <a:fillRef idx="1">
+            <a:schemeClr val="accent1"/>
+          </a:fillRef>
+          <a:effectRef idx="0">
+            <a:schemeClr val="accent1"/>
+          </a:effectRef>
+          <a:fontRef idx="minor">
+            <a:schemeClr val="lt1"/>
+          </a:fontRef>
+        </p:style>
+        <p:txBody>
+          <a:bodyPr rtlCol="0" anchor="ctr"/>
+          <a:lstStyle/>
+          <a:p>
+            <a:pPr algn="ctr"/>
+            <a:r>
+              <a:rPr lang="zh-CN" altLang="en-US" dirty="0" smtClean="0"/>
+              <a:t>安全中心</a:t>
+            </a:r>
+            <a:endParaRPr lang="zh-CN" altLang="en-US" dirty="0"/>
+          </a:p>
+        </p:txBody>
+      </p:sp>
+      <p:sp>
+        <p:nvSpPr>
+          <p:cNvPr id="29" name="矩形 28"/>
+          <p:cNvSpPr/>
+          <p:nvPr/>
+        </p:nvSpPr>
+        <p:spPr>
+          <a:xfrm>
+            <a:off x="11686976" y="1719362"/>
+            <a:ext cx="792088" cy="5544616"/>
+          </a:xfrm>
+          <a:prstGeom prst="rect">
+            <a:avLst/>
+          </a:prstGeom>
+        </p:spPr>
+        <p:style>
+          <a:lnRef idx="2">
+            <a:schemeClr val="accent1">
+              <a:shade val="50000"/>
+            </a:schemeClr>
+          </a:lnRef>
+          <a:fillRef idx="1">
+            <a:schemeClr val="accent1"/>
+          </a:fillRef>
+          <a:effectRef idx="0">
+            <a:schemeClr val="accent1"/>
+          </a:effectRef>
+          <a:fontRef idx="minor">
+            <a:schemeClr val="lt1"/>
+          </a:fontRef>
+        </p:style>
+        <p:txBody>
+          <a:bodyPr rtlCol="0" anchor="ctr"/>
+          <a:lstStyle/>
+          <a:p>
+            <a:pPr algn="ctr"/>
+            <a:r>
+              <a:rPr lang="zh-CN" altLang="en-US" dirty="0" smtClean="0"/>
+              <a:t>管控中心</a:t>
+            </a:r>
+            <a:endParaRPr lang="zh-CN" altLang="en-US" dirty="0"/>
+          </a:p>
+        </p:txBody>
+      </p:sp>
+      <p:sp>
+        <p:nvSpPr>
+          <p:cNvPr id="30" name="矩形 29"/>
+          <p:cNvSpPr/>
+          <p:nvPr/>
+        </p:nvSpPr>
+        <p:spPr>
+          <a:xfrm>
+            <a:off x="4414296" y="3159522"/>
+            <a:ext cx="936104" cy="504056"/>
+          </a:xfrm>
+          <a:prstGeom prst="rect">
+            <a:avLst/>
+          </a:prstGeom>
+        </p:spPr>
+        <p:style>
+          <a:lnRef idx="2">
+            <a:schemeClr val="accent1">
+              <a:shade val="50000"/>
+            </a:schemeClr>
+          </a:lnRef>
+          <a:fillRef idx="1">
+            <a:schemeClr val="accent1"/>
+          </a:fillRef>
+          <a:effectRef idx="0">
+            <a:schemeClr val="accent1"/>
+          </a:effectRef>
+          <a:fontRef idx="minor">
+            <a:schemeClr val="lt1"/>
+          </a:fontRef>
+        </p:style>
+        <p:txBody>
+          <a:bodyPr rtlCol="0" anchor="ctr"/>
+          <a:lstStyle/>
+          <a:p>
+            <a:pPr algn="ctr"/>
+            <a:r>
+              <a:rPr lang="en-US" altLang="zh-CN" sz="1200" dirty="0" smtClean="0"/>
+              <a:t>Big Data</a:t>
+            </a:r>
+            <a:endParaRPr lang="zh-CN" altLang="en-US" sz="1200" dirty="0"/>
+          </a:p>
+        </p:txBody>
+      </p:sp>
+      <p:sp>
+        <p:nvSpPr>
+          <p:cNvPr id="42" name="矩形 41"/>
+          <p:cNvSpPr/>
+          <p:nvPr/>
+        </p:nvSpPr>
+        <p:spPr>
+          <a:xfrm>
+            <a:off x="4414296" y="3735586"/>
+            <a:ext cx="936104" cy="504056"/>
+          </a:xfrm>
+          <a:prstGeom prst="rect">
+            <a:avLst/>
+          </a:prstGeom>
+        </p:spPr>
+        <p:style>
+          <a:lnRef idx="2">
+            <a:schemeClr val="accent1">
+              <a:shade val="50000"/>
+            </a:schemeClr>
+          </a:lnRef>
+          <a:fillRef idx="1">
+            <a:schemeClr val="accent1"/>
+          </a:fillRef>
+          <a:effectRef idx="0">
+            <a:schemeClr val="accent1"/>
+          </a:effectRef>
+          <a:fontRef idx="minor">
+            <a:schemeClr val="lt1"/>
+          </a:fontRef>
+        </p:style>
+        <p:txBody>
+          <a:bodyPr rtlCol="0" anchor="ctr"/>
+          <a:lstStyle/>
+          <a:p>
+            <a:pPr algn="ctr"/>
+            <a:r>
+              <a:rPr lang="en-US" altLang="zh-CN" sz="1200" dirty="0"/>
+              <a:t>IDC</a:t>
+            </a:r>
+            <a:endParaRPr lang="zh-CN" altLang="en-US" sz="1200" dirty="0"/>
+          </a:p>
+        </p:txBody>
+      </p:sp>
+      <p:sp>
+        <p:nvSpPr>
+          <p:cNvPr id="44" name="矩形 43"/>
+          <p:cNvSpPr/>
+          <p:nvPr/>
+        </p:nvSpPr>
+        <p:spPr>
+          <a:xfrm>
+            <a:off x="4421386" y="4311650"/>
+            <a:ext cx="936104" cy="504056"/>
+          </a:xfrm>
+          <a:prstGeom prst="rect">
+            <a:avLst/>
+          </a:prstGeom>
+        </p:spPr>
+        <p:style>
+          <a:lnRef idx="2">
+            <a:schemeClr val="accent1">
+              <a:shade val="50000"/>
+            </a:schemeClr>
+          </a:lnRef>
+          <a:fillRef idx="1">
+            <a:schemeClr val="accent1"/>
+          </a:fillRef>
+          <a:effectRef idx="0">
+            <a:schemeClr val="accent1"/>
+          </a:effectRef>
+          <a:fontRef idx="minor">
+            <a:schemeClr val="lt1"/>
+          </a:fontRef>
+        </p:style>
+        <p:txBody>
+          <a:bodyPr rtlCol="0" anchor="ctr"/>
+          <a:lstStyle/>
+          <a:p>
+            <a:pPr algn="ctr"/>
+            <a:r>
+              <a:rPr lang="en-US" altLang="zh-CN" sz="1200" dirty="0" err="1" smtClean="0"/>
+              <a:t>Conf</a:t>
+            </a:r>
+            <a:r>
+              <a:rPr lang="en-US" altLang="zh-CN" sz="1200" dirty="0" smtClean="0"/>
+              <a:t> Center</a:t>
+            </a:r>
+            <a:endParaRPr lang="zh-CN" altLang="en-US" sz="1200" dirty="0"/>
+          </a:p>
+        </p:txBody>
+      </p:sp>
+      <p:sp>
+        <p:nvSpPr>
+          <p:cNvPr id="45" name="矩形 44"/>
+          <p:cNvSpPr/>
+          <p:nvPr/>
+        </p:nvSpPr>
+        <p:spPr>
+          <a:xfrm>
+            <a:off x="4414168" y="4887714"/>
+            <a:ext cx="936104" cy="504056"/>
+          </a:xfrm>
+          <a:prstGeom prst="rect">
+            <a:avLst/>
+          </a:prstGeom>
+        </p:spPr>
+        <p:style>
+          <a:lnRef idx="2">
+            <a:schemeClr val="accent1">
+              <a:shade val="50000"/>
+            </a:schemeClr>
+          </a:lnRef>
+          <a:fillRef idx="1">
+            <a:schemeClr val="accent1"/>
+          </a:fillRef>
+          <a:effectRef idx="0">
+            <a:schemeClr val="accent1"/>
+          </a:effectRef>
+          <a:fontRef idx="minor">
+            <a:schemeClr val="lt1"/>
+          </a:fontRef>
+        </p:style>
+        <p:txBody>
+          <a:bodyPr rtlCol="0" anchor="ctr"/>
+          <a:lstStyle/>
+          <a:p>
+            <a:pPr algn="ctr"/>
+            <a:r>
+              <a:rPr lang="en-US" altLang="zh-CN" sz="1200" dirty="0"/>
+              <a:t>SSO</a:t>
+            </a:r>
+            <a:endParaRPr lang="zh-CN" altLang="en-US" sz="1200" dirty="0"/>
+          </a:p>
+        </p:txBody>
+      </p:sp>
+      <p:sp>
+        <p:nvSpPr>
+          <p:cNvPr id="46" name="矩形 45"/>
+          <p:cNvSpPr/>
+          <p:nvPr/>
+        </p:nvSpPr>
+        <p:spPr>
+          <a:xfrm>
+            <a:off x="5458284" y="3159522"/>
+            <a:ext cx="936104" cy="504056"/>
+          </a:xfrm>
+          <a:prstGeom prst="rect">
+            <a:avLst/>
+          </a:prstGeom>
+        </p:spPr>
+        <p:style>
+          <a:lnRef idx="2">
+            <a:schemeClr val="accent1">
+              <a:shade val="50000"/>
+            </a:schemeClr>
+          </a:lnRef>
+          <a:fillRef idx="1">
+            <a:schemeClr val="accent1"/>
+          </a:fillRef>
+          <a:effectRef idx="0">
+            <a:schemeClr val="accent1"/>
+          </a:effectRef>
+          <a:fontRef idx="minor">
+            <a:schemeClr val="lt1"/>
+          </a:fontRef>
+        </p:style>
+        <p:txBody>
+          <a:bodyPr rtlCol="0" anchor="ctr"/>
+          <a:lstStyle/>
+          <a:p>
+            <a:pPr algn="ctr"/>
+            <a:r>
+              <a:rPr lang="en-US" altLang="zh-CN" sz="1200" dirty="0" smtClean="0"/>
+              <a:t>Job</a:t>
+            </a:r>
+            <a:endParaRPr lang="zh-CN" altLang="en-US" sz="1200" dirty="0"/>
+          </a:p>
+        </p:txBody>
+      </p:sp>
+      <p:sp>
+        <p:nvSpPr>
+          <p:cNvPr id="47" name="矩形 46"/>
+          <p:cNvSpPr/>
+          <p:nvPr/>
+        </p:nvSpPr>
+        <p:spPr>
+          <a:xfrm>
+            <a:off x="5458284" y="3735586"/>
+            <a:ext cx="936104" cy="504056"/>
+          </a:xfrm>
+          <a:prstGeom prst="rect">
+            <a:avLst/>
+          </a:prstGeom>
+        </p:spPr>
+        <p:style>
+          <a:lnRef idx="2">
+            <a:schemeClr val="accent1">
+              <a:shade val="50000"/>
+            </a:schemeClr>
+          </a:lnRef>
+          <a:fillRef idx="1">
+            <a:schemeClr val="accent1"/>
+          </a:fillRef>
+          <a:effectRef idx="0">
+            <a:schemeClr val="accent1"/>
+          </a:effectRef>
+          <a:fontRef idx="minor">
+            <a:schemeClr val="lt1"/>
+          </a:fontRef>
+        </p:style>
+        <p:txBody>
+          <a:bodyPr rtlCol="0" anchor="ctr"/>
+          <a:lstStyle/>
+          <a:p>
+            <a:pPr algn="ctr"/>
+            <a:r>
+              <a:rPr lang="en-US" altLang="zh-CN" sz="1200" dirty="0" smtClean="0"/>
+              <a:t>Log Center</a:t>
+            </a:r>
+            <a:endParaRPr lang="zh-CN" altLang="en-US" sz="1200" dirty="0"/>
+          </a:p>
+        </p:txBody>
+      </p:sp>
+      <p:sp>
+        <p:nvSpPr>
+          <p:cNvPr id="48" name="矩形 47"/>
+          <p:cNvSpPr/>
+          <p:nvPr/>
+        </p:nvSpPr>
+        <p:spPr>
+          <a:xfrm>
+            <a:off x="5466420" y="4318397"/>
+            <a:ext cx="936104" cy="504056"/>
+          </a:xfrm>
+          <a:prstGeom prst="rect">
+            <a:avLst/>
+          </a:prstGeom>
+        </p:spPr>
+        <p:style>
+          <a:lnRef idx="2">
+            <a:schemeClr val="accent1">
+              <a:shade val="50000"/>
+            </a:schemeClr>
+          </a:lnRef>
+          <a:fillRef idx="1">
+            <a:schemeClr val="accent1"/>
+          </a:fillRef>
+          <a:effectRef idx="0">
+            <a:schemeClr val="accent1"/>
+          </a:effectRef>
+          <a:fontRef idx="minor">
+            <a:schemeClr val="lt1"/>
+          </a:fontRef>
+        </p:style>
+        <p:txBody>
+          <a:bodyPr rtlCol="0" anchor="ctr"/>
+          <a:lstStyle/>
+          <a:p>
+            <a:pPr algn="ctr"/>
+            <a:r>
+              <a:rPr lang="en-US" altLang="zh-CN" sz="1200" dirty="0" smtClean="0"/>
+              <a:t>Dis-DB/</a:t>
+            </a:r>
+            <a:r>
+              <a:rPr lang="en-US" altLang="zh-CN" sz="1200" dirty="0" err="1" smtClean="0"/>
+              <a:t>noSql</a:t>
+            </a:r>
+            <a:endParaRPr lang="zh-CN" altLang="en-US" sz="1200" dirty="0"/>
+          </a:p>
+        </p:txBody>
+      </p:sp>
+      <p:sp>
+        <p:nvSpPr>
+          <p:cNvPr id="50" name="矩形 49"/>
+          <p:cNvSpPr/>
+          <p:nvPr/>
+        </p:nvSpPr>
+        <p:spPr>
+          <a:xfrm>
+            <a:off x="5458284" y="4887714"/>
+            <a:ext cx="936104" cy="504056"/>
+          </a:xfrm>
+          <a:prstGeom prst="rect">
+            <a:avLst/>
+          </a:prstGeom>
+        </p:spPr>
+        <p:style>
+          <a:lnRef idx="2">
+            <a:schemeClr val="accent1">
+              <a:shade val="50000"/>
+            </a:schemeClr>
+          </a:lnRef>
+          <a:fillRef idx="1">
+            <a:schemeClr val="accent1"/>
+          </a:fillRef>
+          <a:effectRef idx="0">
+            <a:schemeClr val="accent1"/>
+          </a:effectRef>
+          <a:fontRef idx="minor">
+            <a:schemeClr val="lt1"/>
+          </a:fontRef>
+        </p:style>
+        <p:txBody>
+          <a:bodyPr rtlCol="0" anchor="ctr"/>
+          <a:lstStyle/>
+          <a:p>
+            <a:pPr algn="ctr"/>
+            <a:r>
+              <a:rPr lang="en-US" altLang="zh-CN" sz="1200" dirty="0" smtClean="0"/>
+              <a:t>Dis-Cache</a:t>
+            </a:r>
+            <a:endParaRPr lang="zh-CN" altLang="en-US" sz="1200" dirty="0"/>
+          </a:p>
+        </p:txBody>
+      </p:sp>
+      <p:sp>
+        <p:nvSpPr>
+          <p:cNvPr id="52" name="矩形 51"/>
+          <p:cNvSpPr/>
+          <p:nvPr/>
+        </p:nvSpPr>
+        <p:spPr>
+          <a:xfrm>
+            <a:off x="6494264" y="3159522"/>
+            <a:ext cx="936104" cy="504056"/>
+          </a:xfrm>
+          <a:prstGeom prst="rect">
+            <a:avLst/>
+          </a:prstGeom>
+        </p:spPr>
+        <p:style>
+          <a:lnRef idx="2">
+            <a:schemeClr val="accent1">
+              <a:shade val="50000"/>
+            </a:schemeClr>
+          </a:lnRef>
+          <a:fillRef idx="1">
+            <a:schemeClr val="accent1"/>
+          </a:fillRef>
+          <a:effectRef idx="0">
+            <a:schemeClr val="accent1"/>
+          </a:effectRef>
+          <a:fontRef idx="minor">
+            <a:schemeClr val="lt1"/>
+          </a:fontRef>
+        </p:style>
+        <p:txBody>
+          <a:bodyPr rtlCol="0" anchor="ctr"/>
+          <a:lstStyle/>
+          <a:p>
+            <a:pPr algn="ctr"/>
+            <a:r>
+              <a:rPr lang="en-US" altLang="zh-CN" sz="1200" dirty="0"/>
+              <a:t>AI</a:t>
+            </a:r>
+            <a:endParaRPr lang="zh-CN" altLang="en-US" sz="1200" dirty="0"/>
+          </a:p>
+        </p:txBody>
+      </p:sp>
+      <p:sp>
+        <p:nvSpPr>
+          <p:cNvPr id="54" name="矩形 53"/>
+          <p:cNvSpPr/>
+          <p:nvPr/>
+        </p:nvSpPr>
+        <p:spPr>
+          <a:xfrm>
+            <a:off x="6494264" y="3735586"/>
+            <a:ext cx="936104" cy="504056"/>
+          </a:xfrm>
+          <a:prstGeom prst="rect">
+            <a:avLst/>
+          </a:prstGeom>
+        </p:spPr>
+        <p:style>
+          <a:lnRef idx="2">
+            <a:schemeClr val="accent1">
+              <a:shade val="50000"/>
+            </a:schemeClr>
+          </a:lnRef>
+          <a:fillRef idx="1">
+            <a:schemeClr val="accent1"/>
+          </a:fillRef>
+          <a:effectRef idx="0">
+            <a:schemeClr val="accent1"/>
+          </a:effectRef>
+          <a:fontRef idx="minor">
+            <a:schemeClr val="lt1"/>
+          </a:fontRef>
+        </p:style>
+        <p:txBody>
+          <a:bodyPr rtlCol="0" anchor="ctr"/>
+          <a:lstStyle/>
+          <a:p>
+            <a:pPr algn="ctr"/>
+            <a:r>
+              <a:rPr lang="en-US" altLang="zh-CN" sz="1200" dirty="0" err="1" smtClean="0"/>
+              <a:t>Reg</a:t>
+            </a:r>
+            <a:r>
+              <a:rPr lang="zh-CN" altLang="en-US" sz="1200" dirty="0"/>
+              <a:t> </a:t>
+            </a:r>
+            <a:r>
+              <a:rPr lang="en-US" altLang="zh-CN" sz="1200" dirty="0" smtClean="0"/>
+              <a:t>Center</a:t>
+            </a:r>
+            <a:endParaRPr lang="zh-CN" altLang="en-US" sz="1200" dirty="0"/>
+          </a:p>
+        </p:txBody>
+      </p:sp>
+      <p:sp>
+        <p:nvSpPr>
+          <p:cNvPr id="56" name="矩形 55"/>
+          <p:cNvSpPr/>
+          <p:nvPr/>
+        </p:nvSpPr>
+        <p:spPr>
+          <a:xfrm>
+            <a:off x="6502400" y="4318397"/>
+            <a:ext cx="936104" cy="504056"/>
+          </a:xfrm>
+          <a:prstGeom prst="rect">
+            <a:avLst/>
+          </a:prstGeom>
+        </p:spPr>
+        <p:style>
+          <a:lnRef idx="2">
+            <a:schemeClr val="accent1">
+              <a:shade val="50000"/>
+            </a:schemeClr>
+          </a:lnRef>
+          <a:fillRef idx="1">
+            <a:schemeClr val="accent1"/>
+          </a:fillRef>
+          <a:effectRef idx="0">
+            <a:schemeClr val="accent1"/>
+          </a:effectRef>
+          <a:fontRef idx="minor">
+            <a:schemeClr val="lt1"/>
+          </a:fontRef>
+        </p:style>
+        <p:txBody>
+          <a:bodyPr rtlCol="0" anchor="ctr"/>
+          <a:lstStyle/>
+          <a:p>
+            <a:pPr algn="ctr"/>
+            <a:r>
+              <a:rPr lang="en-US" altLang="zh-CN" sz="1200" dirty="0" smtClean="0"/>
+              <a:t>Dis Storage</a:t>
+            </a:r>
+            <a:endParaRPr lang="zh-CN" altLang="en-US" sz="1200" dirty="0"/>
+          </a:p>
+        </p:txBody>
+      </p:sp>
+      <p:sp>
+        <p:nvSpPr>
+          <p:cNvPr id="57" name="矩形 56"/>
+          <p:cNvSpPr/>
+          <p:nvPr/>
+        </p:nvSpPr>
+        <p:spPr>
+          <a:xfrm>
+            <a:off x="6494264" y="4887714"/>
+            <a:ext cx="936104" cy="504056"/>
+          </a:xfrm>
+          <a:prstGeom prst="rect">
+            <a:avLst/>
+          </a:prstGeom>
+        </p:spPr>
+        <p:style>
+          <a:lnRef idx="2">
+            <a:schemeClr val="accent1">
+              <a:shade val="50000"/>
+            </a:schemeClr>
+          </a:lnRef>
+          <a:fillRef idx="1">
+            <a:schemeClr val="accent1"/>
+          </a:fillRef>
+          <a:effectRef idx="0">
+            <a:schemeClr val="accent1"/>
+          </a:effectRef>
+          <a:fontRef idx="minor">
+            <a:schemeClr val="lt1"/>
+          </a:fontRef>
+        </p:style>
+        <p:txBody>
+          <a:bodyPr rtlCol="0" anchor="ctr"/>
+          <a:lstStyle/>
+          <a:p>
+            <a:pPr algn="ctr"/>
+            <a:r>
+              <a:rPr lang="en-US" altLang="zh-CN" sz="1200" dirty="0" smtClean="0"/>
+              <a:t>Pipe</a:t>
+            </a:r>
+          </a:p>
+          <a:p>
+            <a:pPr algn="ctr"/>
+            <a:r>
+              <a:rPr lang="en-US" altLang="zh-CN" sz="1200" dirty="0" err="1"/>
+              <a:t>mq</a:t>
+            </a:r>
+            <a:endParaRPr lang="zh-CN" altLang="en-US" sz="1200" dirty="0"/>
+          </a:p>
+        </p:txBody>
+      </p:sp>
+      <p:sp>
+        <p:nvSpPr>
+          <p:cNvPr id="58" name="矩形 57"/>
+          <p:cNvSpPr/>
+          <p:nvPr/>
+        </p:nvSpPr>
+        <p:spPr>
+          <a:xfrm>
+            <a:off x="4414168" y="5444780"/>
+            <a:ext cx="936104" cy="504056"/>
+          </a:xfrm>
+          <a:prstGeom prst="rect">
+            <a:avLst/>
+          </a:prstGeom>
+        </p:spPr>
+        <p:style>
+          <a:lnRef idx="2">
+            <a:schemeClr val="accent1">
+              <a:shade val="50000"/>
+            </a:schemeClr>
+          </a:lnRef>
+          <a:fillRef idx="1">
+            <a:schemeClr val="accent1"/>
+          </a:fillRef>
+          <a:effectRef idx="0">
+            <a:schemeClr val="accent1"/>
+          </a:effectRef>
+          <a:fontRef idx="minor">
+            <a:schemeClr val="lt1"/>
+          </a:fontRef>
+        </p:style>
+        <p:txBody>
+          <a:bodyPr rtlCol="0" anchor="ctr"/>
+          <a:lstStyle/>
+          <a:p>
+            <a:pPr algn="ctr"/>
+            <a:r>
+              <a:rPr lang="zh-CN" altLang="en-US" sz="1200" dirty="0" smtClean="0"/>
+              <a:t>服务治理</a:t>
+            </a:r>
+            <a:endParaRPr lang="zh-CN" altLang="en-US" sz="1200" dirty="0"/>
+          </a:p>
+        </p:txBody>
+      </p:sp>
+      <p:sp>
+        <p:nvSpPr>
+          <p:cNvPr id="59" name="矩形 58"/>
+          <p:cNvSpPr/>
+          <p:nvPr/>
+        </p:nvSpPr>
+        <p:spPr>
+          <a:xfrm>
+            <a:off x="5458284" y="5444780"/>
+            <a:ext cx="936104" cy="504056"/>
+          </a:xfrm>
+          <a:prstGeom prst="rect">
+            <a:avLst/>
+          </a:prstGeom>
+        </p:spPr>
+        <p:style>
+          <a:lnRef idx="2">
+            <a:schemeClr val="accent1">
+              <a:shade val="50000"/>
+            </a:schemeClr>
+          </a:lnRef>
+          <a:fillRef idx="1">
+            <a:schemeClr val="accent1"/>
+          </a:fillRef>
+          <a:effectRef idx="0">
+            <a:schemeClr val="accent1"/>
+          </a:effectRef>
+          <a:fontRef idx="minor">
+            <a:schemeClr val="lt1"/>
+          </a:fontRef>
+        </p:style>
+        <p:txBody>
+          <a:bodyPr rtlCol="0" anchor="ctr"/>
+          <a:lstStyle/>
+          <a:p>
+            <a:pPr algn="ctr"/>
+            <a:r>
+              <a:rPr lang="zh-CN" altLang="en-US" sz="1200" dirty="0" smtClean="0"/>
+              <a:t>弹性管理</a:t>
+            </a:r>
+            <a:endParaRPr lang="zh-CN" altLang="en-US" sz="1200" dirty="0"/>
+          </a:p>
+        </p:txBody>
+      </p:sp>
+      <p:sp>
+        <p:nvSpPr>
+          <p:cNvPr id="60" name="矩形 59"/>
+          <p:cNvSpPr/>
+          <p:nvPr/>
+        </p:nvSpPr>
+        <p:spPr>
+          <a:xfrm>
+            <a:off x="6494264" y="5444780"/>
+            <a:ext cx="936104" cy="504056"/>
+          </a:xfrm>
+          <a:prstGeom prst="rect">
+            <a:avLst/>
+          </a:prstGeom>
+        </p:spPr>
+        <p:style>
+          <a:lnRef idx="2">
+            <a:schemeClr val="accent1">
+              <a:shade val="50000"/>
+            </a:schemeClr>
+          </a:lnRef>
+          <a:fillRef idx="1">
+            <a:schemeClr val="accent1"/>
+          </a:fillRef>
+          <a:effectRef idx="0">
+            <a:schemeClr val="accent1"/>
+          </a:effectRef>
+          <a:fontRef idx="minor">
+            <a:schemeClr val="lt1"/>
+          </a:fontRef>
+        </p:style>
+        <p:txBody>
+          <a:bodyPr rtlCol="0" anchor="ctr"/>
+          <a:lstStyle/>
+          <a:p>
+            <a:pPr algn="ctr"/>
+            <a:r>
+              <a:rPr lang="en-US" altLang="zh-CN" sz="1200" dirty="0"/>
+              <a:t>safe</a:t>
+            </a:r>
+            <a:endParaRPr lang="zh-CN" altLang="en-US" sz="1200" dirty="0"/>
           </a:p>
         </p:txBody>
       </p:sp>
     </p:spTree>
     <p:extLst>
       <p:ext uri="{BB962C8B-B14F-4D97-AF65-F5344CB8AC3E}">
-        <p14:creationId xmlns:p14="http://schemas.microsoft.com/office/powerpoint/2010/main" val="2076138440"/>
+        <p14:creationId xmlns:p14="http://schemas.microsoft.com/office/powerpoint/2010/main" val="3583576920"/>
       </p:ext>
     </p:extLst>
   </p:cSld>
@@ -7167,7 +10297,7 @@
                         <p:par>
                           <p:cTn id="8" fill="hold">
                             <p:stCondLst>
-                              <p:cond delay="900"/>
+                              <p:cond delay="750"/>
                             </p:stCondLst>
                             <p:childTnLst>
                               <p:par>
@@ -7208,131 +10338,6 @@
                             </p:childTnLst>
                           </p:cTn>
                         </p:par>
-                        <p:par>
-                          <p:cTn id="12" fill="hold">
-                            <p:stCondLst>
-                              <p:cond delay="1900"/>
-                            </p:stCondLst>
-                            <p:childTnLst>
-                              <p:par>
-                                <p:cTn id="13" presetID="10" presetClass="entr" presetSubtype="0" fill="hold" grpId="0" nodeType="afterEffect" nodePh="1">
-                                  <p:stCondLst>
-                                    <p:cond delay="0"/>
-                                  </p:stCondLst>
-                                  <p:endCondLst>
-                                    <p:cond evt="begin" delay="0">
-                                      <p:tn val="13"/>
-                                    </p:cond>
-                                  </p:endCondLst>
-                                  <p:childTnLst>
-                                    <p:set>
-                                      <p:cBhvr>
-                                        <p:cTn id="14" dur="1" fill="hold">
-                                          <p:stCondLst>
-                                            <p:cond delay="0"/>
-                                          </p:stCondLst>
-                                        </p:cTn>
-                                        <p:tgtEl>
-                                          <p:spTgt spid="12"/>
-                                        </p:tgtEl>
-                                        <p:attrNameLst>
-                                          <p:attrName>style.visibility</p:attrName>
-                                        </p:attrNameLst>
-                                      </p:cBhvr>
-                                      <p:to>
-                                        <p:strVal val="visible"/>
-                                      </p:to>
-                                    </p:set>
-                                    <p:animEffect transition="in" filter="fade">
-                                      <p:cBhvr>
-                                        <p:cTn id="15" dur="750"/>
-                                        <p:tgtEl>
-                                          <p:spTgt spid="12"/>
-                                        </p:tgtEl>
-                                      </p:cBhvr>
-                                    </p:animEffect>
-                                  </p:childTnLst>
-                                </p:cTn>
-                              </p:par>
-                              <p:par>
-                                <p:cTn id="16" presetID="10" presetClass="entr" presetSubtype="0" fill="hold" grpId="0" nodeType="withEffect">
-                                  <p:stCondLst>
-                                    <p:cond delay="0"/>
-                                  </p:stCondLst>
-                                  <p:iterate type="lt">
-                                    <p:tmPct val="10000"/>
-                                  </p:iterate>
-                                  <p:childTnLst>
-                                    <p:set>
-                                      <p:cBhvr>
-                                        <p:cTn id="17" dur="1" fill="hold">
-                                          <p:stCondLst>
-                                            <p:cond delay="0"/>
-                                          </p:stCondLst>
-                                        </p:cTn>
-                                        <p:tgtEl>
-                                          <p:spTgt spid="8"/>
-                                        </p:tgtEl>
-                                        <p:attrNameLst>
-                                          <p:attrName>style.visibility</p:attrName>
-                                        </p:attrNameLst>
-                                      </p:cBhvr>
-                                      <p:to>
-                                        <p:strVal val="visible"/>
-                                      </p:to>
-                                    </p:set>
-                                    <p:animEffect transition="in" filter="fade">
-                                      <p:cBhvr>
-                                        <p:cTn id="18" dur="500"/>
-                                        <p:tgtEl>
-                                          <p:spTgt spid="8"/>
-                                        </p:tgtEl>
-                                      </p:cBhvr>
-                                    </p:animEffect>
-                                  </p:childTnLst>
-                                </p:cTn>
-                              </p:par>
-                              <p:par>
-                                <p:cTn id="19" presetID="10" presetClass="entr" presetSubtype="0" fill="hold" grpId="0" nodeType="withEffect">
-                                  <p:stCondLst>
-                                    <p:cond delay="0"/>
-                                  </p:stCondLst>
-                                  <p:iterate type="lt">
-                                    <p:tmPct val="10000"/>
-                                  </p:iterate>
-                                  <p:childTnLst>
-                                    <p:set>
-                                      <p:cBhvr>
-                                        <p:cTn id="20" dur="1" fill="hold">
-                                          <p:stCondLst>
-                                            <p:cond delay="0"/>
-                                          </p:stCondLst>
-                                        </p:cTn>
-                                        <p:tgtEl>
-                                          <p:spTgt spid="9"/>
-                                        </p:tgtEl>
-                                        <p:attrNameLst>
-                                          <p:attrName>style.visibility</p:attrName>
-                                        </p:attrNameLst>
-                                      </p:cBhvr>
-                                      <p:to>
-                                        <p:strVal val="visible"/>
-                                      </p:to>
-                                    </p:set>
-                                    <p:animEffect transition="in" filter="fade">
-                                      <p:cBhvr>
-                                        <p:cTn id="21" dur="500"/>
-                                        <p:tgtEl>
-                                          <p:spTgt spid="9"/>
-                                        </p:tgtEl>
-                                      </p:cBhvr>
-                                    </p:animEffect>
-                                  </p:childTnLst>
-                                </p:cTn>
-                              </p:par>
-                            </p:childTnLst>
-                          </p:cTn>
-                        </p:par>
                       </p:childTnLst>
                     </p:cTn>
                   </p:par>
@@ -7359,9 +10364,6 @@
     </p:tnLst>
     <p:bldLst>
       <p:bldP spid="6" grpId="0"/>
-      <p:bldP spid="12" grpId="0"/>
-      <p:bldP spid="8" grpId="0"/>
-      <p:bldP spid="9" grpId="0"/>
     </p:bldLst>
   </p:timing>
 </p:sld>
@@ -10942,9 +13944,9 @@
 </file>
 
 <file path=ppt/theme/theme1.xml><?xml version="1.0" encoding="utf-8"?>
-<a:theme xmlns:a="http://schemas.openxmlformats.org/drawingml/2006/main" name="Office 主题​​">
+<a:theme xmlns:a="http://schemas.openxmlformats.org/drawingml/2006/main" name="气流">
   <a:themeElements>
-    <a:clrScheme name="Office">
+    <a:clrScheme name="气流">
       <a:dk1>
         <a:sysClr val="windowText" lastClr="000000"/>
       </a:dk1>
@@ -10952,52 +13954,52 @@
         <a:sysClr val="window" lastClr="FFFFFF"/>
       </a:lt1>
       <a:dk2>
-        <a:srgbClr val="1F497D"/>
+        <a:srgbClr val="212745"/>
       </a:dk2>
       <a:lt2>
-        <a:srgbClr val="EEECE1"/>
+        <a:srgbClr val="B4DCFA"/>
       </a:lt2>
       <a:accent1>
-        <a:srgbClr val="4F81BD"/>
+        <a:srgbClr val="4E67C8"/>
       </a:accent1>
       <a:accent2>
-        <a:srgbClr val="C0504D"/>
+        <a:srgbClr val="5ECCF3"/>
       </a:accent2>
       <a:accent3>
-        <a:srgbClr val="9BBB59"/>
+        <a:srgbClr val="A7EA52"/>
       </a:accent3>
       <a:accent4>
-        <a:srgbClr val="8064A2"/>
+        <a:srgbClr val="5DCEAF"/>
       </a:accent4>
       <a:accent5>
-        <a:srgbClr val="4BACC6"/>
+        <a:srgbClr val="FF8021"/>
       </a:accent5>
       <a:accent6>
-        <a:srgbClr val="F79646"/>
+        <a:srgbClr val="F14124"/>
       </a:accent6>
       <a:hlink>
-        <a:srgbClr val="0000FF"/>
+        <a:srgbClr val="56C7AA"/>
       </a:hlink>
       <a:folHlink>
-        <a:srgbClr val="800080"/>
+        <a:srgbClr val="59A8D1"/>
       </a:folHlink>
     </a:clrScheme>
-    <a:fontScheme name="Office">
+    <a:fontScheme name="气流">
       <a:majorFont>
-        <a:latin typeface="Calibri"/>
+        <a:latin typeface="Trebuchet MS"/>
         <a:ea typeface=""/>
         <a:cs typeface=""/>
-        <a:font script="Jpan" typeface="ＭＳ Ｐゴシック"/>
-        <a:font script="Hang" typeface="맑은 고딕"/>
-        <a:font script="Hans" typeface="宋体"/>
-        <a:font script="Hant" typeface="新細明體"/>
-        <a:font script="Arab" typeface="Times New Roman"/>
-        <a:font script="Hebr" typeface="Times New Roman"/>
-        <a:font script="Thai" typeface="Angsana New"/>
+        <a:font script="Jpan" typeface="HGｺﾞｼｯｸM"/>
+        <a:font script="Hang" typeface="HY그래픽B"/>
+        <a:font script="Hans" typeface="方正姚体"/>
+        <a:font script="Hant" typeface="微軟正黑體"/>
+        <a:font script="Arab" typeface="Tahoma"/>
+        <a:font script="Hebr" typeface="Gisha"/>
+        <a:font script="Thai" typeface="IrisUPC"/>
         <a:font script="Ethi" typeface="Nyala"/>
         <a:font script="Beng" typeface="Vrinda"/>
         <a:font script="Gujr" typeface="Shruti"/>
-        <a:font script="Khmr" typeface="MoolBoran"/>
+        <a:font script="Khmr" typeface="DaunPenh"/>
         <a:font script="Knda" typeface="Tunga"/>
         <a:font script="Guru" typeface="Raavi"/>
         <a:font script="Cans" typeface="Euphemia"/>
@@ -11014,21 +14016,21 @@
         <a:font script="Laoo" typeface="DokChampa"/>
         <a:font script="Sinh" typeface="Iskoola Pota"/>
         <a:font script="Mong" typeface="Mongolian Baiti"/>
-        <a:font script="Viet" typeface="Times New Roman"/>
+        <a:font script="Viet" typeface="Tahoma"/>
         <a:font script="Uigh" typeface="Microsoft Uighur"/>
         <a:font script="Geor" typeface="Sylfaen"/>
       </a:majorFont>
       <a:minorFont>
-        <a:latin typeface="Calibri"/>
+        <a:latin typeface="Trebuchet MS"/>
         <a:ea typeface=""/>
         <a:cs typeface=""/>
-        <a:font script="Jpan" typeface="ＭＳ Ｐゴシック"/>
-        <a:font script="Hang" typeface="맑은 고딕"/>
-        <a:font script="Hans" typeface="宋体"/>
-        <a:font script="Hant" typeface="新細明體"/>
-        <a:font script="Arab" typeface="Arial"/>
-        <a:font script="Hebr" typeface="Arial"/>
-        <a:font script="Thai" typeface="Cordia New"/>
+        <a:font script="Jpan" typeface="HGｺﾞｼｯｸM"/>
+        <a:font script="Hang" typeface="HY그래픽M"/>
+        <a:font script="Hans" typeface="方正姚体"/>
+        <a:font script="Hant" typeface="微軟正黑體"/>
+        <a:font script="Arab" typeface="Tahoma"/>
+        <a:font script="Hebr" typeface="Gisha"/>
+        <a:font script="Thai" typeface="IrisUPC"/>
         <a:font script="Ethi" typeface="Nyala"/>
         <a:font script="Beng" typeface="Vrinda"/>
         <a:font script="Gujr" typeface="Shruti"/>
@@ -11054,64 +14056,61 @@
         <a:font script="Geor" typeface="Sylfaen"/>
       </a:minorFont>
     </a:fontScheme>
-    <a:fmtScheme name="Office">
+    <a:fmtScheme name="气流">
       <a:fillStyleLst>
         <a:solidFill>
           <a:schemeClr val="phClr"/>
         </a:solidFill>
         <a:gradFill rotWithShape="1">
           <a:gsLst>
-            <a:gs pos="0">
+            <a:gs pos="28000">
               <a:schemeClr val="phClr">
-                <a:tint val="50000"/>
-                <a:satMod val="300000"/>
-              </a:schemeClr>
-            </a:gs>
-            <a:gs pos="35000">
-              <a:schemeClr val="phClr">
-                <a:tint val="37000"/>
-                <a:satMod val="300000"/>
+                <a:tint val="18000"/>
+                <a:satMod val="120000"/>
+                <a:lumMod val="88000"/>
               </a:schemeClr>
             </a:gs>
             <a:gs pos="100000">
               <a:schemeClr val="phClr">
-                <a:tint val="15000"/>
-                <a:satMod val="350000"/>
+                <a:tint val="40000"/>
+                <a:satMod val="100000"/>
+                <a:lumMod val="78000"/>
               </a:schemeClr>
             </a:gs>
           </a:gsLst>
-          <a:lin ang="16200000" scaled="1"/>
+          <a:lin ang="5400000" scaled="0"/>
         </a:gradFill>
         <a:gradFill rotWithShape="1">
           <a:gsLst>
             <a:gs pos="0">
               <a:schemeClr val="phClr">
-                <a:shade val="51000"/>
-                <a:satMod val="130000"/>
-              </a:schemeClr>
-            </a:gs>
-            <a:gs pos="80000">
-              <a:schemeClr val="phClr">
-                <a:shade val="93000"/>
-                <a:satMod val="130000"/>
+                <a:lumMod val="95000"/>
               </a:schemeClr>
             </a:gs>
             <a:gs pos="100000">
               <a:schemeClr val="phClr">
-                <a:shade val="94000"/>
-                <a:satMod val="135000"/>
+                <a:shade val="82000"/>
+                <a:satMod val="125000"/>
+                <a:lumMod val="74000"/>
               </a:schemeClr>
             </a:gs>
           </a:gsLst>
-          <a:lin ang="16200000" scaled="0"/>
+          <a:lin ang="5400000" scaled="0"/>
         </a:gradFill>
       </a:fillStyleLst>
       <a:lnStyleLst>
         <a:ln w="9525" cap="flat" cmpd="sng" algn="ctr">
           <a:solidFill>
+            <a:schemeClr val="phClr"/>
+          </a:solidFill>
+          <a:prstDash val="solid"/>
+        </a:ln>
+        <a:ln w="15875" cap="flat" cmpd="sng" algn="ctr">
+          <a:solidFill>
             <a:schemeClr val="phClr">
-              <a:shade val="95000"/>
-              <a:satMod val="105000"/>
+              <a:shade val="75000"/>
+              <a:satMod val="125000"/>
+              <a:lumMod val="75000"/>
             </a:schemeClr>
           </a:solidFill>
           <a:prstDash val="solid"/>
@@ -11122,37 +14121,22 @@
           </a:solidFill>
           <a:prstDash val="solid"/>
         </a:ln>
-        <a:ln w="38100" cap="flat" cmpd="sng" algn="ctr">
-          <a:solidFill>
-            <a:schemeClr val="phClr"/>
-          </a:solidFill>
-          <a:prstDash val="solid"/>
-        </a:ln>
       </a:lnStyleLst>
       <a:effectStyleLst>
         <a:effectStyle>
           <a:effectLst>
-            <a:outerShdw blurRad="40000" dist="20000" dir="5400000" rotWithShape="0">
+            <a:outerShdw blurRad="63500" dist="50800" dir="5400000" sx="98000" sy="98000" rotWithShape="0">
               <a:srgbClr val="000000">
-                <a:alpha val="38000"/>
+                <a:alpha val="20000"/>
               </a:srgbClr>
             </a:outerShdw>
           </a:effectLst>
         </a:effectStyle>
         <a:effectStyle>
           <a:effectLst>
-            <a:outerShdw blurRad="40000" dist="23000" dir="5400000" rotWithShape="0">
+            <a:outerShdw blurRad="40005" dist="22984" dir="5400000" rotWithShape="0">
               <a:srgbClr val="000000">
-                <a:alpha val="35000"/>
-              </a:srgbClr>
-            </a:outerShdw>
-          </a:effectLst>
-        </a:effectStyle>
-        <a:effectStyle>
-          <a:effectLst>
-            <a:outerShdw blurRad="40000" dist="23000" dir="5400000" rotWithShape="0">
-              <a:srgbClr val="000000">
-                <a:alpha val="35000"/>
+                <a:alpha val="45000"/>
               </a:srgbClr>
             </a:outerShdw>
           </a:effectLst>
@@ -11160,12 +14144,30 @@
             <a:camera prst="orthographicFront">
               <a:rot lat="0" lon="0" rev="0"/>
             </a:camera>
-            <a:lightRig rig="threePt" dir="t">
-              <a:rot lat="0" lon="0" rev="1200000"/>
-            </a:lightRig>
+            <a:lightRig rig="balanced" dir="tr"/>
           </a:scene3d>
-          <a:sp3d>
-            <a:bevelT w="63500" h="25400"/>
+          <a:sp3d prstMaterial="matte">
+            <a:bevelT w="19050" h="38100"/>
+          </a:sp3d>
+        </a:effectStyle>
+        <a:effectStyle>
+          <a:effectLst>
+            <a:reflection blurRad="38100" stA="26000" endPos="23000" dist="25400" dir="5400000" sy="-100000" rotWithShape="0"/>
+          </a:effectLst>
+          <a:scene3d>
+            <a:camera prst="orthographicFront">
+              <a:rot lat="0" lon="0" rev="0"/>
+            </a:camera>
+            <a:lightRig rig="balanced" dir="tr"/>
+          </a:scene3d>
+          <a:sp3d contourW="14605" prstMaterial="plastic">
+            <a:bevelT w="50800"/>
+            <a:contourClr>
+              <a:schemeClr val="phClr">
+                <a:shade val="30000"/>
+                <a:satMod val="120000"/>
+              </a:schemeClr>
+            </a:contourClr>
           </a:sp3d>
         </a:effectStyle>
       </a:effectStyleLst>
@@ -11177,45 +14179,62 @@
           <a:gsLst>
             <a:gs pos="0">
               <a:schemeClr val="phClr">
-                <a:tint val="40000"/>
-                <a:satMod val="350000"/>
+                <a:tint val="98000"/>
+                <a:shade val="90000"/>
+                <a:satMod val="160000"/>
+                <a:lumMod val="100000"/>
               </a:schemeClr>
             </a:gs>
-            <a:gs pos="40000">
+            <a:gs pos="60000">
               <a:schemeClr val="phClr">
-                <a:tint val="45000"/>
-                <a:shade val="99000"/>
-                <a:satMod val="350000"/>
+                <a:tint val="95000"/>
+                <a:shade val="100000"/>
+                <a:satMod val="130000"/>
+                <a:lumMod val="130000"/>
               </a:schemeClr>
             </a:gs>
             <a:gs pos="100000">
               <a:schemeClr val="phClr">
-                <a:shade val="20000"/>
-                <a:satMod val="255000"/>
+                <a:tint val="97000"/>
+                <a:shade val="100000"/>
+                <a:hueMod val="100000"/>
+                <a:satMod val="140000"/>
+                <a:lumMod val="80000"/>
               </a:schemeClr>
             </a:gs>
           </a:gsLst>
           <a:path path="circle">
-            <a:fillToRect l="50000" t="-80000" r="50000" b="180000"/>
+            <a:fillToRect l="20000" t="10000" r="20000" b="60000"/>
           </a:path>
         </a:gradFill>
         <a:gradFill rotWithShape="1">
           <a:gsLst>
             <a:gs pos="0">
               <a:schemeClr val="phClr">
-                <a:tint val="80000"/>
-                <a:satMod val="300000"/>
+                <a:tint val="94000"/>
+                <a:satMod val="160000"/>
+                <a:lumMod val="160000"/>
+              </a:schemeClr>
+            </a:gs>
+            <a:gs pos="42000">
+              <a:schemeClr val="phClr">
+                <a:tint val="94000"/>
+                <a:shade val="94000"/>
+                <a:satMod val="160000"/>
+                <a:lumMod val="130000"/>
               </a:schemeClr>
             </a:gs>
             <a:gs pos="100000">
               <a:schemeClr val="phClr">
-                <a:shade val="30000"/>
-                <a:satMod val="200000"/>
+                <a:tint val="97000"/>
+                <a:shade val="94000"/>
+                <a:satMod val="180000"/>
+                <a:lumMod val="84000"/>
               </a:schemeClr>
             </a:gs>
           </a:gsLst>
           <a:path path="circle">
-            <a:fillToRect l="50000" t="50000" r="50000" b="50000"/>
+            <a:fillToRect l="24000" t="44000" r="24000" b="12000"/>
           </a:path>
         </a:gradFill>
       </a:bgFillStyleLst>
@@ -11223,11 +14242,6 @@
   </a:themeElements>
   <a:objectDefaults/>
   <a:extraClrSchemeLst/>
-  <a:extLst>
-    <a:ext uri="{05A4C25C-085E-4340-85A3-A5531E510DB2}">
-      <thm15:themeFamily xmlns="" xmlns:thm15="http://schemas.microsoft.com/office/thememl/2012/main" name="Office Theme" id="{62F939B6-93AF-4DB8-9C6B-D6C7DFDC589F}" vid="{4A3C46E8-61CC-4603-A589-7422A47A8E4A}"/>
-    </a:ext>
-  </a:extLst>
 </a:theme>
 </file>
 

--- a/c云服务架构/Saas&Paas架构设计.pptx
+++ b/c云服务架构/Saas&Paas架构设计.pptx
@@ -5,7 +5,7 @@
     <p:sldMasterId id="2147483684" r:id="rId1"/>
   </p:sldMasterIdLst>
   <p:notesMasterIdLst>
-    <p:notesMasterId r:id="rId24"/>
+    <p:notesMasterId r:id="rId29"/>
   </p:notesMasterIdLst>
   <p:sldIdLst>
     <p:sldId id="256" r:id="rId2"/>
@@ -27,9 +27,14 @@
     <p:sldId id="288" r:id="rId18"/>
     <p:sldId id="289" r:id="rId19"/>
     <p:sldId id="282" r:id="rId20"/>
-    <p:sldId id="283" r:id="rId21"/>
-    <p:sldId id="279" r:id="rId22"/>
-    <p:sldId id="264" r:id="rId23"/>
+    <p:sldId id="302" r:id="rId21"/>
+    <p:sldId id="301" r:id="rId22"/>
+    <p:sldId id="303" r:id="rId23"/>
+    <p:sldId id="304" r:id="rId24"/>
+    <p:sldId id="305" r:id="rId25"/>
+    <p:sldId id="306" r:id="rId26"/>
+    <p:sldId id="279" r:id="rId27"/>
+    <p:sldId id="264" r:id="rId28"/>
   </p:sldIdLst>
   <p:sldSz cx="13004800" cy="8623300"/>
   <p:notesSz cx="6858000" cy="9144000"/>
@@ -213,7 +218,7 @@
           <a:p>
             <a:fld id="{FCF34936-9BE8-4133-A782-55B70958D9F1}" type="datetimeFigureOut">
               <a:rPr lang="zh-CN" altLang="en-US" smtClean="0"/>
-              <a:t>2017/4/1</a:t>
+              <a:t>2017/4/5</a:t>
             </a:fld>
             <a:endParaRPr lang="zh-CN" altLang="en-US"/>
           </a:p>
@@ -525,374 +530,6 @@
           <a:bodyPr/>
           <a:lstStyle/>
           <a:p>
-            <a:r>
-              <a:rPr lang="zh-CN" altLang="en-US" sz="1200" b="1" i="0" kern="1200" dirty="0" smtClean="0">
-                <a:solidFill>
-                  <a:schemeClr val="tx1"/>
-                </a:solidFill>
-                <a:effectLst/>
-                <a:latin typeface="+mn-lt"/>
-                <a:ea typeface="+mn-ea"/>
-                <a:cs typeface="+mn-cs"/>
-              </a:rPr>
-              <a:t>单一应用架构</a:t>
-            </a:r>
-            <a:endParaRPr lang="zh-CN" altLang="en-US" sz="1200" b="0" i="0" kern="1200" dirty="0" smtClean="0">
-              <a:solidFill>
-                <a:schemeClr val="tx1"/>
-              </a:solidFill>
-              <a:effectLst/>
-              <a:latin typeface="+mn-lt"/>
-              <a:ea typeface="+mn-ea"/>
-              <a:cs typeface="+mn-cs"/>
-            </a:endParaRPr>
-          </a:p>
-          <a:p>
-            <a:pPr lvl="1"/>
-            <a:r>
-              <a:rPr lang="zh-CN" altLang="en-US" sz="1200" b="0" i="0" kern="1200" dirty="0" smtClean="0">
-                <a:solidFill>
-                  <a:schemeClr val="tx1"/>
-                </a:solidFill>
-                <a:effectLst/>
-                <a:latin typeface="+mn-lt"/>
-                <a:ea typeface="+mn-ea"/>
-                <a:cs typeface="+mn-cs"/>
-              </a:rPr>
-              <a:t>当网站流量很小时，只需一个应用，将所有功能都部署在一起，以减少部署节点和成本。</a:t>
-            </a:r>
-          </a:p>
-          <a:p>
-            <a:pPr lvl="1"/>
-            <a:r>
-              <a:rPr lang="zh-CN" altLang="en-US" sz="1200" b="0" i="0" kern="1200" dirty="0" smtClean="0">
-                <a:solidFill>
-                  <a:schemeClr val="tx1"/>
-                </a:solidFill>
-                <a:effectLst/>
-                <a:latin typeface="+mn-lt"/>
-                <a:ea typeface="+mn-ea"/>
-                <a:cs typeface="+mn-cs"/>
-              </a:rPr>
-              <a:t>此时，用于简化增删改查工作量的 </a:t>
-            </a:r>
-            <a:r>
-              <a:rPr lang="zh-CN" altLang="en-US" sz="1200" b="1" i="0" kern="1200" dirty="0" smtClean="0">
-                <a:solidFill>
-                  <a:schemeClr val="tx1"/>
-                </a:solidFill>
-                <a:effectLst/>
-                <a:latin typeface="+mn-lt"/>
-                <a:ea typeface="+mn-ea"/>
-                <a:cs typeface="+mn-cs"/>
-              </a:rPr>
-              <a:t>数据访问框架</a:t>
-            </a:r>
-            <a:r>
-              <a:rPr lang="en-US" altLang="zh-CN" sz="1200" b="1" i="0" kern="1200" dirty="0" smtClean="0">
-                <a:solidFill>
-                  <a:schemeClr val="tx1"/>
-                </a:solidFill>
-                <a:effectLst/>
-                <a:latin typeface="+mn-lt"/>
-                <a:ea typeface="+mn-ea"/>
-                <a:cs typeface="+mn-cs"/>
-              </a:rPr>
-              <a:t>(ORM)</a:t>
-            </a:r>
-            <a:r>
-              <a:rPr lang="zh-CN" altLang="en-US" sz="1200" b="0" i="0" kern="1200" dirty="0" smtClean="0">
-                <a:solidFill>
-                  <a:schemeClr val="tx1"/>
-                </a:solidFill>
-                <a:effectLst/>
-                <a:latin typeface="+mn-lt"/>
-                <a:ea typeface="+mn-ea"/>
-                <a:cs typeface="+mn-cs"/>
-              </a:rPr>
-              <a:t> 是关键。</a:t>
-            </a:r>
-          </a:p>
-          <a:p>
-            <a:r>
-              <a:rPr lang="zh-CN" altLang="en-US" sz="1200" b="1" i="0" kern="1200" dirty="0" smtClean="0">
-                <a:solidFill>
-                  <a:schemeClr val="tx1"/>
-                </a:solidFill>
-                <a:effectLst/>
-                <a:latin typeface="+mn-lt"/>
-                <a:ea typeface="+mn-ea"/>
-                <a:cs typeface="+mn-cs"/>
-              </a:rPr>
-              <a:t>垂直应用架构</a:t>
-            </a:r>
-            <a:endParaRPr lang="zh-CN" altLang="en-US" sz="1200" b="0" i="0" kern="1200" dirty="0" smtClean="0">
-              <a:solidFill>
-                <a:schemeClr val="tx1"/>
-              </a:solidFill>
-              <a:effectLst/>
-              <a:latin typeface="+mn-lt"/>
-              <a:ea typeface="+mn-ea"/>
-              <a:cs typeface="+mn-cs"/>
-            </a:endParaRPr>
-          </a:p>
-          <a:p>
-            <a:pPr lvl="1"/>
-            <a:r>
-              <a:rPr lang="zh-CN" altLang="en-US" sz="1200" b="0" i="0" kern="1200" dirty="0" smtClean="0">
-                <a:solidFill>
-                  <a:schemeClr val="tx1"/>
-                </a:solidFill>
-                <a:effectLst/>
-                <a:latin typeface="+mn-lt"/>
-                <a:ea typeface="+mn-ea"/>
-                <a:cs typeface="+mn-cs"/>
-              </a:rPr>
-              <a:t>当访问量逐渐增大，单一应用增加机器带来的加速度越来越小，将应用拆成互不相干的几个应用，以提升效率。</a:t>
-            </a:r>
-          </a:p>
-          <a:p>
-            <a:pPr lvl="1"/>
-            <a:r>
-              <a:rPr lang="zh-CN" altLang="en-US" sz="1200" b="0" i="0" kern="1200" dirty="0" smtClean="0">
-                <a:solidFill>
-                  <a:schemeClr val="tx1"/>
-                </a:solidFill>
-                <a:effectLst/>
-                <a:latin typeface="+mn-lt"/>
-                <a:ea typeface="+mn-ea"/>
-                <a:cs typeface="+mn-cs"/>
-              </a:rPr>
-              <a:t>此时，用于加速前端页面开发的 </a:t>
-            </a:r>
-            <a:r>
-              <a:rPr lang="en-US" altLang="zh-CN" sz="1200" b="1" i="0" kern="1200" dirty="0" smtClean="0">
-                <a:solidFill>
-                  <a:schemeClr val="tx1"/>
-                </a:solidFill>
-                <a:effectLst/>
-                <a:latin typeface="+mn-lt"/>
-                <a:ea typeface="+mn-ea"/>
-                <a:cs typeface="+mn-cs"/>
-              </a:rPr>
-              <a:t>Web</a:t>
-            </a:r>
-            <a:r>
-              <a:rPr lang="zh-CN" altLang="en-US" sz="1200" b="1" i="0" kern="1200" dirty="0" smtClean="0">
-                <a:solidFill>
-                  <a:schemeClr val="tx1"/>
-                </a:solidFill>
-                <a:effectLst/>
-                <a:latin typeface="+mn-lt"/>
-                <a:ea typeface="+mn-ea"/>
-                <a:cs typeface="+mn-cs"/>
-              </a:rPr>
-              <a:t>框架</a:t>
-            </a:r>
-            <a:r>
-              <a:rPr lang="en-US" altLang="zh-CN" sz="1200" b="1" i="0" kern="1200" dirty="0" smtClean="0">
-                <a:solidFill>
-                  <a:schemeClr val="tx1"/>
-                </a:solidFill>
-                <a:effectLst/>
-                <a:latin typeface="+mn-lt"/>
-                <a:ea typeface="+mn-ea"/>
-                <a:cs typeface="+mn-cs"/>
-              </a:rPr>
-              <a:t>(MVC)</a:t>
-            </a:r>
-            <a:r>
-              <a:rPr lang="zh-CN" altLang="en-US" sz="1200" b="0" i="0" kern="1200" dirty="0" smtClean="0">
-                <a:solidFill>
-                  <a:schemeClr val="tx1"/>
-                </a:solidFill>
-                <a:effectLst/>
-                <a:latin typeface="+mn-lt"/>
-                <a:ea typeface="+mn-ea"/>
-                <a:cs typeface="+mn-cs"/>
-              </a:rPr>
-              <a:t> 是关键。</a:t>
-            </a:r>
-          </a:p>
-          <a:p>
-            <a:r>
-              <a:rPr lang="zh-CN" altLang="en-US" sz="1200" b="1" i="0" kern="1200" dirty="0" smtClean="0">
-                <a:solidFill>
-                  <a:schemeClr val="tx1"/>
-                </a:solidFill>
-                <a:effectLst/>
-                <a:latin typeface="+mn-lt"/>
-                <a:ea typeface="+mn-ea"/>
-                <a:cs typeface="+mn-cs"/>
-              </a:rPr>
-              <a:t>分布式服务架构</a:t>
-            </a:r>
-            <a:endParaRPr lang="zh-CN" altLang="en-US" sz="1200" b="0" i="0" kern="1200" dirty="0" smtClean="0">
-              <a:solidFill>
-                <a:schemeClr val="tx1"/>
-              </a:solidFill>
-              <a:effectLst/>
-              <a:latin typeface="+mn-lt"/>
-              <a:ea typeface="+mn-ea"/>
-              <a:cs typeface="+mn-cs"/>
-            </a:endParaRPr>
-          </a:p>
-          <a:p>
-            <a:pPr lvl="1"/>
-            <a:r>
-              <a:rPr lang="zh-CN" altLang="en-US" sz="1200" b="0" i="0" kern="1200" dirty="0" smtClean="0">
-                <a:solidFill>
-                  <a:schemeClr val="tx1"/>
-                </a:solidFill>
-                <a:effectLst/>
-                <a:latin typeface="+mn-lt"/>
-                <a:ea typeface="+mn-ea"/>
-                <a:cs typeface="+mn-cs"/>
-              </a:rPr>
-              <a:t>当垂直应用越来越多，应用之间交互不可避免，将核心业务抽取出来，作为独立的服务，逐渐形成稳定的服务中心，使前端应用能更快速的响应多变的市场需求。</a:t>
-            </a:r>
-          </a:p>
-          <a:p>
-            <a:pPr lvl="1"/>
-            <a:r>
-              <a:rPr lang="zh-CN" altLang="en-US" sz="1200" b="0" i="0" kern="1200" dirty="0" smtClean="0">
-                <a:solidFill>
-                  <a:schemeClr val="tx1"/>
-                </a:solidFill>
-                <a:effectLst/>
-                <a:latin typeface="+mn-lt"/>
-                <a:ea typeface="+mn-ea"/>
-                <a:cs typeface="+mn-cs"/>
-              </a:rPr>
-              <a:t>此时，用于提高业务复用及整合的 </a:t>
-            </a:r>
-            <a:r>
-              <a:rPr lang="zh-CN" altLang="en-US" sz="1200" b="1" i="0" kern="1200" dirty="0" smtClean="0">
-                <a:solidFill>
-                  <a:schemeClr val="tx1"/>
-                </a:solidFill>
-                <a:effectLst/>
-                <a:latin typeface="+mn-lt"/>
-                <a:ea typeface="+mn-ea"/>
-                <a:cs typeface="+mn-cs"/>
-              </a:rPr>
-              <a:t>分布式服务框架</a:t>
-            </a:r>
-            <a:r>
-              <a:rPr lang="en-US" altLang="zh-CN" sz="1200" b="1" i="0" kern="1200" dirty="0" smtClean="0">
-                <a:solidFill>
-                  <a:schemeClr val="tx1"/>
-                </a:solidFill>
-                <a:effectLst/>
-                <a:latin typeface="+mn-lt"/>
-                <a:ea typeface="+mn-ea"/>
-                <a:cs typeface="+mn-cs"/>
-              </a:rPr>
-              <a:t>(RPC)</a:t>
-            </a:r>
-            <a:r>
-              <a:rPr lang="zh-CN" altLang="en-US" sz="1200" b="0" i="0" kern="1200" dirty="0" smtClean="0">
-                <a:solidFill>
-                  <a:schemeClr val="tx1"/>
-                </a:solidFill>
-                <a:effectLst/>
-                <a:latin typeface="+mn-lt"/>
-                <a:ea typeface="+mn-ea"/>
-                <a:cs typeface="+mn-cs"/>
-              </a:rPr>
-              <a:t> 是关键。</a:t>
-            </a:r>
-          </a:p>
-          <a:p>
-            <a:r>
-              <a:rPr lang="zh-CN" altLang="en-US" sz="1200" b="1" i="0" kern="1200" dirty="0" smtClean="0">
-                <a:solidFill>
-                  <a:schemeClr val="tx1"/>
-                </a:solidFill>
-                <a:effectLst/>
-                <a:latin typeface="+mn-lt"/>
-                <a:ea typeface="+mn-ea"/>
-                <a:cs typeface="+mn-cs"/>
-              </a:rPr>
-              <a:t>流动计算架构</a:t>
-            </a:r>
-            <a:endParaRPr lang="zh-CN" altLang="en-US" sz="1200" b="0" i="0" kern="1200" dirty="0" smtClean="0">
-              <a:solidFill>
-                <a:schemeClr val="tx1"/>
-              </a:solidFill>
-              <a:effectLst/>
-              <a:latin typeface="+mn-lt"/>
-              <a:ea typeface="+mn-ea"/>
-              <a:cs typeface="+mn-cs"/>
-            </a:endParaRPr>
-          </a:p>
-          <a:p>
-            <a:pPr lvl="1"/>
-            <a:r>
-              <a:rPr lang="zh-CN" altLang="en-US" sz="1200" b="0" i="0" kern="1200" dirty="0" smtClean="0">
-                <a:solidFill>
-                  <a:schemeClr val="tx1"/>
-                </a:solidFill>
-                <a:effectLst/>
-                <a:latin typeface="+mn-lt"/>
-                <a:ea typeface="+mn-ea"/>
-                <a:cs typeface="+mn-cs"/>
-              </a:rPr>
-              <a:t>当服务越来越多，容量的评估，小服务资源的浪费等问题逐渐显现，此时需增加一个调度中心基于访问压力实时管理集群容量，提高集群利用率。</a:t>
-            </a:r>
-          </a:p>
-          <a:p>
-            <a:pPr lvl="1"/>
-            <a:r>
-              <a:rPr lang="zh-CN" altLang="en-US" sz="1200" b="0" i="0" kern="1200" dirty="0" smtClean="0">
-                <a:solidFill>
-                  <a:schemeClr val="tx1"/>
-                </a:solidFill>
-                <a:effectLst/>
-                <a:latin typeface="+mn-lt"/>
-                <a:ea typeface="+mn-ea"/>
-                <a:cs typeface="+mn-cs"/>
-              </a:rPr>
-              <a:t>此时，用于提高机器利用率的 </a:t>
-            </a:r>
-            <a:r>
-              <a:rPr lang="zh-CN" altLang="en-US" sz="1200" b="1" i="0" kern="1200" dirty="0" smtClean="0">
-                <a:solidFill>
-                  <a:schemeClr val="tx1"/>
-                </a:solidFill>
-                <a:effectLst/>
-                <a:latin typeface="+mn-lt"/>
-                <a:ea typeface="+mn-ea"/>
-                <a:cs typeface="+mn-cs"/>
-              </a:rPr>
-              <a:t>资源调度和治理中心</a:t>
-            </a:r>
-            <a:r>
-              <a:rPr lang="en-US" altLang="zh-CN" sz="1200" b="1" i="0" kern="1200" dirty="0" smtClean="0">
-                <a:solidFill>
-                  <a:schemeClr val="tx1"/>
-                </a:solidFill>
-                <a:effectLst/>
-                <a:latin typeface="+mn-lt"/>
-                <a:ea typeface="+mn-ea"/>
-                <a:cs typeface="+mn-cs"/>
-              </a:rPr>
-              <a:t>(SOA)</a:t>
-            </a:r>
-            <a:r>
-              <a:rPr lang="zh-CN" altLang="en-US" sz="1200" b="0" i="0" kern="1200" dirty="0" smtClean="0">
-                <a:solidFill>
-                  <a:schemeClr val="tx1"/>
-                </a:solidFill>
-                <a:effectLst/>
-                <a:latin typeface="+mn-lt"/>
-                <a:ea typeface="+mn-ea"/>
-                <a:cs typeface="+mn-cs"/>
-              </a:rPr>
-              <a:t> 是关键。</a:t>
-            </a:r>
-          </a:p>
-          <a:p>
             <a:endParaRPr lang="zh-CN" altLang="en-US" dirty="0"/>
           </a:p>
         </p:txBody>
@@ -1173,374 +810,6 @@
           <a:bodyPr/>
           <a:lstStyle/>
           <a:p>
-            <a:r>
-              <a:rPr lang="zh-CN" altLang="en-US" sz="1200" b="1" i="0" kern="1200" dirty="0" smtClean="0">
-                <a:solidFill>
-                  <a:schemeClr val="tx1"/>
-                </a:solidFill>
-                <a:effectLst/>
-                <a:latin typeface="+mn-lt"/>
-                <a:ea typeface="+mn-ea"/>
-                <a:cs typeface="+mn-cs"/>
-              </a:rPr>
-              <a:t>单一应用架构</a:t>
-            </a:r>
-            <a:endParaRPr lang="zh-CN" altLang="en-US" sz="1200" b="0" i="0" kern="1200" dirty="0" smtClean="0">
-              <a:solidFill>
-                <a:schemeClr val="tx1"/>
-              </a:solidFill>
-              <a:effectLst/>
-              <a:latin typeface="+mn-lt"/>
-              <a:ea typeface="+mn-ea"/>
-              <a:cs typeface="+mn-cs"/>
-            </a:endParaRPr>
-          </a:p>
-          <a:p>
-            <a:pPr lvl="1"/>
-            <a:r>
-              <a:rPr lang="zh-CN" altLang="en-US" sz="1200" b="0" i="0" kern="1200" dirty="0" smtClean="0">
-                <a:solidFill>
-                  <a:schemeClr val="tx1"/>
-                </a:solidFill>
-                <a:effectLst/>
-                <a:latin typeface="+mn-lt"/>
-                <a:ea typeface="+mn-ea"/>
-                <a:cs typeface="+mn-cs"/>
-              </a:rPr>
-              <a:t>当网站流量很小时，只需一个应用，将所有功能都部署在一起，以减少部署节点和成本。</a:t>
-            </a:r>
-          </a:p>
-          <a:p>
-            <a:pPr lvl="1"/>
-            <a:r>
-              <a:rPr lang="zh-CN" altLang="en-US" sz="1200" b="0" i="0" kern="1200" dirty="0" smtClean="0">
-                <a:solidFill>
-                  <a:schemeClr val="tx1"/>
-                </a:solidFill>
-                <a:effectLst/>
-                <a:latin typeface="+mn-lt"/>
-                <a:ea typeface="+mn-ea"/>
-                <a:cs typeface="+mn-cs"/>
-              </a:rPr>
-              <a:t>此时，用于简化增删改查工作量的 </a:t>
-            </a:r>
-            <a:r>
-              <a:rPr lang="zh-CN" altLang="en-US" sz="1200" b="1" i="0" kern="1200" dirty="0" smtClean="0">
-                <a:solidFill>
-                  <a:schemeClr val="tx1"/>
-                </a:solidFill>
-                <a:effectLst/>
-                <a:latin typeface="+mn-lt"/>
-                <a:ea typeface="+mn-ea"/>
-                <a:cs typeface="+mn-cs"/>
-              </a:rPr>
-              <a:t>数据访问框架</a:t>
-            </a:r>
-            <a:r>
-              <a:rPr lang="en-US" altLang="zh-CN" sz="1200" b="1" i="0" kern="1200" dirty="0" smtClean="0">
-                <a:solidFill>
-                  <a:schemeClr val="tx1"/>
-                </a:solidFill>
-                <a:effectLst/>
-                <a:latin typeface="+mn-lt"/>
-                <a:ea typeface="+mn-ea"/>
-                <a:cs typeface="+mn-cs"/>
-              </a:rPr>
-              <a:t>(ORM)</a:t>
-            </a:r>
-            <a:r>
-              <a:rPr lang="zh-CN" altLang="en-US" sz="1200" b="0" i="0" kern="1200" dirty="0" smtClean="0">
-                <a:solidFill>
-                  <a:schemeClr val="tx1"/>
-                </a:solidFill>
-                <a:effectLst/>
-                <a:latin typeface="+mn-lt"/>
-                <a:ea typeface="+mn-ea"/>
-                <a:cs typeface="+mn-cs"/>
-              </a:rPr>
-              <a:t> 是关键。</a:t>
-            </a:r>
-          </a:p>
-          <a:p>
-            <a:r>
-              <a:rPr lang="zh-CN" altLang="en-US" sz="1200" b="1" i="0" kern="1200" dirty="0" smtClean="0">
-                <a:solidFill>
-                  <a:schemeClr val="tx1"/>
-                </a:solidFill>
-                <a:effectLst/>
-                <a:latin typeface="+mn-lt"/>
-                <a:ea typeface="+mn-ea"/>
-                <a:cs typeface="+mn-cs"/>
-              </a:rPr>
-              <a:t>垂直应用架构</a:t>
-            </a:r>
-            <a:endParaRPr lang="zh-CN" altLang="en-US" sz="1200" b="0" i="0" kern="1200" dirty="0" smtClean="0">
-              <a:solidFill>
-                <a:schemeClr val="tx1"/>
-              </a:solidFill>
-              <a:effectLst/>
-              <a:latin typeface="+mn-lt"/>
-              <a:ea typeface="+mn-ea"/>
-              <a:cs typeface="+mn-cs"/>
-            </a:endParaRPr>
-          </a:p>
-          <a:p>
-            <a:pPr lvl="1"/>
-            <a:r>
-              <a:rPr lang="zh-CN" altLang="en-US" sz="1200" b="0" i="0" kern="1200" dirty="0" smtClean="0">
-                <a:solidFill>
-                  <a:schemeClr val="tx1"/>
-                </a:solidFill>
-                <a:effectLst/>
-                <a:latin typeface="+mn-lt"/>
-                <a:ea typeface="+mn-ea"/>
-                <a:cs typeface="+mn-cs"/>
-              </a:rPr>
-              <a:t>当访问量逐渐增大，单一应用增加机器带来的加速度越来越小，将应用拆成互不相干的几个应用，以提升效率。</a:t>
-            </a:r>
-          </a:p>
-          <a:p>
-            <a:pPr lvl="1"/>
-            <a:r>
-              <a:rPr lang="zh-CN" altLang="en-US" sz="1200" b="0" i="0" kern="1200" dirty="0" smtClean="0">
-                <a:solidFill>
-                  <a:schemeClr val="tx1"/>
-                </a:solidFill>
-                <a:effectLst/>
-                <a:latin typeface="+mn-lt"/>
-                <a:ea typeface="+mn-ea"/>
-                <a:cs typeface="+mn-cs"/>
-              </a:rPr>
-              <a:t>此时，用于加速前端页面开发的 </a:t>
-            </a:r>
-            <a:r>
-              <a:rPr lang="en-US" altLang="zh-CN" sz="1200" b="1" i="0" kern="1200" dirty="0" smtClean="0">
-                <a:solidFill>
-                  <a:schemeClr val="tx1"/>
-                </a:solidFill>
-                <a:effectLst/>
-                <a:latin typeface="+mn-lt"/>
-                <a:ea typeface="+mn-ea"/>
-                <a:cs typeface="+mn-cs"/>
-              </a:rPr>
-              <a:t>Web</a:t>
-            </a:r>
-            <a:r>
-              <a:rPr lang="zh-CN" altLang="en-US" sz="1200" b="1" i="0" kern="1200" dirty="0" smtClean="0">
-                <a:solidFill>
-                  <a:schemeClr val="tx1"/>
-                </a:solidFill>
-                <a:effectLst/>
-                <a:latin typeface="+mn-lt"/>
-                <a:ea typeface="+mn-ea"/>
-                <a:cs typeface="+mn-cs"/>
-              </a:rPr>
-              <a:t>框架</a:t>
-            </a:r>
-            <a:r>
-              <a:rPr lang="en-US" altLang="zh-CN" sz="1200" b="1" i="0" kern="1200" dirty="0" smtClean="0">
-                <a:solidFill>
-                  <a:schemeClr val="tx1"/>
-                </a:solidFill>
-                <a:effectLst/>
-                <a:latin typeface="+mn-lt"/>
-                <a:ea typeface="+mn-ea"/>
-                <a:cs typeface="+mn-cs"/>
-              </a:rPr>
-              <a:t>(MVC)</a:t>
-            </a:r>
-            <a:r>
-              <a:rPr lang="zh-CN" altLang="en-US" sz="1200" b="0" i="0" kern="1200" dirty="0" smtClean="0">
-                <a:solidFill>
-                  <a:schemeClr val="tx1"/>
-                </a:solidFill>
-                <a:effectLst/>
-                <a:latin typeface="+mn-lt"/>
-                <a:ea typeface="+mn-ea"/>
-                <a:cs typeface="+mn-cs"/>
-              </a:rPr>
-              <a:t> 是关键。</a:t>
-            </a:r>
-          </a:p>
-          <a:p>
-            <a:r>
-              <a:rPr lang="zh-CN" altLang="en-US" sz="1200" b="1" i="0" kern="1200" dirty="0" smtClean="0">
-                <a:solidFill>
-                  <a:schemeClr val="tx1"/>
-                </a:solidFill>
-                <a:effectLst/>
-                <a:latin typeface="+mn-lt"/>
-                <a:ea typeface="+mn-ea"/>
-                <a:cs typeface="+mn-cs"/>
-              </a:rPr>
-              <a:t>分布式服务架构</a:t>
-            </a:r>
-            <a:endParaRPr lang="zh-CN" altLang="en-US" sz="1200" b="0" i="0" kern="1200" dirty="0" smtClean="0">
-              <a:solidFill>
-                <a:schemeClr val="tx1"/>
-              </a:solidFill>
-              <a:effectLst/>
-              <a:latin typeface="+mn-lt"/>
-              <a:ea typeface="+mn-ea"/>
-              <a:cs typeface="+mn-cs"/>
-            </a:endParaRPr>
-          </a:p>
-          <a:p>
-            <a:pPr lvl="1"/>
-            <a:r>
-              <a:rPr lang="zh-CN" altLang="en-US" sz="1200" b="0" i="0" kern="1200" dirty="0" smtClean="0">
-                <a:solidFill>
-                  <a:schemeClr val="tx1"/>
-                </a:solidFill>
-                <a:effectLst/>
-                <a:latin typeface="+mn-lt"/>
-                <a:ea typeface="+mn-ea"/>
-                <a:cs typeface="+mn-cs"/>
-              </a:rPr>
-              <a:t>当垂直应用越来越多，应用之间交互不可避免，将核心业务抽取出来，作为独立的服务，逐渐形成稳定的服务中心，使前端应用能更快速的响应多变的市场需求。</a:t>
-            </a:r>
-          </a:p>
-          <a:p>
-            <a:pPr lvl="1"/>
-            <a:r>
-              <a:rPr lang="zh-CN" altLang="en-US" sz="1200" b="0" i="0" kern="1200" dirty="0" smtClean="0">
-                <a:solidFill>
-                  <a:schemeClr val="tx1"/>
-                </a:solidFill>
-                <a:effectLst/>
-                <a:latin typeface="+mn-lt"/>
-                <a:ea typeface="+mn-ea"/>
-                <a:cs typeface="+mn-cs"/>
-              </a:rPr>
-              <a:t>此时，用于提高业务复用及整合的 </a:t>
-            </a:r>
-            <a:r>
-              <a:rPr lang="zh-CN" altLang="en-US" sz="1200" b="1" i="0" kern="1200" dirty="0" smtClean="0">
-                <a:solidFill>
-                  <a:schemeClr val="tx1"/>
-                </a:solidFill>
-                <a:effectLst/>
-                <a:latin typeface="+mn-lt"/>
-                <a:ea typeface="+mn-ea"/>
-                <a:cs typeface="+mn-cs"/>
-              </a:rPr>
-              <a:t>分布式服务框架</a:t>
-            </a:r>
-            <a:r>
-              <a:rPr lang="en-US" altLang="zh-CN" sz="1200" b="1" i="0" kern="1200" dirty="0" smtClean="0">
-                <a:solidFill>
-                  <a:schemeClr val="tx1"/>
-                </a:solidFill>
-                <a:effectLst/>
-                <a:latin typeface="+mn-lt"/>
-                <a:ea typeface="+mn-ea"/>
-                <a:cs typeface="+mn-cs"/>
-              </a:rPr>
-              <a:t>(RPC)</a:t>
-            </a:r>
-            <a:r>
-              <a:rPr lang="zh-CN" altLang="en-US" sz="1200" b="0" i="0" kern="1200" dirty="0" smtClean="0">
-                <a:solidFill>
-                  <a:schemeClr val="tx1"/>
-                </a:solidFill>
-                <a:effectLst/>
-                <a:latin typeface="+mn-lt"/>
-                <a:ea typeface="+mn-ea"/>
-                <a:cs typeface="+mn-cs"/>
-              </a:rPr>
-              <a:t> 是关键。</a:t>
-            </a:r>
-          </a:p>
-          <a:p>
-            <a:r>
-              <a:rPr lang="zh-CN" altLang="en-US" sz="1200" b="1" i="0" kern="1200" dirty="0" smtClean="0">
-                <a:solidFill>
-                  <a:schemeClr val="tx1"/>
-                </a:solidFill>
-                <a:effectLst/>
-                <a:latin typeface="+mn-lt"/>
-                <a:ea typeface="+mn-ea"/>
-                <a:cs typeface="+mn-cs"/>
-              </a:rPr>
-              <a:t>流动计算架构</a:t>
-            </a:r>
-            <a:endParaRPr lang="zh-CN" altLang="en-US" sz="1200" b="0" i="0" kern="1200" dirty="0" smtClean="0">
-              <a:solidFill>
-                <a:schemeClr val="tx1"/>
-              </a:solidFill>
-              <a:effectLst/>
-              <a:latin typeface="+mn-lt"/>
-              <a:ea typeface="+mn-ea"/>
-              <a:cs typeface="+mn-cs"/>
-            </a:endParaRPr>
-          </a:p>
-          <a:p>
-            <a:pPr lvl="1"/>
-            <a:r>
-              <a:rPr lang="zh-CN" altLang="en-US" sz="1200" b="0" i="0" kern="1200" dirty="0" smtClean="0">
-                <a:solidFill>
-                  <a:schemeClr val="tx1"/>
-                </a:solidFill>
-                <a:effectLst/>
-                <a:latin typeface="+mn-lt"/>
-                <a:ea typeface="+mn-ea"/>
-                <a:cs typeface="+mn-cs"/>
-              </a:rPr>
-              <a:t>当服务越来越多，容量的评估，小服务资源的浪费等问题逐渐显现，此时需增加一个调度中心基于访问压力实时管理集群容量，提高集群利用率。</a:t>
-            </a:r>
-          </a:p>
-          <a:p>
-            <a:pPr lvl="1"/>
-            <a:r>
-              <a:rPr lang="zh-CN" altLang="en-US" sz="1200" b="0" i="0" kern="1200" dirty="0" smtClean="0">
-                <a:solidFill>
-                  <a:schemeClr val="tx1"/>
-                </a:solidFill>
-                <a:effectLst/>
-                <a:latin typeface="+mn-lt"/>
-                <a:ea typeface="+mn-ea"/>
-                <a:cs typeface="+mn-cs"/>
-              </a:rPr>
-              <a:t>此时，用于提高机器利用率的 </a:t>
-            </a:r>
-            <a:r>
-              <a:rPr lang="zh-CN" altLang="en-US" sz="1200" b="1" i="0" kern="1200" dirty="0" smtClean="0">
-                <a:solidFill>
-                  <a:schemeClr val="tx1"/>
-                </a:solidFill>
-                <a:effectLst/>
-                <a:latin typeface="+mn-lt"/>
-                <a:ea typeface="+mn-ea"/>
-                <a:cs typeface="+mn-cs"/>
-              </a:rPr>
-              <a:t>资源调度和治理中心</a:t>
-            </a:r>
-            <a:r>
-              <a:rPr lang="en-US" altLang="zh-CN" sz="1200" b="1" i="0" kern="1200" dirty="0" smtClean="0">
-                <a:solidFill>
-                  <a:schemeClr val="tx1"/>
-                </a:solidFill>
-                <a:effectLst/>
-                <a:latin typeface="+mn-lt"/>
-                <a:ea typeface="+mn-ea"/>
-                <a:cs typeface="+mn-cs"/>
-              </a:rPr>
-              <a:t>(SOA)</a:t>
-            </a:r>
-            <a:r>
-              <a:rPr lang="zh-CN" altLang="en-US" sz="1200" b="0" i="0" kern="1200" dirty="0" smtClean="0">
-                <a:solidFill>
-                  <a:schemeClr val="tx1"/>
-                </a:solidFill>
-                <a:effectLst/>
-                <a:latin typeface="+mn-lt"/>
-                <a:ea typeface="+mn-ea"/>
-                <a:cs typeface="+mn-cs"/>
-              </a:rPr>
-              <a:t> 是关键。</a:t>
-            </a:r>
-          </a:p>
-          <a:p>
             <a:endParaRPr lang="zh-CN" altLang="en-US" dirty="0"/>
           </a:p>
         </p:txBody>
@@ -1625,374 +894,6 @@
           <a:bodyPr/>
           <a:lstStyle/>
           <a:p>
-            <a:r>
-              <a:rPr lang="zh-CN" altLang="en-US" sz="1200" b="1" i="0" kern="1200" dirty="0" smtClean="0">
-                <a:solidFill>
-                  <a:schemeClr val="tx1"/>
-                </a:solidFill>
-                <a:effectLst/>
-                <a:latin typeface="+mn-lt"/>
-                <a:ea typeface="+mn-ea"/>
-                <a:cs typeface="+mn-cs"/>
-              </a:rPr>
-              <a:t>单一应用架构</a:t>
-            </a:r>
-            <a:endParaRPr lang="zh-CN" altLang="en-US" sz="1200" b="0" i="0" kern="1200" dirty="0" smtClean="0">
-              <a:solidFill>
-                <a:schemeClr val="tx1"/>
-              </a:solidFill>
-              <a:effectLst/>
-              <a:latin typeface="+mn-lt"/>
-              <a:ea typeface="+mn-ea"/>
-              <a:cs typeface="+mn-cs"/>
-            </a:endParaRPr>
-          </a:p>
-          <a:p>
-            <a:pPr lvl="1"/>
-            <a:r>
-              <a:rPr lang="zh-CN" altLang="en-US" sz="1200" b="0" i="0" kern="1200" dirty="0" smtClean="0">
-                <a:solidFill>
-                  <a:schemeClr val="tx1"/>
-                </a:solidFill>
-                <a:effectLst/>
-                <a:latin typeface="+mn-lt"/>
-                <a:ea typeface="+mn-ea"/>
-                <a:cs typeface="+mn-cs"/>
-              </a:rPr>
-              <a:t>当网站流量很小时，只需一个应用，将所有功能都部署在一起，以减少部署节点和成本。</a:t>
-            </a:r>
-          </a:p>
-          <a:p>
-            <a:pPr lvl="1"/>
-            <a:r>
-              <a:rPr lang="zh-CN" altLang="en-US" sz="1200" b="0" i="0" kern="1200" dirty="0" smtClean="0">
-                <a:solidFill>
-                  <a:schemeClr val="tx1"/>
-                </a:solidFill>
-                <a:effectLst/>
-                <a:latin typeface="+mn-lt"/>
-                <a:ea typeface="+mn-ea"/>
-                <a:cs typeface="+mn-cs"/>
-              </a:rPr>
-              <a:t>此时，用于简化增删改查工作量的 </a:t>
-            </a:r>
-            <a:r>
-              <a:rPr lang="zh-CN" altLang="en-US" sz="1200" b="1" i="0" kern="1200" dirty="0" smtClean="0">
-                <a:solidFill>
-                  <a:schemeClr val="tx1"/>
-                </a:solidFill>
-                <a:effectLst/>
-                <a:latin typeface="+mn-lt"/>
-                <a:ea typeface="+mn-ea"/>
-                <a:cs typeface="+mn-cs"/>
-              </a:rPr>
-              <a:t>数据访问框架</a:t>
-            </a:r>
-            <a:r>
-              <a:rPr lang="en-US" altLang="zh-CN" sz="1200" b="1" i="0" kern="1200" dirty="0" smtClean="0">
-                <a:solidFill>
-                  <a:schemeClr val="tx1"/>
-                </a:solidFill>
-                <a:effectLst/>
-                <a:latin typeface="+mn-lt"/>
-                <a:ea typeface="+mn-ea"/>
-                <a:cs typeface="+mn-cs"/>
-              </a:rPr>
-              <a:t>(ORM)</a:t>
-            </a:r>
-            <a:r>
-              <a:rPr lang="zh-CN" altLang="en-US" sz="1200" b="0" i="0" kern="1200" dirty="0" smtClean="0">
-                <a:solidFill>
-                  <a:schemeClr val="tx1"/>
-                </a:solidFill>
-                <a:effectLst/>
-                <a:latin typeface="+mn-lt"/>
-                <a:ea typeface="+mn-ea"/>
-                <a:cs typeface="+mn-cs"/>
-              </a:rPr>
-              <a:t> 是关键。</a:t>
-            </a:r>
-          </a:p>
-          <a:p>
-            <a:r>
-              <a:rPr lang="zh-CN" altLang="en-US" sz="1200" b="1" i="0" kern="1200" dirty="0" smtClean="0">
-                <a:solidFill>
-                  <a:schemeClr val="tx1"/>
-                </a:solidFill>
-                <a:effectLst/>
-                <a:latin typeface="+mn-lt"/>
-                <a:ea typeface="+mn-ea"/>
-                <a:cs typeface="+mn-cs"/>
-              </a:rPr>
-              <a:t>垂直应用架构</a:t>
-            </a:r>
-            <a:endParaRPr lang="zh-CN" altLang="en-US" sz="1200" b="0" i="0" kern="1200" dirty="0" smtClean="0">
-              <a:solidFill>
-                <a:schemeClr val="tx1"/>
-              </a:solidFill>
-              <a:effectLst/>
-              <a:latin typeface="+mn-lt"/>
-              <a:ea typeface="+mn-ea"/>
-              <a:cs typeface="+mn-cs"/>
-            </a:endParaRPr>
-          </a:p>
-          <a:p>
-            <a:pPr lvl="1"/>
-            <a:r>
-              <a:rPr lang="zh-CN" altLang="en-US" sz="1200" b="0" i="0" kern="1200" dirty="0" smtClean="0">
-                <a:solidFill>
-                  <a:schemeClr val="tx1"/>
-                </a:solidFill>
-                <a:effectLst/>
-                <a:latin typeface="+mn-lt"/>
-                <a:ea typeface="+mn-ea"/>
-                <a:cs typeface="+mn-cs"/>
-              </a:rPr>
-              <a:t>当访问量逐渐增大，单一应用增加机器带来的加速度越来越小，将应用拆成互不相干的几个应用，以提升效率。</a:t>
-            </a:r>
-          </a:p>
-          <a:p>
-            <a:pPr lvl="1"/>
-            <a:r>
-              <a:rPr lang="zh-CN" altLang="en-US" sz="1200" b="0" i="0" kern="1200" dirty="0" smtClean="0">
-                <a:solidFill>
-                  <a:schemeClr val="tx1"/>
-                </a:solidFill>
-                <a:effectLst/>
-                <a:latin typeface="+mn-lt"/>
-                <a:ea typeface="+mn-ea"/>
-                <a:cs typeface="+mn-cs"/>
-              </a:rPr>
-              <a:t>此时，用于加速前端页面开发的 </a:t>
-            </a:r>
-            <a:r>
-              <a:rPr lang="en-US" altLang="zh-CN" sz="1200" b="1" i="0" kern="1200" dirty="0" smtClean="0">
-                <a:solidFill>
-                  <a:schemeClr val="tx1"/>
-                </a:solidFill>
-                <a:effectLst/>
-                <a:latin typeface="+mn-lt"/>
-                <a:ea typeface="+mn-ea"/>
-                <a:cs typeface="+mn-cs"/>
-              </a:rPr>
-              <a:t>Web</a:t>
-            </a:r>
-            <a:r>
-              <a:rPr lang="zh-CN" altLang="en-US" sz="1200" b="1" i="0" kern="1200" dirty="0" smtClean="0">
-                <a:solidFill>
-                  <a:schemeClr val="tx1"/>
-                </a:solidFill>
-                <a:effectLst/>
-                <a:latin typeface="+mn-lt"/>
-                <a:ea typeface="+mn-ea"/>
-                <a:cs typeface="+mn-cs"/>
-              </a:rPr>
-              <a:t>框架</a:t>
-            </a:r>
-            <a:r>
-              <a:rPr lang="en-US" altLang="zh-CN" sz="1200" b="1" i="0" kern="1200" dirty="0" smtClean="0">
-                <a:solidFill>
-                  <a:schemeClr val="tx1"/>
-                </a:solidFill>
-                <a:effectLst/>
-                <a:latin typeface="+mn-lt"/>
-                <a:ea typeface="+mn-ea"/>
-                <a:cs typeface="+mn-cs"/>
-              </a:rPr>
-              <a:t>(MVC)</a:t>
-            </a:r>
-            <a:r>
-              <a:rPr lang="zh-CN" altLang="en-US" sz="1200" b="0" i="0" kern="1200" dirty="0" smtClean="0">
-                <a:solidFill>
-                  <a:schemeClr val="tx1"/>
-                </a:solidFill>
-                <a:effectLst/>
-                <a:latin typeface="+mn-lt"/>
-                <a:ea typeface="+mn-ea"/>
-                <a:cs typeface="+mn-cs"/>
-              </a:rPr>
-              <a:t> 是关键。</a:t>
-            </a:r>
-          </a:p>
-          <a:p>
-            <a:r>
-              <a:rPr lang="zh-CN" altLang="en-US" sz="1200" b="1" i="0" kern="1200" dirty="0" smtClean="0">
-                <a:solidFill>
-                  <a:schemeClr val="tx1"/>
-                </a:solidFill>
-                <a:effectLst/>
-                <a:latin typeface="+mn-lt"/>
-                <a:ea typeface="+mn-ea"/>
-                <a:cs typeface="+mn-cs"/>
-              </a:rPr>
-              <a:t>分布式服务架构</a:t>
-            </a:r>
-            <a:endParaRPr lang="zh-CN" altLang="en-US" sz="1200" b="0" i="0" kern="1200" dirty="0" smtClean="0">
-              <a:solidFill>
-                <a:schemeClr val="tx1"/>
-              </a:solidFill>
-              <a:effectLst/>
-              <a:latin typeface="+mn-lt"/>
-              <a:ea typeface="+mn-ea"/>
-              <a:cs typeface="+mn-cs"/>
-            </a:endParaRPr>
-          </a:p>
-          <a:p>
-            <a:pPr lvl="1"/>
-            <a:r>
-              <a:rPr lang="zh-CN" altLang="en-US" sz="1200" b="0" i="0" kern="1200" dirty="0" smtClean="0">
-                <a:solidFill>
-                  <a:schemeClr val="tx1"/>
-                </a:solidFill>
-                <a:effectLst/>
-                <a:latin typeface="+mn-lt"/>
-                <a:ea typeface="+mn-ea"/>
-                <a:cs typeface="+mn-cs"/>
-              </a:rPr>
-              <a:t>当垂直应用越来越多，应用之间交互不可避免，将核心业务抽取出来，作为独立的服务，逐渐形成稳定的服务中心，使前端应用能更快速的响应多变的市场需求。</a:t>
-            </a:r>
-          </a:p>
-          <a:p>
-            <a:pPr lvl="1"/>
-            <a:r>
-              <a:rPr lang="zh-CN" altLang="en-US" sz="1200" b="0" i="0" kern="1200" dirty="0" smtClean="0">
-                <a:solidFill>
-                  <a:schemeClr val="tx1"/>
-                </a:solidFill>
-                <a:effectLst/>
-                <a:latin typeface="+mn-lt"/>
-                <a:ea typeface="+mn-ea"/>
-                <a:cs typeface="+mn-cs"/>
-              </a:rPr>
-              <a:t>此时，用于提高业务复用及整合的 </a:t>
-            </a:r>
-            <a:r>
-              <a:rPr lang="zh-CN" altLang="en-US" sz="1200" b="1" i="0" kern="1200" dirty="0" smtClean="0">
-                <a:solidFill>
-                  <a:schemeClr val="tx1"/>
-                </a:solidFill>
-                <a:effectLst/>
-                <a:latin typeface="+mn-lt"/>
-                <a:ea typeface="+mn-ea"/>
-                <a:cs typeface="+mn-cs"/>
-              </a:rPr>
-              <a:t>分布式服务框架</a:t>
-            </a:r>
-            <a:r>
-              <a:rPr lang="en-US" altLang="zh-CN" sz="1200" b="1" i="0" kern="1200" dirty="0" smtClean="0">
-                <a:solidFill>
-                  <a:schemeClr val="tx1"/>
-                </a:solidFill>
-                <a:effectLst/>
-                <a:latin typeface="+mn-lt"/>
-                <a:ea typeface="+mn-ea"/>
-                <a:cs typeface="+mn-cs"/>
-              </a:rPr>
-              <a:t>(RPC)</a:t>
-            </a:r>
-            <a:r>
-              <a:rPr lang="zh-CN" altLang="en-US" sz="1200" b="0" i="0" kern="1200" dirty="0" smtClean="0">
-                <a:solidFill>
-                  <a:schemeClr val="tx1"/>
-                </a:solidFill>
-                <a:effectLst/>
-                <a:latin typeface="+mn-lt"/>
-                <a:ea typeface="+mn-ea"/>
-                <a:cs typeface="+mn-cs"/>
-              </a:rPr>
-              <a:t> 是关键。</a:t>
-            </a:r>
-          </a:p>
-          <a:p>
-            <a:r>
-              <a:rPr lang="zh-CN" altLang="en-US" sz="1200" b="1" i="0" kern="1200" dirty="0" smtClean="0">
-                <a:solidFill>
-                  <a:schemeClr val="tx1"/>
-                </a:solidFill>
-                <a:effectLst/>
-                <a:latin typeface="+mn-lt"/>
-                <a:ea typeface="+mn-ea"/>
-                <a:cs typeface="+mn-cs"/>
-              </a:rPr>
-              <a:t>流动计算架构</a:t>
-            </a:r>
-            <a:endParaRPr lang="zh-CN" altLang="en-US" sz="1200" b="0" i="0" kern="1200" dirty="0" smtClean="0">
-              <a:solidFill>
-                <a:schemeClr val="tx1"/>
-              </a:solidFill>
-              <a:effectLst/>
-              <a:latin typeface="+mn-lt"/>
-              <a:ea typeface="+mn-ea"/>
-              <a:cs typeface="+mn-cs"/>
-            </a:endParaRPr>
-          </a:p>
-          <a:p>
-            <a:pPr lvl="1"/>
-            <a:r>
-              <a:rPr lang="zh-CN" altLang="en-US" sz="1200" b="0" i="0" kern="1200" dirty="0" smtClean="0">
-                <a:solidFill>
-                  <a:schemeClr val="tx1"/>
-                </a:solidFill>
-                <a:effectLst/>
-                <a:latin typeface="+mn-lt"/>
-                <a:ea typeface="+mn-ea"/>
-                <a:cs typeface="+mn-cs"/>
-              </a:rPr>
-              <a:t>当服务越来越多，容量的评估，小服务资源的浪费等问题逐渐显现，此时需增加一个调度中心基于访问压力实时管理集群容量，提高集群利用率。</a:t>
-            </a:r>
-          </a:p>
-          <a:p>
-            <a:pPr lvl="1"/>
-            <a:r>
-              <a:rPr lang="zh-CN" altLang="en-US" sz="1200" b="0" i="0" kern="1200" dirty="0" smtClean="0">
-                <a:solidFill>
-                  <a:schemeClr val="tx1"/>
-                </a:solidFill>
-                <a:effectLst/>
-                <a:latin typeface="+mn-lt"/>
-                <a:ea typeface="+mn-ea"/>
-                <a:cs typeface="+mn-cs"/>
-              </a:rPr>
-              <a:t>此时，用于提高机器利用率的 </a:t>
-            </a:r>
-            <a:r>
-              <a:rPr lang="zh-CN" altLang="en-US" sz="1200" b="1" i="0" kern="1200" dirty="0" smtClean="0">
-                <a:solidFill>
-                  <a:schemeClr val="tx1"/>
-                </a:solidFill>
-                <a:effectLst/>
-                <a:latin typeface="+mn-lt"/>
-                <a:ea typeface="+mn-ea"/>
-                <a:cs typeface="+mn-cs"/>
-              </a:rPr>
-              <a:t>资源调度和治理中心</a:t>
-            </a:r>
-            <a:r>
-              <a:rPr lang="en-US" altLang="zh-CN" sz="1200" b="1" i="0" kern="1200" dirty="0" smtClean="0">
-                <a:solidFill>
-                  <a:schemeClr val="tx1"/>
-                </a:solidFill>
-                <a:effectLst/>
-                <a:latin typeface="+mn-lt"/>
-                <a:ea typeface="+mn-ea"/>
-                <a:cs typeface="+mn-cs"/>
-              </a:rPr>
-              <a:t>(SOA)</a:t>
-            </a:r>
-            <a:r>
-              <a:rPr lang="zh-CN" altLang="en-US" sz="1200" b="0" i="0" kern="1200" dirty="0" smtClean="0">
-                <a:solidFill>
-                  <a:schemeClr val="tx1"/>
-                </a:solidFill>
-                <a:effectLst/>
-                <a:latin typeface="+mn-lt"/>
-                <a:ea typeface="+mn-ea"/>
-                <a:cs typeface="+mn-cs"/>
-              </a:rPr>
-              <a:t> 是关键。</a:t>
-            </a:r>
-          </a:p>
-          <a:p>
             <a:endParaRPr lang="zh-CN" altLang="en-US" dirty="0"/>
           </a:p>
         </p:txBody>
@@ -2077,372 +978,7 @@
           <a:bodyPr/>
           <a:lstStyle/>
           <a:p>
-            <a:r>
-              <a:rPr lang="zh-CN" altLang="en-US" sz="1200" b="1" i="0" kern="1200" dirty="0" smtClean="0">
-                <a:solidFill>
-                  <a:schemeClr val="tx1"/>
-                </a:solidFill>
-                <a:effectLst/>
-                <a:latin typeface="+mn-lt"/>
-                <a:ea typeface="+mn-ea"/>
-                <a:cs typeface="+mn-cs"/>
-              </a:rPr>
-              <a:t>单一应用架构</a:t>
-            </a:r>
-            <a:endParaRPr lang="zh-CN" altLang="en-US" sz="1200" b="0" i="0" kern="1200" dirty="0" smtClean="0">
-              <a:solidFill>
-                <a:schemeClr val="tx1"/>
-              </a:solidFill>
-              <a:effectLst/>
-              <a:latin typeface="+mn-lt"/>
-              <a:ea typeface="+mn-ea"/>
-              <a:cs typeface="+mn-cs"/>
-            </a:endParaRPr>
-          </a:p>
-          <a:p>
-            <a:pPr lvl="1"/>
-            <a:r>
-              <a:rPr lang="zh-CN" altLang="en-US" sz="1200" b="0" i="0" kern="1200" dirty="0" smtClean="0">
-                <a:solidFill>
-                  <a:schemeClr val="tx1"/>
-                </a:solidFill>
-                <a:effectLst/>
-                <a:latin typeface="+mn-lt"/>
-                <a:ea typeface="+mn-ea"/>
-                <a:cs typeface="+mn-cs"/>
-              </a:rPr>
-              <a:t>当网站流量很小时，只需一个应用，将所有功能都部署在一起，以减少部署节点和成本。</a:t>
-            </a:r>
-          </a:p>
-          <a:p>
-            <a:pPr lvl="1"/>
-            <a:r>
-              <a:rPr lang="zh-CN" altLang="en-US" sz="1200" b="0" i="0" kern="1200" dirty="0" smtClean="0">
-                <a:solidFill>
-                  <a:schemeClr val="tx1"/>
-                </a:solidFill>
-                <a:effectLst/>
-                <a:latin typeface="+mn-lt"/>
-                <a:ea typeface="+mn-ea"/>
-                <a:cs typeface="+mn-cs"/>
-              </a:rPr>
-              <a:t>此时，用于简化增删改查工作量的 </a:t>
-            </a:r>
-            <a:r>
-              <a:rPr lang="zh-CN" altLang="en-US" sz="1200" b="1" i="0" kern="1200" dirty="0" smtClean="0">
-                <a:solidFill>
-                  <a:schemeClr val="tx1"/>
-                </a:solidFill>
-                <a:effectLst/>
-                <a:latin typeface="+mn-lt"/>
-                <a:ea typeface="+mn-ea"/>
-                <a:cs typeface="+mn-cs"/>
-              </a:rPr>
-              <a:t>数据访问框架</a:t>
-            </a:r>
-            <a:r>
-              <a:rPr lang="en-US" altLang="zh-CN" sz="1200" b="1" i="0" kern="1200" dirty="0" smtClean="0">
-                <a:solidFill>
-                  <a:schemeClr val="tx1"/>
-                </a:solidFill>
-                <a:effectLst/>
-                <a:latin typeface="+mn-lt"/>
-                <a:ea typeface="+mn-ea"/>
-                <a:cs typeface="+mn-cs"/>
-              </a:rPr>
-              <a:t>(ORM)</a:t>
-            </a:r>
-            <a:r>
-              <a:rPr lang="zh-CN" altLang="en-US" sz="1200" b="0" i="0" kern="1200" dirty="0" smtClean="0">
-                <a:solidFill>
-                  <a:schemeClr val="tx1"/>
-                </a:solidFill>
-                <a:effectLst/>
-                <a:latin typeface="+mn-lt"/>
-                <a:ea typeface="+mn-ea"/>
-                <a:cs typeface="+mn-cs"/>
-              </a:rPr>
-              <a:t> 是关键。</a:t>
-            </a:r>
-          </a:p>
-          <a:p>
-            <a:r>
-              <a:rPr lang="zh-CN" altLang="en-US" sz="1200" b="1" i="0" kern="1200" dirty="0" smtClean="0">
-                <a:solidFill>
-                  <a:schemeClr val="tx1"/>
-                </a:solidFill>
-                <a:effectLst/>
-                <a:latin typeface="+mn-lt"/>
-                <a:ea typeface="+mn-ea"/>
-                <a:cs typeface="+mn-cs"/>
-              </a:rPr>
-              <a:t>垂直应用架构</a:t>
-            </a:r>
-            <a:endParaRPr lang="zh-CN" altLang="en-US" sz="1200" b="0" i="0" kern="1200" dirty="0" smtClean="0">
-              <a:solidFill>
-                <a:schemeClr val="tx1"/>
-              </a:solidFill>
-              <a:effectLst/>
-              <a:latin typeface="+mn-lt"/>
-              <a:ea typeface="+mn-ea"/>
-              <a:cs typeface="+mn-cs"/>
-            </a:endParaRPr>
-          </a:p>
-          <a:p>
-            <a:pPr lvl="1"/>
-            <a:r>
-              <a:rPr lang="zh-CN" altLang="en-US" sz="1200" b="0" i="0" kern="1200" dirty="0" smtClean="0">
-                <a:solidFill>
-                  <a:schemeClr val="tx1"/>
-                </a:solidFill>
-                <a:effectLst/>
-                <a:latin typeface="+mn-lt"/>
-                <a:ea typeface="+mn-ea"/>
-                <a:cs typeface="+mn-cs"/>
-              </a:rPr>
-              <a:t>当访问量逐渐增大，单一应用增加机器带来的加速度越来越小，将应用拆成互不相干的几个应用，以提升效率。</a:t>
-            </a:r>
-          </a:p>
-          <a:p>
-            <a:pPr lvl="1"/>
-            <a:r>
-              <a:rPr lang="zh-CN" altLang="en-US" sz="1200" b="0" i="0" kern="1200" dirty="0" smtClean="0">
-                <a:solidFill>
-                  <a:schemeClr val="tx1"/>
-                </a:solidFill>
-                <a:effectLst/>
-                <a:latin typeface="+mn-lt"/>
-                <a:ea typeface="+mn-ea"/>
-                <a:cs typeface="+mn-cs"/>
-              </a:rPr>
-              <a:t>此时，用于加速前端页面开发的 </a:t>
-            </a:r>
-            <a:r>
-              <a:rPr lang="en-US" altLang="zh-CN" sz="1200" b="1" i="0" kern="1200" dirty="0" smtClean="0">
-                <a:solidFill>
-                  <a:schemeClr val="tx1"/>
-                </a:solidFill>
-                <a:effectLst/>
-                <a:latin typeface="+mn-lt"/>
-                <a:ea typeface="+mn-ea"/>
-                <a:cs typeface="+mn-cs"/>
-              </a:rPr>
-              <a:t>Web</a:t>
-            </a:r>
-            <a:r>
-              <a:rPr lang="zh-CN" altLang="en-US" sz="1200" b="1" i="0" kern="1200" dirty="0" smtClean="0">
-                <a:solidFill>
-                  <a:schemeClr val="tx1"/>
-                </a:solidFill>
-                <a:effectLst/>
-                <a:latin typeface="+mn-lt"/>
-                <a:ea typeface="+mn-ea"/>
-                <a:cs typeface="+mn-cs"/>
-              </a:rPr>
-              <a:t>框架</a:t>
-            </a:r>
-            <a:r>
-              <a:rPr lang="en-US" altLang="zh-CN" sz="1200" b="1" i="0" kern="1200" dirty="0" smtClean="0">
-                <a:solidFill>
-                  <a:schemeClr val="tx1"/>
-                </a:solidFill>
-                <a:effectLst/>
-                <a:latin typeface="+mn-lt"/>
-                <a:ea typeface="+mn-ea"/>
-                <a:cs typeface="+mn-cs"/>
-              </a:rPr>
-              <a:t>(MVC)</a:t>
-            </a:r>
-            <a:r>
-              <a:rPr lang="zh-CN" altLang="en-US" sz="1200" b="0" i="0" kern="1200" dirty="0" smtClean="0">
-                <a:solidFill>
-                  <a:schemeClr val="tx1"/>
-                </a:solidFill>
-                <a:effectLst/>
-                <a:latin typeface="+mn-lt"/>
-                <a:ea typeface="+mn-ea"/>
-                <a:cs typeface="+mn-cs"/>
-              </a:rPr>
-              <a:t> 是关键。</a:t>
-            </a:r>
-          </a:p>
-          <a:p>
-            <a:r>
-              <a:rPr lang="zh-CN" altLang="en-US" sz="1200" b="1" i="0" kern="1200" dirty="0" smtClean="0">
-                <a:solidFill>
-                  <a:schemeClr val="tx1"/>
-                </a:solidFill>
-                <a:effectLst/>
-                <a:latin typeface="+mn-lt"/>
-                <a:ea typeface="+mn-ea"/>
-                <a:cs typeface="+mn-cs"/>
-              </a:rPr>
-              <a:t>分布式服务架构</a:t>
-            </a:r>
-            <a:endParaRPr lang="zh-CN" altLang="en-US" sz="1200" b="0" i="0" kern="1200" dirty="0" smtClean="0">
-              <a:solidFill>
-                <a:schemeClr val="tx1"/>
-              </a:solidFill>
-              <a:effectLst/>
-              <a:latin typeface="+mn-lt"/>
-              <a:ea typeface="+mn-ea"/>
-              <a:cs typeface="+mn-cs"/>
-            </a:endParaRPr>
-          </a:p>
-          <a:p>
-            <a:pPr lvl="1"/>
-            <a:r>
-              <a:rPr lang="zh-CN" altLang="en-US" sz="1200" b="0" i="0" kern="1200" dirty="0" smtClean="0">
-                <a:solidFill>
-                  <a:schemeClr val="tx1"/>
-                </a:solidFill>
-                <a:effectLst/>
-                <a:latin typeface="+mn-lt"/>
-                <a:ea typeface="+mn-ea"/>
-                <a:cs typeface="+mn-cs"/>
-              </a:rPr>
-              <a:t>当垂直应用越来越多，应用之间交互不可避免，将核心业务抽取出来，作为独立的服务，逐渐形成稳定的服务中心，使前端应用能更快速的响应多变的市场需求。</a:t>
-            </a:r>
-          </a:p>
-          <a:p>
-            <a:pPr lvl="1"/>
-            <a:r>
-              <a:rPr lang="zh-CN" altLang="en-US" sz="1200" b="0" i="0" kern="1200" dirty="0" smtClean="0">
-                <a:solidFill>
-                  <a:schemeClr val="tx1"/>
-                </a:solidFill>
-                <a:effectLst/>
-                <a:latin typeface="+mn-lt"/>
-                <a:ea typeface="+mn-ea"/>
-                <a:cs typeface="+mn-cs"/>
-              </a:rPr>
-              <a:t>此时，用于提高业务复用及整合的 </a:t>
-            </a:r>
-            <a:r>
-              <a:rPr lang="zh-CN" altLang="en-US" sz="1200" b="1" i="0" kern="1200" dirty="0" smtClean="0">
-                <a:solidFill>
-                  <a:schemeClr val="tx1"/>
-                </a:solidFill>
-                <a:effectLst/>
-                <a:latin typeface="+mn-lt"/>
-                <a:ea typeface="+mn-ea"/>
-                <a:cs typeface="+mn-cs"/>
-              </a:rPr>
-              <a:t>分布式服务框架</a:t>
-            </a:r>
-            <a:r>
-              <a:rPr lang="en-US" altLang="zh-CN" sz="1200" b="1" i="0" kern="1200" dirty="0" smtClean="0">
-                <a:solidFill>
-                  <a:schemeClr val="tx1"/>
-                </a:solidFill>
-                <a:effectLst/>
-                <a:latin typeface="+mn-lt"/>
-                <a:ea typeface="+mn-ea"/>
-                <a:cs typeface="+mn-cs"/>
-              </a:rPr>
-              <a:t>(RPC)</a:t>
-            </a:r>
-            <a:r>
-              <a:rPr lang="zh-CN" altLang="en-US" sz="1200" b="0" i="0" kern="1200" dirty="0" smtClean="0">
-                <a:solidFill>
-                  <a:schemeClr val="tx1"/>
-                </a:solidFill>
-                <a:effectLst/>
-                <a:latin typeface="+mn-lt"/>
-                <a:ea typeface="+mn-ea"/>
-                <a:cs typeface="+mn-cs"/>
-              </a:rPr>
-              <a:t> 是关键。</a:t>
-            </a:r>
-          </a:p>
-          <a:p>
-            <a:r>
-              <a:rPr lang="zh-CN" altLang="en-US" sz="1200" b="1" i="0" kern="1200" dirty="0" smtClean="0">
-                <a:solidFill>
-                  <a:schemeClr val="tx1"/>
-                </a:solidFill>
-                <a:effectLst/>
-                <a:latin typeface="+mn-lt"/>
-                <a:ea typeface="+mn-ea"/>
-                <a:cs typeface="+mn-cs"/>
-              </a:rPr>
-              <a:t>流动计算架构</a:t>
-            </a:r>
-            <a:endParaRPr lang="zh-CN" altLang="en-US" sz="1200" b="0" i="0" kern="1200" dirty="0" smtClean="0">
-              <a:solidFill>
-                <a:schemeClr val="tx1"/>
-              </a:solidFill>
-              <a:effectLst/>
-              <a:latin typeface="+mn-lt"/>
-              <a:ea typeface="+mn-ea"/>
-              <a:cs typeface="+mn-cs"/>
-            </a:endParaRPr>
-          </a:p>
-          <a:p>
-            <a:pPr lvl="1"/>
-            <a:r>
-              <a:rPr lang="zh-CN" altLang="en-US" sz="1200" b="0" i="0" kern="1200" dirty="0" smtClean="0">
-                <a:solidFill>
-                  <a:schemeClr val="tx1"/>
-                </a:solidFill>
-                <a:effectLst/>
-                <a:latin typeface="+mn-lt"/>
-                <a:ea typeface="+mn-ea"/>
-                <a:cs typeface="+mn-cs"/>
-              </a:rPr>
-              <a:t>当服务越来越多，容量的评估，小服务资源的浪费等问题逐渐显现，此时需增加一个调度中心基于访问压力实时管理集群容量，提高集群利用率。</a:t>
-            </a:r>
-          </a:p>
-          <a:p>
-            <a:pPr lvl="1"/>
-            <a:r>
-              <a:rPr lang="zh-CN" altLang="en-US" sz="1200" b="0" i="0" kern="1200" dirty="0" smtClean="0">
-                <a:solidFill>
-                  <a:schemeClr val="tx1"/>
-                </a:solidFill>
-                <a:effectLst/>
-                <a:latin typeface="+mn-lt"/>
-                <a:ea typeface="+mn-ea"/>
-                <a:cs typeface="+mn-cs"/>
-              </a:rPr>
-              <a:t>此时，用于提高机器利用率的 </a:t>
-            </a:r>
-            <a:r>
-              <a:rPr lang="zh-CN" altLang="en-US" sz="1200" b="1" i="0" kern="1200" dirty="0" smtClean="0">
-                <a:solidFill>
-                  <a:schemeClr val="tx1"/>
-                </a:solidFill>
-                <a:effectLst/>
-                <a:latin typeface="+mn-lt"/>
-                <a:ea typeface="+mn-ea"/>
-                <a:cs typeface="+mn-cs"/>
-              </a:rPr>
-              <a:t>资源调度和治理中心</a:t>
-            </a:r>
-            <a:r>
-              <a:rPr lang="en-US" altLang="zh-CN" sz="1200" b="1" i="0" kern="1200" dirty="0" smtClean="0">
-                <a:solidFill>
-                  <a:schemeClr val="tx1"/>
-                </a:solidFill>
-                <a:effectLst/>
-                <a:latin typeface="+mn-lt"/>
-                <a:ea typeface="+mn-ea"/>
-                <a:cs typeface="+mn-cs"/>
-              </a:rPr>
-              <a:t>(SOA)</a:t>
-            </a:r>
-            <a:r>
-              <a:rPr lang="zh-CN" altLang="en-US" sz="1200" b="0" i="0" kern="1200" dirty="0" smtClean="0">
-                <a:solidFill>
-                  <a:schemeClr val="tx1"/>
-                </a:solidFill>
-                <a:effectLst/>
-                <a:latin typeface="+mn-lt"/>
-                <a:ea typeface="+mn-ea"/>
-                <a:cs typeface="+mn-cs"/>
-              </a:rPr>
-              <a:t> 是关键。</a:t>
-            </a:r>
+            <a:endParaRPr lang="en-US" altLang="zh-CN" dirty="0" smtClean="0"/>
           </a:p>
           <a:p>
             <a:endParaRPr lang="zh-CN" altLang="en-US" dirty="0"/>
@@ -2529,374 +1065,6 @@
           <a:bodyPr/>
           <a:lstStyle/>
           <a:p>
-            <a:r>
-              <a:rPr lang="zh-CN" altLang="en-US" sz="1200" b="1" i="0" kern="1200" dirty="0" smtClean="0">
-                <a:solidFill>
-                  <a:schemeClr val="tx1"/>
-                </a:solidFill>
-                <a:effectLst/>
-                <a:latin typeface="+mn-lt"/>
-                <a:ea typeface="+mn-ea"/>
-                <a:cs typeface="+mn-cs"/>
-              </a:rPr>
-              <a:t>单一应用架构</a:t>
-            </a:r>
-            <a:endParaRPr lang="zh-CN" altLang="en-US" sz="1200" b="0" i="0" kern="1200" dirty="0" smtClean="0">
-              <a:solidFill>
-                <a:schemeClr val="tx1"/>
-              </a:solidFill>
-              <a:effectLst/>
-              <a:latin typeface="+mn-lt"/>
-              <a:ea typeface="+mn-ea"/>
-              <a:cs typeface="+mn-cs"/>
-            </a:endParaRPr>
-          </a:p>
-          <a:p>
-            <a:pPr lvl="1"/>
-            <a:r>
-              <a:rPr lang="zh-CN" altLang="en-US" sz="1200" b="0" i="0" kern="1200" dirty="0" smtClean="0">
-                <a:solidFill>
-                  <a:schemeClr val="tx1"/>
-                </a:solidFill>
-                <a:effectLst/>
-                <a:latin typeface="+mn-lt"/>
-                <a:ea typeface="+mn-ea"/>
-                <a:cs typeface="+mn-cs"/>
-              </a:rPr>
-              <a:t>当网站流量很小时，只需一个应用，将所有功能都部署在一起，以减少部署节点和成本。</a:t>
-            </a:r>
-          </a:p>
-          <a:p>
-            <a:pPr lvl="1"/>
-            <a:r>
-              <a:rPr lang="zh-CN" altLang="en-US" sz="1200" b="0" i="0" kern="1200" dirty="0" smtClean="0">
-                <a:solidFill>
-                  <a:schemeClr val="tx1"/>
-                </a:solidFill>
-                <a:effectLst/>
-                <a:latin typeface="+mn-lt"/>
-                <a:ea typeface="+mn-ea"/>
-                <a:cs typeface="+mn-cs"/>
-              </a:rPr>
-              <a:t>此时，用于简化增删改查工作量的 </a:t>
-            </a:r>
-            <a:r>
-              <a:rPr lang="zh-CN" altLang="en-US" sz="1200" b="1" i="0" kern="1200" dirty="0" smtClean="0">
-                <a:solidFill>
-                  <a:schemeClr val="tx1"/>
-                </a:solidFill>
-                <a:effectLst/>
-                <a:latin typeface="+mn-lt"/>
-                <a:ea typeface="+mn-ea"/>
-                <a:cs typeface="+mn-cs"/>
-              </a:rPr>
-              <a:t>数据访问框架</a:t>
-            </a:r>
-            <a:r>
-              <a:rPr lang="en-US" altLang="zh-CN" sz="1200" b="1" i="0" kern="1200" dirty="0" smtClean="0">
-                <a:solidFill>
-                  <a:schemeClr val="tx1"/>
-                </a:solidFill>
-                <a:effectLst/>
-                <a:latin typeface="+mn-lt"/>
-                <a:ea typeface="+mn-ea"/>
-                <a:cs typeface="+mn-cs"/>
-              </a:rPr>
-              <a:t>(ORM)</a:t>
-            </a:r>
-            <a:r>
-              <a:rPr lang="zh-CN" altLang="en-US" sz="1200" b="0" i="0" kern="1200" dirty="0" smtClean="0">
-                <a:solidFill>
-                  <a:schemeClr val="tx1"/>
-                </a:solidFill>
-                <a:effectLst/>
-                <a:latin typeface="+mn-lt"/>
-                <a:ea typeface="+mn-ea"/>
-                <a:cs typeface="+mn-cs"/>
-              </a:rPr>
-              <a:t> 是关键。</a:t>
-            </a:r>
-          </a:p>
-          <a:p>
-            <a:r>
-              <a:rPr lang="zh-CN" altLang="en-US" sz="1200" b="1" i="0" kern="1200" dirty="0" smtClean="0">
-                <a:solidFill>
-                  <a:schemeClr val="tx1"/>
-                </a:solidFill>
-                <a:effectLst/>
-                <a:latin typeface="+mn-lt"/>
-                <a:ea typeface="+mn-ea"/>
-                <a:cs typeface="+mn-cs"/>
-              </a:rPr>
-              <a:t>垂直应用架构</a:t>
-            </a:r>
-            <a:endParaRPr lang="zh-CN" altLang="en-US" sz="1200" b="0" i="0" kern="1200" dirty="0" smtClean="0">
-              <a:solidFill>
-                <a:schemeClr val="tx1"/>
-              </a:solidFill>
-              <a:effectLst/>
-              <a:latin typeface="+mn-lt"/>
-              <a:ea typeface="+mn-ea"/>
-              <a:cs typeface="+mn-cs"/>
-            </a:endParaRPr>
-          </a:p>
-          <a:p>
-            <a:pPr lvl="1"/>
-            <a:r>
-              <a:rPr lang="zh-CN" altLang="en-US" sz="1200" b="0" i="0" kern="1200" dirty="0" smtClean="0">
-                <a:solidFill>
-                  <a:schemeClr val="tx1"/>
-                </a:solidFill>
-                <a:effectLst/>
-                <a:latin typeface="+mn-lt"/>
-                <a:ea typeface="+mn-ea"/>
-                <a:cs typeface="+mn-cs"/>
-              </a:rPr>
-              <a:t>当访问量逐渐增大，单一应用增加机器带来的加速度越来越小，将应用拆成互不相干的几个应用，以提升效率。</a:t>
-            </a:r>
-          </a:p>
-          <a:p>
-            <a:pPr lvl="1"/>
-            <a:r>
-              <a:rPr lang="zh-CN" altLang="en-US" sz="1200" b="0" i="0" kern="1200" dirty="0" smtClean="0">
-                <a:solidFill>
-                  <a:schemeClr val="tx1"/>
-                </a:solidFill>
-                <a:effectLst/>
-                <a:latin typeface="+mn-lt"/>
-                <a:ea typeface="+mn-ea"/>
-                <a:cs typeface="+mn-cs"/>
-              </a:rPr>
-              <a:t>此时，用于加速前端页面开发的 </a:t>
-            </a:r>
-            <a:r>
-              <a:rPr lang="en-US" altLang="zh-CN" sz="1200" b="1" i="0" kern="1200" dirty="0" smtClean="0">
-                <a:solidFill>
-                  <a:schemeClr val="tx1"/>
-                </a:solidFill>
-                <a:effectLst/>
-                <a:latin typeface="+mn-lt"/>
-                <a:ea typeface="+mn-ea"/>
-                <a:cs typeface="+mn-cs"/>
-              </a:rPr>
-              <a:t>Web</a:t>
-            </a:r>
-            <a:r>
-              <a:rPr lang="zh-CN" altLang="en-US" sz="1200" b="1" i="0" kern="1200" dirty="0" smtClean="0">
-                <a:solidFill>
-                  <a:schemeClr val="tx1"/>
-                </a:solidFill>
-                <a:effectLst/>
-                <a:latin typeface="+mn-lt"/>
-                <a:ea typeface="+mn-ea"/>
-                <a:cs typeface="+mn-cs"/>
-              </a:rPr>
-              <a:t>框架</a:t>
-            </a:r>
-            <a:r>
-              <a:rPr lang="en-US" altLang="zh-CN" sz="1200" b="1" i="0" kern="1200" dirty="0" smtClean="0">
-                <a:solidFill>
-                  <a:schemeClr val="tx1"/>
-                </a:solidFill>
-                <a:effectLst/>
-                <a:latin typeface="+mn-lt"/>
-                <a:ea typeface="+mn-ea"/>
-                <a:cs typeface="+mn-cs"/>
-              </a:rPr>
-              <a:t>(MVC)</a:t>
-            </a:r>
-            <a:r>
-              <a:rPr lang="zh-CN" altLang="en-US" sz="1200" b="0" i="0" kern="1200" dirty="0" smtClean="0">
-                <a:solidFill>
-                  <a:schemeClr val="tx1"/>
-                </a:solidFill>
-                <a:effectLst/>
-                <a:latin typeface="+mn-lt"/>
-                <a:ea typeface="+mn-ea"/>
-                <a:cs typeface="+mn-cs"/>
-              </a:rPr>
-              <a:t> 是关键。</a:t>
-            </a:r>
-          </a:p>
-          <a:p>
-            <a:r>
-              <a:rPr lang="zh-CN" altLang="en-US" sz="1200" b="1" i="0" kern="1200" dirty="0" smtClean="0">
-                <a:solidFill>
-                  <a:schemeClr val="tx1"/>
-                </a:solidFill>
-                <a:effectLst/>
-                <a:latin typeface="+mn-lt"/>
-                <a:ea typeface="+mn-ea"/>
-                <a:cs typeface="+mn-cs"/>
-              </a:rPr>
-              <a:t>分布式服务架构</a:t>
-            </a:r>
-            <a:endParaRPr lang="zh-CN" altLang="en-US" sz="1200" b="0" i="0" kern="1200" dirty="0" smtClean="0">
-              <a:solidFill>
-                <a:schemeClr val="tx1"/>
-              </a:solidFill>
-              <a:effectLst/>
-              <a:latin typeface="+mn-lt"/>
-              <a:ea typeface="+mn-ea"/>
-              <a:cs typeface="+mn-cs"/>
-            </a:endParaRPr>
-          </a:p>
-          <a:p>
-            <a:pPr lvl="1"/>
-            <a:r>
-              <a:rPr lang="zh-CN" altLang="en-US" sz="1200" b="0" i="0" kern="1200" dirty="0" smtClean="0">
-                <a:solidFill>
-                  <a:schemeClr val="tx1"/>
-                </a:solidFill>
-                <a:effectLst/>
-                <a:latin typeface="+mn-lt"/>
-                <a:ea typeface="+mn-ea"/>
-                <a:cs typeface="+mn-cs"/>
-              </a:rPr>
-              <a:t>当垂直应用越来越多，应用之间交互不可避免，将核心业务抽取出来，作为独立的服务，逐渐形成稳定的服务中心，使前端应用能更快速的响应多变的市场需求。</a:t>
-            </a:r>
-          </a:p>
-          <a:p>
-            <a:pPr lvl="1"/>
-            <a:r>
-              <a:rPr lang="zh-CN" altLang="en-US" sz="1200" b="0" i="0" kern="1200" dirty="0" smtClean="0">
-                <a:solidFill>
-                  <a:schemeClr val="tx1"/>
-                </a:solidFill>
-                <a:effectLst/>
-                <a:latin typeface="+mn-lt"/>
-                <a:ea typeface="+mn-ea"/>
-                <a:cs typeface="+mn-cs"/>
-              </a:rPr>
-              <a:t>此时，用于提高业务复用及整合的 </a:t>
-            </a:r>
-            <a:r>
-              <a:rPr lang="zh-CN" altLang="en-US" sz="1200" b="1" i="0" kern="1200" dirty="0" smtClean="0">
-                <a:solidFill>
-                  <a:schemeClr val="tx1"/>
-                </a:solidFill>
-                <a:effectLst/>
-                <a:latin typeface="+mn-lt"/>
-                <a:ea typeface="+mn-ea"/>
-                <a:cs typeface="+mn-cs"/>
-              </a:rPr>
-              <a:t>分布式服务框架</a:t>
-            </a:r>
-            <a:r>
-              <a:rPr lang="en-US" altLang="zh-CN" sz="1200" b="1" i="0" kern="1200" dirty="0" smtClean="0">
-                <a:solidFill>
-                  <a:schemeClr val="tx1"/>
-                </a:solidFill>
-                <a:effectLst/>
-                <a:latin typeface="+mn-lt"/>
-                <a:ea typeface="+mn-ea"/>
-                <a:cs typeface="+mn-cs"/>
-              </a:rPr>
-              <a:t>(RPC)</a:t>
-            </a:r>
-            <a:r>
-              <a:rPr lang="zh-CN" altLang="en-US" sz="1200" b="0" i="0" kern="1200" dirty="0" smtClean="0">
-                <a:solidFill>
-                  <a:schemeClr val="tx1"/>
-                </a:solidFill>
-                <a:effectLst/>
-                <a:latin typeface="+mn-lt"/>
-                <a:ea typeface="+mn-ea"/>
-                <a:cs typeface="+mn-cs"/>
-              </a:rPr>
-              <a:t> 是关键。</a:t>
-            </a:r>
-          </a:p>
-          <a:p>
-            <a:r>
-              <a:rPr lang="zh-CN" altLang="en-US" sz="1200" b="1" i="0" kern="1200" dirty="0" smtClean="0">
-                <a:solidFill>
-                  <a:schemeClr val="tx1"/>
-                </a:solidFill>
-                <a:effectLst/>
-                <a:latin typeface="+mn-lt"/>
-                <a:ea typeface="+mn-ea"/>
-                <a:cs typeface="+mn-cs"/>
-              </a:rPr>
-              <a:t>流动计算架构</a:t>
-            </a:r>
-            <a:endParaRPr lang="zh-CN" altLang="en-US" sz="1200" b="0" i="0" kern="1200" dirty="0" smtClean="0">
-              <a:solidFill>
-                <a:schemeClr val="tx1"/>
-              </a:solidFill>
-              <a:effectLst/>
-              <a:latin typeface="+mn-lt"/>
-              <a:ea typeface="+mn-ea"/>
-              <a:cs typeface="+mn-cs"/>
-            </a:endParaRPr>
-          </a:p>
-          <a:p>
-            <a:pPr lvl="1"/>
-            <a:r>
-              <a:rPr lang="zh-CN" altLang="en-US" sz="1200" b="0" i="0" kern="1200" dirty="0" smtClean="0">
-                <a:solidFill>
-                  <a:schemeClr val="tx1"/>
-                </a:solidFill>
-                <a:effectLst/>
-                <a:latin typeface="+mn-lt"/>
-                <a:ea typeface="+mn-ea"/>
-                <a:cs typeface="+mn-cs"/>
-              </a:rPr>
-              <a:t>当服务越来越多，容量的评估，小服务资源的浪费等问题逐渐显现，此时需增加一个调度中心基于访问压力实时管理集群容量，提高集群利用率。</a:t>
-            </a:r>
-          </a:p>
-          <a:p>
-            <a:pPr lvl="1"/>
-            <a:r>
-              <a:rPr lang="zh-CN" altLang="en-US" sz="1200" b="0" i="0" kern="1200" dirty="0" smtClean="0">
-                <a:solidFill>
-                  <a:schemeClr val="tx1"/>
-                </a:solidFill>
-                <a:effectLst/>
-                <a:latin typeface="+mn-lt"/>
-                <a:ea typeface="+mn-ea"/>
-                <a:cs typeface="+mn-cs"/>
-              </a:rPr>
-              <a:t>此时，用于提高机器利用率的 </a:t>
-            </a:r>
-            <a:r>
-              <a:rPr lang="zh-CN" altLang="en-US" sz="1200" b="1" i="0" kern="1200" dirty="0" smtClean="0">
-                <a:solidFill>
-                  <a:schemeClr val="tx1"/>
-                </a:solidFill>
-                <a:effectLst/>
-                <a:latin typeface="+mn-lt"/>
-                <a:ea typeface="+mn-ea"/>
-                <a:cs typeface="+mn-cs"/>
-              </a:rPr>
-              <a:t>资源调度和治理中心</a:t>
-            </a:r>
-            <a:r>
-              <a:rPr lang="en-US" altLang="zh-CN" sz="1200" b="1" i="0" kern="1200" dirty="0" smtClean="0">
-                <a:solidFill>
-                  <a:schemeClr val="tx1"/>
-                </a:solidFill>
-                <a:effectLst/>
-                <a:latin typeface="+mn-lt"/>
-                <a:ea typeface="+mn-ea"/>
-                <a:cs typeface="+mn-cs"/>
-              </a:rPr>
-              <a:t>(SOA)</a:t>
-            </a:r>
-            <a:r>
-              <a:rPr lang="zh-CN" altLang="en-US" sz="1200" b="0" i="0" kern="1200" dirty="0" smtClean="0">
-                <a:solidFill>
-                  <a:schemeClr val="tx1"/>
-                </a:solidFill>
-                <a:effectLst/>
-                <a:latin typeface="+mn-lt"/>
-                <a:ea typeface="+mn-ea"/>
-                <a:cs typeface="+mn-cs"/>
-              </a:rPr>
-              <a:t> 是关键。</a:t>
-            </a:r>
-          </a:p>
-          <a:p>
             <a:endParaRPr lang="zh-CN" altLang="en-US" dirty="0"/>
           </a:p>
         </p:txBody>
@@ -2981,374 +1149,6 @@
           <a:bodyPr/>
           <a:lstStyle/>
           <a:p>
-            <a:r>
-              <a:rPr lang="zh-CN" altLang="en-US" sz="1200" b="1" i="0" kern="1200" dirty="0" smtClean="0">
-                <a:solidFill>
-                  <a:schemeClr val="tx1"/>
-                </a:solidFill>
-                <a:effectLst/>
-                <a:latin typeface="+mn-lt"/>
-                <a:ea typeface="+mn-ea"/>
-                <a:cs typeface="+mn-cs"/>
-              </a:rPr>
-              <a:t>单一应用架构</a:t>
-            </a:r>
-            <a:endParaRPr lang="zh-CN" altLang="en-US" sz="1200" b="0" i="0" kern="1200" dirty="0" smtClean="0">
-              <a:solidFill>
-                <a:schemeClr val="tx1"/>
-              </a:solidFill>
-              <a:effectLst/>
-              <a:latin typeface="+mn-lt"/>
-              <a:ea typeface="+mn-ea"/>
-              <a:cs typeface="+mn-cs"/>
-            </a:endParaRPr>
-          </a:p>
-          <a:p>
-            <a:pPr lvl="1"/>
-            <a:r>
-              <a:rPr lang="zh-CN" altLang="en-US" sz="1200" b="0" i="0" kern="1200" dirty="0" smtClean="0">
-                <a:solidFill>
-                  <a:schemeClr val="tx1"/>
-                </a:solidFill>
-                <a:effectLst/>
-                <a:latin typeface="+mn-lt"/>
-                <a:ea typeface="+mn-ea"/>
-                <a:cs typeface="+mn-cs"/>
-              </a:rPr>
-              <a:t>当网站流量很小时，只需一个应用，将所有功能都部署在一起，以减少部署节点和成本。</a:t>
-            </a:r>
-          </a:p>
-          <a:p>
-            <a:pPr lvl="1"/>
-            <a:r>
-              <a:rPr lang="zh-CN" altLang="en-US" sz="1200" b="0" i="0" kern="1200" dirty="0" smtClean="0">
-                <a:solidFill>
-                  <a:schemeClr val="tx1"/>
-                </a:solidFill>
-                <a:effectLst/>
-                <a:latin typeface="+mn-lt"/>
-                <a:ea typeface="+mn-ea"/>
-                <a:cs typeface="+mn-cs"/>
-              </a:rPr>
-              <a:t>此时，用于简化增删改查工作量的 </a:t>
-            </a:r>
-            <a:r>
-              <a:rPr lang="zh-CN" altLang="en-US" sz="1200" b="1" i="0" kern="1200" dirty="0" smtClean="0">
-                <a:solidFill>
-                  <a:schemeClr val="tx1"/>
-                </a:solidFill>
-                <a:effectLst/>
-                <a:latin typeface="+mn-lt"/>
-                <a:ea typeface="+mn-ea"/>
-                <a:cs typeface="+mn-cs"/>
-              </a:rPr>
-              <a:t>数据访问框架</a:t>
-            </a:r>
-            <a:r>
-              <a:rPr lang="en-US" altLang="zh-CN" sz="1200" b="1" i="0" kern="1200" dirty="0" smtClean="0">
-                <a:solidFill>
-                  <a:schemeClr val="tx1"/>
-                </a:solidFill>
-                <a:effectLst/>
-                <a:latin typeface="+mn-lt"/>
-                <a:ea typeface="+mn-ea"/>
-                <a:cs typeface="+mn-cs"/>
-              </a:rPr>
-              <a:t>(ORM)</a:t>
-            </a:r>
-            <a:r>
-              <a:rPr lang="zh-CN" altLang="en-US" sz="1200" b="0" i="0" kern="1200" dirty="0" smtClean="0">
-                <a:solidFill>
-                  <a:schemeClr val="tx1"/>
-                </a:solidFill>
-                <a:effectLst/>
-                <a:latin typeface="+mn-lt"/>
-                <a:ea typeface="+mn-ea"/>
-                <a:cs typeface="+mn-cs"/>
-              </a:rPr>
-              <a:t> 是关键。</a:t>
-            </a:r>
-          </a:p>
-          <a:p>
-            <a:r>
-              <a:rPr lang="zh-CN" altLang="en-US" sz="1200" b="1" i="0" kern="1200" dirty="0" smtClean="0">
-                <a:solidFill>
-                  <a:schemeClr val="tx1"/>
-                </a:solidFill>
-                <a:effectLst/>
-                <a:latin typeface="+mn-lt"/>
-                <a:ea typeface="+mn-ea"/>
-                <a:cs typeface="+mn-cs"/>
-              </a:rPr>
-              <a:t>垂直应用架构</a:t>
-            </a:r>
-            <a:endParaRPr lang="zh-CN" altLang="en-US" sz="1200" b="0" i="0" kern="1200" dirty="0" smtClean="0">
-              <a:solidFill>
-                <a:schemeClr val="tx1"/>
-              </a:solidFill>
-              <a:effectLst/>
-              <a:latin typeface="+mn-lt"/>
-              <a:ea typeface="+mn-ea"/>
-              <a:cs typeface="+mn-cs"/>
-            </a:endParaRPr>
-          </a:p>
-          <a:p>
-            <a:pPr lvl="1"/>
-            <a:r>
-              <a:rPr lang="zh-CN" altLang="en-US" sz="1200" b="0" i="0" kern="1200" dirty="0" smtClean="0">
-                <a:solidFill>
-                  <a:schemeClr val="tx1"/>
-                </a:solidFill>
-                <a:effectLst/>
-                <a:latin typeface="+mn-lt"/>
-                <a:ea typeface="+mn-ea"/>
-                <a:cs typeface="+mn-cs"/>
-              </a:rPr>
-              <a:t>当访问量逐渐增大，单一应用增加机器带来的加速度越来越小，将应用拆成互不相干的几个应用，以提升效率。</a:t>
-            </a:r>
-          </a:p>
-          <a:p>
-            <a:pPr lvl="1"/>
-            <a:r>
-              <a:rPr lang="zh-CN" altLang="en-US" sz="1200" b="0" i="0" kern="1200" dirty="0" smtClean="0">
-                <a:solidFill>
-                  <a:schemeClr val="tx1"/>
-                </a:solidFill>
-                <a:effectLst/>
-                <a:latin typeface="+mn-lt"/>
-                <a:ea typeface="+mn-ea"/>
-                <a:cs typeface="+mn-cs"/>
-              </a:rPr>
-              <a:t>此时，用于加速前端页面开发的 </a:t>
-            </a:r>
-            <a:r>
-              <a:rPr lang="en-US" altLang="zh-CN" sz="1200" b="1" i="0" kern="1200" dirty="0" smtClean="0">
-                <a:solidFill>
-                  <a:schemeClr val="tx1"/>
-                </a:solidFill>
-                <a:effectLst/>
-                <a:latin typeface="+mn-lt"/>
-                <a:ea typeface="+mn-ea"/>
-                <a:cs typeface="+mn-cs"/>
-              </a:rPr>
-              <a:t>Web</a:t>
-            </a:r>
-            <a:r>
-              <a:rPr lang="zh-CN" altLang="en-US" sz="1200" b="1" i="0" kern="1200" dirty="0" smtClean="0">
-                <a:solidFill>
-                  <a:schemeClr val="tx1"/>
-                </a:solidFill>
-                <a:effectLst/>
-                <a:latin typeface="+mn-lt"/>
-                <a:ea typeface="+mn-ea"/>
-                <a:cs typeface="+mn-cs"/>
-              </a:rPr>
-              <a:t>框架</a:t>
-            </a:r>
-            <a:r>
-              <a:rPr lang="en-US" altLang="zh-CN" sz="1200" b="1" i="0" kern="1200" dirty="0" smtClean="0">
-                <a:solidFill>
-                  <a:schemeClr val="tx1"/>
-                </a:solidFill>
-                <a:effectLst/>
-                <a:latin typeface="+mn-lt"/>
-                <a:ea typeface="+mn-ea"/>
-                <a:cs typeface="+mn-cs"/>
-              </a:rPr>
-              <a:t>(MVC)</a:t>
-            </a:r>
-            <a:r>
-              <a:rPr lang="zh-CN" altLang="en-US" sz="1200" b="0" i="0" kern="1200" dirty="0" smtClean="0">
-                <a:solidFill>
-                  <a:schemeClr val="tx1"/>
-                </a:solidFill>
-                <a:effectLst/>
-                <a:latin typeface="+mn-lt"/>
-                <a:ea typeface="+mn-ea"/>
-                <a:cs typeface="+mn-cs"/>
-              </a:rPr>
-              <a:t> 是关键。</a:t>
-            </a:r>
-          </a:p>
-          <a:p>
-            <a:r>
-              <a:rPr lang="zh-CN" altLang="en-US" sz="1200" b="1" i="0" kern="1200" dirty="0" smtClean="0">
-                <a:solidFill>
-                  <a:schemeClr val="tx1"/>
-                </a:solidFill>
-                <a:effectLst/>
-                <a:latin typeface="+mn-lt"/>
-                <a:ea typeface="+mn-ea"/>
-                <a:cs typeface="+mn-cs"/>
-              </a:rPr>
-              <a:t>分布式服务架构</a:t>
-            </a:r>
-            <a:endParaRPr lang="zh-CN" altLang="en-US" sz="1200" b="0" i="0" kern="1200" dirty="0" smtClean="0">
-              <a:solidFill>
-                <a:schemeClr val="tx1"/>
-              </a:solidFill>
-              <a:effectLst/>
-              <a:latin typeface="+mn-lt"/>
-              <a:ea typeface="+mn-ea"/>
-              <a:cs typeface="+mn-cs"/>
-            </a:endParaRPr>
-          </a:p>
-          <a:p>
-            <a:pPr lvl="1"/>
-            <a:r>
-              <a:rPr lang="zh-CN" altLang="en-US" sz="1200" b="0" i="0" kern="1200" dirty="0" smtClean="0">
-                <a:solidFill>
-                  <a:schemeClr val="tx1"/>
-                </a:solidFill>
-                <a:effectLst/>
-                <a:latin typeface="+mn-lt"/>
-                <a:ea typeface="+mn-ea"/>
-                <a:cs typeface="+mn-cs"/>
-              </a:rPr>
-              <a:t>当垂直应用越来越多，应用之间交互不可避免，将核心业务抽取出来，作为独立的服务，逐渐形成稳定的服务中心，使前端应用能更快速的响应多变的市场需求。</a:t>
-            </a:r>
-          </a:p>
-          <a:p>
-            <a:pPr lvl="1"/>
-            <a:r>
-              <a:rPr lang="zh-CN" altLang="en-US" sz="1200" b="0" i="0" kern="1200" dirty="0" smtClean="0">
-                <a:solidFill>
-                  <a:schemeClr val="tx1"/>
-                </a:solidFill>
-                <a:effectLst/>
-                <a:latin typeface="+mn-lt"/>
-                <a:ea typeface="+mn-ea"/>
-                <a:cs typeface="+mn-cs"/>
-              </a:rPr>
-              <a:t>此时，用于提高业务复用及整合的 </a:t>
-            </a:r>
-            <a:r>
-              <a:rPr lang="zh-CN" altLang="en-US" sz="1200" b="1" i="0" kern="1200" dirty="0" smtClean="0">
-                <a:solidFill>
-                  <a:schemeClr val="tx1"/>
-                </a:solidFill>
-                <a:effectLst/>
-                <a:latin typeface="+mn-lt"/>
-                <a:ea typeface="+mn-ea"/>
-                <a:cs typeface="+mn-cs"/>
-              </a:rPr>
-              <a:t>分布式服务框架</a:t>
-            </a:r>
-            <a:r>
-              <a:rPr lang="en-US" altLang="zh-CN" sz="1200" b="1" i="0" kern="1200" dirty="0" smtClean="0">
-                <a:solidFill>
-                  <a:schemeClr val="tx1"/>
-                </a:solidFill>
-                <a:effectLst/>
-                <a:latin typeface="+mn-lt"/>
-                <a:ea typeface="+mn-ea"/>
-                <a:cs typeface="+mn-cs"/>
-              </a:rPr>
-              <a:t>(RPC)</a:t>
-            </a:r>
-            <a:r>
-              <a:rPr lang="zh-CN" altLang="en-US" sz="1200" b="0" i="0" kern="1200" dirty="0" smtClean="0">
-                <a:solidFill>
-                  <a:schemeClr val="tx1"/>
-                </a:solidFill>
-                <a:effectLst/>
-                <a:latin typeface="+mn-lt"/>
-                <a:ea typeface="+mn-ea"/>
-                <a:cs typeface="+mn-cs"/>
-              </a:rPr>
-              <a:t> 是关键。</a:t>
-            </a:r>
-          </a:p>
-          <a:p>
-            <a:r>
-              <a:rPr lang="zh-CN" altLang="en-US" sz="1200" b="1" i="0" kern="1200" dirty="0" smtClean="0">
-                <a:solidFill>
-                  <a:schemeClr val="tx1"/>
-                </a:solidFill>
-                <a:effectLst/>
-                <a:latin typeface="+mn-lt"/>
-                <a:ea typeface="+mn-ea"/>
-                <a:cs typeface="+mn-cs"/>
-              </a:rPr>
-              <a:t>流动计算架构</a:t>
-            </a:r>
-            <a:endParaRPr lang="zh-CN" altLang="en-US" sz="1200" b="0" i="0" kern="1200" dirty="0" smtClean="0">
-              <a:solidFill>
-                <a:schemeClr val="tx1"/>
-              </a:solidFill>
-              <a:effectLst/>
-              <a:latin typeface="+mn-lt"/>
-              <a:ea typeface="+mn-ea"/>
-              <a:cs typeface="+mn-cs"/>
-            </a:endParaRPr>
-          </a:p>
-          <a:p>
-            <a:pPr lvl="1"/>
-            <a:r>
-              <a:rPr lang="zh-CN" altLang="en-US" sz="1200" b="0" i="0" kern="1200" dirty="0" smtClean="0">
-                <a:solidFill>
-                  <a:schemeClr val="tx1"/>
-                </a:solidFill>
-                <a:effectLst/>
-                <a:latin typeface="+mn-lt"/>
-                <a:ea typeface="+mn-ea"/>
-                <a:cs typeface="+mn-cs"/>
-              </a:rPr>
-              <a:t>当服务越来越多，容量的评估，小服务资源的浪费等问题逐渐显现，此时需增加一个调度中心基于访问压力实时管理集群容量，提高集群利用率。</a:t>
-            </a:r>
-          </a:p>
-          <a:p>
-            <a:pPr lvl="1"/>
-            <a:r>
-              <a:rPr lang="zh-CN" altLang="en-US" sz="1200" b="0" i="0" kern="1200" dirty="0" smtClean="0">
-                <a:solidFill>
-                  <a:schemeClr val="tx1"/>
-                </a:solidFill>
-                <a:effectLst/>
-                <a:latin typeface="+mn-lt"/>
-                <a:ea typeface="+mn-ea"/>
-                <a:cs typeface="+mn-cs"/>
-              </a:rPr>
-              <a:t>此时，用于提高机器利用率的 </a:t>
-            </a:r>
-            <a:r>
-              <a:rPr lang="zh-CN" altLang="en-US" sz="1200" b="1" i="0" kern="1200" dirty="0" smtClean="0">
-                <a:solidFill>
-                  <a:schemeClr val="tx1"/>
-                </a:solidFill>
-                <a:effectLst/>
-                <a:latin typeface="+mn-lt"/>
-                <a:ea typeface="+mn-ea"/>
-                <a:cs typeface="+mn-cs"/>
-              </a:rPr>
-              <a:t>资源调度和治理中心</a:t>
-            </a:r>
-            <a:r>
-              <a:rPr lang="en-US" altLang="zh-CN" sz="1200" b="1" i="0" kern="1200" dirty="0" smtClean="0">
-                <a:solidFill>
-                  <a:schemeClr val="tx1"/>
-                </a:solidFill>
-                <a:effectLst/>
-                <a:latin typeface="+mn-lt"/>
-                <a:ea typeface="+mn-ea"/>
-                <a:cs typeface="+mn-cs"/>
-              </a:rPr>
-              <a:t>(SOA)</a:t>
-            </a:r>
-            <a:r>
-              <a:rPr lang="zh-CN" altLang="en-US" sz="1200" b="0" i="0" kern="1200" dirty="0" smtClean="0">
-                <a:solidFill>
-                  <a:schemeClr val="tx1"/>
-                </a:solidFill>
-                <a:effectLst/>
-                <a:latin typeface="+mn-lt"/>
-                <a:ea typeface="+mn-ea"/>
-                <a:cs typeface="+mn-cs"/>
-              </a:rPr>
-              <a:t> 是关键。</a:t>
-            </a:r>
-          </a:p>
-          <a:p>
             <a:endParaRPr lang="zh-CN" altLang="en-US" dirty="0"/>
           </a:p>
         </p:txBody>
@@ -3371,6 +1171,258 @@
             <a:fld id="{7E93476A-C8EF-4948-84D8-CD0A70688003}" type="slidenum">
               <a:rPr lang="zh-CN" altLang="en-US" smtClean="0"/>
               <a:t>20</a:t>
+            </a:fld>
+            <a:endParaRPr lang="zh-CN" altLang="en-US"/>
+          </a:p>
+        </p:txBody>
+      </p:sp>
+    </p:spTree>
+    <p:extLst>
+      <p:ext uri="{BB962C8B-B14F-4D97-AF65-F5344CB8AC3E}">
+        <p14:creationId xmlns:p14="http://schemas.microsoft.com/office/powerpoint/2010/main" val="237361177"/>
+      </p:ext>
+    </p:extLst>
+  </p:cSld>
+  <p:clrMapOvr>
+    <a:masterClrMapping/>
+  </p:clrMapOvr>
+</p:notes>
+</file>
+
+<file path=ppt/notesSlides/notesSlide17.xml><?xml version="1.0" encoding="utf-8"?>
+<p:notes xmlns:a="http://schemas.openxmlformats.org/drawingml/2006/main" xmlns:r="http://schemas.openxmlformats.org/officeDocument/2006/relationships" xmlns:p="http://schemas.openxmlformats.org/presentationml/2006/main">
+  <p:cSld>
+    <p:spTree>
+      <p:nvGrpSpPr>
+        <p:cNvPr id="1" name=""/>
+        <p:cNvGrpSpPr/>
+        <p:nvPr/>
+      </p:nvGrpSpPr>
+      <p:grpSpPr>
+        <a:xfrm>
+          <a:off x="0" y="0"/>
+          <a:ext cx="0" cy="0"/>
+          <a:chOff x="0" y="0"/>
+          <a:chExt cx="0" cy="0"/>
+        </a:xfrm>
+      </p:grpSpPr>
+      <p:sp>
+        <p:nvSpPr>
+          <p:cNvPr id="2" name="幻灯片图像占位符 1"/>
+          <p:cNvSpPr>
+            <a:spLocks noGrp="1" noRot="1" noChangeAspect="1"/>
+          </p:cNvSpPr>
+          <p:nvPr>
+            <p:ph type="sldImg"/>
+          </p:nvPr>
+        </p:nvSpPr>
+        <p:spPr/>
+      </p:sp>
+      <p:sp>
+        <p:nvSpPr>
+          <p:cNvPr id="3" name="备注占位符 2"/>
+          <p:cNvSpPr>
+            <a:spLocks noGrp="1"/>
+          </p:cNvSpPr>
+          <p:nvPr>
+            <p:ph type="body" idx="1"/>
+          </p:nvPr>
+        </p:nvSpPr>
+        <p:spPr/>
+        <p:txBody>
+          <a:bodyPr/>
+          <a:lstStyle/>
+          <a:p>
+            <a:endParaRPr lang="zh-CN" altLang="en-US" dirty="0"/>
+          </a:p>
+        </p:txBody>
+      </p:sp>
+      <p:sp>
+        <p:nvSpPr>
+          <p:cNvPr id="4" name="灯片编号占位符 3"/>
+          <p:cNvSpPr>
+            <a:spLocks noGrp="1"/>
+          </p:cNvSpPr>
+          <p:nvPr>
+            <p:ph type="sldNum" sz="quarter" idx="10"/>
+          </p:nvPr>
+        </p:nvSpPr>
+        <p:spPr/>
+        <p:txBody>
+          <a:bodyPr/>
+          <a:lstStyle/>
+          <a:p>
+            <a:fld id="{7E93476A-C8EF-4948-84D8-CD0A70688003}" type="slidenum">
+              <a:rPr lang="zh-CN" altLang="en-US" smtClean="0"/>
+              <a:t>21</a:t>
+            </a:fld>
+            <a:endParaRPr lang="zh-CN" altLang="en-US"/>
+          </a:p>
+        </p:txBody>
+      </p:sp>
+    </p:spTree>
+    <p:extLst>
+      <p:ext uri="{BB962C8B-B14F-4D97-AF65-F5344CB8AC3E}">
+        <p14:creationId xmlns:p14="http://schemas.microsoft.com/office/powerpoint/2010/main" val="237361177"/>
+      </p:ext>
+    </p:extLst>
+  </p:cSld>
+  <p:clrMapOvr>
+    <a:masterClrMapping/>
+  </p:clrMapOvr>
+</p:notes>
+</file>
+
+<file path=ppt/notesSlides/notesSlide18.xml><?xml version="1.0" encoding="utf-8"?>
+<p:notes xmlns:a="http://schemas.openxmlformats.org/drawingml/2006/main" xmlns:r="http://schemas.openxmlformats.org/officeDocument/2006/relationships" xmlns:p="http://schemas.openxmlformats.org/presentationml/2006/main">
+  <p:cSld>
+    <p:spTree>
+      <p:nvGrpSpPr>
+        <p:cNvPr id="1" name=""/>
+        <p:cNvGrpSpPr/>
+        <p:nvPr/>
+      </p:nvGrpSpPr>
+      <p:grpSpPr>
+        <a:xfrm>
+          <a:off x="0" y="0"/>
+          <a:ext cx="0" cy="0"/>
+          <a:chOff x="0" y="0"/>
+          <a:chExt cx="0" cy="0"/>
+        </a:xfrm>
+      </p:grpSpPr>
+      <p:sp>
+        <p:nvSpPr>
+          <p:cNvPr id="2" name="幻灯片图像占位符 1"/>
+          <p:cNvSpPr>
+            <a:spLocks noGrp="1" noRot="1" noChangeAspect="1"/>
+          </p:cNvSpPr>
+          <p:nvPr>
+            <p:ph type="sldImg"/>
+          </p:nvPr>
+        </p:nvSpPr>
+        <p:spPr/>
+      </p:sp>
+      <p:sp>
+        <p:nvSpPr>
+          <p:cNvPr id="3" name="备注占位符 2"/>
+          <p:cNvSpPr>
+            <a:spLocks noGrp="1"/>
+          </p:cNvSpPr>
+          <p:nvPr>
+            <p:ph type="body" idx="1"/>
+          </p:nvPr>
+        </p:nvSpPr>
+        <p:spPr/>
+        <p:txBody>
+          <a:bodyPr/>
+          <a:lstStyle/>
+          <a:p>
+            <a:endParaRPr lang="zh-CN" altLang="en-US" dirty="0"/>
+          </a:p>
+        </p:txBody>
+      </p:sp>
+      <p:sp>
+        <p:nvSpPr>
+          <p:cNvPr id="4" name="灯片编号占位符 3"/>
+          <p:cNvSpPr>
+            <a:spLocks noGrp="1"/>
+          </p:cNvSpPr>
+          <p:nvPr>
+            <p:ph type="sldNum" sz="quarter" idx="10"/>
+          </p:nvPr>
+        </p:nvSpPr>
+        <p:spPr/>
+        <p:txBody>
+          <a:bodyPr/>
+          <a:lstStyle/>
+          <a:p>
+            <a:fld id="{7E93476A-C8EF-4948-84D8-CD0A70688003}" type="slidenum">
+              <a:rPr lang="zh-CN" altLang="en-US" smtClean="0"/>
+              <a:t>22</a:t>
+            </a:fld>
+            <a:endParaRPr lang="zh-CN" altLang="en-US"/>
+          </a:p>
+        </p:txBody>
+      </p:sp>
+    </p:spTree>
+    <p:extLst>
+      <p:ext uri="{BB962C8B-B14F-4D97-AF65-F5344CB8AC3E}">
+        <p14:creationId xmlns:p14="http://schemas.microsoft.com/office/powerpoint/2010/main" val="237361177"/>
+      </p:ext>
+    </p:extLst>
+  </p:cSld>
+  <p:clrMapOvr>
+    <a:masterClrMapping/>
+  </p:clrMapOvr>
+</p:notes>
+</file>
+
+<file path=ppt/notesSlides/notesSlide19.xml><?xml version="1.0" encoding="utf-8"?>
+<p:notes xmlns:a="http://schemas.openxmlformats.org/drawingml/2006/main" xmlns:r="http://schemas.openxmlformats.org/officeDocument/2006/relationships" xmlns:p="http://schemas.openxmlformats.org/presentationml/2006/main">
+  <p:cSld>
+    <p:spTree>
+      <p:nvGrpSpPr>
+        <p:cNvPr id="1" name=""/>
+        <p:cNvGrpSpPr/>
+        <p:nvPr/>
+      </p:nvGrpSpPr>
+      <p:grpSpPr>
+        <a:xfrm>
+          <a:off x="0" y="0"/>
+          <a:ext cx="0" cy="0"/>
+          <a:chOff x="0" y="0"/>
+          <a:chExt cx="0" cy="0"/>
+        </a:xfrm>
+      </p:grpSpPr>
+      <p:sp>
+        <p:nvSpPr>
+          <p:cNvPr id="2" name="幻灯片图像占位符 1"/>
+          <p:cNvSpPr>
+            <a:spLocks noGrp="1" noRot="1" noChangeAspect="1"/>
+          </p:cNvSpPr>
+          <p:nvPr>
+            <p:ph type="sldImg"/>
+          </p:nvPr>
+        </p:nvSpPr>
+        <p:spPr/>
+      </p:sp>
+      <p:sp>
+        <p:nvSpPr>
+          <p:cNvPr id="3" name="备注占位符 2"/>
+          <p:cNvSpPr>
+            <a:spLocks noGrp="1"/>
+          </p:cNvSpPr>
+          <p:nvPr>
+            <p:ph type="body" idx="1"/>
+          </p:nvPr>
+        </p:nvSpPr>
+        <p:spPr/>
+        <p:txBody>
+          <a:bodyPr/>
+          <a:lstStyle/>
+          <a:p>
+            <a:endParaRPr lang="zh-CN" altLang="en-US" dirty="0"/>
+          </a:p>
+        </p:txBody>
+      </p:sp>
+      <p:sp>
+        <p:nvSpPr>
+          <p:cNvPr id="4" name="灯片编号占位符 3"/>
+          <p:cNvSpPr>
+            <a:spLocks noGrp="1"/>
+          </p:cNvSpPr>
+          <p:nvPr>
+            <p:ph type="sldNum" sz="quarter" idx="10"/>
+          </p:nvPr>
+        </p:nvSpPr>
+        <p:spPr/>
+        <p:txBody>
+          <a:bodyPr/>
+          <a:lstStyle/>
+          <a:p>
+            <a:fld id="{7E93476A-C8EF-4948-84D8-CD0A70688003}" type="slidenum">
+              <a:rPr lang="zh-CN" altLang="en-US" smtClean="0"/>
+              <a:t>23</a:t>
             </a:fld>
             <a:endParaRPr lang="zh-CN" altLang="en-US"/>
           </a:p>
@@ -3459,6 +1511,174 @@
             <a:fld id="{7E93476A-C8EF-4948-84D8-CD0A70688003}" type="slidenum">
               <a:rPr lang="zh-CN" altLang="en-US" smtClean="0"/>
               <a:t>3</a:t>
+            </a:fld>
+            <a:endParaRPr lang="zh-CN" altLang="en-US"/>
+          </a:p>
+        </p:txBody>
+      </p:sp>
+    </p:spTree>
+    <p:extLst>
+      <p:ext uri="{BB962C8B-B14F-4D97-AF65-F5344CB8AC3E}">
+        <p14:creationId xmlns:p14="http://schemas.microsoft.com/office/powerpoint/2010/main" val="237361177"/>
+      </p:ext>
+    </p:extLst>
+  </p:cSld>
+  <p:clrMapOvr>
+    <a:masterClrMapping/>
+  </p:clrMapOvr>
+</p:notes>
+</file>
+
+<file path=ppt/notesSlides/notesSlide20.xml><?xml version="1.0" encoding="utf-8"?>
+<p:notes xmlns:a="http://schemas.openxmlformats.org/drawingml/2006/main" xmlns:r="http://schemas.openxmlformats.org/officeDocument/2006/relationships" xmlns:p="http://schemas.openxmlformats.org/presentationml/2006/main">
+  <p:cSld>
+    <p:spTree>
+      <p:nvGrpSpPr>
+        <p:cNvPr id="1" name=""/>
+        <p:cNvGrpSpPr/>
+        <p:nvPr/>
+      </p:nvGrpSpPr>
+      <p:grpSpPr>
+        <a:xfrm>
+          <a:off x="0" y="0"/>
+          <a:ext cx="0" cy="0"/>
+          <a:chOff x="0" y="0"/>
+          <a:chExt cx="0" cy="0"/>
+        </a:xfrm>
+      </p:grpSpPr>
+      <p:sp>
+        <p:nvSpPr>
+          <p:cNvPr id="2" name="幻灯片图像占位符 1"/>
+          <p:cNvSpPr>
+            <a:spLocks noGrp="1" noRot="1" noChangeAspect="1"/>
+          </p:cNvSpPr>
+          <p:nvPr>
+            <p:ph type="sldImg"/>
+          </p:nvPr>
+        </p:nvSpPr>
+        <p:spPr/>
+      </p:sp>
+      <p:sp>
+        <p:nvSpPr>
+          <p:cNvPr id="3" name="备注占位符 2"/>
+          <p:cNvSpPr>
+            <a:spLocks noGrp="1"/>
+          </p:cNvSpPr>
+          <p:nvPr>
+            <p:ph type="body" idx="1"/>
+          </p:nvPr>
+        </p:nvSpPr>
+        <p:spPr/>
+        <p:txBody>
+          <a:bodyPr/>
+          <a:lstStyle/>
+          <a:p>
+            <a:endParaRPr lang="zh-CN" altLang="en-US" dirty="0"/>
+          </a:p>
+        </p:txBody>
+      </p:sp>
+      <p:sp>
+        <p:nvSpPr>
+          <p:cNvPr id="4" name="灯片编号占位符 3"/>
+          <p:cNvSpPr>
+            <a:spLocks noGrp="1"/>
+          </p:cNvSpPr>
+          <p:nvPr>
+            <p:ph type="sldNum" sz="quarter" idx="10"/>
+          </p:nvPr>
+        </p:nvSpPr>
+        <p:spPr/>
+        <p:txBody>
+          <a:bodyPr/>
+          <a:lstStyle/>
+          <a:p>
+            <a:fld id="{7E93476A-C8EF-4948-84D8-CD0A70688003}" type="slidenum">
+              <a:rPr lang="zh-CN" altLang="en-US" smtClean="0"/>
+              <a:t>24</a:t>
+            </a:fld>
+            <a:endParaRPr lang="zh-CN" altLang="en-US"/>
+          </a:p>
+        </p:txBody>
+      </p:sp>
+    </p:spTree>
+    <p:extLst>
+      <p:ext uri="{BB962C8B-B14F-4D97-AF65-F5344CB8AC3E}">
+        <p14:creationId xmlns:p14="http://schemas.microsoft.com/office/powerpoint/2010/main" val="237361177"/>
+      </p:ext>
+    </p:extLst>
+  </p:cSld>
+  <p:clrMapOvr>
+    <a:masterClrMapping/>
+  </p:clrMapOvr>
+</p:notes>
+</file>
+
+<file path=ppt/notesSlides/notesSlide21.xml><?xml version="1.0" encoding="utf-8"?>
+<p:notes xmlns:a="http://schemas.openxmlformats.org/drawingml/2006/main" xmlns:r="http://schemas.openxmlformats.org/officeDocument/2006/relationships" xmlns:p="http://schemas.openxmlformats.org/presentationml/2006/main">
+  <p:cSld>
+    <p:spTree>
+      <p:nvGrpSpPr>
+        <p:cNvPr id="1" name=""/>
+        <p:cNvGrpSpPr/>
+        <p:nvPr/>
+      </p:nvGrpSpPr>
+      <p:grpSpPr>
+        <a:xfrm>
+          <a:off x="0" y="0"/>
+          <a:ext cx="0" cy="0"/>
+          <a:chOff x="0" y="0"/>
+          <a:chExt cx="0" cy="0"/>
+        </a:xfrm>
+      </p:grpSpPr>
+      <p:sp>
+        <p:nvSpPr>
+          <p:cNvPr id="2" name="幻灯片图像占位符 1"/>
+          <p:cNvSpPr>
+            <a:spLocks noGrp="1" noRot="1" noChangeAspect="1"/>
+          </p:cNvSpPr>
+          <p:nvPr>
+            <p:ph type="sldImg"/>
+          </p:nvPr>
+        </p:nvSpPr>
+        <p:spPr/>
+      </p:sp>
+      <p:sp>
+        <p:nvSpPr>
+          <p:cNvPr id="3" name="备注占位符 2"/>
+          <p:cNvSpPr>
+            <a:spLocks noGrp="1"/>
+          </p:cNvSpPr>
+          <p:nvPr>
+            <p:ph type="body" idx="1"/>
+          </p:nvPr>
+        </p:nvSpPr>
+        <p:spPr/>
+        <p:txBody>
+          <a:bodyPr/>
+          <a:lstStyle/>
+          <a:p>
+            <a:endParaRPr lang="zh-CN" altLang="en-US" dirty="0"/>
+          </a:p>
+        </p:txBody>
+      </p:sp>
+      <p:sp>
+        <p:nvSpPr>
+          <p:cNvPr id="4" name="灯片编号占位符 3"/>
+          <p:cNvSpPr>
+            <a:spLocks noGrp="1"/>
+          </p:cNvSpPr>
+          <p:nvPr>
+            <p:ph type="sldNum" sz="quarter" idx="10"/>
+          </p:nvPr>
+        </p:nvSpPr>
+        <p:spPr/>
+        <p:txBody>
+          <a:bodyPr/>
+          <a:lstStyle/>
+          <a:p>
+            <a:fld id="{7E93476A-C8EF-4948-84D8-CD0A70688003}" type="slidenum">
+              <a:rPr lang="zh-CN" altLang="en-US" smtClean="0"/>
+              <a:t>25</a:t>
             </a:fld>
             <a:endParaRPr lang="zh-CN" altLang="en-US"/>
           </a:p>
@@ -4634,7 +2854,7 @@
           <a:p>
             <a:fld id="{A9A3A160-64B0-433E-876E-E206ABB7688A}" type="datetimeFigureOut">
               <a:rPr lang="zh-CN" altLang="en-US" smtClean="0"/>
-              <a:t>2017/4/1</a:t>
+              <a:t>2017/4/5</a:t>
             </a:fld>
             <a:endParaRPr lang="zh-CN" altLang="en-US"/>
           </a:p>
@@ -4846,7 +3066,7 @@
           <a:p>
             <a:fld id="{A9A3A160-64B0-433E-876E-E206ABB7688A}" type="datetimeFigureOut">
               <a:rPr lang="zh-CN" altLang="en-US" smtClean="0"/>
-              <a:t>2017/4/1</a:t>
+              <a:t>2017/4/5</a:t>
             </a:fld>
             <a:endParaRPr lang="zh-CN" altLang="en-US"/>
           </a:p>
@@ -5033,7 +3253,7 @@
           <a:p>
             <a:fld id="{A9A3A160-64B0-433E-876E-E206ABB7688A}" type="datetimeFigureOut">
               <a:rPr lang="zh-CN" altLang="en-US" smtClean="0"/>
-              <a:t>2017/4/1</a:t>
+              <a:t>2017/4/5</a:t>
             </a:fld>
             <a:endParaRPr lang="zh-CN" altLang="en-US"/>
           </a:p>
@@ -5130,7 +3350,7 @@
           <a:p>
             <a:fld id="{A9A3A160-64B0-433E-876E-E206ABB7688A}" type="datetimeFigureOut">
               <a:rPr lang="zh-CN" altLang="en-US" smtClean="0"/>
-              <a:t>2017/4/1</a:t>
+              <a:t>2017/4/5</a:t>
             </a:fld>
             <a:endParaRPr lang="zh-CN" altLang="en-US"/>
           </a:p>
@@ -5726,7 +3946,7 @@
           <a:p>
             <a:fld id="{A9A3A160-64B0-433E-876E-E206ABB7688A}" type="datetimeFigureOut">
               <a:rPr lang="zh-CN" altLang="en-US" smtClean="0"/>
-              <a:t>2017/4/1</a:t>
+              <a:t>2017/4/5</a:t>
             </a:fld>
             <a:endParaRPr lang="zh-CN" altLang="en-US"/>
           </a:p>
@@ -5823,7 +4043,7 @@
           <a:p>
             <a:fld id="{A9A3A160-64B0-433E-876E-E206ABB7688A}" type="datetimeFigureOut">
               <a:rPr lang="zh-CN" altLang="en-US" smtClean="0"/>
-              <a:t>2017/4/1</a:t>
+              <a:t>2017/4/5</a:t>
             </a:fld>
             <a:endParaRPr lang="zh-CN" altLang="en-US"/>
           </a:p>
@@ -6428,7 +4648,7 @@
           <a:p>
             <a:fld id="{A9A3A160-64B0-433E-876E-E206ABB7688A}" type="datetimeFigureOut">
               <a:rPr lang="zh-CN" altLang="en-US" smtClean="0"/>
-              <a:t>2017/4/1</a:t>
+              <a:t>2017/4/5</a:t>
             </a:fld>
             <a:endParaRPr lang="zh-CN" altLang="en-US"/>
           </a:p>
@@ -6571,7 +4791,7 @@
           <a:p>
             <a:fld id="{A9A3A160-64B0-433E-876E-E206ABB7688A}" type="datetimeFigureOut">
               <a:rPr lang="zh-CN" altLang="en-US" smtClean="0"/>
-              <a:t>2017/4/1</a:t>
+              <a:t>2017/4/5</a:t>
             </a:fld>
             <a:endParaRPr lang="zh-CN" altLang="en-US"/>
           </a:p>
@@ -6668,7 +4888,7 @@
           <a:p>
             <a:fld id="{A9A3A160-64B0-433E-876E-E206ABB7688A}" type="datetimeFigureOut">
               <a:rPr lang="zh-CN" altLang="en-US" smtClean="0"/>
-              <a:t>2017/4/1</a:t>
+              <a:t>2017/4/5</a:t>
             </a:fld>
             <a:endParaRPr lang="zh-CN" altLang="en-US"/>
           </a:p>
@@ -6952,7 +5172,7 @@
           <a:p>
             <a:fld id="{A9A3A160-64B0-433E-876E-E206ABB7688A}" type="datetimeFigureOut">
               <a:rPr lang="zh-CN" altLang="en-US" smtClean="0"/>
-              <a:t>2017/4/1</a:t>
+              <a:t>2017/4/5</a:t>
             </a:fld>
             <a:endParaRPr lang="zh-CN" altLang="en-US"/>
           </a:p>
@@ -7474,7 +5694,7 @@
           <a:p>
             <a:fld id="{A9A3A160-64B0-433E-876E-E206ABB7688A}" type="datetimeFigureOut">
               <a:rPr lang="zh-CN" altLang="en-US" smtClean="0"/>
-              <a:t>2017/4/1</a:t>
+              <a:t>2017/4/5</a:t>
             </a:fld>
             <a:endParaRPr lang="zh-CN" altLang="en-US"/>
           </a:p>
@@ -7994,7 +6214,7 @@
           <a:p>
             <a:fld id="{A9A3A160-64B0-433E-876E-E206ABB7688A}" type="datetimeFigureOut">
               <a:rPr lang="zh-CN" altLang="en-US" smtClean="0"/>
-              <a:t>2017/4/1</a:t>
+              <a:t>2017/4/5</a:t>
             </a:fld>
             <a:endParaRPr lang="zh-CN" altLang="en-US"/>
           </a:p>
@@ -8920,7 +7140,6 @@
               <a:rPr lang="zh-CN" altLang="en-US" dirty="0"/>
               <a:t>合作伙伴也同样可以作为远程云服务供应商。</a:t>
             </a:r>
-            <a:endParaRPr lang="zh-CN" altLang="en-US" dirty="0"/>
           </a:p>
         </p:txBody>
       </p:sp>
@@ -9533,7 +7752,7 @@
         <p:spPr>
           <a:xfrm>
             <a:off x="957784" y="2223418"/>
-            <a:ext cx="8268610" cy="3785652"/>
+            <a:ext cx="10814179" cy="4801314"/>
           </a:xfrm>
           <a:prstGeom prst="rect">
             <a:avLst/>
@@ -9548,9 +7767,90 @@
           <a:p>
             <a:r>
               <a:rPr lang="zh-CN" altLang="en-US" dirty="0" smtClean="0"/>
+              <a:t>通用</a:t>
+            </a:r>
+            <a:r>
+              <a:rPr lang="en-US" altLang="zh-CN" dirty="0" err="1" smtClean="0"/>
+              <a:t>Paas</a:t>
+            </a:r>
+            <a:r>
+              <a:rPr lang="zh-CN" altLang="en-US" dirty="0" smtClean="0"/>
+              <a:t>给了我们什么？</a:t>
+            </a:r>
+            <a:endParaRPr lang="en-US" altLang="zh-CN" dirty="0" smtClean="0"/>
+          </a:p>
+          <a:p>
+            <a:pPr marL="342900" indent="-342900">
+              <a:buFont typeface="Arial" panose="020B0604020202020204" pitchFamily="34" charset="0"/>
+              <a:buChar char="•"/>
+            </a:pPr>
+            <a:r>
+              <a:rPr lang="zh-CN" altLang="en-US" sz="1800" dirty="0" smtClean="0"/>
+              <a:t>开发环境（开发工具包）</a:t>
+            </a:r>
+            <a:endParaRPr lang="en-US" altLang="zh-CN" sz="1800" dirty="0" smtClean="0"/>
+          </a:p>
+          <a:p>
+            <a:pPr marL="342900" indent="-342900">
+              <a:buFont typeface="Arial" panose="020B0604020202020204" pitchFamily="34" charset="0"/>
+              <a:buChar char="•"/>
+            </a:pPr>
+            <a:r>
+              <a:rPr lang="zh-CN" altLang="en-US" sz="1800" dirty="0" smtClean="0"/>
+              <a:t>运维自动化</a:t>
+            </a:r>
+            <a:endParaRPr lang="en-US" altLang="zh-CN" sz="1800" dirty="0" smtClean="0"/>
+          </a:p>
+          <a:p>
+            <a:pPr marL="342900" indent="-342900">
+              <a:buFont typeface="Arial" panose="020B0604020202020204" pitchFamily="34" charset="0"/>
+              <a:buChar char="•"/>
+            </a:pPr>
+            <a:r>
+              <a:rPr lang="zh-CN" altLang="en-US" sz="1800" dirty="0" smtClean="0"/>
+              <a:t>基础设施</a:t>
+            </a:r>
+            <a:endParaRPr lang="en-US" altLang="zh-CN" sz="1800" dirty="0" smtClean="0"/>
+          </a:p>
+          <a:p>
+            <a:pPr marL="342900" indent="-342900">
+              <a:buFont typeface="Arial" panose="020B0604020202020204" pitchFamily="34" charset="0"/>
+              <a:buChar char="•"/>
+            </a:pPr>
+            <a:r>
+              <a:rPr lang="zh-CN" altLang="en-US" sz="1800" dirty="0"/>
+              <a:t>新</a:t>
+            </a:r>
+            <a:r>
+              <a:rPr lang="zh-CN" altLang="en-US" sz="1800" dirty="0" smtClean="0"/>
+              <a:t>的开发运维模式</a:t>
+            </a:r>
+            <a:endParaRPr lang="en-US" altLang="zh-CN" sz="1800" dirty="0" smtClean="0"/>
+          </a:p>
+          <a:p>
+            <a:pPr marL="342900" indent="-342900">
+              <a:buFont typeface="Arial" panose="020B0604020202020204" pitchFamily="34" charset="0"/>
+              <a:buChar char="•"/>
+            </a:pPr>
+            <a:r>
+              <a:rPr lang="en-US" altLang="zh-CN" sz="1800" dirty="0" smtClean="0"/>
+              <a:t>Z</a:t>
+            </a:r>
+            <a:r>
+              <a:rPr lang="zh-CN" altLang="en-US" sz="1800" dirty="0" smtClean="0"/>
+              <a:t>目标是支持敏捷开发、自动实现弹性扩展、封装解决通用问题（安全、权限、数据处理、日志等等）</a:t>
+            </a:r>
+            <a:endParaRPr lang="en-US" altLang="zh-CN" sz="1800" dirty="0"/>
+          </a:p>
+          <a:p>
+            <a:endParaRPr lang="en-US" altLang="zh-CN" dirty="0"/>
+          </a:p>
+          <a:p>
+            <a:r>
+              <a:rPr lang="zh-CN" altLang="en-US" sz="1800" dirty="0" smtClean="0"/>
               <a:t>好</a:t>
             </a:r>
-            <a:endParaRPr lang="en-US" altLang="zh-CN" dirty="0" smtClean="0"/>
+            <a:endParaRPr lang="en-US" altLang="zh-CN" sz="1800" dirty="0" smtClean="0"/>
           </a:p>
           <a:p>
             <a:pPr marL="457200" indent="-457200">
@@ -9558,10 +7858,10 @@
               <a:buAutoNum type="arabicPeriod"/>
             </a:pPr>
             <a:r>
-              <a:rPr lang="zh-CN" altLang="en-US" dirty="0" smtClean="0"/>
+              <a:rPr lang="zh-CN" altLang="en-US" sz="1800" dirty="0" smtClean="0"/>
               <a:t>现成可用，成本低，好招人</a:t>
             </a:r>
-            <a:endParaRPr lang="en-US" altLang="zh-CN" dirty="0" smtClean="0"/>
+            <a:endParaRPr lang="en-US" altLang="zh-CN" sz="1800" dirty="0" smtClean="0"/>
           </a:p>
           <a:p>
             <a:pPr marL="457200" indent="-457200">
@@ -9569,10 +7869,10 @@
               <a:buAutoNum type="arabicPeriod"/>
             </a:pPr>
             <a:r>
-              <a:rPr lang="zh-CN" altLang="en-US" dirty="0" smtClean="0"/>
+              <a:rPr lang="zh-CN" altLang="en-US" sz="1800" dirty="0" smtClean="0"/>
               <a:t>标准化，跟着主版本更新新功能</a:t>
             </a:r>
-            <a:endParaRPr lang="en-US" altLang="zh-CN" dirty="0" smtClean="0"/>
+            <a:endParaRPr lang="en-US" altLang="zh-CN" sz="1800" dirty="0" smtClean="0"/>
           </a:p>
           <a:p>
             <a:pPr marL="457200" indent="-457200">
@@ -9580,24 +7880,36 @@
               <a:buAutoNum type="arabicPeriod"/>
             </a:pPr>
             <a:r>
-              <a:rPr lang="zh-CN" altLang="en-US" dirty="0" smtClean="0"/>
-              <a:t>方案可行性风险不大</a:t>
-            </a:r>
-            <a:endParaRPr lang="en-US" altLang="zh-CN" dirty="0" smtClean="0"/>
+              <a:rPr lang="zh-CN" altLang="en-US" sz="1800" dirty="0" smtClean="0"/>
+              <a:t>方案可行性风险</a:t>
+            </a:r>
+            <a:r>
+              <a:rPr lang="zh-CN" altLang="en-US" sz="1800" dirty="0" smtClean="0"/>
+              <a:t>不大</a:t>
+            </a:r>
+            <a:endParaRPr lang="en-US" altLang="zh-CN" sz="1800" dirty="0"/>
+          </a:p>
+          <a:p>
+            <a:r>
+              <a:rPr lang="zh-CN" altLang="en-US" sz="1800" dirty="0" smtClean="0"/>
+              <a:t>坏</a:t>
+            </a:r>
+            <a:endParaRPr lang="en-US" altLang="zh-CN" sz="1800" dirty="0" smtClean="0"/>
           </a:p>
           <a:p>
             <a:pPr marL="457200" indent="-457200">
               <a:buFont typeface="+mj-lt"/>
               <a:buAutoNum type="arabicPeriod"/>
             </a:pPr>
-            <a:endParaRPr lang="en-US" altLang="zh-CN" dirty="0"/>
-          </a:p>
-          <a:p>
-            <a:r>
-              <a:rPr lang="zh-CN" altLang="en-US" dirty="0" smtClean="0"/>
-              <a:t>坏</a:t>
-            </a:r>
-            <a:endParaRPr lang="en-US" altLang="zh-CN" dirty="0" smtClean="0"/>
+            <a:r>
+              <a:rPr lang="zh-CN" altLang="en-US" sz="1800" dirty="0"/>
+              <a:t>没有</a:t>
+            </a:r>
+            <a:r>
+              <a:rPr lang="zh-CN" altLang="en-US" sz="1800" dirty="0" smtClean="0"/>
+              <a:t>契合公司业务场景的非常好框架</a:t>
+            </a:r>
+            <a:endParaRPr lang="en-US" altLang="zh-CN" sz="1800" dirty="0" smtClean="0"/>
           </a:p>
           <a:p>
             <a:pPr marL="457200" indent="-457200">
@@ -9605,14 +7917,26 @@
               <a:buAutoNum type="arabicPeriod"/>
             </a:pPr>
             <a:r>
-              <a:rPr lang="zh-CN" altLang="en-US" dirty="0"/>
-              <a:t>没有</a:t>
-            </a:r>
-            <a:r>
-              <a:rPr lang="zh-CN" altLang="en-US" dirty="0" smtClean="0"/>
-              <a:t>契合公司业务场景的非常好框架</a:t>
-            </a:r>
-            <a:endParaRPr lang="en-US" altLang="zh-CN" dirty="0" smtClean="0"/>
+              <a:rPr lang="zh-CN" altLang="en-US" sz="1800" dirty="0" smtClean="0"/>
+              <a:t>语言层面公司需要从</a:t>
+            </a:r>
+            <a:r>
+              <a:rPr lang="en-US" altLang="zh-CN" sz="1800" dirty="0" err="1" smtClean="0"/>
+              <a:t>.net</a:t>
+            </a:r>
+            <a:r>
+              <a:rPr lang="zh-CN" altLang="en-US" sz="1800" dirty="0" smtClean="0"/>
+              <a:t>向</a:t>
+            </a:r>
+            <a:r>
+              <a:rPr lang="en-US" altLang="zh-CN" sz="1800" dirty="0" smtClean="0"/>
+              <a:t>java</a:t>
+            </a:r>
+            <a:r>
+              <a:rPr lang="zh-CN" altLang="en-US" sz="1800" dirty="0" smtClean="0"/>
+              <a:t>转，不能契合这个过渡期</a:t>
+            </a:r>
+            <a:endParaRPr lang="en-US" altLang="zh-CN" sz="1800" dirty="0" smtClean="0"/>
           </a:p>
           <a:p>
             <a:pPr marL="457200" indent="-457200">
@@ -9620,37 +7944,10 @@
               <a:buAutoNum type="arabicPeriod"/>
             </a:pPr>
             <a:r>
-              <a:rPr lang="zh-CN" altLang="en-US" dirty="0" smtClean="0"/>
-              <a:t>语言层面公司需要从</a:t>
-            </a:r>
-            <a:r>
-              <a:rPr lang="en-US" altLang="zh-CN" dirty="0" err="1" smtClean="0"/>
-              <a:t>.net</a:t>
-            </a:r>
-            <a:r>
-              <a:rPr lang="zh-CN" altLang="en-US" dirty="0" smtClean="0"/>
-              <a:t>向</a:t>
-            </a:r>
-            <a:r>
-              <a:rPr lang="en-US" altLang="zh-CN" dirty="0" smtClean="0"/>
-              <a:t>java</a:t>
-            </a:r>
-            <a:r>
-              <a:rPr lang="zh-CN" altLang="en-US" dirty="0" smtClean="0"/>
-              <a:t>转，不能契合这个过渡期</a:t>
-            </a:r>
-            <a:endParaRPr lang="en-US" altLang="zh-CN" dirty="0" smtClean="0"/>
-          </a:p>
-          <a:p>
-            <a:pPr marL="457200" indent="-457200">
-              <a:buFont typeface="+mj-lt"/>
-              <a:buAutoNum type="arabicPeriod"/>
-            </a:pPr>
-            <a:r>
-              <a:rPr lang="zh-CN" altLang="en-US" dirty="0" smtClean="0"/>
+              <a:rPr lang="zh-CN" altLang="en-US" sz="1800" dirty="0" smtClean="0"/>
               <a:t>改造扩展困难，如需改造，翻源码工作量也很大</a:t>
             </a:r>
-            <a:endParaRPr lang="en-US" altLang="zh-CN" dirty="0" smtClean="0"/>
+            <a:endParaRPr lang="en-US" altLang="zh-CN" sz="1800" dirty="0" smtClean="0"/>
           </a:p>
           <a:p>
             <a:pPr marL="457200" indent="-457200">
@@ -9669,7 +7966,7 @@
         </p:nvSpPr>
         <p:spPr>
           <a:xfrm>
-            <a:off x="1173808" y="6471890"/>
+            <a:off x="1173807" y="7302887"/>
             <a:ext cx="10450297" cy="830997"/>
           </a:xfrm>
           <a:prstGeom prst="rect">
@@ -16051,8 +14348,8 @@
         </p:nvSpPr>
         <p:spPr>
           <a:xfrm>
-            <a:off x="4413" y="2393202"/>
-            <a:ext cx="2465493" cy="886284"/>
+            <a:off x="1677864" y="3879602"/>
+            <a:ext cx="8496944" cy="2016224"/>
           </a:xfrm>
           <a:prstGeom prst="rect">
             <a:avLst/>
@@ -16065,13 +14362,167 @@
           </a:bodyPr>
           <a:lstStyle/>
           <a:p>
-            <a:endParaRPr lang="zh-CN" altLang="en-US" sz="10800" dirty="0">
+            <a:pPr marL="285750" indent="-285750">
+              <a:buFont typeface="Arial" panose="020B0604020202020204" pitchFamily="34" charset="0"/>
+              <a:buChar char="•"/>
+            </a:pPr>
+            <a:r>
+              <a:rPr lang="zh-CN" altLang="en-US" sz="1800" dirty="0" smtClean="0">
+                <a:solidFill>
+                  <a:schemeClr val="accent1"/>
+                </a:solidFill>
+                <a:latin typeface="微软雅黑" panose="020B0503020204020204" pitchFamily="34" charset="-122"/>
+                <a:ea typeface="微软雅黑" panose="020B0503020204020204" pitchFamily="34" charset="-122"/>
+              </a:rPr>
+              <a:t>如何实现弹性（可用性、高性能上面的扩展性）</a:t>
+            </a:r>
+            <a:endParaRPr lang="en-US" altLang="zh-CN" sz="1800" dirty="0" smtClean="0">
               <a:solidFill>
                 <a:schemeClr val="accent1"/>
               </a:solidFill>
               <a:latin typeface="微软雅黑" panose="020B0503020204020204" pitchFamily="34" charset="-122"/>
               <a:ea typeface="微软雅黑" panose="020B0503020204020204" pitchFamily="34" charset="-122"/>
             </a:endParaRPr>
+          </a:p>
+          <a:p>
+            <a:pPr marL="285750" indent="-285750">
+              <a:buFont typeface="Arial" panose="020B0604020202020204" pitchFamily="34" charset="0"/>
+              <a:buChar char="•"/>
+            </a:pPr>
+            <a:r>
+              <a:rPr lang="zh-CN" altLang="en-US" sz="1800" dirty="0" smtClean="0">
+                <a:solidFill>
+                  <a:schemeClr val="accent1"/>
+                </a:solidFill>
+                <a:latin typeface="微软雅黑" panose="020B0503020204020204" pitchFamily="34" charset="-122"/>
+                <a:ea typeface="微软雅黑" panose="020B0503020204020204" pitchFamily="34" charset="-122"/>
+              </a:rPr>
+              <a:t>如何实现容灾</a:t>
+            </a:r>
+            <a:endParaRPr lang="en-US" altLang="zh-CN" sz="1800" dirty="0" smtClean="0">
+              <a:solidFill>
+                <a:schemeClr val="accent1"/>
+              </a:solidFill>
+              <a:latin typeface="微软雅黑" panose="020B0503020204020204" pitchFamily="34" charset="-122"/>
+              <a:ea typeface="微软雅黑" panose="020B0503020204020204" pitchFamily="34" charset="-122"/>
+            </a:endParaRPr>
+          </a:p>
+          <a:p>
+            <a:pPr marL="285750" indent="-285750">
+              <a:buFont typeface="Arial" panose="020B0604020202020204" pitchFamily="34" charset="0"/>
+              <a:buChar char="•"/>
+            </a:pPr>
+            <a:r>
+              <a:rPr lang="zh-CN" altLang="en-US" sz="1800" dirty="0" smtClean="0">
+                <a:solidFill>
+                  <a:schemeClr val="accent1"/>
+                </a:solidFill>
+                <a:latin typeface="微软雅黑" panose="020B0503020204020204" pitchFamily="34" charset="-122"/>
+                <a:ea typeface="微软雅黑" panose="020B0503020204020204" pitchFamily="34" charset="-122"/>
+              </a:rPr>
+              <a:t>如何实现安全</a:t>
+            </a:r>
+            <a:endParaRPr lang="en-US" altLang="zh-CN" sz="1800" dirty="0" smtClean="0">
+              <a:solidFill>
+                <a:schemeClr val="accent1"/>
+              </a:solidFill>
+              <a:latin typeface="微软雅黑" panose="020B0503020204020204" pitchFamily="34" charset="-122"/>
+              <a:ea typeface="微软雅黑" panose="020B0503020204020204" pitchFamily="34" charset="-122"/>
+            </a:endParaRPr>
+          </a:p>
+          <a:p>
+            <a:pPr marL="285750" indent="-285750">
+              <a:buFont typeface="Arial" panose="020B0604020202020204" pitchFamily="34" charset="0"/>
+              <a:buChar char="•"/>
+            </a:pPr>
+            <a:r>
+              <a:rPr lang="zh-CN" altLang="en-US" sz="1800" dirty="0" smtClean="0">
+                <a:solidFill>
+                  <a:schemeClr val="accent1"/>
+                </a:solidFill>
+                <a:latin typeface="微软雅黑" panose="020B0503020204020204" pitchFamily="34" charset="-122"/>
+                <a:ea typeface="微软雅黑" panose="020B0503020204020204" pitchFamily="34" charset="-122"/>
+              </a:rPr>
+              <a:t>如何实现敏捷开发</a:t>
+            </a:r>
+            <a:endParaRPr lang="en-US" altLang="zh-CN" sz="1800" dirty="0" smtClean="0">
+              <a:solidFill>
+                <a:schemeClr val="accent1"/>
+              </a:solidFill>
+              <a:latin typeface="微软雅黑" panose="020B0503020204020204" pitchFamily="34" charset="-122"/>
+              <a:ea typeface="微软雅黑" panose="020B0503020204020204" pitchFamily="34" charset="-122"/>
+            </a:endParaRPr>
+          </a:p>
+        </p:txBody>
+      </p:sp>
+      <p:sp>
+        <p:nvSpPr>
+          <p:cNvPr id="2" name="TextBox 1"/>
+          <p:cNvSpPr txBox="1"/>
+          <p:nvPr/>
+        </p:nvSpPr>
+        <p:spPr>
+          <a:xfrm>
+            <a:off x="1461840" y="2583458"/>
+            <a:ext cx="10956846" cy="830997"/>
+          </a:xfrm>
+          <a:prstGeom prst="rect">
+            <a:avLst/>
+          </a:prstGeom>
+          <a:noFill/>
+        </p:spPr>
+        <p:txBody>
+          <a:bodyPr wrap="none" rtlCol="0">
+            <a:spAutoFit/>
+          </a:bodyPr>
+          <a:lstStyle/>
+          <a:p>
+            <a:r>
+              <a:rPr lang="zh-CN" altLang="en-US" dirty="0" smtClean="0"/>
+              <a:t>技术是由需求推动的</a:t>
+            </a:r>
+            <a:endParaRPr lang="en-US" altLang="zh-CN" dirty="0" smtClean="0"/>
+          </a:p>
+          <a:p>
+            <a:r>
+              <a:rPr lang="zh-CN" altLang="en-US" dirty="0" smtClean="0"/>
+              <a:t>过度的设计只会使方案变得臃肿和难以实现，而实际使用恰恰是一些很小的功能</a:t>
+            </a:r>
+            <a:endParaRPr lang="en-US" altLang="zh-CN" dirty="0" smtClean="0"/>
+          </a:p>
+        </p:txBody>
+      </p:sp>
+      <p:sp>
+        <p:nvSpPr>
+          <p:cNvPr id="3" name="TextBox 2"/>
+          <p:cNvSpPr txBox="1"/>
+          <p:nvPr/>
+        </p:nvSpPr>
+        <p:spPr>
+          <a:xfrm>
+            <a:off x="1677864" y="5967834"/>
+            <a:ext cx="3182281" cy="461665"/>
+          </a:xfrm>
+          <a:prstGeom prst="rect">
+            <a:avLst/>
+          </a:prstGeom>
+          <a:noFill/>
+        </p:spPr>
+        <p:txBody>
+          <a:bodyPr wrap="none" rtlCol="0">
+            <a:spAutoFit/>
+          </a:bodyPr>
+          <a:lstStyle/>
+          <a:p>
+            <a:r>
+              <a:rPr lang="zh-CN" altLang="en-US" dirty="0" smtClean="0"/>
+              <a:t>这些实现都有个过程</a:t>
+            </a:r>
+            <a:r>
+              <a:rPr lang="en-US" altLang="zh-CN" dirty="0" smtClean="0"/>
+              <a:t>..</a:t>
+            </a:r>
+            <a:endParaRPr lang="zh-CN" altLang="en-US" dirty="0"/>
           </a:p>
         </p:txBody>
       </p:sp>
@@ -16200,15 +14651,10 @@
                             </p:stCondLst>
                             <p:childTnLst>
                               <p:par>
-                                <p:cTn id="13" presetID="10" presetClass="entr" presetSubtype="0" fill="hold" grpId="0" nodeType="afterEffect" nodePh="1">
+                                <p:cTn id="13" presetID="10" presetClass="entr" presetSubtype="0" fill="hold" grpId="0" nodeType="afterEffect">
                                   <p:stCondLst>
                                     <p:cond delay="0"/>
                                   </p:stCondLst>
-                                  <p:endCondLst>
-                                    <p:cond evt="begin" delay="0">
-                                      <p:tn val="13"/>
-                                    </p:cond>
-                                  </p:endCondLst>
                                   <p:childTnLst>
                                     <p:set>
                                       <p:cBhvr>
@@ -16771,7 +15217,7 @@
                 <a:latin typeface="黑体" panose="02010609060101010101" pitchFamily="49" charset="-122"/>
                 <a:ea typeface="黑体" panose="02010609060101010101" pitchFamily="49" charset="-122"/>
               </a:rPr>
-              <a:t>怎么做？</a:t>
+              <a:t>阶段计划</a:t>
             </a:r>
             <a:endParaRPr lang="zh-CN" altLang="en-US" sz="4400" dirty="0">
               <a:solidFill>
@@ -16821,10 +15267,325 @@
           </a:fontRef>
         </p:style>
       </p:cxnSp>
+      <p:sp>
+        <p:nvSpPr>
+          <p:cNvPr id="2" name="矩形 1"/>
+          <p:cNvSpPr/>
+          <p:nvPr/>
+        </p:nvSpPr>
+        <p:spPr>
+          <a:xfrm>
+            <a:off x="947561" y="2367434"/>
+            <a:ext cx="3024336" cy="1800200"/>
+          </a:xfrm>
+          <a:prstGeom prst="rect">
+            <a:avLst/>
+          </a:prstGeom>
+          <a:solidFill>
+            <a:schemeClr val="accent5">
+              <a:lumMod val="20000"/>
+              <a:lumOff val="80000"/>
+            </a:schemeClr>
+          </a:solidFill>
+          <a:ln>
+            <a:noFill/>
+          </a:ln>
+        </p:spPr>
+        <p:style>
+          <a:lnRef idx="2">
+            <a:schemeClr val="accent1">
+              <a:shade val="50000"/>
+            </a:schemeClr>
+          </a:lnRef>
+          <a:fillRef idx="1">
+            <a:schemeClr val="accent1"/>
+          </a:fillRef>
+          <a:effectRef idx="0">
+            <a:schemeClr val="accent1"/>
+          </a:effectRef>
+          <a:fontRef idx="minor">
+            <a:schemeClr val="lt1"/>
+          </a:fontRef>
+        </p:style>
+        <p:txBody>
+          <a:bodyPr rtlCol="0" anchor="ctr"/>
+          <a:lstStyle/>
+          <a:p>
+            <a:pPr algn="ctr"/>
+            <a:r>
+              <a:rPr lang="zh-CN" altLang="en-US" dirty="0" smtClean="0">
+                <a:solidFill>
+                  <a:schemeClr val="tx1"/>
+                </a:solidFill>
+              </a:rPr>
+              <a:t>基础可用阶段</a:t>
+            </a:r>
+            <a:r>
+              <a:rPr lang="en-US" altLang="zh-CN" dirty="0" smtClean="0">
+                <a:solidFill>
+                  <a:schemeClr val="tx1"/>
+                </a:solidFill>
+              </a:rPr>
+              <a:t/>
+            </a:r>
+            <a:br>
+              <a:rPr lang="en-US" altLang="zh-CN" dirty="0" smtClean="0">
+                <a:solidFill>
+                  <a:schemeClr val="tx1"/>
+                </a:solidFill>
+              </a:rPr>
+            </a:br>
+            <a:r>
+              <a:rPr lang="zh-CN" altLang="en-US" dirty="0" smtClean="0">
+                <a:solidFill>
+                  <a:schemeClr val="tx1"/>
+                </a:solidFill>
+              </a:rPr>
+              <a:t>（弹性</a:t>
+            </a:r>
+            <a:r>
+              <a:rPr lang="en-US" altLang="zh-CN" dirty="0" smtClean="0">
+                <a:solidFill>
+                  <a:schemeClr val="tx1"/>
+                </a:solidFill>
+              </a:rPr>
+              <a:t>can</a:t>
+            </a:r>
+            <a:r>
+              <a:rPr lang="zh-CN" altLang="en-US" dirty="0" smtClean="0">
+                <a:solidFill>
+                  <a:schemeClr val="tx1"/>
+                </a:solidFill>
+              </a:rPr>
+              <a:t>接口，通用设施接口）</a:t>
+            </a:r>
+            <a:endParaRPr lang="zh-CN" altLang="en-US" dirty="0">
+              <a:solidFill>
+                <a:schemeClr val="tx1"/>
+              </a:solidFill>
+            </a:endParaRPr>
+          </a:p>
+        </p:txBody>
+      </p:sp>
+      <p:sp>
+        <p:nvSpPr>
+          <p:cNvPr id="9" name="矩形 8"/>
+          <p:cNvSpPr/>
+          <p:nvPr/>
+        </p:nvSpPr>
+        <p:spPr>
+          <a:xfrm>
+            <a:off x="4054128" y="4356888"/>
+            <a:ext cx="3636271" cy="1872208"/>
+          </a:xfrm>
+          <a:prstGeom prst="rect">
+            <a:avLst/>
+          </a:prstGeom>
+          <a:solidFill>
+            <a:schemeClr val="accent6">
+              <a:lumMod val="60000"/>
+              <a:lumOff val="40000"/>
+            </a:schemeClr>
+          </a:solidFill>
+          <a:ln>
+            <a:noFill/>
+          </a:ln>
+        </p:spPr>
+        <p:style>
+          <a:lnRef idx="2">
+            <a:schemeClr val="accent1">
+              <a:shade val="50000"/>
+            </a:schemeClr>
+          </a:lnRef>
+          <a:fillRef idx="1">
+            <a:schemeClr val="accent1"/>
+          </a:fillRef>
+          <a:effectRef idx="0">
+            <a:schemeClr val="accent1"/>
+          </a:effectRef>
+          <a:fontRef idx="minor">
+            <a:schemeClr val="lt1"/>
+          </a:fontRef>
+        </p:style>
+        <p:txBody>
+          <a:bodyPr rtlCol="0" anchor="ctr"/>
+          <a:lstStyle/>
+          <a:p>
+            <a:pPr algn="ctr"/>
+            <a:r>
+              <a:rPr lang="zh-CN" altLang="en-US" dirty="0" smtClean="0"/>
+              <a:t>使用扩展阶段</a:t>
+            </a:r>
+            <a:endParaRPr lang="en-US" altLang="zh-CN" dirty="0" smtClean="0"/>
+          </a:p>
+          <a:p>
+            <a:pPr algn="ctr"/>
+            <a:r>
+              <a:rPr lang="zh-CN" altLang="en-US" dirty="0" smtClean="0"/>
+              <a:t>（扩展大量功能工具，实现整体框架）</a:t>
+            </a:r>
+            <a:endParaRPr lang="zh-CN" altLang="en-US" dirty="0"/>
+          </a:p>
+        </p:txBody>
+      </p:sp>
+      <p:sp>
+        <p:nvSpPr>
+          <p:cNvPr id="11" name="矩形 10"/>
+          <p:cNvSpPr/>
+          <p:nvPr/>
+        </p:nvSpPr>
+        <p:spPr>
+          <a:xfrm>
+            <a:off x="8230592" y="6234856"/>
+            <a:ext cx="3888432" cy="1944216"/>
+          </a:xfrm>
+          <a:prstGeom prst="rect">
+            <a:avLst/>
+          </a:prstGeom>
+        </p:spPr>
+        <p:style>
+          <a:lnRef idx="2">
+            <a:schemeClr val="accent1">
+              <a:shade val="50000"/>
+            </a:schemeClr>
+          </a:lnRef>
+          <a:fillRef idx="1">
+            <a:schemeClr val="accent1"/>
+          </a:fillRef>
+          <a:effectRef idx="0">
+            <a:schemeClr val="accent1"/>
+          </a:effectRef>
+          <a:fontRef idx="minor">
+            <a:schemeClr val="lt1"/>
+          </a:fontRef>
+        </p:style>
+        <p:txBody>
+          <a:bodyPr rtlCol="0" anchor="ctr"/>
+          <a:lstStyle/>
+          <a:p>
+            <a:pPr algn="ctr"/>
+            <a:r>
+              <a:rPr lang="en-US" altLang="zh-CN" dirty="0" err="1" smtClean="0"/>
+              <a:t>Paas</a:t>
+            </a:r>
+            <a:endParaRPr lang="zh-CN" altLang="en-US" dirty="0"/>
+          </a:p>
+        </p:txBody>
+      </p:sp>
+      <p:sp>
+        <p:nvSpPr>
+          <p:cNvPr id="20" name="圆角右箭头 19"/>
+          <p:cNvSpPr/>
+          <p:nvPr/>
+        </p:nvSpPr>
+        <p:spPr>
+          <a:xfrm rot="4487039">
+            <a:off x="4247893" y="3079806"/>
+            <a:ext cx="1236159" cy="1346451"/>
+          </a:xfrm>
+          <a:prstGeom prst="bentArrow">
+            <a:avLst>
+              <a:gd name="adj1" fmla="val 26120"/>
+              <a:gd name="adj2" fmla="val 22078"/>
+              <a:gd name="adj3" fmla="val 26794"/>
+              <a:gd name="adj4" fmla="val 73206"/>
+            </a:avLst>
+          </a:prstGeom>
+          <a:solidFill>
+            <a:schemeClr val="accent2"/>
+          </a:solidFill>
+          <a:ln>
+            <a:noFill/>
+          </a:ln>
+        </p:spPr>
+        <p:style>
+          <a:lnRef idx="2">
+            <a:schemeClr val="accent1">
+              <a:shade val="50000"/>
+            </a:schemeClr>
+          </a:lnRef>
+          <a:fillRef idx="1">
+            <a:schemeClr val="accent1"/>
+          </a:fillRef>
+          <a:effectRef idx="0">
+            <a:schemeClr val="accent1"/>
+          </a:effectRef>
+          <a:fontRef idx="minor">
+            <a:schemeClr val="lt1"/>
+          </a:fontRef>
+        </p:style>
+        <p:txBody>
+          <a:bodyPr rtlCol="0" anchor="ctr"/>
+          <a:lstStyle/>
+          <a:p>
+            <a:pPr algn="ctr"/>
+            <a:endParaRPr lang="zh-CN" altLang="en-US">
+              <a:solidFill>
+                <a:schemeClr val="tx1"/>
+              </a:solidFill>
+            </a:endParaRPr>
+          </a:p>
+        </p:txBody>
+      </p:sp>
+      <p:sp>
+        <p:nvSpPr>
+          <p:cNvPr id="21" name="圆角右箭头 20"/>
+          <p:cNvSpPr/>
+          <p:nvPr/>
+        </p:nvSpPr>
+        <p:spPr>
+          <a:xfrm rot="4487039">
+            <a:off x="8064317" y="4915586"/>
+            <a:ext cx="1236159" cy="1346451"/>
+          </a:xfrm>
+          <a:prstGeom prst="bentArrow">
+            <a:avLst>
+              <a:gd name="adj1" fmla="val 26120"/>
+              <a:gd name="adj2" fmla="val 22078"/>
+              <a:gd name="adj3" fmla="val 26794"/>
+              <a:gd name="adj4" fmla="val 73206"/>
+            </a:avLst>
+          </a:prstGeom>
+          <a:solidFill>
+            <a:schemeClr val="accent2"/>
+          </a:solidFill>
+          <a:ln>
+            <a:noFill/>
+          </a:ln>
+        </p:spPr>
+        <p:style>
+          <a:lnRef idx="2">
+            <a:schemeClr val="accent1">
+              <a:shade val="50000"/>
+            </a:schemeClr>
+          </a:lnRef>
+          <a:fillRef idx="1">
+            <a:schemeClr val="accent1"/>
+          </a:fillRef>
+          <a:effectRef idx="0">
+            <a:schemeClr val="accent1"/>
+          </a:effectRef>
+          <a:fontRef idx="minor">
+            <a:schemeClr val="lt1"/>
+          </a:fontRef>
+        </p:style>
+        <p:txBody>
+          <a:bodyPr rtlCol="0" anchor="ctr"/>
+          <a:lstStyle/>
+          <a:p>
+            <a:pPr algn="ctr"/>
+            <a:endParaRPr lang="zh-CN" altLang="en-US">
+              <a:solidFill>
+                <a:schemeClr val="tx1"/>
+              </a:solidFill>
+            </a:endParaRPr>
+          </a:p>
+        </p:txBody>
+      </p:sp>
     </p:spTree>
     <p:extLst>
       <p:ext uri="{BB962C8B-B14F-4D97-AF65-F5344CB8AC3E}">
-        <p14:creationId xmlns:p14="http://schemas.microsoft.com/office/powerpoint/2010/main" val="821171825"/>
+        <p14:creationId xmlns:p14="http://schemas.microsoft.com/office/powerpoint/2010/main" val="358837730"/>
       </p:ext>
     </p:extLst>
   </p:cSld>
@@ -16987,6 +15748,3047 @@
           <a:chExt cx="0" cy="0"/>
         </a:xfrm>
       </p:grpSpPr>
+      <p:sp>
+        <p:nvSpPr>
+          <p:cNvPr id="6" name="文本框 13"/>
+          <p:cNvSpPr txBox="1"/>
+          <p:nvPr/>
+        </p:nvSpPr>
+        <p:spPr>
+          <a:xfrm>
+            <a:off x="885776" y="855266"/>
+            <a:ext cx="6947656" cy="801897"/>
+          </a:xfrm>
+          <a:prstGeom prst="rect">
+            <a:avLst/>
+          </a:prstGeom>
+          <a:noFill/>
+        </p:spPr>
+        <p:txBody>
+          <a:bodyPr wrap="square" lIns="123581" tIns="61791" rIns="123581" bIns="61791" rtlCol="0">
+            <a:spAutoFit/>
+          </a:bodyPr>
+          <a:lstStyle/>
+          <a:p>
+            <a:r>
+              <a:rPr lang="zh-CN" altLang="en-US" sz="4400" dirty="0" smtClean="0">
+                <a:solidFill>
+                  <a:schemeClr val="accent6">
+                    <a:lumMod val="60000"/>
+                    <a:lumOff val="40000"/>
+                  </a:schemeClr>
+                </a:solidFill>
+                <a:latin typeface="黑体" panose="02010609060101010101" pitchFamily="49" charset="-122"/>
+                <a:ea typeface="黑体" panose="02010609060101010101" pitchFamily="49" charset="-122"/>
+              </a:rPr>
+              <a:t>基础可用阶段</a:t>
+            </a:r>
+            <a:endParaRPr lang="zh-CN" altLang="en-US" sz="4400" dirty="0">
+              <a:solidFill>
+                <a:schemeClr val="accent6">
+                  <a:lumMod val="60000"/>
+                  <a:lumOff val="40000"/>
+                </a:schemeClr>
+              </a:solidFill>
+              <a:latin typeface="黑体" panose="02010609060101010101" pitchFamily="49" charset="-122"/>
+              <a:ea typeface="黑体" panose="02010609060101010101" pitchFamily="49" charset="-122"/>
+            </a:endParaRPr>
+          </a:p>
+        </p:txBody>
+      </p:sp>
+      <p:cxnSp>
+        <p:nvCxnSpPr>
+          <p:cNvPr id="7" name="直接连接符 6"/>
+          <p:cNvCxnSpPr/>
+          <p:nvPr/>
+        </p:nvCxnSpPr>
+        <p:spPr>
+          <a:xfrm>
+            <a:off x="584734" y="2048065"/>
+            <a:ext cx="11367663" cy="0"/>
+          </a:xfrm>
+          <a:prstGeom prst="line">
+            <a:avLst/>
+          </a:prstGeom>
+          <a:ln>
+            <a:solidFill>
+              <a:schemeClr val="tx1">
+                <a:lumMod val="50000"/>
+                <a:lumOff val="50000"/>
+              </a:schemeClr>
+            </a:solidFill>
+          </a:ln>
+        </p:spPr>
+        <p:style>
+          <a:lnRef idx="1">
+            <a:schemeClr val="accent1"/>
+          </a:lnRef>
+          <a:fillRef idx="0">
+            <a:schemeClr val="accent1"/>
+          </a:fillRef>
+          <a:effectRef idx="0">
+            <a:schemeClr val="accent1"/>
+          </a:effectRef>
+          <a:fontRef idx="minor">
+            <a:schemeClr val="tx1"/>
+          </a:fontRef>
+        </p:style>
+      </p:cxnSp>
+      <p:sp>
+        <p:nvSpPr>
+          <p:cNvPr id="4" name="TextBox 3"/>
+          <p:cNvSpPr txBox="1"/>
+          <p:nvPr/>
+        </p:nvSpPr>
+        <p:spPr>
+          <a:xfrm>
+            <a:off x="1441938" y="2388546"/>
+            <a:ext cx="1743451" cy="461665"/>
+          </a:xfrm>
+          <a:prstGeom prst="rect">
+            <a:avLst/>
+          </a:prstGeom>
+          <a:noFill/>
+        </p:spPr>
+        <p:txBody>
+          <a:bodyPr wrap="square" rtlCol="0">
+            <a:spAutoFit/>
+          </a:bodyPr>
+          <a:lstStyle/>
+          <a:p>
+            <a:r>
+              <a:rPr lang="zh-CN" altLang="en-US" dirty="0" smtClean="0">
+                <a:solidFill>
+                  <a:schemeClr val="accent6">
+                    <a:lumMod val="60000"/>
+                    <a:lumOff val="40000"/>
+                  </a:schemeClr>
+                </a:solidFill>
+              </a:rPr>
+              <a:t>适度的弹性</a:t>
+            </a:r>
+            <a:endParaRPr lang="zh-CN" altLang="en-US" dirty="0">
+              <a:solidFill>
+                <a:schemeClr val="accent6">
+                  <a:lumMod val="60000"/>
+                  <a:lumOff val="40000"/>
+                </a:schemeClr>
+              </a:solidFill>
+            </a:endParaRPr>
+          </a:p>
+        </p:txBody>
+      </p:sp>
+      <p:cxnSp>
+        <p:nvCxnSpPr>
+          <p:cNvPr id="8" name="直接箭头连接符 7"/>
+          <p:cNvCxnSpPr/>
+          <p:nvPr/>
+        </p:nvCxnSpPr>
+        <p:spPr>
+          <a:xfrm>
+            <a:off x="3185389" y="3159522"/>
+            <a:ext cx="580707" cy="504056"/>
+          </a:xfrm>
+          <a:prstGeom prst="straightConnector1">
+            <a:avLst/>
+          </a:prstGeom>
+          <a:ln>
+            <a:tailEnd type="arrow"/>
+          </a:ln>
+        </p:spPr>
+        <p:style>
+          <a:lnRef idx="1">
+            <a:schemeClr val="accent1"/>
+          </a:lnRef>
+          <a:fillRef idx="0">
+            <a:schemeClr val="accent1"/>
+          </a:fillRef>
+          <a:effectRef idx="0">
+            <a:schemeClr val="accent1"/>
+          </a:effectRef>
+          <a:fontRef idx="minor">
+            <a:schemeClr val="tx1"/>
+          </a:fontRef>
+        </p:style>
+      </p:cxnSp>
+      <p:sp>
+        <p:nvSpPr>
+          <p:cNvPr id="10" name="TextBox 9"/>
+          <p:cNvSpPr txBox="1"/>
+          <p:nvPr/>
+        </p:nvSpPr>
+        <p:spPr>
+          <a:xfrm>
+            <a:off x="3185389" y="3999145"/>
+            <a:ext cx="3262432" cy="461665"/>
+          </a:xfrm>
+          <a:prstGeom prst="rect">
+            <a:avLst/>
+          </a:prstGeom>
+          <a:noFill/>
+        </p:spPr>
+        <p:txBody>
+          <a:bodyPr wrap="none" rtlCol="0">
+            <a:spAutoFit/>
+          </a:bodyPr>
+          <a:lstStyle/>
+          <a:p>
+            <a:r>
+              <a:rPr lang="zh-CN" altLang="en-US" dirty="0" smtClean="0">
+                <a:solidFill>
+                  <a:schemeClr val="accent6">
+                    <a:lumMod val="60000"/>
+                    <a:lumOff val="40000"/>
+                  </a:schemeClr>
+                </a:solidFill>
+              </a:rPr>
+              <a:t>可扩展的软件基础建设</a:t>
+            </a:r>
+            <a:endParaRPr lang="zh-CN" altLang="en-US" dirty="0">
+              <a:solidFill>
+                <a:schemeClr val="accent6">
+                  <a:lumMod val="60000"/>
+                  <a:lumOff val="40000"/>
+                </a:schemeClr>
+              </a:solidFill>
+            </a:endParaRPr>
+          </a:p>
+        </p:txBody>
+      </p:sp>
+      <p:cxnSp>
+        <p:nvCxnSpPr>
+          <p:cNvPr id="13" name="直接箭头连接符 12"/>
+          <p:cNvCxnSpPr/>
+          <p:nvPr/>
+        </p:nvCxnSpPr>
+        <p:spPr>
+          <a:xfrm>
+            <a:off x="4990232" y="4671690"/>
+            <a:ext cx="1152128" cy="576064"/>
+          </a:xfrm>
+          <a:prstGeom prst="straightConnector1">
+            <a:avLst/>
+          </a:prstGeom>
+          <a:ln>
+            <a:tailEnd type="arrow"/>
+          </a:ln>
+        </p:spPr>
+        <p:style>
+          <a:lnRef idx="1">
+            <a:schemeClr val="accent1"/>
+          </a:lnRef>
+          <a:fillRef idx="0">
+            <a:schemeClr val="accent1"/>
+          </a:fillRef>
+          <a:effectRef idx="0">
+            <a:schemeClr val="accent1"/>
+          </a:effectRef>
+          <a:fontRef idx="minor">
+            <a:schemeClr val="tx1"/>
+          </a:fontRef>
+        </p:style>
+      </p:cxnSp>
+      <p:sp>
+        <p:nvSpPr>
+          <p:cNvPr id="15" name="TextBox 14"/>
+          <p:cNvSpPr txBox="1"/>
+          <p:nvPr/>
+        </p:nvSpPr>
+        <p:spPr>
+          <a:xfrm>
+            <a:off x="5638304" y="5463778"/>
+            <a:ext cx="2646878" cy="461665"/>
+          </a:xfrm>
+          <a:prstGeom prst="rect">
+            <a:avLst/>
+          </a:prstGeom>
+          <a:noFill/>
+        </p:spPr>
+        <p:txBody>
+          <a:bodyPr wrap="none" rtlCol="0">
+            <a:spAutoFit/>
+          </a:bodyPr>
+          <a:lstStyle/>
+          <a:p>
+            <a:r>
+              <a:rPr lang="zh-CN" altLang="en-US" dirty="0" smtClean="0">
+                <a:solidFill>
+                  <a:schemeClr val="accent6">
+                    <a:lumMod val="60000"/>
+                    <a:lumOff val="40000"/>
+                  </a:schemeClr>
+                </a:solidFill>
+              </a:rPr>
+              <a:t>适度的容灾和安全</a:t>
+            </a:r>
+            <a:endParaRPr lang="zh-CN" altLang="en-US" dirty="0">
+              <a:solidFill>
+                <a:schemeClr val="accent6">
+                  <a:lumMod val="60000"/>
+                  <a:lumOff val="40000"/>
+                </a:schemeClr>
+              </a:solidFill>
+            </a:endParaRPr>
+          </a:p>
+        </p:txBody>
+      </p:sp>
+      <p:cxnSp>
+        <p:nvCxnSpPr>
+          <p:cNvPr id="17" name="直接箭头连接符 16"/>
+          <p:cNvCxnSpPr/>
+          <p:nvPr/>
+        </p:nvCxnSpPr>
+        <p:spPr>
+          <a:xfrm>
+            <a:off x="7438504" y="6255866"/>
+            <a:ext cx="1368152" cy="576064"/>
+          </a:xfrm>
+          <a:prstGeom prst="straightConnector1">
+            <a:avLst/>
+          </a:prstGeom>
+          <a:ln>
+            <a:tailEnd type="arrow"/>
+          </a:ln>
+        </p:spPr>
+        <p:style>
+          <a:lnRef idx="1">
+            <a:schemeClr val="accent1"/>
+          </a:lnRef>
+          <a:fillRef idx="0">
+            <a:schemeClr val="accent1"/>
+          </a:fillRef>
+          <a:effectRef idx="0">
+            <a:schemeClr val="accent1"/>
+          </a:effectRef>
+          <a:fontRef idx="minor">
+            <a:schemeClr val="tx1"/>
+          </a:fontRef>
+        </p:style>
+      </p:cxnSp>
+      <p:sp>
+        <p:nvSpPr>
+          <p:cNvPr id="18" name="TextBox 17"/>
+          <p:cNvSpPr txBox="1"/>
+          <p:nvPr/>
+        </p:nvSpPr>
+        <p:spPr>
+          <a:xfrm>
+            <a:off x="7726536" y="7119962"/>
+            <a:ext cx="3262432" cy="461665"/>
+          </a:xfrm>
+          <a:prstGeom prst="rect">
+            <a:avLst/>
+          </a:prstGeom>
+          <a:noFill/>
+        </p:spPr>
+        <p:txBody>
+          <a:bodyPr wrap="none" rtlCol="0">
+            <a:spAutoFit/>
+          </a:bodyPr>
+          <a:lstStyle/>
+          <a:p>
+            <a:r>
+              <a:rPr lang="zh-CN" altLang="en-US" dirty="0" smtClean="0">
+                <a:solidFill>
+                  <a:schemeClr val="accent6">
+                    <a:lumMod val="60000"/>
+                    <a:lumOff val="40000"/>
+                  </a:schemeClr>
+                </a:solidFill>
+              </a:rPr>
+              <a:t>敏捷开发和半自动运维</a:t>
+            </a:r>
+            <a:endParaRPr lang="zh-CN" altLang="en-US" dirty="0">
+              <a:solidFill>
+                <a:schemeClr val="accent6">
+                  <a:lumMod val="60000"/>
+                  <a:lumOff val="40000"/>
+                </a:schemeClr>
+              </a:solidFill>
+            </a:endParaRPr>
+          </a:p>
+        </p:txBody>
+      </p:sp>
+    </p:spTree>
+    <p:extLst>
+      <p:ext uri="{BB962C8B-B14F-4D97-AF65-F5344CB8AC3E}">
+        <p14:creationId xmlns:p14="http://schemas.microsoft.com/office/powerpoint/2010/main" val="381173796"/>
+      </p:ext>
+    </p:extLst>
+  </p:cSld>
+  <p:clrMapOvr>
+    <a:masterClrMapping/>
+  </p:clrMapOvr>
+  <p:timing>
+    <p:tnLst>
+      <p:par>
+        <p:cTn id="1" dur="indefinite" restart="never" nodeType="tmRoot">
+          <p:childTnLst>
+            <p:seq concurrent="1" nextAc="seek">
+              <p:cTn id="2" dur="indefinite" nodeType="mainSeq">
+                <p:childTnLst>
+                  <p:par>
+                    <p:cTn id="3" fill="hold">
+                      <p:stCondLst>
+                        <p:cond delay="indefinite"/>
+                        <p:cond evt="onBegin" delay="0">
+                          <p:tn val="2"/>
+                        </p:cond>
+                      </p:stCondLst>
+                      <p:childTnLst>
+                        <p:par>
+                          <p:cTn id="4" fill="hold">
+                            <p:stCondLst>
+                              <p:cond delay="0"/>
+                            </p:stCondLst>
+                            <p:childTnLst>
+                              <p:par>
+                                <p:cTn id="5" presetID="10" presetClass="entr" presetSubtype="0" fill="hold" grpId="0" nodeType="afterEffect">
+                                  <p:stCondLst>
+                                    <p:cond delay="0"/>
+                                  </p:stCondLst>
+                                  <p:iterate type="lt">
+                                    <p:tmPct val="10000"/>
+                                  </p:iterate>
+                                  <p:childTnLst>
+                                    <p:set>
+                                      <p:cBhvr>
+                                        <p:cTn id="6" dur="1" fill="hold">
+                                          <p:stCondLst>
+                                            <p:cond delay="0"/>
+                                          </p:stCondLst>
+                                        </p:cTn>
+                                        <p:tgtEl>
+                                          <p:spTgt spid="6"/>
+                                        </p:tgtEl>
+                                        <p:attrNameLst>
+                                          <p:attrName>style.visibility</p:attrName>
+                                        </p:attrNameLst>
+                                      </p:cBhvr>
+                                      <p:to>
+                                        <p:strVal val="visible"/>
+                                      </p:to>
+                                    </p:set>
+                                    <p:animEffect transition="in" filter="fade">
+                                      <p:cBhvr>
+                                        <p:cTn id="7" dur="500"/>
+                                        <p:tgtEl>
+                                          <p:spTgt spid="6"/>
+                                        </p:tgtEl>
+                                      </p:cBhvr>
+                                    </p:animEffect>
+                                  </p:childTnLst>
+                                </p:cTn>
+                              </p:par>
+                            </p:childTnLst>
+                          </p:cTn>
+                        </p:par>
+                        <p:par>
+                          <p:cTn id="8" fill="hold">
+                            <p:stCondLst>
+                              <p:cond delay="750"/>
+                            </p:stCondLst>
+                            <p:childTnLst>
+                              <p:par>
+                                <p:cTn id="9" presetID="22" presetClass="entr" presetSubtype="8" fill="hold" nodeType="afterEffect">
+                                  <p:stCondLst>
+                                    <p:cond delay="0"/>
+                                  </p:stCondLst>
+                                  <p:childTnLst>
+                                    <p:set>
+                                      <p:cBhvr>
+                                        <p:cTn id="10" dur="1" fill="hold">
+                                          <p:stCondLst>
+                                            <p:cond delay="0"/>
+                                          </p:stCondLst>
+                                        </p:cTn>
+                                        <p:tgtEl>
+                                          <p:spTgt spid="7"/>
+                                        </p:tgtEl>
+                                        <p:attrNameLst>
+                                          <p:attrName>style.visibility</p:attrName>
+                                        </p:attrNameLst>
+                                      </p:cBhvr>
+                                      <p:to>
+                                        <p:strVal val="visible"/>
+                                      </p:to>
+                                    </p:set>
+                                    <p:animEffect transition="in" filter="wipe(left)">
+                                      <p:cBhvr>
+                                        <p:cTn id="11" dur="1000"/>
+                                        <p:tgtEl>
+                                          <p:spTgt spid="7"/>
+                                        </p:tgtEl>
+                                      </p:cBhvr>
+                                    </p:animEffect>
+                                  </p:childTnLst>
+                                </p:cTn>
+                              </p:par>
+                            </p:childTnLst>
+                          </p:cTn>
+                        </p:par>
+                      </p:childTnLst>
+                    </p:cTn>
+                  </p:par>
+                </p:childTnLst>
+              </p:cTn>
+              <p:prevCondLst>
+                <p:cond evt="onPrev" delay="0">
+                  <p:tgtEl>
+                    <p:sldTgt/>
+                  </p:tgtEl>
+                </p:cond>
+              </p:prevCondLst>
+              <p:nextCondLst>
+                <p:cond evt="onNext" delay="0">
+                  <p:tgtEl>
+                    <p:sldTgt/>
+                  </p:tgtEl>
+                </p:cond>
+              </p:nextCondLst>
+            </p:seq>
+          </p:childTnLst>
+        </p:cTn>
+      </p:par>
+    </p:tnLst>
+    <p:bldLst>
+      <p:bldP spid="6" grpId="0"/>
+    </p:bldLst>
+  </p:timing>
+</p:sld>
+</file>
+
+<file path=ppt/slides/slide22.xml><?xml version="1.0" encoding="utf-8"?>
+<p:sld xmlns:a="http://schemas.openxmlformats.org/drawingml/2006/main" xmlns:r="http://schemas.openxmlformats.org/officeDocument/2006/relationships" xmlns:p="http://schemas.openxmlformats.org/presentationml/2006/main">
+  <p:cSld>
+    <p:spTree>
+      <p:nvGrpSpPr>
+        <p:cNvPr id="1" name=""/>
+        <p:cNvGrpSpPr/>
+        <p:nvPr/>
+      </p:nvGrpSpPr>
+      <p:grpSpPr>
+        <a:xfrm>
+          <a:off x="0" y="0"/>
+          <a:ext cx="0" cy="0"/>
+          <a:chOff x="0" y="0"/>
+          <a:chExt cx="0" cy="0"/>
+        </a:xfrm>
+      </p:grpSpPr>
+      <p:sp>
+        <p:nvSpPr>
+          <p:cNvPr id="6" name="文本框 13"/>
+          <p:cNvSpPr txBox="1"/>
+          <p:nvPr/>
+        </p:nvSpPr>
+        <p:spPr>
+          <a:xfrm>
+            <a:off x="885776" y="855266"/>
+            <a:ext cx="6947656" cy="801897"/>
+          </a:xfrm>
+          <a:prstGeom prst="rect">
+            <a:avLst/>
+          </a:prstGeom>
+          <a:noFill/>
+        </p:spPr>
+        <p:txBody>
+          <a:bodyPr wrap="square" lIns="123581" tIns="61791" rIns="123581" bIns="61791" rtlCol="0">
+            <a:spAutoFit/>
+          </a:bodyPr>
+          <a:lstStyle/>
+          <a:p>
+            <a:r>
+              <a:rPr lang="zh-CN" altLang="en-US" sz="4400" dirty="0" smtClean="0">
+                <a:solidFill>
+                  <a:srgbClr val="0070C0"/>
+                </a:solidFill>
+                <a:latin typeface="黑体" panose="02010609060101010101" pitchFamily="49" charset="-122"/>
+                <a:ea typeface="黑体" panose="02010609060101010101" pitchFamily="49" charset="-122"/>
+              </a:rPr>
+              <a:t>弹性</a:t>
+            </a:r>
+            <a:endParaRPr lang="zh-CN" altLang="en-US" sz="4400" dirty="0">
+              <a:solidFill>
+                <a:srgbClr val="0070C0"/>
+              </a:solidFill>
+              <a:latin typeface="黑体" panose="02010609060101010101" pitchFamily="49" charset="-122"/>
+              <a:ea typeface="黑体" panose="02010609060101010101" pitchFamily="49" charset="-122"/>
+            </a:endParaRPr>
+          </a:p>
+        </p:txBody>
+      </p:sp>
+      <p:cxnSp>
+        <p:nvCxnSpPr>
+          <p:cNvPr id="7" name="直接连接符 6"/>
+          <p:cNvCxnSpPr/>
+          <p:nvPr/>
+        </p:nvCxnSpPr>
+        <p:spPr>
+          <a:xfrm>
+            <a:off x="584734" y="2048065"/>
+            <a:ext cx="11367663" cy="0"/>
+          </a:xfrm>
+          <a:prstGeom prst="line">
+            <a:avLst/>
+          </a:prstGeom>
+          <a:ln>
+            <a:solidFill>
+              <a:schemeClr val="tx1">
+                <a:lumMod val="50000"/>
+                <a:lumOff val="50000"/>
+              </a:schemeClr>
+            </a:solidFill>
+          </a:ln>
+        </p:spPr>
+        <p:style>
+          <a:lnRef idx="1">
+            <a:schemeClr val="accent1"/>
+          </a:lnRef>
+          <a:fillRef idx="0">
+            <a:schemeClr val="accent1"/>
+          </a:fillRef>
+          <a:effectRef idx="0">
+            <a:schemeClr val="accent1"/>
+          </a:effectRef>
+          <a:fontRef idx="minor">
+            <a:schemeClr val="tx1"/>
+          </a:fontRef>
+        </p:style>
+      </p:cxnSp>
+      <p:sp>
+        <p:nvSpPr>
+          <p:cNvPr id="2" name="TextBox 1"/>
+          <p:cNvSpPr txBox="1"/>
+          <p:nvPr/>
+        </p:nvSpPr>
+        <p:spPr>
+          <a:xfrm>
+            <a:off x="885776" y="2655466"/>
+            <a:ext cx="1415772" cy="461665"/>
+          </a:xfrm>
+          <a:prstGeom prst="rect">
+            <a:avLst/>
+          </a:prstGeom>
+          <a:noFill/>
+        </p:spPr>
+        <p:txBody>
+          <a:bodyPr wrap="none" rtlCol="0">
+            <a:spAutoFit/>
+          </a:bodyPr>
+          <a:lstStyle/>
+          <a:p>
+            <a:r>
+              <a:rPr lang="zh-CN" altLang="en-US" dirty="0" smtClean="0"/>
+              <a:t>单体应用</a:t>
+            </a:r>
+            <a:endParaRPr lang="zh-CN" altLang="en-US" dirty="0"/>
+          </a:p>
+        </p:txBody>
+      </p:sp>
+      <p:sp>
+        <p:nvSpPr>
+          <p:cNvPr id="3" name="TextBox 2"/>
+          <p:cNvSpPr txBox="1"/>
+          <p:nvPr/>
+        </p:nvSpPr>
+        <p:spPr>
+          <a:xfrm>
+            <a:off x="3334048" y="2886298"/>
+            <a:ext cx="1415772" cy="461665"/>
+          </a:xfrm>
+          <a:prstGeom prst="rect">
+            <a:avLst/>
+          </a:prstGeom>
+          <a:noFill/>
+        </p:spPr>
+        <p:txBody>
+          <a:bodyPr wrap="none" rtlCol="0">
+            <a:spAutoFit/>
+          </a:bodyPr>
+          <a:lstStyle/>
+          <a:p>
+            <a:r>
+              <a:rPr lang="zh-CN" altLang="en-US" dirty="0" smtClean="0"/>
+              <a:t>垂直分割</a:t>
+            </a:r>
+            <a:endParaRPr lang="zh-CN" altLang="en-US" dirty="0"/>
+          </a:p>
+        </p:txBody>
+      </p:sp>
+      <p:sp>
+        <p:nvSpPr>
+          <p:cNvPr id="5" name="TextBox 4"/>
+          <p:cNvSpPr txBox="1"/>
+          <p:nvPr/>
+        </p:nvSpPr>
+        <p:spPr>
+          <a:xfrm>
+            <a:off x="5422280" y="3663578"/>
+            <a:ext cx="1415772" cy="461665"/>
+          </a:xfrm>
+          <a:prstGeom prst="rect">
+            <a:avLst/>
+          </a:prstGeom>
+          <a:noFill/>
+        </p:spPr>
+        <p:txBody>
+          <a:bodyPr wrap="none" rtlCol="0">
+            <a:spAutoFit/>
+          </a:bodyPr>
+          <a:lstStyle/>
+          <a:p>
+            <a:r>
+              <a:rPr lang="zh-CN" altLang="en-US" dirty="0" smtClean="0">
+                <a:solidFill>
+                  <a:schemeClr val="accent6">
+                    <a:lumMod val="75000"/>
+                  </a:schemeClr>
+                </a:solidFill>
+              </a:rPr>
+              <a:t>负载均衡</a:t>
+            </a:r>
+            <a:endParaRPr lang="zh-CN" altLang="en-US" dirty="0">
+              <a:solidFill>
+                <a:schemeClr val="accent6">
+                  <a:lumMod val="75000"/>
+                </a:schemeClr>
+              </a:solidFill>
+            </a:endParaRPr>
+          </a:p>
+        </p:txBody>
+      </p:sp>
+      <p:sp>
+        <p:nvSpPr>
+          <p:cNvPr id="9" name="TextBox 8"/>
+          <p:cNvSpPr txBox="1"/>
+          <p:nvPr/>
+        </p:nvSpPr>
+        <p:spPr>
+          <a:xfrm>
+            <a:off x="7438504" y="4599682"/>
+            <a:ext cx="1415772" cy="461665"/>
+          </a:xfrm>
+          <a:prstGeom prst="rect">
+            <a:avLst/>
+          </a:prstGeom>
+          <a:noFill/>
+        </p:spPr>
+        <p:txBody>
+          <a:bodyPr wrap="none" rtlCol="0">
+            <a:spAutoFit/>
+          </a:bodyPr>
+          <a:lstStyle/>
+          <a:p>
+            <a:r>
+              <a:rPr lang="zh-CN" altLang="en-US" dirty="0" smtClean="0"/>
+              <a:t>弹性计算</a:t>
+            </a:r>
+            <a:endParaRPr lang="zh-CN" altLang="en-US" dirty="0"/>
+          </a:p>
+        </p:txBody>
+      </p:sp>
+      <p:cxnSp>
+        <p:nvCxnSpPr>
+          <p:cNvPr id="12" name="直接箭头连接符 11"/>
+          <p:cNvCxnSpPr/>
+          <p:nvPr/>
+        </p:nvCxnSpPr>
+        <p:spPr>
+          <a:xfrm>
+            <a:off x="2469952" y="2886298"/>
+            <a:ext cx="792088" cy="230832"/>
+          </a:xfrm>
+          <a:prstGeom prst="straightConnector1">
+            <a:avLst/>
+          </a:prstGeom>
+          <a:ln>
+            <a:tailEnd type="arrow"/>
+          </a:ln>
+        </p:spPr>
+        <p:style>
+          <a:lnRef idx="1">
+            <a:schemeClr val="accent1"/>
+          </a:lnRef>
+          <a:fillRef idx="0">
+            <a:schemeClr val="accent1"/>
+          </a:fillRef>
+          <a:effectRef idx="0">
+            <a:schemeClr val="accent1"/>
+          </a:effectRef>
+          <a:fontRef idx="minor">
+            <a:schemeClr val="tx1"/>
+          </a:fontRef>
+        </p:style>
+      </p:cxnSp>
+      <p:cxnSp>
+        <p:nvCxnSpPr>
+          <p:cNvPr id="16" name="直接箭头连接符 15"/>
+          <p:cNvCxnSpPr/>
+          <p:nvPr/>
+        </p:nvCxnSpPr>
+        <p:spPr>
+          <a:xfrm>
+            <a:off x="4846216" y="3231530"/>
+            <a:ext cx="576064" cy="432048"/>
+          </a:xfrm>
+          <a:prstGeom prst="straightConnector1">
+            <a:avLst/>
+          </a:prstGeom>
+          <a:ln>
+            <a:tailEnd type="arrow"/>
+          </a:ln>
+        </p:spPr>
+        <p:style>
+          <a:lnRef idx="1">
+            <a:schemeClr val="accent1"/>
+          </a:lnRef>
+          <a:fillRef idx="0">
+            <a:schemeClr val="accent1"/>
+          </a:fillRef>
+          <a:effectRef idx="0">
+            <a:schemeClr val="accent1"/>
+          </a:effectRef>
+          <a:fontRef idx="minor">
+            <a:schemeClr val="tx1"/>
+          </a:fontRef>
+        </p:style>
+      </p:cxnSp>
+      <p:cxnSp>
+        <p:nvCxnSpPr>
+          <p:cNvPr id="20" name="直接箭头连接符 19"/>
+          <p:cNvCxnSpPr/>
+          <p:nvPr/>
+        </p:nvCxnSpPr>
+        <p:spPr>
+          <a:xfrm>
+            <a:off x="7078464" y="4125243"/>
+            <a:ext cx="576064" cy="474439"/>
+          </a:xfrm>
+          <a:prstGeom prst="straightConnector1">
+            <a:avLst/>
+          </a:prstGeom>
+          <a:ln>
+            <a:tailEnd type="arrow"/>
+          </a:ln>
+        </p:spPr>
+        <p:style>
+          <a:lnRef idx="1">
+            <a:schemeClr val="accent1"/>
+          </a:lnRef>
+          <a:fillRef idx="0">
+            <a:schemeClr val="accent1"/>
+          </a:fillRef>
+          <a:effectRef idx="0">
+            <a:schemeClr val="accent1"/>
+          </a:effectRef>
+          <a:fontRef idx="minor">
+            <a:schemeClr val="tx1"/>
+          </a:fontRef>
+        </p:style>
+      </p:cxnSp>
+    </p:spTree>
+    <p:extLst>
+      <p:ext uri="{BB962C8B-B14F-4D97-AF65-F5344CB8AC3E}">
+        <p14:creationId xmlns:p14="http://schemas.microsoft.com/office/powerpoint/2010/main" val="1650390310"/>
+      </p:ext>
+    </p:extLst>
+  </p:cSld>
+  <p:clrMapOvr>
+    <a:masterClrMapping/>
+  </p:clrMapOvr>
+  <p:timing>
+    <p:tnLst>
+      <p:par>
+        <p:cTn id="1" dur="indefinite" restart="never" nodeType="tmRoot">
+          <p:childTnLst>
+            <p:seq concurrent="1" nextAc="seek">
+              <p:cTn id="2" dur="indefinite" nodeType="mainSeq">
+                <p:childTnLst>
+                  <p:par>
+                    <p:cTn id="3" fill="hold">
+                      <p:stCondLst>
+                        <p:cond delay="indefinite"/>
+                        <p:cond evt="onBegin" delay="0">
+                          <p:tn val="2"/>
+                        </p:cond>
+                      </p:stCondLst>
+                      <p:childTnLst>
+                        <p:par>
+                          <p:cTn id="4" fill="hold">
+                            <p:stCondLst>
+                              <p:cond delay="0"/>
+                            </p:stCondLst>
+                            <p:childTnLst>
+                              <p:par>
+                                <p:cTn id="5" presetID="10" presetClass="entr" presetSubtype="0" fill="hold" grpId="0" nodeType="afterEffect">
+                                  <p:stCondLst>
+                                    <p:cond delay="0"/>
+                                  </p:stCondLst>
+                                  <p:iterate type="lt">
+                                    <p:tmPct val="10000"/>
+                                  </p:iterate>
+                                  <p:childTnLst>
+                                    <p:set>
+                                      <p:cBhvr>
+                                        <p:cTn id="6" dur="1" fill="hold">
+                                          <p:stCondLst>
+                                            <p:cond delay="0"/>
+                                          </p:stCondLst>
+                                        </p:cTn>
+                                        <p:tgtEl>
+                                          <p:spTgt spid="6"/>
+                                        </p:tgtEl>
+                                        <p:attrNameLst>
+                                          <p:attrName>style.visibility</p:attrName>
+                                        </p:attrNameLst>
+                                      </p:cBhvr>
+                                      <p:to>
+                                        <p:strVal val="visible"/>
+                                      </p:to>
+                                    </p:set>
+                                    <p:animEffect transition="in" filter="fade">
+                                      <p:cBhvr>
+                                        <p:cTn id="7" dur="500"/>
+                                        <p:tgtEl>
+                                          <p:spTgt spid="6"/>
+                                        </p:tgtEl>
+                                      </p:cBhvr>
+                                    </p:animEffect>
+                                  </p:childTnLst>
+                                </p:cTn>
+                              </p:par>
+                            </p:childTnLst>
+                          </p:cTn>
+                        </p:par>
+                        <p:par>
+                          <p:cTn id="8" fill="hold">
+                            <p:stCondLst>
+                              <p:cond delay="550"/>
+                            </p:stCondLst>
+                            <p:childTnLst>
+                              <p:par>
+                                <p:cTn id="9" presetID="22" presetClass="entr" presetSubtype="8" fill="hold" nodeType="afterEffect">
+                                  <p:stCondLst>
+                                    <p:cond delay="0"/>
+                                  </p:stCondLst>
+                                  <p:childTnLst>
+                                    <p:set>
+                                      <p:cBhvr>
+                                        <p:cTn id="10" dur="1" fill="hold">
+                                          <p:stCondLst>
+                                            <p:cond delay="0"/>
+                                          </p:stCondLst>
+                                        </p:cTn>
+                                        <p:tgtEl>
+                                          <p:spTgt spid="7"/>
+                                        </p:tgtEl>
+                                        <p:attrNameLst>
+                                          <p:attrName>style.visibility</p:attrName>
+                                        </p:attrNameLst>
+                                      </p:cBhvr>
+                                      <p:to>
+                                        <p:strVal val="visible"/>
+                                      </p:to>
+                                    </p:set>
+                                    <p:animEffect transition="in" filter="wipe(left)">
+                                      <p:cBhvr>
+                                        <p:cTn id="11" dur="1000"/>
+                                        <p:tgtEl>
+                                          <p:spTgt spid="7"/>
+                                        </p:tgtEl>
+                                      </p:cBhvr>
+                                    </p:animEffect>
+                                  </p:childTnLst>
+                                </p:cTn>
+                              </p:par>
+                            </p:childTnLst>
+                          </p:cTn>
+                        </p:par>
+                      </p:childTnLst>
+                    </p:cTn>
+                  </p:par>
+                </p:childTnLst>
+              </p:cTn>
+              <p:prevCondLst>
+                <p:cond evt="onPrev" delay="0">
+                  <p:tgtEl>
+                    <p:sldTgt/>
+                  </p:tgtEl>
+                </p:cond>
+              </p:prevCondLst>
+              <p:nextCondLst>
+                <p:cond evt="onNext" delay="0">
+                  <p:tgtEl>
+                    <p:sldTgt/>
+                  </p:tgtEl>
+                </p:cond>
+              </p:nextCondLst>
+            </p:seq>
+          </p:childTnLst>
+        </p:cTn>
+      </p:par>
+    </p:tnLst>
+    <p:bldLst>
+      <p:bldP spid="6" grpId="0"/>
+    </p:bldLst>
+  </p:timing>
+</p:sld>
+</file>
+
+<file path=ppt/slides/slide23.xml><?xml version="1.0" encoding="utf-8"?>
+<p:sld xmlns:a="http://schemas.openxmlformats.org/drawingml/2006/main" xmlns:r="http://schemas.openxmlformats.org/officeDocument/2006/relationships" xmlns:p="http://schemas.openxmlformats.org/presentationml/2006/main">
+  <p:cSld>
+    <p:spTree>
+      <p:nvGrpSpPr>
+        <p:cNvPr id="1" name=""/>
+        <p:cNvGrpSpPr/>
+        <p:nvPr/>
+      </p:nvGrpSpPr>
+      <p:grpSpPr>
+        <a:xfrm>
+          <a:off x="0" y="0"/>
+          <a:ext cx="0" cy="0"/>
+          <a:chOff x="0" y="0"/>
+          <a:chExt cx="0" cy="0"/>
+        </a:xfrm>
+      </p:grpSpPr>
+      <p:sp>
+        <p:nvSpPr>
+          <p:cNvPr id="6" name="文本框 13"/>
+          <p:cNvSpPr txBox="1"/>
+          <p:nvPr/>
+        </p:nvSpPr>
+        <p:spPr>
+          <a:xfrm>
+            <a:off x="885776" y="855266"/>
+            <a:ext cx="6947656" cy="801897"/>
+          </a:xfrm>
+          <a:prstGeom prst="rect">
+            <a:avLst/>
+          </a:prstGeom>
+          <a:noFill/>
+        </p:spPr>
+        <p:txBody>
+          <a:bodyPr wrap="square" lIns="123581" tIns="61791" rIns="123581" bIns="61791" rtlCol="0">
+            <a:spAutoFit/>
+          </a:bodyPr>
+          <a:lstStyle/>
+          <a:p>
+            <a:r>
+              <a:rPr lang="zh-CN" altLang="en-US" sz="4400" dirty="0" smtClean="0">
+                <a:solidFill>
+                  <a:srgbClr val="0070C0"/>
+                </a:solidFill>
+                <a:latin typeface="黑体" panose="02010609060101010101" pitchFamily="49" charset="-122"/>
+                <a:ea typeface="黑体" panose="02010609060101010101" pitchFamily="49" charset="-122"/>
+              </a:rPr>
+              <a:t>软件基础设施</a:t>
+            </a:r>
+            <a:endParaRPr lang="zh-CN" altLang="en-US" sz="4400" dirty="0">
+              <a:solidFill>
+                <a:srgbClr val="0070C0"/>
+              </a:solidFill>
+              <a:latin typeface="黑体" panose="02010609060101010101" pitchFamily="49" charset="-122"/>
+              <a:ea typeface="黑体" panose="02010609060101010101" pitchFamily="49" charset="-122"/>
+            </a:endParaRPr>
+          </a:p>
+        </p:txBody>
+      </p:sp>
+      <p:cxnSp>
+        <p:nvCxnSpPr>
+          <p:cNvPr id="7" name="直接连接符 6"/>
+          <p:cNvCxnSpPr/>
+          <p:nvPr/>
+        </p:nvCxnSpPr>
+        <p:spPr>
+          <a:xfrm>
+            <a:off x="584734" y="2048065"/>
+            <a:ext cx="11367663" cy="0"/>
+          </a:xfrm>
+          <a:prstGeom prst="line">
+            <a:avLst/>
+          </a:prstGeom>
+          <a:ln>
+            <a:solidFill>
+              <a:schemeClr val="tx1">
+                <a:lumMod val="50000"/>
+                <a:lumOff val="50000"/>
+              </a:schemeClr>
+            </a:solidFill>
+          </a:ln>
+        </p:spPr>
+        <p:style>
+          <a:lnRef idx="1">
+            <a:schemeClr val="accent1"/>
+          </a:lnRef>
+          <a:fillRef idx="0">
+            <a:schemeClr val="accent1"/>
+          </a:fillRef>
+          <a:effectRef idx="0">
+            <a:schemeClr val="accent1"/>
+          </a:effectRef>
+          <a:fontRef idx="minor">
+            <a:schemeClr val="tx1"/>
+          </a:fontRef>
+        </p:style>
+      </p:cxnSp>
+      <p:sp>
+        <p:nvSpPr>
+          <p:cNvPr id="13" name="矩形 12"/>
+          <p:cNvSpPr/>
+          <p:nvPr/>
+        </p:nvSpPr>
+        <p:spPr>
+          <a:xfrm>
+            <a:off x="10462840" y="6975946"/>
+            <a:ext cx="936104" cy="504056"/>
+          </a:xfrm>
+          <a:prstGeom prst="rect">
+            <a:avLst/>
+          </a:prstGeom>
+        </p:spPr>
+        <p:style>
+          <a:lnRef idx="2">
+            <a:schemeClr val="accent1">
+              <a:shade val="50000"/>
+            </a:schemeClr>
+          </a:lnRef>
+          <a:fillRef idx="1">
+            <a:schemeClr val="accent1"/>
+          </a:fillRef>
+          <a:effectRef idx="0">
+            <a:schemeClr val="accent1"/>
+          </a:effectRef>
+          <a:fontRef idx="minor">
+            <a:schemeClr val="lt1"/>
+          </a:fontRef>
+        </p:style>
+        <p:txBody>
+          <a:bodyPr rtlCol="0" anchor="ctr"/>
+          <a:lstStyle/>
+          <a:p>
+            <a:pPr algn="ctr"/>
+            <a:r>
+              <a:rPr lang="en-US" altLang="zh-CN" sz="1200" dirty="0" smtClean="0"/>
+              <a:t>Big Data</a:t>
+            </a:r>
+            <a:endParaRPr lang="zh-CN" altLang="en-US" sz="1200" dirty="0"/>
+          </a:p>
+        </p:txBody>
+      </p:sp>
+      <p:sp>
+        <p:nvSpPr>
+          <p:cNvPr id="14" name="矩形 13"/>
+          <p:cNvSpPr/>
+          <p:nvPr/>
+        </p:nvSpPr>
+        <p:spPr>
+          <a:xfrm>
+            <a:off x="2325936" y="3250074"/>
+            <a:ext cx="936104" cy="504056"/>
+          </a:xfrm>
+          <a:prstGeom prst="rect">
+            <a:avLst/>
+          </a:prstGeom>
+        </p:spPr>
+        <p:style>
+          <a:lnRef idx="2">
+            <a:schemeClr val="accent1">
+              <a:shade val="50000"/>
+            </a:schemeClr>
+          </a:lnRef>
+          <a:fillRef idx="1">
+            <a:schemeClr val="accent1"/>
+          </a:fillRef>
+          <a:effectRef idx="0">
+            <a:schemeClr val="accent1"/>
+          </a:effectRef>
+          <a:fontRef idx="minor">
+            <a:schemeClr val="lt1"/>
+          </a:fontRef>
+        </p:style>
+        <p:txBody>
+          <a:bodyPr rtlCol="0" anchor="ctr"/>
+          <a:lstStyle/>
+          <a:p>
+            <a:pPr algn="ctr"/>
+            <a:r>
+              <a:rPr lang="en-US" altLang="zh-CN" sz="1200" dirty="0" smtClean="0">
+                <a:solidFill>
+                  <a:schemeClr val="accent6">
+                    <a:lumMod val="60000"/>
+                    <a:lumOff val="40000"/>
+                  </a:schemeClr>
+                </a:solidFill>
+              </a:rPr>
+              <a:t>LB</a:t>
+            </a:r>
+          </a:p>
+        </p:txBody>
+      </p:sp>
+      <p:sp>
+        <p:nvSpPr>
+          <p:cNvPr id="15" name="矩形 14"/>
+          <p:cNvSpPr/>
+          <p:nvPr/>
+        </p:nvSpPr>
+        <p:spPr>
+          <a:xfrm>
+            <a:off x="2325936" y="2583458"/>
+            <a:ext cx="936104" cy="504056"/>
+          </a:xfrm>
+          <a:prstGeom prst="rect">
+            <a:avLst/>
+          </a:prstGeom>
+        </p:spPr>
+        <p:style>
+          <a:lnRef idx="2">
+            <a:schemeClr val="accent1">
+              <a:shade val="50000"/>
+            </a:schemeClr>
+          </a:lnRef>
+          <a:fillRef idx="1">
+            <a:schemeClr val="accent1"/>
+          </a:fillRef>
+          <a:effectRef idx="0">
+            <a:schemeClr val="accent1"/>
+          </a:effectRef>
+          <a:fontRef idx="minor">
+            <a:schemeClr val="lt1"/>
+          </a:fontRef>
+        </p:style>
+        <p:txBody>
+          <a:bodyPr rtlCol="0" anchor="ctr"/>
+          <a:lstStyle/>
+          <a:p>
+            <a:pPr algn="ctr"/>
+            <a:r>
+              <a:rPr lang="en-US" altLang="zh-CN" sz="1200" dirty="0" err="1" smtClean="0">
+                <a:solidFill>
+                  <a:schemeClr val="accent6">
+                    <a:lumMod val="60000"/>
+                    <a:lumOff val="40000"/>
+                  </a:schemeClr>
+                </a:solidFill>
+              </a:rPr>
+              <a:t>Conf</a:t>
+            </a:r>
+            <a:r>
+              <a:rPr lang="en-US" altLang="zh-CN" sz="1200" dirty="0" smtClean="0">
+                <a:solidFill>
+                  <a:schemeClr val="accent6">
+                    <a:lumMod val="60000"/>
+                    <a:lumOff val="40000"/>
+                  </a:schemeClr>
+                </a:solidFill>
+              </a:rPr>
+              <a:t> Center</a:t>
+            </a:r>
+            <a:endParaRPr lang="zh-CN" altLang="en-US" sz="1200" dirty="0">
+              <a:solidFill>
+                <a:schemeClr val="accent6">
+                  <a:lumMod val="60000"/>
+                  <a:lumOff val="40000"/>
+                </a:schemeClr>
+              </a:solidFill>
+            </a:endParaRPr>
+          </a:p>
+        </p:txBody>
+      </p:sp>
+      <p:sp>
+        <p:nvSpPr>
+          <p:cNvPr id="17" name="矩形 16"/>
+          <p:cNvSpPr/>
+          <p:nvPr/>
+        </p:nvSpPr>
+        <p:spPr>
+          <a:xfrm>
+            <a:off x="1245816" y="2583458"/>
+            <a:ext cx="936104" cy="504056"/>
+          </a:xfrm>
+          <a:prstGeom prst="rect">
+            <a:avLst/>
+          </a:prstGeom>
+        </p:spPr>
+        <p:style>
+          <a:lnRef idx="2">
+            <a:schemeClr val="accent1">
+              <a:shade val="50000"/>
+            </a:schemeClr>
+          </a:lnRef>
+          <a:fillRef idx="1">
+            <a:schemeClr val="accent1"/>
+          </a:fillRef>
+          <a:effectRef idx="0">
+            <a:schemeClr val="accent1"/>
+          </a:effectRef>
+          <a:fontRef idx="minor">
+            <a:schemeClr val="lt1"/>
+          </a:fontRef>
+        </p:style>
+        <p:txBody>
+          <a:bodyPr rtlCol="0" anchor="ctr"/>
+          <a:lstStyle/>
+          <a:p>
+            <a:pPr algn="ctr"/>
+            <a:r>
+              <a:rPr lang="en-US" altLang="zh-CN" sz="1200" dirty="0">
+                <a:solidFill>
+                  <a:schemeClr val="accent6">
+                    <a:lumMod val="60000"/>
+                    <a:lumOff val="40000"/>
+                  </a:schemeClr>
+                </a:solidFill>
+              </a:rPr>
+              <a:t>SSO</a:t>
+            </a:r>
+            <a:endParaRPr lang="zh-CN" altLang="en-US" sz="1200" dirty="0">
+              <a:solidFill>
+                <a:schemeClr val="accent6">
+                  <a:lumMod val="60000"/>
+                  <a:lumOff val="40000"/>
+                </a:schemeClr>
+              </a:solidFill>
+            </a:endParaRPr>
+          </a:p>
+        </p:txBody>
+      </p:sp>
+      <p:sp>
+        <p:nvSpPr>
+          <p:cNvPr id="18" name="矩形 17"/>
+          <p:cNvSpPr/>
+          <p:nvPr/>
+        </p:nvSpPr>
+        <p:spPr>
+          <a:xfrm>
+            <a:off x="7798544" y="6111850"/>
+            <a:ext cx="936104" cy="504056"/>
+          </a:xfrm>
+          <a:prstGeom prst="rect">
+            <a:avLst/>
+          </a:prstGeom>
+        </p:spPr>
+        <p:style>
+          <a:lnRef idx="2">
+            <a:schemeClr val="accent1">
+              <a:shade val="50000"/>
+            </a:schemeClr>
+          </a:lnRef>
+          <a:fillRef idx="1">
+            <a:schemeClr val="accent1"/>
+          </a:fillRef>
+          <a:effectRef idx="0">
+            <a:schemeClr val="accent1"/>
+          </a:effectRef>
+          <a:fontRef idx="minor">
+            <a:schemeClr val="lt1"/>
+          </a:fontRef>
+        </p:style>
+        <p:txBody>
+          <a:bodyPr rtlCol="0" anchor="ctr"/>
+          <a:lstStyle/>
+          <a:p>
+            <a:pPr algn="ctr"/>
+            <a:r>
+              <a:rPr lang="en-US" altLang="zh-CN" sz="1200" dirty="0" smtClean="0"/>
+              <a:t>Job</a:t>
+            </a:r>
+            <a:endParaRPr lang="zh-CN" altLang="en-US" sz="1200" dirty="0"/>
+          </a:p>
+        </p:txBody>
+      </p:sp>
+      <p:sp>
+        <p:nvSpPr>
+          <p:cNvPr id="19" name="矩形 18"/>
+          <p:cNvSpPr/>
+          <p:nvPr/>
+        </p:nvSpPr>
+        <p:spPr>
+          <a:xfrm>
+            <a:off x="3423500" y="2583458"/>
+            <a:ext cx="936104" cy="504056"/>
+          </a:xfrm>
+          <a:prstGeom prst="rect">
+            <a:avLst/>
+          </a:prstGeom>
+        </p:spPr>
+        <p:style>
+          <a:lnRef idx="2">
+            <a:schemeClr val="accent1">
+              <a:shade val="50000"/>
+            </a:schemeClr>
+          </a:lnRef>
+          <a:fillRef idx="1">
+            <a:schemeClr val="accent1"/>
+          </a:fillRef>
+          <a:effectRef idx="0">
+            <a:schemeClr val="accent1"/>
+          </a:effectRef>
+          <a:fontRef idx="minor">
+            <a:schemeClr val="lt1"/>
+          </a:fontRef>
+        </p:style>
+        <p:txBody>
+          <a:bodyPr rtlCol="0" anchor="ctr"/>
+          <a:lstStyle/>
+          <a:p>
+            <a:pPr algn="ctr"/>
+            <a:r>
+              <a:rPr lang="en-US" altLang="zh-CN" sz="1200" dirty="0" smtClean="0">
+                <a:solidFill>
+                  <a:schemeClr val="accent6">
+                    <a:lumMod val="60000"/>
+                    <a:lumOff val="40000"/>
+                  </a:schemeClr>
+                </a:solidFill>
+              </a:rPr>
+              <a:t>Log Center</a:t>
+            </a:r>
+            <a:endParaRPr lang="zh-CN" altLang="en-US" sz="1200" dirty="0">
+              <a:solidFill>
+                <a:schemeClr val="accent6">
+                  <a:lumMod val="60000"/>
+                  <a:lumOff val="40000"/>
+                </a:schemeClr>
+              </a:solidFill>
+            </a:endParaRPr>
+          </a:p>
+        </p:txBody>
+      </p:sp>
+      <p:sp>
+        <p:nvSpPr>
+          <p:cNvPr id="21" name="矩形 20"/>
+          <p:cNvSpPr/>
+          <p:nvPr/>
+        </p:nvSpPr>
+        <p:spPr>
+          <a:xfrm>
+            <a:off x="5814081" y="4896517"/>
+            <a:ext cx="936104" cy="504056"/>
+          </a:xfrm>
+          <a:prstGeom prst="rect">
+            <a:avLst/>
+          </a:prstGeom>
+        </p:spPr>
+        <p:style>
+          <a:lnRef idx="2">
+            <a:schemeClr val="accent1">
+              <a:shade val="50000"/>
+            </a:schemeClr>
+          </a:lnRef>
+          <a:fillRef idx="1">
+            <a:schemeClr val="accent1"/>
+          </a:fillRef>
+          <a:effectRef idx="0">
+            <a:schemeClr val="accent1"/>
+          </a:effectRef>
+          <a:fontRef idx="minor">
+            <a:schemeClr val="lt1"/>
+          </a:fontRef>
+        </p:style>
+        <p:txBody>
+          <a:bodyPr rtlCol="0" anchor="ctr"/>
+          <a:lstStyle/>
+          <a:p>
+            <a:pPr algn="ctr"/>
+            <a:r>
+              <a:rPr lang="en-US" altLang="zh-CN" sz="1200" dirty="0" smtClean="0"/>
+              <a:t>Dis-DB/</a:t>
+            </a:r>
+            <a:r>
+              <a:rPr lang="en-US" altLang="zh-CN" sz="1200" dirty="0" err="1" smtClean="0"/>
+              <a:t>noSql</a:t>
+            </a:r>
+            <a:endParaRPr lang="zh-CN" altLang="en-US" sz="1200" dirty="0"/>
+          </a:p>
+        </p:txBody>
+      </p:sp>
+      <p:sp>
+        <p:nvSpPr>
+          <p:cNvPr id="22" name="矩形 21"/>
+          <p:cNvSpPr/>
+          <p:nvPr/>
+        </p:nvSpPr>
+        <p:spPr>
+          <a:xfrm>
+            <a:off x="1250266" y="3244344"/>
+            <a:ext cx="936104" cy="504056"/>
+          </a:xfrm>
+          <a:prstGeom prst="rect">
+            <a:avLst/>
+          </a:prstGeom>
+        </p:spPr>
+        <p:style>
+          <a:lnRef idx="2">
+            <a:schemeClr val="accent1">
+              <a:shade val="50000"/>
+            </a:schemeClr>
+          </a:lnRef>
+          <a:fillRef idx="1">
+            <a:schemeClr val="accent1"/>
+          </a:fillRef>
+          <a:effectRef idx="0">
+            <a:schemeClr val="accent1"/>
+          </a:effectRef>
+          <a:fontRef idx="minor">
+            <a:schemeClr val="lt1"/>
+          </a:fontRef>
+        </p:style>
+        <p:txBody>
+          <a:bodyPr rtlCol="0" anchor="ctr"/>
+          <a:lstStyle/>
+          <a:p>
+            <a:pPr algn="ctr"/>
+            <a:r>
+              <a:rPr lang="en-US" altLang="zh-CN" sz="1200" dirty="0" smtClean="0">
+                <a:solidFill>
+                  <a:schemeClr val="accent6">
+                    <a:lumMod val="60000"/>
+                    <a:lumOff val="40000"/>
+                  </a:schemeClr>
+                </a:solidFill>
+              </a:rPr>
+              <a:t>Dis-Cache</a:t>
+            </a:r>
+            <a:endParaRPr lang="zh-CN" altLang="en-US" sz="1200" dirty="0">
+              <a:solidFill>
+                <a:schemeClr val="accent6">
+                  <a:lumMod val="60000"/>
+                  <a:lumOff val="40000"/>
+                </a:schemeClr>
+              </a:solidFill>
+            </a:endParaRPr>
+          </a:p>
+        </p:txBody>
+      </p:sp>
+      <p:sp>
+        <p:nvSpPr>
+          <p:cNvPr id="23" name="矩形 22"/>
+          <p:cNvSpPr/>
+          <p:nvPr/>
+        </p:nvSpPr>
+        <p:spPr>
+          <a:xfrm>
+            <a:off x="11484345" y="6975946"/>
+            <a:ext cx="936104" cy="504056"/>
+          </a:xfrm>
+          <a:prstGeom prst="rect">
+            <a:avLst/>
+          </a:prstGeom>
+        </p:spPr>
+        <p:style>
+          <a:lnRef idx="2">
+            <a:schemeClr val="accent1">
+              <a:shade val="50000"/>
+            </a:schemeClr>
+          </a:lnRef>
+          <a:fillRef idx="1">
+            <a:schemeClr val="accent1"/>
+          </a:fillRef>
+          <a:effectRef idx="0">
+            <a:schemeClr val="accent1"/>
+          </a:effectRef>
+          <a:fontRef idx="minor">
+            <a:schemeClr val="lt1"/>
+          </a:fontRef>
+        </p:style>
+        <p:txBody>
+          <a:bodyPr rtlCol="0" anchor="ctr"/>
+          <a:lstStyle/>
+          <a:p>
+            <a:pPr algn="ctr"/>
+            <a:r>
+              <a:rPr lang="en-US" altLang="zh-CN" sz="1200" dirty="0"/>
+              <a:t>AI</a:t>
+            </a:r>
+            <a:endParaRPr lang="zh-CN" altLang="en-US" sz="1200" dirty="0"/>
+          </a:p>
+        </p:txBody>
+      </p:sp>
+      <p:sp>
+        <p:nvSpPr>
+          <p:cNvPr id="24" name="矩形 23"/>
+          <p:cNvSpPr/>
+          <p:nvPr/>
+        </p:nvSpPr>
+        <p:spPr>
+          <a:xfrm>
+            <a:off x="4769965" y="4274438"/>
+            <a:ext cx="936104" cy="504056"/>
+          </a:xfrm>
+          <a:prstGeom prst="rect">
+            <a:avLst/>
+          </a:prstGeom>
+        </p:spPr>
+        <p:style>
+          <a:lnRef idx="2">
+            <a:schemeClr val="accent1">
+              <a:shade val="50000"/>
+            </a:schemeClr>
+          </a:lnRef>
+          <a:fillRef idx="1">
+            <a:schemeClr val="accent1"/>
+          </a:fillRef>
+          <a:effectRef idx="0">
+            <a:schemeClr val="accent1"/>
+          </a:effectRef>
+          <a:fontRef idx="minor">
+            <a:schemeClr val="lt1"/>
+          </a:fontRef>
+        </p:style>
+        <p:txBody>
+          <a:bodyPr rtlCol="0" anchor="ctr"/>
+          <a:lstStyle/>
+          <a:p>
+            <a:pPr algn="ctr"/>
+            <a:r>
+              <a:rPr lang="en-US" altLang="zh-CN" sz="1200" dirty="0" err="1" smtClean="0"/>
+              <a:t>Reg</a:t>
+            </a:r>
+            <a:r>
+              <a:rPr lang="zh-CN" altLang="en-US" sz="1200" dirty="0"/>
+              <a:t> </a:t>
+            </a:r>
+            <a:r>
+              <a:rPr lang="en-US" altLang="zh-CN" sz="1200" dirty="0" smtClean="0"/>
+              <a:t>Center</a:t>
+            </a:r>
+            <a:endParaRPr lang="zh-CN" altLang="en-US" sz="1200" dirty="0"/>
+          </a:p>
+        </p:txBody>
+      </p:sp>
+      <p:sp>
+        <p:nvSpPr>
+          <p:cNvPr id="25" name="矩形 24"/>
+          <p:cNvSpPr/>
+          <p:nvPr/>
+        </p:nvSpPr>
+        <p:spPr>
+          <a:xfrm>
+            <a:off x="3423500" y="3250074"/>
+            <a:ext cx="936104" cy="504056"/>
+          </a:xfrm>
+          <a:prstGeom prst="rect">
+            <a:avLst/>
+          </a:prstGeom>
+        </p:spPr>
+        <p:style>
+          <a:lnRef idx="2">
+            <a:schemeClr val="accent1">
+              <a:shade val="50000"/>
+            </a:schemeClr>
+          </a:lnRef>
+          <a:fillRef idx="1">
+            <a:schemeClr val="accent1"/>
+          </a:fillRef>
+          <a:effectRef idx="0">
+            <a:schemeClr val="accent1"/>
+          </a:effectRef>
+          <a:fontRef idx="minor">
+            <a:schemeClr val="lt1"/>
+          </a:fontRef>
+        </p:style>
+        <p:txBody>
+          <a:bodyPr rtlCol="0" anchor="ctr"/>
+          <a:lstStyle/>
+          <a:p>
+            <a:pPr algn="ctr"/>
+            <a:r>
+              <a:rPr lang="en-US" altLang="zh-CN" sz="1200" dirty="0" smtClean="0">
+                <a:solidFill>
+                  <a:schemeClr val="accent6">
+                    <a:lumMod val="60000"/>
+                    <a:lumOff val="40000"/>
+                  </a:schemeClr>
+                </a:solidFill>
+              </a:rPr>
+              <a:t>Dis Storage</a:t>
+            </a:r>
+            <a:endParaRPr lang="zh-CN" altLang="en-US" sz="1200" dirty="0">
+              <a:solidFill>
+                <a:schemeClr val="accent6">
+                  <a:lumMod val="60000"/>
+                  <a:lumOff val="40000"/>
+                </a:schemeClr>
+              </a:solidFill>
+            </a:endParaRPr>
+          </a:p>
+        </p:txBody>
+      </p:sp>
+      <p:sp>
+        <p:nvSpPr>
+          <p:cNvPr id="26" name="矩形 25"/>
+          <p:cNvSpPr/>
+          <p:nvPr/>
+        </p:nvSpPr>
+        <p:spPr>
+          <a:xfrm>
+            <a:off x="5827649" y="4274438"/>
+            <a:ext cx="936104" cy="504056"/>
+          </a:xfrm>
+          <a:prstGeom prst="rect">
+            <a:avLst/>
+          </a:prstGeom>
+        </p:spPr>
+        <p:style>
+          <a:lnRef idx="2">
+            <a:schemeClr val="accent1">
+              <a:shade val="50000"/>
+            </a:schemeClr>
+          </a:lnRef>
+          <a:fillRef idx="1">
+            <a:schemeClr val="accent1"/>
+          </a:fillRef>
+          <a:effectRef idx="0">
+            <a:schemeClr val="accent1"/>
+          </a:effectRef>
+          <a:fontRef idx="minor">
+            <a:schemeClr val="lt1"/>
+          </a:fontRef>
+        </p:style>
+        <p:txBody>
+          <a:bodyPr rtlCol="0" anchor="ctr"/>
+          <a:lstStyle/>
+          <a:p>
+            <a:pPr algn="ctr"/>
+            <a:r>
+              <a:rPr lang="en-US" altLang="zh-CN" sz="1200" dirty="0" smtClean="0"/>
+              <a:t>Pipe</a:t>
+            </a:r>
+          </a:p>
+          <a:p>
+            <a:pPr algn="ctr"/>
+            <a:r>
+              <a:rPr lang="en-US" altLang="zh-CN" sz="1200" dirty="0" err="1"/>
+              <a:t>mq</a:t>
+            </a:r>
+            <a:endParaRPr lang="zh-CN" altLang="en-US" sz="1200" dirty="0"/>
+          </a:p>
+        </p:txBody>
+      </p:sp>
+      <p:sp>
+        <p:nvSpPr>
+          <p:cNvPr id="27" name="矩形 26"/>
+          <p:cNvSpPr/>
+          <p:nvPr/>
+        </p:nvSpPr>
+        <p:spPr>
+          <a:xfrm>
+            <a:off x="4769965" y="4896517"/>
+            <a:ext cx="936104" cy="504056"/>
+          </a:xfrm>
+          <a:prstGeom prst="rect">
+            <a:avLst/>
+          </a:prstGeom>
+        </p:spPr>
+        <p:style>
+          <a:lnRef idx="2">
+            <a:schemeClr val="accent1">
+              <a:shade val="50000"/>
+            </a:schemeClr>
+          </a:lnRef>
+          <a:fillRef idx="1">
+            <a:schemeClr val="accent1"/>
+          </a:fillRef>
+          <a:effectRef idx="0">
+            <a:schemeClr val="accent1"/>
+          </a:effectRef>
+          <a:fontRef idx="minor">
+            <a:schemeClr val="lt1"/>
+          </a:fontRef>
+        </p:style>
+        <p:txBody>
+          <a:bodyPr rtlCol="0" anchor="ctr"/>
+          <a:lstStyle/>
+          <a:p>
+            <a:pPr algn="ctr"/>
+            <a:r>
+              <a:rPr lang="zh-CN" altLang="en-US" sz="1200" dirty="0" smtClean="0"/>
+              <a:t>服务治理</a:t>
+            </a:r>
+            <a:endParaRPr lang="zh-CN" altLang="en-US" sz="1200" dirty="0"/>
+          </a:p>
+        </p:txBody>
+      </p:sp>
+      <p:sp>
+        <p:nvSpPr>
+          <p:cNvPr id="28" name="矩形 27"/>
+          <p:cNvSpPr/>
+          <p:nvPr/>
+        </p:nvSpPr>
+        <p:spPr>
+          <a:xfrm>
+            <a:off x="8878664" y="6111850"/>
+            <a:ext cx="936104" cy="504056"/>
+          </a:xfrm>
+          <a:prstGeom prst="rect">
+            <a:avLst/>
+          </a:prstGeom>
+        </p:spPr>
+        <p:style>
+          <a:lnRef idx="2">
+            <a:schemeClr val="accent1">
+              <a:shade val="50000"/>
+            </a:schemeClr>
+          </a:lnRef>
+          <a:fillRef idx="1">
+            <a:schemeClr val="accent1"/>
+          </a:fillRef>
+          <a:effectRef idx="0">
+            <a:schemeClr val="accent1"/>
+          </a:effectRef>
+          <a:fontRef idx="minor">
+            <a:schemeClr val="lt1"/>
+          </a:fontRef>
+        </p:style>
+        <p:txBody>
+          <a:bodyPr rtlCol="0" anchor="ctr"/>
+          <a:lstStyle/>
+          <a:p>
+            <a:pPr algn="ctr"/>
+            <a:r>
+              <a:rPr lang="zh-CN" altLang="en-US" sz="1200" dirty="0" smtClean="0"/>
+              <a:t>弹性组件及管理</a:t>
+            </a:r>
+            <a:endParaRPr lang="zh-CN" altLang="en-US" sz="1200" dirty="0"/>
+          </a:p>
+        </p:txBody>
+      </p:sp>
+      <p:sp>
+        <p:nvSpPr>
+          <p:cNvPr id="29" name="矩形 28"/>
+          <p:cNvSpPr/>
+          <p:nvPr/>
+        </p:nvSpPr>
+        <p:spPr>
+          <a:xfrm>
+            <a:off x="8286432" y="5266568"/>
+            <a:ext cx="936104" cy="504056"/>
+          </a:xfrm>
+          <a:prstGeom prst="rect">
+            <a:avLst/>
+          </a:prstGeom>
+        </p:spPr>
+        <p:style>
+          <a:lnRef idx="2">
+            <a:schemeClr val="accent1">
+              <a:shade val="50000"/>
+            </a:schemeClr>
+          </a:lnRef>
+          <a:fillRef idx="1">
+            <a:schemeClr val="accent1"/>
+          </a:fillRef>
+          <a:effectRef idx="0">
+            <a:schemeClr val="accent1"/>
+          </a:effectRef>
+          <a:fontRef idx="minor">
+            <a:schemeClr val="lt1"/>
+          </a:fontRef>
+        </p:style>
+        <p:txBody>
+          <a:bodyPr rtlCol="0" anchor="ctr"/>
+          <a:lstStyle/>
+          <a:p>
+            <a:pPr algn="ctr"/>
+            <a:r>
+              <a:rPr lang="en-US" altLang="zh-CN" sz="1200" dirty="0"/>
+              <a:t>safe</a:t>
+            </a:r>
+            <a:endParaRPr lang="zh-CN" altLang="en-US" sz="1200" dirty="0"/>
+          </a:p>
+        </p:txBody>
+      </p:sp>
+      <p:cxnSp>
+        <p:nvCxnSpPr>
+          <p:cNvPr id="10" name="直接箭头连接符 9"/>
+          <p:cNvCxnSpPr/>
+          <p:nvPr/>
+        </p:nvCxnSpPr>
+        <p:spPr>
+          <a:xfrm>
+            <a:off x="3891552" y="3879602"/>
+            <a:ext cx="666632" cy="646864"/>
+          </a:xfrm>
+          <a:prstGeom prst="straightConnector1">
+            <a:avLst/>
+          </a:prstGeom>
+          <a:ln>
+            <a:tailEnd type="arrow"/>
+          </a:ln>
+        </p:spPr>
+        <p:style>
+          <a:lnRef idx="1">
+            <a:schemeClr val="accent1"/>
+          </a:lnRef>
+          <a:fillRef idx="0">
+            <a:schemeClr val="accent1"/>
+          </a:fillRef>
+          <a:effectRef idx="0">
+            <a:schemeClr val="accent1"/>
+          </a:effectRef>
+          <a:fontRef idx="minor">
+            <a:schemeClr val="tx1"/>
+          </a:fontRef>
+        </p:style>
+      </p:cxnSp>
+      <p:cxnSp>
+        <p:nvCxnSpPr>
+          <p:cNvPr id="30" name="直接箭头连接符 29"/>
+          <p:cNvCxnSpPr/>
+          <p:nvPr/>
+        </p:nvCxnSpPr>
+        <p:spPr>
+          <a:xfrm>
+            <a:off x="7222480" y="5148545"/>
+            <a:ext cx="864096" cy="622079"/>
+          </a:xfrm>
+          <a:prstGeom prst="straightConnector1">
+            <a:avLst/>
+          </a:prstGeom>
+          <a:ln>
+            <a:tailEnd type="arrow"/>
+          </a:ln>
+        </p:spPr>
+        <p:style>
+          <a:lnRef idx="1">
+            <a:schemeClr val="accent1"/>
+          </a:lnRef>
+          <a:fillRef idx="0">
+            <a:schemeClr val="accent1"/>
+          </a:fillRef>
+          <a:effectRef idx="0">
+            <a:schemeClr val="accent1"/>
+          </a:effectRef>
+          <a:fontRef idx="minor">
+            <a:schemeClr val="tx1"/>
+          </a:fontRef>
+        </p:style>
+      </p:cxnSp>
+      <p:cxnSp>
+        <p:nvCxnSpPr>
+          <p:cNvPr id="32" name="直接箭头连接符 31"/>
+          <p:cNvCxnSpPr/>
+          <p:nvPr/>
+        </p:nvCxnSpPr>
+        <p:spPr>
+          <a:xfrm>
+            <a:off x="10102800" y="6363878"/>
+            <a:ext cx="360040" cy="396044"/>
+          </a:xfrm>
+          <a:prstGeom prst="straightConnector1">
+            <a:avLst/>
+          </a:prstGeom>
+          <a:ln>
+            <a:tailEnd type="arrow"/>
+          </a:ln>
+        </p:spPr>
+        <p:style>
+          <a:lnRef idx="1">
+            <a:schemeClr val="accent1"/>
+          </a:lnRef>
+          <a:fillRef idx="0">
+            <a:schemeClr val="accent1"/>
+          </a:fillRef>
+          <a:effectRef idx="0">
+            <a:schemeClr val="accent1"/>
+          </a:effectRef>
+          <a:fontRef idx="minor">
+            <a:schemeClr val="tx1"/>
+          </a:fontRef>
+        </p:style>
+      </p:cxnSp>
+    </p:spTree>
+    <p:extLst>
+      <p:ext uri="{BB962C8B-B14F-4D97-AF65-F5344CB8AC3E}">
+        <p14:creationId xmlns:p14="http://schemas.microsoft.com/office/powerpoint/2010/main" val="3611744295"/>
+      </p:ext>
+    </p:extLst>
+  </p:cSld>
+  <p:clrMapOvr>
+    <a:masterClrMapping/>
+  </p:clrMapOvr>
+  <p:timing>
+    <p:tnLst>
+      <p:par>
+        <p:cTn id="1" dur="indefinite" restart="never" nodeType="tmRoot">
+          <p:childTnLst>
+            <p:seq concurrent="1" nextAc="seek">
+              <p:cTn id="2" dur="indefinite" nodeType="mainSeq">
+                <p:childTnLst>
+                  <p:par>
+                    <p:cTn id="3" fill="hold">
+                      <p:stCondLst>
+                        <p:cond delay="indefinite"/>
+                        <p:cond evt="onBegin" delay="0">
+                          <p:tn val="2"/>
+                        </p:cond>
+                      </p:stCondLst>
+                      <p:childTnLst>
+                        <p:par>
+                          <p:cTn id="4" fill="hold">
+                            <p:stCondLst>
+                              <p:cond delay="0"/>
+                            </p:stCondLst>
+                            <p:childTnLst>
+                              <p:par>
+                                <p:cTn id="5" presetID="10" presetClass="entr" presetSubtype="0" fill="hold" grpId="0" nodeType="afterEffect">
+                                  <p:stCondLst>
+                                    <p:cond delay="0"/>
+                                  </p:stCondLst>
+                                  <p:iterate type="lt">
+                                    <p:tmPct val="10000"/>
+                                  </p:iterate>
+                                  <p:childTnLst>
+                                    <p:set>
+                                      <p:cBhvr>
+                                        <p:cTn id="6" dur="1" fill="hold">
+                                          <p:stCondLst>
+                                            <p:cond delay="0"/>
+                                          </p:stCondLst>
+                                        </p:cTn>
+                                        <p:tgtEl>
+                                          <p:spTgt spid="6"/>
+                                        </p:tgtEl>
+                                        <p:attrNameLst>
+                                          <p:attrName>style.visibility</p:attrName>
+                                        </p:attrNameLst>
+                                      </p:cBhvr>
+                                      <p:to>
+                                        <p:strVal val="visible"/>
+                                      </p:to>
+                                    </p:set>
+                                    <p:animEffect transition="in" filter="fade">
+                                      <p:cBhvr>
+                                        <p:cTn id="7" dur="500"/>
+                                        <p:tgtEl>
+                                          <p:spTgt spid="6"/>
+                                        </p:tgtEl>
+                                      </p:cBhvr>
+                                    </p:animEffect>
+                                  </p:childTnLst>
+                                </p:cTn>
+                              </p:par>
+                            </p:childTnLst>
+                          </p:cTn>
+                        </p:par>
+                        <p:par>
+                          <p:cTn id="8" fill="hold">
+                            <p:stCondLst>
+                              <p:cond delay="750"/>
+                            </p:stCondLst>
+                            <p:childTnLst>
+                              <p:par>
+                                <p:cTn id="9" presetID="22" presetClass="entr" presetSubtype="8" fill="hold" nodeType="afterEffect">
+                                  <p:stCondLst>
+                                    <p:cond delay="0"/>
+                                  </p:stCondLst>
+                                  <p:childTnLst>
+                                    <p:set>
+                                      <p:cBhvr>
+                                        <p:cTn id="10" dur="1" fill="hold">
+                                          <p:stCondLst>
+                                            <p:cond delay="0"/>
+                                          </p:stCondLst>
+                                        </p:cTn>
+                                        <p:tgtEl>
+                                          <p:spTgt spid="7"/>
+                                        </p:tgtEl>
+                                        <p:attrNameLst>
+                                          <p:attrName>style.visibility</p:attrName>
+                                        </p:attrNameLst>
+                                      </p:cBhvr>
+                                      <p:to>
+                                        <p:strVal val="visible"/>
+                                      </p:to>
+                                    </p:set>
+                                    <p:animEffect transition="in" filter="wipe(left)">
+                                      <p:cBhvr>
+                                        <p:cTn id="11" dur="1000"/>
+                                        <p:tgtEl>
+                                          <p:spTgt spid="7"/>
+                                        </p:tgtEl>
+                                      </p:cBhvr>
+                                    </p:animEffect>
+                                  </p:childTnLst>
+                                </p:cTn>
+                              </p:par>
+                            </p:childTnLst>
+                          </p:cTn>
+                        </p:par>
+                      </p:childTnLst>
+                    </p:cTn>
+                  </p:par>
+                </p:childTnLst>
+              </p:cTn>
+              <p:prevCondLst>
+                <p:cond evt="onPrev" delay="0">
+                  <p:tgtEl>
+                    <p:sldTgt/>
+                  </p:tgtEl>
+                </p:cond>
+              </p:prevCondLst>
+              <p:nextCondLst>
+                <p:cond evt="onNext" delay="0">
+                  <p:tgtEl>
+                    <p:sldTgt/>
+                  </p:tgtEl>
+                </p:cond>
+              </p:nextCondLst>
+            </p:seq>
+          </p:childTnLst>
+        </p:cTn>
+      </p:par>
+    </p:tnLst>
+    <p:bldLst>
+      <p:bldP spid="6" grpId="0"/>
+    </p:bldLst>
+  </p:timing>
+</p:sld>
+</file>
+
+<file path=ppt/slides/slide24.xml><?xml version="1.0" encoding="utf-8"?>
+<p:sld xmlns:a="http://schemas.openxmlformats.org/drawingml/2006/main" xmlns:r="http://schemas.openxmlformats.org/officeDocument/2006/relationships" xmlns:p="http://schemas.openxmlformats.org/presentationml/2006/main">
+  <p:cSld>
+    <p:spTree>
+      <p:nvGrpSpPr>
+        <p:cNvPr id="1" name=""/>
+        <p:cNvGrpSpPr/>
+        <p:nvPr/>
+      </p:nvGrpSpPr>
+      <p:grpSpPr>
+        <a:xfrm>
+          <a:off x="0" y="0"/>
+          <a:ext cx="0" cy="0"/>
+          <a:chOff x="0" y="0"/>
+          <a:chExt cx="0" cy="0"/>
+        </a:xfrm>
+      </p:grpSpPr>
+      <p:sp>
+        <p:nvSpPr>
+          <p:cNvPr id="6" name="文本框 13"/>
+          <p:cNvSpPr txBox="1"/>
+          <p:nvPr/>
+        </p:nvSpPr>
+        <p:spPr>
+          <a:xfrm>
+            <a:off x="885776" y="855266"/>
+            <a:ext cx="6947656" cy="801897"/>
+          </a:xfrm>
+          <a:prstGeom prst="rect">
+            <a:avLst/>
+          </a:prstGeom>
+          <a:noFill/>
+        </p:spPr>
+        <p:txBody>
+          <a:bodyPr wrap="square" lIns="123581" tIns="61791" rIns="123581" bIns="61791" rtlCol="0">
+            <a:spAutoFit/>
+          </a:bodyPr>
+          <a:lstStyle/>
+          <a:p>
+            <a:r>
+              <a:rPr lang="zh-CN" altLang="en-US" sz="4400" dirty="0">
+                <a:solidFill>
+                  <a:srgbClr val="0070C0"/>
+                </a:solidFill>
+                <a:latin typeface="黑体" panose="02010609060101010101" pitchFamily="49" charset="-122"/>
+                <a:ea typeface="黑体" panose="02010609060101010101" pitchFamily="49" charset="-122"/>
+              </a:rPr>
+              <a:t>容灾</a:t>
+            </a:r>
+            <a:endParaRPr lang="zh-CN" altLang="en-US" sz="4400" dirty="0">
+              <a:solidFill>
+                <a:srgbClr val="0070C0"/>
+              </a:solidFill>
+              <a:latin typeface="黑体" panose="02010609060101010101" pitchFamily="49" charset="-122"/>
+              <a:ea typeface="黑体" panose="02010609060101010101" pitchFamily="49" charset="-122"/>
+            </a:endParaRPr>
+          </a:p>
+        </p:txBody>
+      </p:sp>
+      <p:cxnSp>
+        <p:nvCxnSpPr>
+          <p:cNvPr id="7" name="直接连接符 6"/>
+          <p:cNvCxnSpPr/>
+          <p:nvPr/>
+        </p:nvCxnSpPr>
+        <p:spPr>
+          <a:xfrm>
+            <a:off x="584734" y="2048065"/>
+            <a:ext cx="11367663" cy="0"/>
+          </a:xfrm>
+          <a:prstGeom prst="line">
+            <a:avLst/>
+          </a:prstGeom>
+          <a:ln>
+            <a:solidFill>
+              <a:schemeClr val="tx1">
+                <a:lumMod val="50000"/>
+                <a:lumOff val="50000"/>
+              </a:schemeClr>
+            </a:solidFill>
+          </a:ln>
+        </p:spPr>
+        <p:style>
+          <a:lnRef idx="1">
+            <a:schemeClr val="accent1"/>
+          </a:lnRef>
+          <a:fillRef idx="0">
+            <a:schemeClr val="accent1"/>
+          </a:fillRef>
+          <a:effectRef idx="0">
+            <a:schemeClr val="accent1"/>
+          </a:effectRef>
+          <a:fontRef idx="minor">
+            <a:schemeClr val="tx1"/>
+          </a:fontRef>
+        </p:style>
+      </p:cxnSp>
+      <p:sp>
+        <p:nvSpPr>
+          <p:cNvPr id="4" name="TextBox 3"/>
+          <p:cNvSpPr txBox="1"/>
+          <p:nvPr/>
+        </p:nvSpPr>
+        <p:spPr>
+          <a:xfrm>
+            <a:off x="1029792" y="2583458"/>
+            <a:ext cx="2404504" cy="461665"/>
+          </a:xfrm>
+          <a:prstGeom prst="rect">
+            <a:avLst/>
+          </a:prstGeom>
+          <a:noFill/>
+        </p:spPr>
+        <p:txBody>
+          <a:bodyPr wrap="none" rtlCol="0">
+            <a:spAutoFit/>
+          </a:bodyPr>
+          <a:lstStyle/>
+          <a:p>
+            <a:r>
+              <a:rPr lang="en-US" altLang="zh-CN" dirty="0">
+                <a:solidFill>
+                  <a:schemeClr val="accent6">
+                    <a:lumMod val="60000"/>
+                    <a:lumOff val="40000"/>
+                  </a:schemeClr>
+                </a:solidFill>
+              </a:rPr>
+              <a:t>High </a:t>
+            </a:r>
+            <a:r>
+              <a:rPr lang="en-US" altLang="zh-CN" dirty="0" smtClean="0">
+                <a:solidFill>
+                  <a:schemeClr val="accent6">
+                    <a:lumMod val="60000"/>
+                    <a:lumOff val="40000"/>
+                  </a:schemeClr>
+                </a:solidFill>
+              </a:rPr>
+              <a:t>Availability</a:t>
+            </a:r>
+            <a:endParaRPr lang="zh-CN" altLang="en-US" dirty="0">
+              <a:solidFill>
+                <a:schemeClr val="accent6">
+                  <a:lumMod val="60000"/>
+                  <a:lumOff val="40000"/>
+                </a:schemeClr>
+              </a:solidFill>
+            </a:endParaRPr>
+          </a:p>
+        </p:txBody>
+      </p:sp>
+      <p:sp>
+        <p:nvSpPr>
+          <p:cNvPr id="8" name="TextBox 7"/>
+          <p:cNvSpPr txBox="1"/>
+          <p:nvPr/>
+        </p:nvSpPr>
+        <p:spPr>
+          <a:xfrm>
+            <a:off x="3910112" y="3591570"/>
+            <a:ext cx="2396810" cy="461665"/>
+          </a:xfrm>
+          <a:prstGeom prst="rect">
+            <a:avLst/>
+          </a:prstGeom>
+          <a:noFill/>
+        </p:spPr>
+        <p:txBody>
+          <a:bodyPr wrap="none" rtlCol="0">
+            <a:spAutoFit/>
+          </a:bodyPr>
+          <a:lstStyle/>
+          <a:p>
+            <a:r>
+              <a:rPr lang="zh-CN" altLang="en-US" dirty="0"/>
+              <a:t>双</a:t>
+            </a:r>
+            <a:r>
+              <a:rPr lang="zh-CN" altLang="en-US" dirty="0" smtClean="0"/>
+              <a:t>活（</a:t>
+            </a:r>
+            <a:r>
+              <a:rPr lang="en-US" altLang="zh-CN" dirty="0" smtClean="0"/>
+              <a:t>backup</a:t>
+            </a:r>
+            <a:r>
+              <a:rPr lang="zh-CN" altLang="en-US" dirty="0" smtClean="0"/>
+              <a:t>）</a:t>
+            </a:r>
+            <a:endParaRPr lang="zh-CN" altLang="en-US" dirty="0"/>
+          </a:p>
+        </p:txBody>
+      </p:sp>
+      <p:sp>
+        <p:nvSpPr>
+          <p:cNvPr id="10" name="TextBox 9"/>
+          <p:cNvSpPr txBox="1"/>
+          <p:nvPr/>
+        </p:nvSpPr>
+        <p:spPr>
+          <a:xfrm>
+            <a:off x="6142360" y="4902522"/>
+            <a:ext cx="2646878" cy="461665"/>
+          </a:xfrm>
+          <a:prstGeom prst="rect">
+            <a:avLst/>
+          </a:prstGeom>
+          <a:noFill/>
+        </p:spPr>
+        <p:txBody>
+          <a:bodyPr wrap="none" rtlCol="0">
+            <a:spAutoFit/>
+          </a:bodyPr>
+          <a:lstStyle/>
+          <a:p>
+            <a:r>
+              <a:rPr lang="zh-CN" altLang="en-US" dirty="0" smtClean="0"/>
+              <a:t>容灾（机房层面）</a:t>
+            </a:r>
+            <a:endParaRPr lang="zh-CN" altLang="en-US" dirty="0"/>
+          </a:p>
+        </p:txBody>
+      </p:sp>
+      <p:sp>
+        <p:nvSpPr>
+          <p:cNvPr id="11" name="TextBox 10"/>
+          <p:cNvSpPr txBox="1"/>
+          <p:nvPr/>
+        </p:nvSpPr>
+        <p:spPr>
+          <a:xfrm>
+            <a:off x="8789238" y="5967834"/>
+            <a:ext cx="3652923" cy="461665"/>
+          </a:xfrm>
+          <a:prstGeom prst="rect">
+            <a:avLst/>
+          </a:prstGeom>
+          <a:noFill/>
+        </p:spPr>
+        <p:txBody>
+          <a:bodyPr wrap="none" rtlCol="0">
+            <a:spAutoFit/>
+          </a:bodyPr>
+          <a:lstStyle/>
+          <a:p>
+            <a:r>
+              <a:rPr lang="en-US" altLang="zh-CN" dirty="0"/>
+              <a:t>Fault </a:t>
+            </a:r>
+            <a:r>
+              <a:rPr lang="en-US" altLang="zh-CN" dirty="0" smtClean="0"/>
+              <a:t>Tolerant</a:t>
+            </a:r>
+            <a:r>
+              <a:rPr lang="zh-CN" altLang="en-US" dirty="0" smtClean="0"/>
+              <a:t>（机器级）</a:t>
+            </a:r>
+            <a:endParaRPr lang="zh-CN" altLang="en-US" dirty="0"/>
+          </a:p>
+        </p:txBody>
+      </p:sp>
+      <p:cxnSp>
+        <p:nvCxnSpPr>
+          <p:cNvPr id="14" name="直接箭头连接符 13"/>
+          <p:cNvCxnSpPr/>
+          <p:nvPr/>
+        </p:nvCxnSpPr>
+        <p:spPr>
+          <a:xfrm>
+            <a:off x="3118024" y="3045123"/>
+            <a:ext cx="648072" cy="546447"/>
+          </a:xfrm>
+          <a:prstGeom prst="straightConnector1">
+            <a:avLst/>
+          </a:prstGeom>
+          <a:ln>
+            <a:tailEnd type="arrow"/>
+          </a:ln>
+        </p:spPr>
+        <p:style>
+          <a:lnRef idx="1">
+            <a:schemeClr val="accent1"/>
+          </a:lnRef>
+          <a:fillRef idx="0">
+            <a:schemeClr val="accent1"/>
+          </a:fillRef>
+          <a:effectRef idx="0">
+            <a:schemeClr val="accent1"/>
+          </a:effectRef>
+          <a:fontRef idx="minor">
+            <a:schemeClr val="tx1"/>
+          </a:fontRef>
+        </p:style>
+      </p:cxnSp>
+      <p:cxnSp>
+        <p:nvCxnSpPr>
+          <p:cNvPr id="17" name="直接箭头连接符 16"/>
+          <p:cNvCxnSpPr/>
+          <p:nvPr/>
+        </p:nvCxnSpPr>
+        <p:spPr>
+          <a:xfrm>
+            <a:off x="5422280" y="4053235"/>
+            <a:ext cx="1152128" cy="690463"/>
+          </a:xfrm>
+          <a:prstGeom prst="straightConnector1">
+            <a:avLst/>
+          </a:prstGeom>
+          <a:ln>
+            <a:tailEnd type="arrow"/>
+          </a:ln>
+        </p:spPr>
+        <p:style>
+          <a:lnRef idx="1">
+            <a:schemeClr val="accent1"/>
+          </a:lnRef>
+          <a:fillRef idx="0">
+            <a:schemeClr val="accent1"/>
+          </a:fillRef>
+          <a:effectRef idx="0">
+            <a:schemeClr val="accent1"/>
+          </a:effectRef>
+          <a:fontRef idx="minor">
+            <a:schemeClr val="tx1"/>
+          </a:fontRef>
+        </p:style>
+      </p:cxnSp>
+      <p:cxnSp>
+        <p:nvCxnSpPr>
+          <p:cNvPr id="19" name="直接箭头连接符 18"/>
+          <p:cNvCxnSpPr/>
+          <p:nvPr/>
+        </p:nvCxnSpPr>
+        <p:spPr>
+          <a:xfrm>
+            <a:off x="8086576" y="5535786"/>
+            <a:ext cx="1080120" cy="432048"/>
+          </a:xfrm>
+          <a:prstGeom prst="straightConnector1">
+            <a:avLst/>
+          </a:prstGeom>
+          <a:ln>
+            <a:tailEnd type="arrow"/>
+          </a:ln>
+        </p:spPr>
+        <p:style>
+          <a:lnRef idx="1">
+            <a:schemeClr val="accent1"/>
+          </a:lnRef>
+          <a:fillRef idx="0">
+            <a:schemeClr val="accent1"/>
+          </a:fillRef>
+          <a:effectRef idx="0">
+            <a:schemeClr val="accent1"/>
+          </a:effectRef>
+          <a:fontRef idx="minor">
+            <a:schemeClr val="tx1"/>
+          </a:fontRef>
+        </p:style>
+      </p:cxnSp>
+    </p:spTree>
+    <p:extLst>
+      <p:ext uri="{BB962C8B-B14F-4D97-AF65-F5344CB8AC3E}">
+        <p14:creationId xmlns:p14="http://schemas.microsoft.com/office/powerpoint/2010/main" val="4085125146"/>
+      </p:ext>
+    </p:extLst>
+  </p:cSld>
+  <p:clrMapOvr>
+    <a:masterClrMapping/>
+  </p:clrMapOvr>
+  <p:timing>
+    <p:tnLst>
+      <p:par>
+        <p:cTn id="1" dur="indefinite" restart="never" nodeType="tmRoot">
+          <p:childTnLst>
+            <p:seq concurrent="1" nextAc="seek">
+              <p:cTn id="2" dur="indefinite" nodeType="mainSeq">
+                <p:childTnLst>
+                  <p:par>
+                    <p:cTn id="3" fill="hold">
+                      <p:stCondLst>
+                        <p:cond delay="indefinite"/>
+                        <p:cond evt="onBegin" delay="0">
+                          <p:tn val="2"/>
+                        </p:cond>
+                      </p:stCondLst>
+                      <p:childTnLst>
+                        <p:par>
+                          <p:cTn id="4" fill="hold">
+                            <p:stCondLst>
+                              <p:cond delay="0"/>
+                            </p:stCondLst>
+                            <p:childTnLst>
+                              <p:par>
+                                <p:cTn id="5" presetID="10" presetClass="entr" presetSubtype="0" fill="hold" grpId="0" nodeType="afterEffect">
+                                  <p:stCondLst>
+                                    <p:cond delay="0"/>
+                                  </p:stCondLst>
+                                  <p:iterate type="lt">
+                                    <p:tmPct val="10000"/>
+                                  </p:iterate>
+                                  <p:childTnLst>
+                                    <p:set>
+                                      <p:cBhvr>
+                                        <p:cTn id="6" dur="1" fill="hold">
+                                          <p:stCondLst>
+                                            <p:cond delay="0"/>
+                                          </p:stCondLst>
+                                        </p:cTn>
+                                        <p:tgtEl>
+                                          <p:spTgt spid="6"/>
+                                        </p:tgtEl>
+                                        <p:attrNameLst>
+                                          <p:attrName>style.visibility</p:attrName>
+                                        </p:attrNameLst>
+                                      </p:cBhvr>
+                                      <p:to>
+                                        <p:strVal val="visible"/>
+                                      </p:to>
+                                    </p:set>
+                                    <p:animEffect transition="in" filter="fade">
+                                      <p:cBhvr>
+                                        <p:cTn id="7" dur="500"/>
+                                        <p:tgtEl>
+                                          <p:spTgt spid="6"/>
+                                        </p:tgtEl>
+                                      </p:cBhvr>
+                                    </p:animEffect>
+                                  </p:childTnLst>
+                                </p:cTn>
+                              </p:par>
+                            </p:childTnLst>
+                          </p:cTn>
+                        </p:par>
+                        <p:par>
+                          <p:cTn id="8" fill="hold">
+                            <p:stCondLst>
+                              <p:cond delay="550"/>
+                            </p:stCondLst>
+                            <p:childTnLst>
+                              <p:par>
+                                <p:cTn id="9" presetID="22" presetClass="entr" presetSubtype="8" fill="hold" nodeType="afterEffect">
+                                  <p:stCondLst>
+                                    <p:cond delay="0"/>
+                                  </p:stCondLst>
+                                  <p:childTnLst>
+                                    <p:set>
+                                      <p:cBhvr>
+                                        <p:cTn id="10" dur="1" fill="hold">
+                                          <p:stCondLst>
+                                            <p:cond delay="0"/>
+                                          </p:stCondLst>
+                                        </p:cTn>
+                                        <p:tgtEl>
+                                          <p:spTgt spid="7"/>
+                                        </p:tgtEl>
+                                        <p:attrNameLst>
+                                          <p:attrName>style.visibility</p:attrName>
+                                        </p:attrNameLst>
+                                      </p:cBhvr>
+                                      <p:to>
+                                        <p:strVal val="visible"/>
+                                      </p:to>
+                                    </p:set>
+                                    <p:animEffect transition="in" filter="wipe(left)">
+                                      <p:cBhvr>
+                                        <p:cTn id="11" dur="1000"/>
+                                        <p:tgtEl>
+                                          <p:spTgt spid="7"/>
+                                        </p:tgtEl>
+                                      </p:cBhvr>
+                                    </p:animEffect>
+                                  </p:childTnLst>
+                                </p:cTn>
+                              </p:par>
+                            </p:childTnLst>
+                          </p:cTn>
+                        </p:par>
+                      </p:childTnLst>
+                    </p:cTn>
+                  </p:par>
+                </p:childTnLst>
+              </p:cTn>
+              <p:prevCondLst>
+                <p:cond evt="onPrev" delay="0">
+                  <p:tgtEl>
+                    <p:sldTgt/>
+                  </p:tgtEl>
+                </p:cond>
+              </p:prevCondLst>
+              <p:nextCondLst>
+                <p:cond evt="onNext" delay="0">
+                  <p:tgtEl>
+                    <p:sldTgt/>
+                  </p:tgtEl>
+                </p:cond>
+              </p:nextCondLst>
+            </p:seq>
+          </p:childTnLst>
+        </p:cTn>
+      </p:par>
+    </p:tnLst>
+    <p:bldLst>
+      <p:bldP spid="6" grpId="0"/>
+    </p:bldLst>
+  </p:timing>
+</p:sld>
+</file>
+
+<file path=ppt/slides/slide25.xml><?xml version="1.0" encoding="utf-8"?>
+<p:sld xmlns:a="http://schemas.openxmlformats.org/drawingml/2006/main" xmlns:r="http://schemas.openxmlformats.org/officeDocument/2006/relationships" xmlns:p="http://schemas.openxmlformats.org/presentationml/2006/main">
+  <p:cSld>
+    <p:spTree>
+      <p:nvGrpSpPr>
+        <p:cNvPr id="1" name=""/>
+        <p:cNvGrpSpPr/>
+        <p:nvPr/>
+      </p:nvGrpSpPr>
+      <p:grpSpPr>
+        <a:xfrm>
+          <a:off x="0" y="0"/>
+          <a:ext cx="0" cy="0"/>
+          <a:chOff x="0" y="0"/>
+          <a:chExt cx="0" cy="0"/>
+        </a:xfrm>
+      </p:grpSpPr>
+      <p:sp>
+        <p:nvSpPr>
+          <p:cNvPr id="6" name="文本框 13"/>
+          <p:cNvSpPr txBox="1"/>
+          <p:nvPr/>
+        </p:nvSpPr>
+        <p:spPr>
+          <a:xfrm>
+            <a:off x="885776" y="855266"/>
+            <a:ext cx="6947656" cy="801897"/>
+          </a:xfrm>
+          <a:prstGeom prst="rect">
+            <a:avLst/>
+          </a:prstGeom>
+          <a:noFill/>
+        </p:spPr>
+        <p:txBody>
+          <a:bodyPr wrap="square" lIns="123581" tIns="61791" rIns="123581" bIns="61791" rtlCol="0">
+            <a:spAutoFit/>
+          </a:bodyPr>
+          <a:lstStyle/>
+          <a:p>
+            <a:r>
+              <a:rPr lang="zh-CN" altLang="en-US" sz="4400" dirty="0" smtClean="0">
+                <a:solidFill>
+                  <a:srgbClr val="0070C0"/>
+                </a:solidFill>
+                <a:latin typeface="黑体" panose="02010609060101010101" pitchFamily="49" charset="-122"/>
+                <a:ea typeface="黑体" panose="02010609060101010101" pitchFamily="49" charset="-122"/>
+              </a:rPr>
+              <a:t>敏捷开发</a:t>
+            </a:r>
+            <a:endParaRPr lang="zh-CN" altLang="en-US" sz="4400" dirty="0">
+              <a:solidFill>
+                <a:srgbClr val="0070C0"/>
+              </a:solidFill>
+              <a:latin typeface="黑体" panose="02010609060101010101" pitchFamily="49" charset="-122"/>
+              <a:ea typeface="黑体" panose="02010609060101010101" pitchFamily="49" charset="-122"/>
+            </a:endParaRPr>
+          </a:p>
+        </p:txBody>
+      </p:sp>
+      <p:cxnSp>
+        <p:nvCxnSpPr>
+          <p:cNvPr id="7" name="直接连接符 6"/>
+          <p:cNvCxnSpPr/>
+          <p:nvPr/>
+        </p:nvCxnSpPr>
+        <p:spPr>
+          <a:xfrm>
+            <a:off x="584734" y="2048065"/>
+            <a:ext cx="11367663" cy="0"/>
+          </a:xfrm>
+          <a:prstGeom prst="line">
+            <a:avLst/>
+          </a:prstGeom>
+          <a:ln>
+            <a:solidFill>
+              <a:schemeClr val="tx1">
+                <a:lumMod val="50000"/>
+                <a:lumOff val="50000"/>
+              </a:schemeClr>
+            </a:solidFill>
+          </a:ln>
+        </p:spPr>
+        <p:style>
+          <a:lnRef idx="1">
+            <a:schemeClr val="accent1"/>
+          </a:lnRef>
+          <a:fillRef idx="0">
+            <a:schemeClr val="accent1"/>
+          </a:fillRef>
+          <a:effectRef idx="0">
+            <a:schemeClr val="accent1"/>
+          </a:effectRef>
+          <a:fontRef idx="minor">
+            <a:schemeClr val="tx1"/>
+          </a:fontRef>
+        </p:style>
+      </p:cxnSp>
+      <p:sp>
+        <p:nvSpPr>
+          <p:cNvPr id="2" name="TextBox 1"/>
+          <p:cNvSpPr txBox="1"/>
+          <p:nvPr/>
+        </p:nvSpPr>
+        <p:spPr>
+          <a:xfrm>
+            <a:off x="1173808" y="2727474"/>
+            <a:ext cx="1415772" cy="461665"/>
+          </a:xfrm>
+          <a:prstGeom prst="rect">
+            <a:avLst/>
+          </a:prstGeom>
+          <a:noFill/>
+        </p:spPr>
+        <p:txBody>
+          <a:bodyPr wrap="none" rtlCol="0">
+            <a:spAutoFit/>
+          </a:bodyPr>
+          <a:lstStyle/>
+          <a:p>
+            <a:r>
+              <a:rPr lang="zh-CN" altLang="en-US" dirty="0" smtClean="0">
+                <a:solidFill>
+                  <a:schemeClr val="accent6">
+                    <a:lumMod val="60000"/>
+                    <a:lumOff val="40000"/>
+                  </a:schemeClr>
+                </a:solidFill>
+              </a:rPr>
+              <a:t>工具级别</a:t>
+            </a:r>
+            <a:endParaRPr lang="zh-CN" altLang="en-US" dirty="0">
+              <a:solidFill>
+                <a:schemeClr val="accent6">
+                  <a:lumMod val="60000"/>
+                  <a:lumOff val="40000"/>
+                </a:schemeClr>
+              </a:solidFill>
+            </a:endParaRPr>
+          </a:p>
+        </p:txBody>
+      </p:sp>
+      <p:sp>
+        <p:nvSpPr>
+          <p:cNvPr id="3" name="TextBox 2"/>
+          <p:cNvSpPr txBox="1"/>
+          <p:nvPr/>
+        </p:nvSpPr>
+        <p:spPr>
+          <a:xfrm>
+            <a:off x="3766096" y="3591570"/>
+            <a:ext cx="1415772" cy="461665"/>
+          </a:xfrm>
+          <a:prstGeom prst="rect">
+            <a:avLst/>
+          </a:prstGeom>
+          <a:noFill/>
+        </p:spPr>
+        <p:txBody>
+          <a:bodyPr wrap="none" rtlCol="0">
+            <a:spAutoFit/>
+          </a:bodyPr>
+          <a:lstStyle/>
+          <a:p>
+            <a:r>
+              <a:rPr lang="zh-CN" altLang="en-US" dirty="0" smtClean="0"/>
+              <a:t>开发模式</a:t>
+            </a:r>
+            <a:endParaRPr lang="zh-CN" altLang="en-US" dirty="0"/>
+          </a:p>
+        </p:txBody>
+      </p:sp>
+      <p:sp>
+        <p:nvSpPr>
+          <p:cNvPr id="5" name="TextBox 4"/>
+          <p:cNvSpPr txBox="1"/>
+          <p:nvPr/>
+        </p:nvSpPr>
+        <p:spPr>
+          <a:xfrm>
+            <a:off x="6268565" y="4455666"/>
+            <a:ext cx="1415772" cy="461665"/>
+          </a:xfrm>
+          <a:prstGeom prst="rect">
+            <a:avLst/>
+          </a:prstGeom>
+          <a:noFill/>
+        </p:spPr>
+        <p:txBody>
+          <a:bodyPr wrap="none" rtlCol="0">
+            <a:spAutoFit/>
+          </a:bodyPr>
+          <a:lstStyle/>
+          <a:p>
+            <a:r>
+              <a:rPr lang="zh-CN" altLang="en-US" dirty="0" smtClean="0"/>
+              <a:t>商务模式</a:t>
+            </a:r>
+            <a:endParaRPr lang="zh-CN" altLang="en-US" dirty="0"/>
+          </a:p>
+        </p:txBody>
+      </p:sp>
+      <p:cxnSp>
+        <p:nvCxnSpPr>
+          <p:cNvPr id="12" name="直接箭头连接符 11"/>
+          <p:cNvCxnSpPr/>
+          <p:nvPr/>
+        </p:nvCxnSpPr>
+        <p:spPr>
+          <a:xfrm>
+            <a:off x="2589580" y="3189139"/>
+            <a:ext cx="888484" cy="402431"/>
+          </a:xfrm>
+          <a:prstGeom prst="straightConnector1">
+            <a:avLst/>
+          </a:prstGeom>
+          <a:ln>
+            <a:tailEnd type="arrow"/>
+          </a:ln>
+        </p:spPr>
+        <p:style>
+          <a:lnRef idx="1">
+            <a:schemeClr val="accent1"/>
+          </a:lnRef>
+          <a:fillRef idx="0">
+            <a:schemeClr val="accent1"/>
+          </a:fillRef>
+          <a:effectRef idx="0">
+            <a:schemeClr val="accent1"/>
+          </a:effectRef>
+          <a:fontRef idx="minor">
+            <a:schemeClr val="tx1"/>
+          </a:fontRef>
+        </p:style>
+      </p:cxnSp>
+      <p:cxnSp>
+        <p:nvCxnSpPr>
+          <p:cNvPr id="15" name="直接箭头连接符 14"/>
+          <p:cNvCxnSpPr/>
+          <p:nvPr/>
+        </p:nvCxnSpPr>
+        <p:spPr>
+          <a:xfrm>
+            <a:off x="5350272" y="4053235"/>
+            <a:ext cx="918293" cy="402431"/>
+          </a:xfrm>
+          <a:prstGeom prst="straightConnector1">
+            <a:avLst/>
+          </a:prstGeom>
+          <a:ln>
+            <a:tailEnd type="arrow"/>
+          </a:ln>
+        </p:spPr>
+        <p:style>
+          <a:lnRef idx="1">
+            <a:schemeClr val="accent1"/>
+          </a:lnRef>
+          <a:fillRef idx="0">
+            <a:schemeClr val="accent1"/>
+          </a:fillRef>
+          <a:effectRef idx="0">
+            <a:schemeClr val="accent1"/>
+          </a:effectRef>
+          <a:fontRef idx="minor">
+            <a:schemeClr val="tx1"/>
+          </a:fontRef>
+        </p:style>
+      </p:cxnSp>
+    </p:spTree>
+    <p:extLst>
+      <p:ext uri="{BB962C8B-B14F-4D97-AF65-F5344CB8AC3E}">
+        <p14:creationId xmlns:p14="http://schemas.microsoft.com/office/powerpoint/2010/main" val="1544922585"/>
+      </p:ext>
+    </p:extLst>
+  </p:cSld>
+  <p:clrMapOvr>
+    <a:masterClrMapping/>
+  </p:clrMapOvr>
+  <p:timing>
+    <p:tnLst>
+      <p:par>
+        <p:cTn id="1" dur="indefinite" restart="never" nodeType="tmRoot">
+          <p:childTnLst>
+            <p:seq concurrent="1" nextAc="seek">
+              <p:cTn id="2" dur="indefinite" nodeType="mainSeq">
+                <p:childTnLst>
+                  <p:par>
+                    <p:cTn id="3" fill="hold">
+                      <p:stCondLst>
+                        <p:cond delay="indefinite"/>
+                        <p:cond evt="onBegin" delay="0">
+                          <p:tn val="2"/>
+                        </p:cond>
+                      </p:stCondLst>
+                      <p:childTnLst>
+                        <p:par>
+                          <p:cTn id="4" fill="hold">
+                            <p:stCondLst>
+                              <p:cond delay="0"/>
+                            </p:stCondLst>
+                            <p:childTnLst>
+                              <p:par>
+                                <p:cTn id="5" presetID="10" presetClass="entr" presetSubtype="0" fill="hold" grpId="0" nodeType="afterEffect">
+                                  <p:stCondLst>
+                                    <p:cond delay="0"/>
+                                  </p:stCondLst>
+                                  <p:iterate type="lt">
+                                    <p:tmPct val="10000"/>
+                                  </p:iterate>
+                                  <p:childTnLst>
+                                    <p:set>
+                                      <p:cBhvr>
+                                        <p:cTn id="6" dur="1" fill="hold">
+                                          <p:stCondLst>
+                                            <p:cond delay="0"/>
+                                          </p:stCondLst>
+                                        </p:cTn>
+                                        <p:tgtEl>
+                                          <p:spTgt spid="6"/>
+                                        </p:tgtEl>
+                                        <p:attrNameLst>
+                                          <p:attrName>style.visibility</p:attrName>
+                                        </p:attrNameLst>
+                                      </p:cBhvr>
+                                      <p:to>
+                                        <p:strVal val="visible"/>
+                                      </p:to>
+                                    </p:set>
+                                    <p:animEffect transition="in" filter="fade">
+                                      <p:cBhvr>
+                                        <p:cTn id="7" dur="500"/>
+                                        <p:tgtEl>
+                                          <p:spTgt spid="6"/>
+                                        </p:tgtEl>
+                                      </p:cBhvr>
+                                    </p:animEffect>
+                                  </p:childTnLst>
+                                </p:cTn>
+                              </p:par>
+                            </p:childTnLst>
+                          </p:cTn>
+                        </p:par>
+                        <p:par>
+                          <p:cTn id="8" fill="hold">
+                            <p:stCondLst>
+                              <p:cond delay="650"/>
+                            </p:stCondLst>
+                            <p:childTnLst>
+                              <p:par>
+                                <p:cTn id="9" presetID="22" presetClass="entr" presetSubtype="8" fill="hold" nodeType="afterEffect">
+                                  <p:stCondLst>
+                                    <p:cond delay="0"/>
+                                  </p:stCondLst>
+                                  <p:childTnLst>
+                                    <p:set>
+                                      <p:cBhvr>
+                                        <p:cTn id="10" dur="1" fill="hold">
+                                          <p:stCondLst>
+                                            <p:cond delay="0"/>
+                                          </p:stCondLst>
+                                        </p:cTn>
+                                        <p:tgtEl>
+                                          <p:spTgt spid="7"/>
+                                        </p:tgtEl>
+                                        <p:attrNameLst>
+                                          <p:attrName>style.visibility</p:attrName>
+                                        </p:attrNameLst>
+                                      </p:cBhvr>
+                                      <p:to>
+                                        <p:strVal val="visible"/>
+                                      </p:to>
+                                    </p:set>
+                                    <p:animEffect transition="in" filter="wipe(left)">
+                                      <p:cBhvr>
+                                        <p:cTn id="11" dur="1000"/>
+                                        <p:tgtEl>
+                                          <p:spTgt spid="7"/>
+                                        </p:tgtEl>
+                                      </p:cBhvr>
+                                    </p:animEffect>
+                                  </p:childTnLst>
+                                </p:cTn>
+                              </p:par>
+                            </p:childTnLst>
+                          </p:cTn>
+                        </p:par>
+                      </p:childTnLst>
+                    </p:cTn>
+                  </p:par>
+                </p:childTnLst>
+              </p:cTn>
+              <p:prevCondLst>
+                <p:cond evt="onPrev" delay="0">
+                  <p:tgtEl>
+                    <p:sldTgt/>
+                  </p:tgtEl>
+                </p:cond>
+              </p:prevCondLst>
+              <p:nextCondLst>
+                <p:cond evt="onNext" delay="0">
+                  <p:tgtEl>
+                    <p:sldTgt/>
+                  </p:tgtEl>
+                </p:cond>
+              </p:nextCondLst>
+            </p:seq>
+          </p:childTnLst>
+        </p:cTn>
+      </p:par>
+    </p:tnLst>
+    <p:bldLst>
+      <p:bldP spid="6" grpId="0"/>
+    </p:bldLst>
+  </p:timing>
+</p:sld>
+</file>
+
+<file path=ppt/slides/slide26.xml><?xml version="1.0" encoding="utf-8"?>
+<p:sld xmlns:a="http://schemas.openxmlformats.org/drawingml/2006/main" xmlns:r="http://schemas.openxmlformats.org/officeDocument/2006/relationships" xmlns:p="http://schemas.openxmlformats.org/presentationml/2006/main">
+  <p:cSld>
+    <p:spTree>
+      <p:nvGrpSpPr>
+        <p:cNvPr id="1" name=""/>
+        <p:cNvGrpSpPr/>
+        <p:nvPr/>
+      </p:nvGrpSpPr>
+      <p:grpSpPr>
+        <a:xfrm>
+          <a:off x="0" y="0"/>
+          <a:ext cx="0" cy="0"/>
+          <a:chOff x="0" y="0"/>
+          <a:chExt cx="0" cy="0"/>
+        </a:xfrm>
+      </p:grpSpPr>
       <p:pic>
         <p:nvPicPr>
           <p:cNvPr id="1027" name="Picture 3" descr="E:\工作\0530\银色系列\1.jpg"/>
@@ -17223,7 +19025,7 @@
 </p:sld>
 </file>
 
-<file path=ppt/slides/slide22.xml><?xml version="1.0" encoding="utf-8"?>
+<file path=ppt/slides/slide27.xml><?xml version="1.0" encoding="utf-8"?>
 <p:sld xmlns:a="http://schemas.openxmlformats.org/drawingml/2006/main" xmlns:r="http://schemas.openxmlformats.org/officeDocument/2006/relationships" xmlns:p="http://schemas.openxmlformats.org/presentationml/2006/main">
   <p:cSld>
     <p:spTree>
@@ -19296,11 +21098,7 @@
           <a:p>
             <a:r>
               <a:rPr lang="zh-CN" altLang="en-US" dirty="0" smtClean="0"/>
-              <a:t>架构参考</a:t>
-            </a:r>
-            <a:r>
-              <a:rPr lang="zh-CN" altLang="en-US" dirty="0" smtClean="0"/>
-              <a:t>参考</a:t>
+              <a:t>架构参考参考</a:t>
             </a:r>
             <a:r>
               <a:rPr lang="en-US" altLang="zh-CN" dirty="0" err="1" smtClean="0"/>
